--- a/05AddingFunctionality.pptx
+++ b/05AddingFunctionality.pptx
@@ -216,7 +216,7 @@
           <a:p>
             <a:fld id="{86035F98-A1BD-4CEA-97BE-8B0B3D35457A}" type="datetimeFigureOut">
               <a:rPr lang="de-DE" smtClean="0"/>
-              <a:t>04.06.2018</a:t>
+              <a:t>05.06.2018</a:t>
             </a:fld>
             <a:endParaRPr lang="de-DE"/>
           </a:p>
@@ -4592,7 +4592,7 @@
           <a:p>
             <a:fld id="{D92B96C3-1F42-476F-BF68-0478C74608EE}" type="datetimeFigureOut">
               <a:rPr lang="de-DE" smtClean="0"/>
-              <a:t>04.06.2018</a:t>
+              <a:t>05.06.2018</a:t>
             </a:fld>
             <a:endParaRPr lang="de-DE"/>
           </a:p>
@@ -4760,7 +4760,7 @@
           <a:p>
             <a:fld id="{D92B96C3-1F42-476F-BF68-0478C74608EE}" type="datetimeFigureOut">
               <a:rPr lang="de-DE" smtClean="0"/>
-              <a:t>04.06.2018</a:t>
+              <a:t>05.06.2018</a:t>
             </a:fld>
             <a:endParaRPr lang="de-DE"/>
           </a:p>
@@ -4938,7 +4938,7 @@
           <a:p>
             <a:fld id="{D92B96C3-1F42-476F-BF68-0478C74608EE}" type="datetimeFigureOut">
               <a:rPr lang="de-DE" smtClean="0"/>
-              <a:t>04.06.2018</a:t>
+              <a:t>05.06.2018</a:t>
             </a:fld>
             <a:endParaRPr lang="de-DE"/>
           </a:p>
@@ -5106,7 +5106,7 @@
           <a:p>
             <a:fld id="{D92B96C3-1F42-476F-BF68-0478C74608EE}" type="datetimeFigureOut">
               <a:rPr lang="de-DE" smtClean="0"/>
-              <a:t>04.06.2018</a:t>
+              <a:t>05.06.2018</a:t>
             </a:fld>
             <a:endParaRPr lang="de-DE"/>
           </a:p>
@@ -5351,7 +5351,7 @@
           <a:p>
             <a:fld id="{D92B96C3-1F42-476F-BF68-0478C74608EE}" type="datetimeFigureOut">
               <a:rPr lang="de-DE" smtClean="0"/>
-              <a:t>04.06.2018</a:t>
+              <a:t>05.06.2018</a:t>
             </a:fld>
             <a:endParaRPr lang="de-DE"/>
           </a:p>
@@ -5580,7 +5580,7 @@
           <a:p>
             <a:fld id="{D92B96C3-1F42-476F-BF68-0478C74608EE}" type="datetimeFigureOut">
               <a:rPr lang="de-DE" smtClean="0"/>
-              <a:t>04.06.2018</a:t>
+              <a:t>05.06.2018</a:t>
             </a:fld>
             <a:endParaRPr lang="de-DE"/>
           </a:p>
@@ -5944,7 +5944,7 @@
           <a:p>
             <a:fld id="{D92B96C3-1F42-476F-BF68-0478C74608EE}" type="datetimeFigureOut">
               <a:rPr lang="de-DE" smtClean="0"/>
-              <a:t>04.06.2018</a:t>
+              <a:t>05.06.2018</a:t>
             </a:fld>
             <a:endParaRPr lang="de-DE"/>
           </a:p>
@@ -6061,7 +6061,7 @@
           <a:p>
             <a:fld id="{D92B96C3-1F42-476F-BF68-0478C74608EE}" type="datetimeFigureOut">
               <a:rPr lang="de-DE" smtClean="0"/>
-              <a:t>04.06.2018</a:t>
+              <a:t>05.06.2018</a:t>
             </a:fld>
             <a:endParaRPr lang="de-DE"/>
           </a:p>
@@ -6156,7 +6156,7 @@
           <a:p>
             <a:fld id="{D92B96C3-1F42-476F-BF68-0478C74608EE}" type="datetimeFigureOut">
               <a:rPr lang="de-DE" smtClean="0"/>
-              <a:t>04.06.2018</a:t>
+              <a:t>05.06.2018</a:t>
             </a:fld>
             <a:endParaRPr lang="de-DE"/>
           </a:p>
@@ -6431,7 +6431,7 @@
           <a:p>
             <a:fld id="{D92B96C3-1F42-476F-BF68-0478C74608EE}" type="datetimeFigureOut">
               <a:rPr lang="de-DE" smtClean="0"/>
-              <a:t>04.06.2018</a:t>
+              <a:t>05.06.2018</a:t>
             </a:fld>
             <a:endParaRPr lang="de-DE"/>
           </a:p>
@@ -6683,7 +6683,7 @@
           <a:p>
             <a:fld id="{D92B96C3-1F42-476F-BF68-0478C74608EE}" type="datetimeFigureOut">
               <a:rPr lang="de-DE" smtClean="0"/>
-              <a:t>04.06.2018</a:t>
+              <a:t>05.06.2018</a:t>
             </a:fld>
             <a:endParaRPr lang="de-DE"/>
           </a:p>
@@ -6894,7 +6894,7 @@
           <a:p>
             <a:fld id="{D92B96C3-1F42-476F-BF68-0478C74608EE}" type="datetimeFigureOut">
               <a:rPr lang="de-DE" smtClean="0"/>
-              <a:t>04.06.2018</a:t>
+              <a:t>05.06.2018</a:t>
             </a:fld>
             <a:endParaRPr lang="de-DE"/>
           </a:p>
@@ -7496,8 +7496,24 @@
             <a:pPr lvl="1"/>
             <a:r>
               <a:rPr lang="de-DE" dirty="0" smtClean="0"/>
-              <a:t>Statuslos Server</a:t>
-            </a:r>
+              <a:t>Statuslos </a:t>
+            </a:r>
+            <a:r>
+              <a:rPr lang="de-DE" dirty="0" smtClean="0"/>
+              <a:t>Server</a:t>
+            </a:r>
+          </a:p>
+          <a:p>
+            <a:pPr lvl="2"/>
+            <a:r>
+              <a:rPr lang="de-DE" dirty="0" smtClean="0"/>
+              <a:t>URI </a:t>
+            </a:r>
+            <a:r>
+              <a:rPr lang="de-DE" smtClean="0"/>
+              <a:t>ist Status</a:t>
+            </a:r>
+            <a:endParaRPr lang="de-DE" dirty="0" smtClean="0"/>
           </a:p>
           <a:p>
             <a:pPr lvl="1"/>
@@ -14711,13 +14727,18 @@
               <a:t> </a:t>
             </a:r>
             <a:r>
-              <a:rPr lang="en-US" altLang="de-DE" sz="2000" dirty="0" err="1"/>
-              <a:t>Serverressourcen</a:t>
-            </a:r>
-            <a:r>
-              <a:rPr lang="en-US" altLang="de-DE" sz="2000" dirty="0"/>
+              <a:rPr lang="en-US" altLang="de-DE" sz="2000" dirty="0" smtClean="0"/>
+              <a:t>Server </a:t>
+            </a:r>
+            <a:r>
+              <a:rPr lang="en-US" altLang="de-DE" sz="2000" dirty="0" err="1" smtClean="0"/>
+              <a:t>ressourcen</a:t>
+            </a:r>
+            <a:r>
+              <a:rPr lang="en-US" altLang="de-DE" sz="2000" dirty="0" smtClean="0"/>
               <a:t> </a:t>
             </a:r>
+            <a:endParaRPr lang="en-US" altLang="de-DE" sz="2000" dirty="0"/>
           </a:p>
         </p:txBody>
       </p:sp>

--- a/05AddingFunctionality.pptx
+++ b/05AddingFunctionality.pptx
@@ -7507,11 +7507,7 @@
             <a:pPr lvl="2"/>
             <a:r>
               <a:rPr lang="de-DE" dirty="0" smtClean="0"/>
-              <a:t>URI </a:t>
-            </a:r>
-            <a:r>
-              <a:rPr lang="de-DE" smtClean="0"/>
-              <a:t>ist Status</a:t>
+              <a:t>URI ist Status</a:t>
             </a:r>
             <a:endParaRPr lang="de-DE" dirty="0" smtClean="0"/>
           </a:p>
@@ -8054,7 +8050,7 @@
               <a:t>"</a:t>
             </a:r>
             <a:r>
-              <a:rPr lang="de-DE" dirty="0" err="1">
+              <a:rPr lang="de-DE" smtClean="0">
                 <a:solidFill>
                   <a:srgbClr val="A31515"/>
                 </a:solidFill>
@@ -8063,7 +8059,7 @@
                 </a:highlight>
                 <a:latin typeface="Consolas" panose="020B0609020204030204" pitchFamily="49" charset="0"/>
               </a:rPr>
-              <a:t>Hannes&amp;Preishuber-Pfügl</a:t>
+              <a:t>Hannes&amp;Preishuber-Pflügl</a:t>
             </a:r>
             <a:r>
               <a:rPr lang="de-DE" dirty="0">

--- a/05AddingFunctionality.pptx
+++ b/05AddingFunctionality.pptx
@@ -5,7 +5,7 @@
     <p:sldMasterId id="2147483684" r:id="rId1"/>
   </p:sldMasterIdLst>
   <p:notesMasterIdLst>
-    <p:notesMasterId r:id="rId22"/>
+    <p:notesMasterId r:id="rId24"/>
   </p:notesMasterIdLst>
   <p:sldIdLst>
     <p:sldId id="256" r:id="rId2"/>
@@ -20,14 +20,16 @@
     <p:sldId id="326" r:id="rId11"/>
     <p:sldId id="323" r:id="rId12"/>
     <p:sldId id="324" r:id="rId13"/>
-    <p:sldId id="328" r:id="rId14"/>
-    <p:sldId id="318" r:id="rId15"/>
-    <p:sldId id="330" r:id="rId16"/>
-    <p:sldId id="319" r:id="rId17"/>
-    <p:sldId id="329" r:id="rId18"/>
-    <p:sldId id="320" r:id="rId19"/>
-    <p:sldId id="321" r:id="rId20"/>
-    <p:sldId id="325" r:id="rId21"/>
+    <p:sldId id="331" r:id="rId14"/>
+    <p:sldId id="328" r:id="rId15"/>
+    <p:sldId id="318" r:id="rId16"/>
+    <p:sldId id="330" r:id="rId17"/>
+    <p:sldId id="319" r:id="rId18"/>
+    <p:sldId id="329" r:id="rId19"/>
+    <p:sldId id="320" r:id="rId20"/>
+    <p:sldId id="321" r:id="rId21"/>
+    <p:sldId id="325" r:id="rId22"/>
+    <p:sldId id="332" r:id="rId23"/>
   </p:sldIdLst>
   <p:sldSz cx="12192000" cy="6858000"/>
   <p:notesSz cx="6858000" cy="9144000"/>
@@ -7496,11 +7498,7 @@
             <a:pPr lvl="1"/>
             <a:r>
               <a:rPr lang="de-DE" dirty="0" smtClean="0"/>
-              <a:t>Statuslos </a:t>
-            </a:r>
-            <a:r>
-              <a:rPr lang="de-DE" dirty="0" smtClean="0"/>
-              <a:t>Server</a:t>
+              <a:t>Statuslos Server</a:t>
             </a:r>
           </a:p>
           <a:p>
@@ -7509,7 +7507,6 @@
               <a:rPr lang="de-DE" dirty="0" smtClean="0"/>
               <a:t>URI ist Status</a:t>
             </a:r>
-            <a:endParaRPr lang="de-DE" dirty="0" smtClean="0"/>
           </a:p>
           <a:p>
             <a:pPr lvl="1"/>
@@ -7858,7 +7855,15 @@
           <a:p>
             <a:r>
               <a:rPr lang="de-DE" dirty="0" smtClean="0"/>
-              <a:t>Server Objekt</a:t>
+              <a:t>Get </a:t>
+            </a:r>
+            <a:r>
+              <a:rPr lang="de-DE" dirty="0" err="1" smtClean="0"/>
+              <a:t>the</a:t>
+            </a:r>
+            <a:r>
+              <a:rPr lang="de-DE" dirty="0" smtClean="0"/>
+              <a:t> Data</a:t>
             </a:r>
             <a:endParaRPr lang="de-DE" dirty="0"/>
           </a:p>
@@ -7881,322 +7886,26 @@
           <a:p>
             <a:r>
               <a:rPr lang="de-DE" dirty="0" err="1" smtClean="0"/>
-              <a:t>Server.Mappath</a:t>
+              <a:t>Request.QueryString</a:t>
             </a:r>
             <a:endParaRPr lang="de-DE" dirty="0" smtClean="0"/>
           </a:p>
           <a:p>
             <a:r>
+              <a:rPr lang="de-DE" dirty="0" err="1" smtClean="0"/>
+              <a:t>Request.GetFriendlyUrlSegments</a:t>
+            </a:r>
+            <a:endParaRPr lang="de-DE" dirty="0"/>
+          </a:p>
+          <a:p>
+            <a:pPr lvl="1"/>
+            <a:r>
               <a:rPr lang="de-DE" dirty="0" smtClean="0"/>
-              <a:t>Transfer</a:t>
-            </a:r>
-          </a:p>
-          <a:p>
-            <a:r>
-              <a:rPr lang="de-DE" dirty="0" err="1" smtClean="0"/>
-              <a:t>Scripttimeout</a:t>
-            </a:r>
-            <a:endParaRPr lang="de-DE" dirty="0" smtClean="0"/>
-          </a:p>
-          <a:p>
-            <a:r>
-              <a:rPr lang="de-DE" dirty="0" err="1" smtClean="0"/>
-              <a:t>UrlDecode</a:t>
-            </a:r>
-            <a:r>
-              <a:rPr lang="de-DE" dirty="0"/>
-              <a:t> </a:t>
-            </a:r>
-            <a:r>
-              <a:rPr lang="de-DE" dirty="0" err="1" smtClean="0"/>
-              <a:t>UrlEncode</a:t>
-            </a:r>
-            <a:endParaRPr lang="de-DE" dirty="0" smtClean="0"/>
-          </a:p>
-          <a:p>
-            <a:r>
-              <a:rPr lang="de-DE" dirty="0" err="1" smtClean="0"/>
-              <a:t>HTMLDecode</a:t>
-            </a:r>
-            <a:r>
-              <a:rPr lang="de-DE" dirty="0" smtClean="0"/>
-              <a:t>, </a:t>
-            </a:r>
-            <a:r>
-              <a:rPr lang="de-DE" dirty="0" err="1" smtClean="0"/>
-              <a:t>HTMLEncode</a:t>
-            </a:r>
-            <a:endParaRPr lang="de-DE" dirty="0"/>
-          </a:p>
-        </p:txBody>
-      </p:sp>
-      <p:sp>
-        <p:nvSpPr>
-          <p:cNvPr id="4" name="Rechteck 3"/>
-          <p:cNvSpPr/>
-          <p:nvPr/>
-        </p:nvSpPr>
-        <p:spPr>
-          <a:xfrm>
-            <a:off x="9101645" y="2917762"/>
-            <a:ext cx="2252155" cy="369332"/>
-          </a:xfrm>
-          <a:prstGeom prst="rect">
-            <a:avLst/>
-          </a:prstGeom>
-        </p:spPr>
-        <p:txBody>
-          <a:bodyPr wrap="none">
-            <a:spAutoFit/>
-          </a:bodyPr>
-          <a:lstStyle/>
-          <a:p>
-            <a:r>
-              <a:rPr lang="de-DE" b="1" dirty="0" err="1"/>
-              <a:t>HttpUtility.UrlDecode</a:t>
-            </a:r>
-            <a:endParaRPr lang="de-DE" dirty="0"/>
-          </a:p>
-        </p:txBody>
-      </p:sp>
-      <p:sp>
-        <p:nvSpPr>
-          <p:cNvPr id="5" name="Rechteck 4"/>
-          <p:cNvSpPr/>
-          <p:nvPr/>
-        </p:nvSpPr>
-        <p:spPr>
-          <a:xfrm>
-            <a:off x="2571345" y="4477913"/>
-            <a:ext cx="8305800" cy="1200329"/>
-          </a:xfrm>
-          <a:prstGeom prst="rect">
-            <a:avLst/>
-          </a:prstGeom>
-        </p:spPr>
-        <p:txBody>
-          <a:bodyPr wrap="square">
-            <a:spAutoFit/>
-          </a:bodyPr>
-          <a:lstStyle/>
-          <a:p>
-            <a:r>
-              <a:rPr lang="de-DE" dirty="0">
-                <a:solidFill>
-                  <a:srgbClr val="000000"/>
-                </a:solidFill>
-                <a:latin typeface="Consolas" panose="020B0609020204030204" pitchFamily="49" charset="0"/>
-              </a:rPr>
-              <a:t> </a:t>
-            </a:r>
-            <a:r>
-              <a:rPr lang="de-DE" dirty="0">
-                <a:solidFill>
-                  <a:srgbClr val="000000"/>
-                </a:solidFill>
-                <a:highlight>
-                  <a:srgbClr val="FFFF00"/>
-                </a:highlight>
-                <a:latin typeface="Consolas" panose="020B0609020204030204" pitchFamily="49" charset="0"/>
-              </a:rPr>
-              <a:t>&lt;%</a:t>
-            </a:r>
-            <a:r>
-              <a:rPr lang="de-DE" dirty="0">
-                <a:solidFill>
-                  <a:srgbClr val="0000FF"/>
-                </a:solidFill>
-                <a:highlight>
-                  <a:srgbClr val="FFFF00"/>
-                </a:highlight>
-                <a:latin typeface="Consolas" panose="020B0609020204030204" pitchFamily="49" charset="0"/>
-              </a:rPr>
-              <a:t>=</a:t>
-            </a:r>
-            <a:r>
-              <a:rPr lang="de-DE" dirty="0" err="1">
-                <a:solidFill>
-                  <a:srgbClr val="000000"/>
-                </a:solidFill>
-                <a:highlight>
-                  <a:srgbClr val="FFFF00"/>
-                </a:highlight>
-                <a:latin typeface="Consolas" panose="020B0609020204030204" pitchFamily="49" charset="0"/>
-              </a:rPr>
-              <a:t>Server.HtmlEncode</a:t>
-            </a:r>
-            <a:r>
-              <a:rPr lang="de-DE" dirty="0">
-                <a:solidFill>
-                  <a:srgbClr val="000000"/>
-                </a:solidFill>
-                <a:highlight>
-                  <a:srgbClr val="FFFF00"/>
-                </a:highlight>
-                <a:latin typeface="Consolas" panose="020B0609020204030204" pitchFamily="49" charset="0"/>
-              </a:rPr>
-              <a:t>(</a:t>
-            </a:r>
-            <a:r>
-              <a:rPr lang="de-DE" dirty="0">
-                <a:solidFill>
-                  <a:srgbClr val="A31515"/>
-                </a:solidFill>
-                <a:highlight>
-                  <a:srgbClr val="FFFF00"/>
-                </a:highlight>
-                <a:latin typeface="Consolas" panose="020B0609020204030204" pitchFamily="49" charset="0"/>
-              </a:rPr>
-              <a:t>"</a:t>
-            </a:r>
-            <a:r>
-              <a:rPr lang="de-DE" smtClean="0">
-                <a:solidFill>
-                  <a:srgbClr val="A31515"/>
-                </a:solidFill>
-                <a:highlight>
-                  <a:srgbClr val="FFFF00"/>
-                </a:highlight>
-                <a:latin typeface="Consolas" panose="020B0609020204030204" pitchFamily="49" charset="0"/>
-              </a:rPr>
-              <a:t>Hannes&amp;Preishuber-Pflügl</a:t>
-            </a:r>
-            <a:r>
-              <a:rPr lang="de-DE" dirty="0">
-                <a:solidFill>
-                  <a:srgbClr val="A31515"/>
-                </a:solidFill>
-                <a:highlight>
-                  <a:srgbClr val="FFFF00"/>
-                </a:highlight>
-                <a:latin typeface="Consolas" panose="020B0609020204030204" pitchFamily="49" charset="0"/>
-              </a:rPr>
-              <a:t>"</a:t>
-            </a:r>
-            <a:r>
-              <a:rPr lang="de-DE" dirty="0">
-                <a:solidFill>
-                  <a:srgbClr val="000000"/>
-                </a:solidFill>
-                <a:highlight>
-                  <a:srgbClr val="FFFF00"/>
-                </a:highlight>
-                <a:latin typeface="Consolas" panose="020B0609020204030204" pitchFamily="49" charset="0"/>
-              </a:rPr>
-              <a:t>) %&gt;</a:t>
-            </a:r>
-          </a:p>
-          <a:p>
-            <a:r>
-              <a:rPr lang="de-DE" dirty="0">
-                <a:solidFill>
-                  <a:srgbClr val="000000"/>
-                </a:solidFill>
-                <a:highlight>
-                  <a:srgbClr val="FFFF00"/>
-                </a:highlight>
-                <a:latin typeface="Consolas" panose="020B0609020204030204" pitchFamily="49" charset="0"/>
-              </a:rPr>
-              <a:t>        &lt;%</a:t>
-            </a:r>
-            <a:r>
-              <a:rPr lang="de-DE" dirty="0">
-                <a:solidFill>
-                  <a:srgbClr val="0000FF"/>
-                </a:solidFill>
-                <a:highlight>
-                  <a:srgbClr val="FFFF00"/>
-                </a:highlight>
-                <a:latin typeface="Consolas" panose="020B0609020204030204" pitchFamily="49" charset="0"/>
-              </a:rPr>
-              <a:t>=</a:t>
-            </a:r>
-            <a:r>
-              <a:rPr lang="de-DE" dirty="0" err="1">
-                <a:solidFill>
-                  <a:srgbClr val="000000"/>
-                </a:solidFill>
-                <a:highlight>
-                  <a:srgbClr val="FFFF00"/>
-                </a:highlight>
-                <a:latin typeface="Consolas" panose="020B0609020204030204" pitchFamily="49" charset="0"/>
-              </a:rPr>
-              <a:t>Server.UrlEncode</a:t>
-            </a:r>
-            <a:r>
-              <a:rPr lang="de-DE" dirty="0">
-                <a:solidFill>
-                  <a:srgbClr val="000000"/>
-                </a:solidFill>
-                <a:highlight>
-                  <a:srgbClr val="FFFF00"/>
-                </a:highlight>
-                <a:latin typeface="Consolas" panose="020B0609020204030204" pitchFamily="49" charset="0"/>
-              </a:rPr>
-              <a:t>(</a:t>
-            </a:r>
-            <a:r>
-              <a:rPr lang="de-DE" dirty="0">
-                <a:solidFill>
-                  <a:srgbClr val="A31515"/>
-                </a:solidFill>
-                <a:highlight>
-                  <a:srgbClr val="FFFF00"/>
-                </a:highlight>
-                <a:latin typeface="Consolas" panose="020B0609020204030204" pitchFamily="49" charset="0"/>
-              </a:rPr>
-              <a:t>"http://www.ppedv.de?id=Hannes Preishuber-</a:t>
-            </a:r>
-            <a:r>
-              <a:rPr lang="de-DE" dirty="0" err="1">
-                <a:solidFill>
-                  <a:srgbClr val="A31515"/>
-                </a:solidFill>
-                <a:highlight>
-                  <a:srgbClr val="FFFF00"/>
-                </a:highlight>
-                <a:latin typeface="Consolas" panose="020B0609020204030204" pitchFamily="49" charset="0"/>
-              </a:rPr>
-              <a:t>Pflügl</a:t>
-            </a:r>
-            <a:r>
-              <a:rPr lang="de-DE" dirty="0">
-                <a:solidFill>
-                  <a:srgbClr val="A31515"/>
-                </a:solidFill>
-                <a:highlight>
-                  <a:srgbClr val="FFFF00"/>
-                </a:highlight>
-                <a:latin typeface="Consolas" panose="020B0609020204030204" pitchFamily="49" charset="0"/>
-              </a:rPr>
-              <a:t>"</a:t>
-            </a:r>
-            <a:r>
-              <a:rPr lang="de-DE" dirty="0">
-                <a:solidFill>
-                  <a:srgbClr val="000000"/>
-                </a:solidFill>
-                <a:highlight>
-                  <a:srgbClr val="FFFF00"/>
-                </a:highlight>
-                <a:latin typeface="Consolas" panose="020B0609020204030204" pitchFamily="49" charset="0"/>
-              </a:rPr>
-              <a:t>) %&gt;</a:t>
-            </a:r>
-          </a:p>
-          <a:p>
-            <a:r>
-              <a:rPr lang="de-DE" dirty="0">
-                <a:solidFill>
-                  <a:srgbClr val="000000"/>
-                </a:solidFill>
-                <a:highlight>
-                  <a:srgbClr val="FFFF00"/>
-                </a:highlight>
-                <a:latin typeface="Consolas" panose="020B0609020204030204" pitchFamily="49" charset="0"/>
-              </a:rPr>
-              <a:t> </a:t>
-            </a:r>
+              <a:t>Index</a:t>
+            </a:r>
+          </a:p>
+          <a:p>
+            <a:pPr lvl="1"/>
             <a:endParaRPr lang="de-DE" dirty="0"/>
           </a:p>
         </p:txBody>
@@ -8204,20 +7913,13 @@
     </p:spTree>
     <p:extLst>
       <p:ext uri="{BB962C8B-B14F-4D97-AF65-F5344CB8AC3E}">
-        <p14:creationId xmlns:p14="http://schemas.microsoft.com/office/powerpoint/2010/main" val="392316439"/>
+        <p14:creationId xmlns:p14="http://schemas.microsoft.com/office/powerpoint/2010/main" val="527387670"/>
       </p:ext>
     </p:extLst>
   </p:cSld>
   <p:clrMapOvr>
     <a:masterClrMapping/>
   </p:clrMapOvr>
-  <p:timing>
-    <p:tnLst>
-      <p:par>
-        <p:cTn id="1" dur="indefinite" restart="never" nodeType="tmRoot"/>
-      </p:par>
-    </p:tnLst>
-  </p:timing>
 </p:sld>
 </file>
 
@@ -8254,6 +7956,415 @@
           <a:lstStyle/>
           <a:p>
             <a:r>
+              <a:rPr lang="de-DE" dirty="0" smtClean="0"/>
+              <a:t>Server Objekt</a:t>
+            </a:r>
+            <a:endParaRPr lang="de-DE" dirty="0"/>
+          </a:p>
+        </p:txBody>
+      </p:sp>
+      <p:sp>
+        <p:nvSpPr>
+          <p:cNvPr id="3" name="Inhaltsplatzhalter 2"/>
+          <p:cNvSpPr>
+            <a:spLocks noGrp="1"/>
+          </p:cNvSpPr>
+          <p:nvPr>
+            <p:ph idx="1"/>
+          </p:nvPr>
+        </p:nvSpPr>
+        <p:spPr/>
+        <p:txBody>
+          <a:bodyPr/>
+          <a:lstStyle/>
+          <a:p>
+            <a:r>
+              <a:rPr lang="de-DE" dirty="0" err="1" smtClean="0"/>
+              <a:t>Server.Mappath</a:t>
+            </a:r>
+            <a:endParaRPr lang="de-DE" dirty="0" smtClean="0"/>
+          </a:p>
+          <a:p>
+            <a:r>
+              <a:rPr lang="de-DE" dirty="0" smtClean="0"/>
+              <a:t>Transfer</a:t>
+            </a:r>
+          </a:p>
+          <a:p>
+            <a:r>
+              <a:rPr lang="de-DE" dirty="0" err="1" smtClean="0"/>
+              <a:t>Scripttimeout</a:t>
+            </a:r>
+            <a:endParaRPr lang="de-DE" dirty="0" smtClean="0"/>
+          </a:p>
+          <a:p>
+            <a:r>
+              <a:rPr lang="de-DE" dirty="0" err="1" smtClean="0"/>
+              <a:t>UrlDecode</a:t>
+            </a:r>
+            <a:r>
+              <a:rPr lang="de-DE" dirty="0"/>
+              <a:t> </a:t>
+            </a:r>
+            <a:r>
+              <a:rPr lang="de-DE" dirty="0" err="1" smtClean="0"/>
+              <a:t>UrlEncode</a:t>
+            </a:r>
+            <a:endParaRPr lang="de-DE" dirty="0" smtClean="0"/>
+          </a:p>
+          <a:p>
+            <a:r>
+              <a:rPr lang="de-DE" dirty="0" err="1" smtClean="0"/>
+              <a:t>HTMLDecode</a:t>
+            </a:r>
+            <a:r>
+              <a:rPr lang="de-DE" dirty="0" smtClean="0"/>
+              <a:t>, </a:t>
+            </a:r>
+            <a:r>
+              <a:rPr lang="de-DE" dirty="0" err="1" smtClean="0"/>
+              <a:t>HTMLEncode</a:t>
+            </a:r>
+            <a:endParaRPr lang="de-DE" dirty="0"/>
+          </a:p>
+        </p:txBody>
+      </p:sp>
+      <p:sp>
+        <p:nvSpPr>
+          <p:cNvPr id="4" name="Rechteck 3"/>
+          <p:cNvSpPr/>
+          <p:nvPr/>
+        </p:nvSpPr>
+        <p:spPr>
+          <a:xfrm>
+            <a:off x="9101645" y="2917762"/>
+            <a:ext cx="2252155" cy="369332"/>
+          </a:xfrm>
+          <a:prstGeom prst="rect">
+            <a:avLst/>
+          </a:prstGeom>
+        </p:spPr>
+        <p:txBody>
+          <a:bodyPr wrap="none">
+            <a:spAutoFit/>
+          </a:bodyPr>
+          <a:lstStyle/>
+          <a:p>
+            <a:r>
+              <a:rPr lang="de-DE" b="1" dirty="0" err="1"/>
+              <a:t>HttpUtility.UrlDecode</a:t>
+            </a:r>
+            <a:endParaRPr lang="de-DE" dirty="0"/>
+          </a:p>
+        </p:txBody>
+      </p:sp>
+      <p:sp>
+        <p:nvSpPr>
+          <p:cNvPr id="5" name="Rechteck 4"/>
+          <p:cNvSpPr/>
+          <p:nvPr/>
+        </p:nvSpPr>
+        <p:spPr>
+          <a:xfrm>
+            <a:off x="2571345" y="4477913"/>
+            <a:ext cx="8305800" cy="1200329"/>
+          </a:xfrm>
+          <a:prstGeom prst="rect">
+            <a:avLst/>
+          </a:prstGeom>
+        </p:spPr>
+        <p:txBody>
+          <a:bodyPr wrap="square">
+            <a:spAutoFit/>
+          </a:bodyPr>
+          <a:lstStyle/>
+          <a:p>
+            <a:r>
+              <a:rPr lang="de-DE" dirty="0">
+                <a:solidFill>
+                  <a:srgbClr val="000000"/>
+                </a:solidFill>
+                <a:latin typeface="Consolas" panose="020B0609020204030204" pitchFamily="49" charset="0"/>
+              </a:rPr>
+              <a:t> </a:t>
+            </a:r>
+            <a:r>
+              <a:rPr lang="de-DE" dirty="0">
+                <a:solidFill>
+                  <a:srgbClr val="000000"/>
+                </a:solidFill>
+                <a:highlight>
+                  <a:srgbClr val="FFFF00"/>
+                </a:highlight>
+                <a:latin typeface="Consolas" panose="020B0609020204030204" pitchFamily="49" charset="0"/>
+              </a:rPr>
+              <a:t>&lt;%</a:t>
+            </a:r>
+            <a:r>
+              <a:rPr lang="de-DE" dirty="0">
+                <a:solidFill>
+                  <a:srgbClr val="0000FF"/>
+                </a:solidFill>
+                <a:highlight>
+                  <a:srgbClr val="FFFF00"/>
+                </a:highlight>
+                <a:latin typeface="Consolas" panose="020B0609020204030204" pitchFamily="49" charset="0"/>
+              </a:rPr>
+              <a:t>=</a:t>
+            </a:r>
+            <a:r>
+              <a:rPr lang="de-DE" dirty="0" err="1">
+                <a:solidFill>
+                  <a:srgbClr val="000000"/>
+                </a:solidFill>
+                <a:highlight>
+                  <a:srgbClr val="FFFF00"/>
+                </a:highlight>
+                <a:latin typeface="Consolas" panose="020B0609020204030204" pitchFamily="49" charset="0"/>
+              </a:rPr>
+              <a:t>Server.HtmlEncode</a:t>
+            </a:r>
+            <a:r>
+              <a:rPr lang="de-DE" dirty="0">
+                <a:solidFill>
+                  <a:srgbClr val="000000"/>
+                </a:solidFill>
+                <a:highlight>
+                  <a:srgbClr val="FFFF00"/>
+                </a:highlight>
+                <a:latin typeface="Consolas" panose="020B0609020204030204" pitchFamily="49" charset="0"/>
+              </a:rPr>
+              <a:t>(</a:t>
+            </a:r>
+            <a:r>
+              <a:rPr lang="de-DE" dirty="0">
+                <a:solidFill>
+                  <a:srgbClr val="A31515"/>
+                </a:solidFill>
+                <a:highlight>
+                  <a:srgbClr val="FFFF00"/>
+                </a:highlight>
+                <a:latin typeface="Consolas" panose="020B0609020204030204" pitchFamily="49" charset="0"/>
+              </a:rPr>
+              <a:t>"</a:t>
+            </a:r>
+            <a:r>
+              <a:rPr lang="de-DE" dirty="0" err="1" smtClean="0">
+                <a:solidFill>
+                  <a:srgbClr val="A31515"/>
+                </a:solidFill>
+                <a:highlight>
+                  <a:srgbClr val="FFFF00"/>
+                </a:highlight>
+                <a:latin typeface="Consolas" panose="020B0609020204030204" pitchFamily="49" charset="0"/>
+              </a:rPr>
+              <a:t>Hannes&amp;Preishuber-Pflügl</a:t>
+            </a:r>
+            <a:r>
+              <a:rPr lang="de-DE" dirty="0">
+                <a:solidFill>
+                  <a:srgbClr val="A31515"/>
+                </a:solidFill>
+                <a:highlight>
+                  <a:srgbClr val="FFFF00"/>
+                </a:highlight>
+                <a:latin typeface="Consolas" panose="020B0609020204030204" pitchFamily="49" charset="0"/>
+              </a:rPr>
+              <a:t>"</a:t>
+            </a:r>
+            <a:r>
+              <a:rPr lang="de-DE" dirty="0">
+                <a:solidFill>
+                  <a:srgbClr val="000000"/>
+                </a:solidFill>
+                <a:highlight>
+                  <a:srgbClr val="FFFF00"/>
+                </a:highlight>
+                <a:latin typeface="Consolas" panose="020B0609020204030204" pitchFamily="49" charset="0"/>
+              </a:rPr>
+              <a:t>) %&gt;</a:t>
+            </a:r>
+          </a:p>
+          <a:p>
+            <a:r>
+              <a:rPr lang="de-DE" dirty="0">
+                <a:solidFill>
+                  <a:srgbClr val="000000"/>
+                </a:solidFill>
+                <a:highlight>
+                  <a:srgbClr val="FFFF00"/>
+                </a:highlight>
+                <a:latin typeface="Consolas" panose="020B0609020204030204" pitchFamily="49" charset="0"/>
+              </a:rPr>
+              <a:t> </a:t>
+            </a:r>
+            <a:r>
+              <a:rPr lang="de-DE" dirty="0" smtClean="0">
+                <a:solidFill>
+                  <a:srgbClr val="000000"/>
+                </a:solidFill>
+                <a:highlight>
+                  <a:srgbClr val="FFFF00"/>
+                </a:highlight>
+                <a:latin typeface="Consolas" panose="020B0609020204030204" pitchFamily="49" charset="0"/>
+              </a:rPr>
+              <a:t>&lt;%</a:t>
+            </a:r>
+            <a:r>
+              <a:rPr lang="de-DE" dirty="0" smtClean="0">
+                <a:solidFill>
+                  <a:srgbClr val="0000FF"/>
+                </a:solidFill>
+                <a:highlight>
+                  <a:srgbClr val="FFFF00"/>
+                </a:highlight>
+                <a:latin typeface="Consolas" panose="020B0609020204030204" pitchFamily="49" charset="0"/>
+              </a:rPr>
+              <a:t>=</a:t>
+            </a:r>
+            <a:r>
+              <a:rPr lang="de-DE" dirty="0" err="1">
+                <a:solidFill>
+                  <a:srgbClr val="000000"/>
+                </a:solidFill>
+                <a:highlight>
+                  <a:srgbClr val="FFFF00"/>
+                </a:highlight>
+                <a:latin typeface="Consolas" panose="020B0609020204030204" pitchFamily="49" charset="0"/>
+              </a:rPr>
+              <a:t>Server.UrlEncode</a:t>
+            </a:r>
+            <a:r>
+              <a:rPr lang="de-DE" dirty="0">
+                <a:solidFill>
+                  <a:srgbClr val="000000"/>
+                </a:solidFill>
+                <a:highlight>
+                  <a:srgbClr val="FFFF00"/>
+                </a:highlight>
+                <a:latin typeface="Consolas" panose="020B0609020204030204" pitchFamily="49" charset="0"/>
+              </a:rPr>
+              <a:t>(</a:t>
+            </a:r>
+            <a:r>
+              <a:rPr lang="de-DE" dirty="0">
+                <a:solidFill>
+                  <a:srgbClr val="A31515"/>
+                </a:solidFill>
+                <a:highlight>
+                  <a:srgbClr val="FFFF00"/>
+                </a:highlight>
+                <a:latin typeface="Consolas" panose="020B0609020204030204" pitchFamily="49" charset="0"/>
+              </a:rPr>
+              <a:t>"http://www.ppedv.de?id=Hannes Preishuber-</a:t>
+            </a:r>
+            <a:r>
+              <a:rPr lang="de-DE" dirty="0" err="1">
+                <a:solidFill>
+                  <a:srgbClr val="A31515"/>
+                </a:solidFill>
+                <a:highlight>
+                  <a:srgbClr val="FFFF00"/>
+                </a:highlight>
+                <a:latin typeface="Consolas" panose="020B0609020204030204" pitchFamily="49" charset="0"/>
+              </a:rPr>
+              <a:t>Pflügl</a:t>
+            </a:r>
+            <a:r>
+              <a:rPr lang="de-DE" dirty="0">
+                <a:solidFill>
+                  <a:srgbClr val="A31515"/>
+                </a:solidFill>
+                <a:highlight>
+                  <a:srgbClr val="FFFF00"/>
+                </a:highlight>
+                <a:latin typeface="Consolas" panose="020B0609020204030204" pitchFamily="49" charset="0"/>
+              </a:rPr>
+              <a:t>"</a:t>
+            </a:r>
+            <a:r>
+              <a:rPr lang="de-DE" dirty="0">
+                <a:solidFill>
+                  <a:srgbClr val="000000"/>
+                </a:solidFill>
+                <a:highlight>
+                  <a:srgbClr val="FFFF00"/>
+                </a:highlight>
+                <a:latin typeface="Consolas" panose="020B0609020204030204" pitchFamily="49" charset="0"/>
+              </a:rPr>
+              <a:t>) %&gt;</a:t>
+            </a:r>
+          </a:p>
+          <a:p>
+            <a:r>
+              <a:rPr lang="de-DE" dirty="0">
+                <a:solidFill>
+                  <a:srgbClr val="000000"/>
+                </a:solidFill>
+                <a:highlight>
+                  <a:srgbClr val="FFFF00"/>
+                </a:highlight>
+                <a:latin typeface="Consolas" panose="020B0609020204030204" pitchFamily="49" charset="0"/>
+              </a:rPr>
+              <a:t> </a:t>
+            </a:r>
+            <a:endParaRPr lang="de-DE" dirty="0"/>
+          </a:p>
+        </p:txBody>
+      </p:sp>
+    </p:spTree>
+    <p:extLst>
+      <p:ext uri="{BB962C8B-B14F-4D97-AF65-F5344CB8AC3E}">
+        <p14:creationId xmlns:p14="http://schemas.microsoft.com/office/powerpoint/2010/main" val="392316439"/>
+      </p:ext>
+    </p:extLst>
+  </p:cSld>
+  <p:clrMapOvr>
+    <a:masterClrMapping/>
+  </p:clrMapOvr>
+  <p:timing>
+    <p:tnLst>
+      <p:par>
+        <p:cTn id="1" dur="indefinite" restart="never" nodeType="tmRoot"/>
+      </p:par>
+    </p:tnLst>
+  </p:timing>
+</p:sld>
+</file>
+
+<file path=ppt/slides/slide15.xml><?xml version="1.0" encoding="utf-8"?>
+<p:sld xmlns:a="http://schemas.openxmlformats.org/drawingml/2006/main" xmlns:r="http://schemas.openxmlformats.org/officeDocument/2006/relationships" xmlns:p="http://schemas.openxmlformats.org/presentationml/2006/main">
+  <p:cSld>
+    <p:spTree>
+      <p:nvGrpSpPr>
+        <p:cNvPr id="1" name=""/>
+        <p:cNvGrpSpPr/>
+        <p:nvPr/>
+      </p:nvGrpSpPr>
+      <p:grpSpPr>
+        <a:xfrm>
+          <a:off x="0" y="0"/>
+          <a:ext cx="0" cy="0"/>
+          <a:chOff x="0" y="0"/>
+          <a:chExt cx="0" cy="0"/>
+        </a:xfrm>
+      </p:grpSpPr>
+      <p:sp>
+        <p:nvSpPr>
+          <p:cNvPr id="2" name="Titel 1"/>
+          <p:cNvSpPr>
+            <a:spLocks noGrp="1"/>
+          </p:cNvSpPr>
+          <p:nvPr>
+            <p:ph type="title"/>
+          </p:nvPr>
+        </p:nvSpPr>
+        <p:spPr/>
+        <p:txBody>
+          <a:bodyPr/>
+          <a:lstStyle/>
+          <a:p>
+            <a:r>
               <a:rPr lang="de-DE" dirty="0" err="1" smtClean="0"/>
               <a:t>Application</a:t>
             </a:r>
@@ -8465,7 +8576,7 @@
 </p:sld>
 </file>
 
-<file path=ppt/slides/slide15.xml><?xml version="1.0" encoding="utf-8"?>
+<file path=ppt/slides/slide16.xml><?xml version="1.0" encoding="utf-8"?>
 <p:sld xmlns:a="http://schemas.openxmlformats.org/drawingml/2006/main" xmlns:r="http://schemas.openxmlformats.org/officeDocument/2006/relationships" xmlns:p="http://schemas.openxmlformats.org/presentationml/2006/main">
   <p:cSld>
     <p:spTree>
@@ -8581,7 +8692,7 @@
 </p:sld>
 </file>
 
-<file path=ppt/slides/slide16.xml><?xml version="1.0" encoding="utf-8"?>
+<file path=ppt/slides/slide17.xml><?xml version="1.0" encoding="utf-8"?>
 <p:sld xmlns:a="http://schemas.openxmlformats.org/drawingml/2006/main" xmlns:r="http://schemas.openxmlformats.org/officeDocument/2006/relationships" xmlns:p="http://schemas.openxmlformats.org/presentationml/2006/main">
   <p:cSld>
     <p:spTree>
@@ -8729,650 +8840,6 @@
     <p:extLst>
       <p:ext uri="{BB962C8B-B14F-4D97-AF65-F5344CB8AC3E}">
         <p14:creationId xmlns:p14="http://schemas.microsoft.com/office/powerpoint/2010/main" val="2642935299"/>
-      </p:ext>
-    </p:extLst>
-  </p:cSld>
-  <p:clrMapOvr>
-    <a:masterClrMapping/>
-  </p:clrMapOvr>
-  <p:timing>
-    <p:tnLst>
-      <p:par>
-        <p:cTn id="1" dur="indefinite" restart="never" nodeType="tmRoot"/>
-      </p:par>
-    </p:tnLst>
-  </p:timing>
-</p:sld>
-</file>
-
-<file path=ppt/slides/slide17.xml><?xml version="1.0" encoding="utf-8"?>
-<p:sld xmlns:a="http://schemas.openxmlformats.org/drawingml/2006/main" xmlns:r="http://schemas.openxmlformats.org/officeDocument/2006/relationships" xmlns:p="http://schemas.openxmlformats.org/presentationml/2006/main">
-  <p:cSld>
-    <p:spTree>
-      <p:nvGrpSpPr>
-        <p:cNvPr id="1" name=""/>
-        <p:cNvGrpSpPr/>
-        <p:nvPr/>
-      </p:nvGrpSpPr>
-      <p:grpSpPr>
-        <a:xfrm>
-          <a:off x="0" y="0"/>
-          <a:ext cx="0" cy="0"/>
-          <a:chOff x="0" y="0"/>
-          <a:chExt cx="0" cy="0"/>
-        </a:xfrm>
-      </p:grpSpPr>
-      <p:sp>
-        <p:nvSpPr>
-          <p:cNvPr id="2" name="Titel 1"/>
-          <p:cNvSpPr>
-            <a:spLocks noGrp="1"/>
-          </p:cNvSpPr>
-          <p:nvPr>
-            <p:ph type="title"/>
-          </p:nvPr>
-        </p:nvSpPr>
-        <p:spPr/>
-        <p:txBody>
-          <a:bodyPr/>
-          <a:lstStyle/>
-          <a:p>
-            <a:r>
-              <a:rPr lang="de-DE" dirty="0" err="1" smtClean="0"/>
-              <a:t>Web.config</a:t>
-            </a:r>
-            <a:r>
-              <a:rPr lang="de-DE" dirty="0" smtClean="0"/>
-              <a:t> &amp; Session Management</a:t>
-            </a:r>
-            <a:endParaRPr lang="de-DE" dirty="0"/>
-          </a:p>
-        </p:txBody>
-      </p:sp>
-      <p:sp>
-        <p:nvSpPr>
-          <p:cNvPr id="3" name="Inhaltsplatzhalter 2"/>
-          <p:cNvSpPr>
-            <a:spLocks noGrp="1"/>
-          </p:cNvSpPr>
-          <p:nvPr>
-            <p:ph idx="1"/>
-          </p:nvPr>
-        </p:nvSpPr>
-        <p:spPr/>
-        <p:txBody>
-          <a:bodyPr/>
-          <a:lstStyle/>
-          <a:p>
-            <a:endParaRPr lang="de-DE"/>
-          </a:p>
-        </p:txBody>
-      </p:sp>
-      <p:sp>
-        <p:nvSpPr>
-          <p:cNvPr id="4" name="Rechteck 3"/>
-          <p:cNvSpPr/>
-          <p:nvPr/>
-        </p:nvSpPr>
-        <p:spPr>
-          <a:xfrm>
-            <a:off x="398834" y="3037642"/>
-            <a:ext cx="11254902" cy="2308324"/>
-          </a:xfrm>
-          <a:prstGeom prst="rect">
-            <a:avLst/>
-          </a:prstGeom>
-        </p:spPr>
-        <p:txBody>
-          <a:bodyPr wrap="square">
-            <a:spAutoFit/>
-          </a:bodyPr>
-          <a:lstStyle/>
-          <a:p>
-            <a:r>
-              <a:rPr lang="de-DE" dirty="0">
-                <a:solidFill>
-                  <a:srgbClr val="0000FF"/>
-                </a:solidFill>
-                <a:latin typeface="Consolas" panose="020B0609020204030204" pitchFamily="49" charset="0"/>
-              </a:rPr>
-              <a:t>&lt;</a:t>
-            </a:r>
-            <a:r>
-              <a:rPr lang="de-DE" dirty="0" err="1">
-                <a:solidFill>
-                  <a:srgbClr val="A31515"/>
-                </a:solidFill>
-                <a:latin typeface="Consolas" panose="020B0609020204030204" pitchFamily="49" charset="0"/>
-              </a:rPr>
-              <a:t>sessionState</a:t>
-            </a:r>
-            <a:r>
-              <a:rPr lang="de-DE" dirty="0">
-                <a:solidFill>
-                  <a:srgbClr val="0000FF"/>
-                </a:solidFill>
-                <a:latin typeface="Consolas" panose="020B0609020204030204" pitchFamily="49" charset="0"/>
-              </a:rPr>
-              <a:t> </a:t>
-            </a:r>
-            <a:r>
-              <a:rPr lang="de-DE" dirty="0" err="1">
-                <a:solidFill>
-                  <a:srgbClr val="FF0000"/>
-                </a:solidFill>
-                <a:latin typeface="Consolas" panose="020B0609020204030204" pitchFamily="49" charset="0"/>
-              </a:rPr>
-              <a:t>mode</a:t>
-            </a:r>
-            <a:r>
-              <a:rPr lang="de-DE" dirty="0">
-                <a:solidFill>
-                  <a:srgbClr val="0000FF"/>
-                </a:solidFill>
-                <a:latin typeface="Consolas" panose="020B0609020204030204" pitchFamily="49" charset="0"/>
-              </a:rPr>
-              <a:t>=</a:t>
-            </a:r>
-            <a:r>
-              <a:rPr lang="de-DE" dirty="0">
-                <a:solidFill>
-                  <a:srgbClr val="000000"/>
-                </a:solidFill>
-                <a:latin typeface="Consolas" panose="020B0609020204030204" pitchFamily="49" charset="0"/>
-              </a:rPr>
-              <a:t>"</a:t>
-            </a:r>
-            <a:r>
-              <a:rPr lang="de-DE" dirty="0" err="1">
-                <a:solidFill>
-                  <a:srgbClr val="0000FF"/>
-                </a:solidFill>
-                <a:latin typeface="Consolas" panose="020B0609020204030204" pitchFamily="49" charset="0"/>
-              </a:rPr>
-              <a:t>InProc</a:t>
-            </a:r>
-            <a:r>
-              <a:rPr lang="de-DE" dirty="0">
-                <a:solidFill>
-                  <a:srgbClr val="000000"/>
-                </a:solidFill>
-                <a:latin typeface="Consolas" panose="020B0609020204030204" pitchFamily="49" charset="0"/>
-              </a:rPr>
-              <a:t>"</a:t>
-            </a:r>
-            <a:r>
-              <a:rPr lang="de-DE" dirty="0">
-                <a:solidFill>
-                  <a:srgbClr val="0000FF"/>
-                </a:solidFill>
-                <a:latin typeface="Consolas" panose="020B0609020204030204" pitchFamily="49" charset="0"/>
-              </a:rPr>
-              <a:t> </a:t>
-            </a:r>
-            <a:r>
-              <a:rPr lang="de-DE" dirty="0" err="1">
-                <a:solidFill>
-                  <a:srgbClr val="FF0000"/>
-                </a:solidFill>
-                <a:latin typeface="Consolas" panose="020B0609020204030204" pitchFamily="49" charset="0"/>
-              </a:rPr>
-              <a:t>cookieless</a:t>
-            </a:r>
-            <a:r>
-              <a:rPr lang="de-DE" dirty="0">
-                <a:solidFill>
-                  <a:srgbClr val="0000FF"/>
-                </a:solidFill>
-                <a:latin typeface="Consolas" panose="020B0609020204030204" pitchFamily="49" charset="0"/>
-              </a:rPr>
-              <a:t>=</a:t>
-            </a:r>
-            <a:r>
-              <a:rPr lang="de-DE" dirty="0">
-                <a:solidFill>
-                  <a:srgbClr val="000000"/>
-                </a:solidFill>
-                <a:latin typeface="Consolas" panose="020B0609020204030204" pitchFamily="49" charset="0"/>
-              </a:rPr>
-              <a:t>"</a:t>
-            </a:r>
-            <a:r>
-              <a:rPr lang="de-DE" dirty="0" err="1">
-                <a:solidFill>
-                  <a:srgbClr val="0000FF"/>
-                </a:solidFill>
-                <a:latin typeface="Consolas" panose="020B0609020204030204" pitchFamily="49" charset="0"/>
-              </a:rPr>
-              <a:t>UseUri</a:t>
-            </a:r>
-            <a:r>
-              <a:rPr lang="de-DE" dirty="0">
-                <a:solidFill>
-                  <a:srgbClr val="000000"/>
-                </a:solidFill>
-                <a:latin typeface="Consolas" panose="020B0609020204030204" pitchFamily="49" charset="0"/>
-              </a:rPr>
-              <a:t>"</a:t>
-            </a:r>
-            <a:r>
-              <a:rPr lang="de-DE" dirty="0">
-                <a:solidFill>
-                  <a:srgbClr val="0000FF"/>
-                </a:solidFill>
-                <a:latin typeface="Consolas" panose="020B0609020204030204" pitchFamily="49" charset="0"/>
-              </a:rPr>
-              <a:t> </a:t>
-            </a:r>
-            <a:r>
-              <a:rPr lang="de-DE" dirty="0" err="1">
-                <a:solidFill>
-                  <a:srgbClr val="FF0000"/>
-                </a:solidFill>
-                <a:latin typeface="Consolas" panose="020B0609020204030204" pitchFamily="49" charset="0"/>
-              </a:rPr>
-              <a:t>customProvider</a:t>
-            </a:r>
-            <a:r>
-              <a:rPr lang="de-DE" dirty="0">
-                <a:solidFill>
-                  <a:srgbClr val="0000FF"/>
-                </a:solidFill>
-                <a:latin typeface="Consolas" panose="020B0609020204030204" pitchFamily="49" charset="0"/>
-              </a:rPr>
-              <a:t>=</a:t>
-            </a:r>
-            <a:r>
-              <a:rPr lang="de-DE" dirty="0">
-                <a:solidFill>
-                  <a:srgbClr val="000000"/>
-                </a:solidFill>
-                <a:latin typeface="Consolas" panose="020B0609020204030204" pitchFamily="49" charset="0"/>
-              </a:rPr>
-              <a:t>"</a:t>
-            </a:r>
-            <a:r>
-              <a:rPr lang="de-DE" dirty="0" err="1">
-                <a:solidFill>
-                  <a:srgbClr val="0000FF"/>
-                </a:solidFill>
-                <a:latin typeface="Consolas" panose="020B0609020204030204" pitchFamily="49" charset="0"/>
-              </a:rPr>
-              <a:t>DefaultSessionProvider</a:t>
-            </a:r>
-            <a:r>
-              <a:rPr lang="de-DE" dirty="0">
-                <a:solidFill>
-                  <a:srgbClr val="000000"/>
-                </a:solidFill>
-                <a:latin typeface="Consolas" panose="020B0609020204030204" pitchFamily="49" charset="0"/>
-              </a:rPr>
-              <a:t>"</a:t>
-            </a:r>
-            <a:r>
-              <a:rPr lang="de-DE" dirty="0">
-                <a:solidFill>
-                  <a:srgbClr val="0000FF"/>
-                </a:solidFill>
-                <a:latin typeface="Consolas" panose="020B0609020204030204" pitchFamily="49" charset="0"/>
-              </a:rPr>
-              <a:t>&gt;</a:t>
-            </a:r>
-            <a:endParaRPr lang="de-DE" dirty="0">
-              <a:solidFill>
-                <a:srgbClr val="000000"/>
-              </a:solidFill>
-              <a:latin typeface="Consolas" panose="020B0609020204030204" pitchFamily="49" charset="0"/>
-            </a:endParaRPr>
-          </a:p>
-          <a:p>
-            <a:r>
-              <a:rPr lang="de-DE" dirty="0">
-                <a:solidFill>
-                  <a:srgbClr val="0000FF"/>
-                </a:solidFill>
-                <a:latin typeface="Consolas" panose="020B0609020204030204" pitchFamily="49" charset="0"/>
-              </a:rPr>
-              <a:t>      &lt;</a:t>
-            </a:r>
-            <a:r>
-              <a:rPr lang="de-DE" dirty="0" err="1">
-                <a:solidFill>
-                  <a:srgbClr val="A31515"/>
-                </a:solidFill>
-                <a:latin typeface="Consolas" panose="020B0609020204030204" pitchFamily="49" charset="0"/>
-              </a:rPr>
-              <a:t>providers</a:t>
-            </a:r>
-            <a:r>
-              <a:rPr lang="de-DE" dirty="0">
-                <a:solidFill>
-                  <a:srgbClr val="0000FF"/>
-                </a:solidFill>
-                <a:latin typeface="Consolas" panose="020B0609020204030204" pitchFamily="49" charset="0"/>
-              </a:rPr>
-              <a:t>&gt;</a:t>
-            </a:r>
-            <a:endParaRPr lang="de-DE" dirty="0">
-              <a:solidFill>
-                <a:srgbClr val="000000"/>
-              </a:solidFill>
-              <a:latin typeface="Consolas" panose="020B0609020204030204" pitchFamily="49" charset="0"/>
-            </a:endParaRPr>
-          </a:p>
-          <a:p>
-            <a:r>
-              <a:rPr lang="de-DE" dirty="0">
-                <a:solidFill>
-                  <a:srgbClr val="0000FF"/>
-                </a:solidFill>
-                <a:latin typeface="Consolas" panose="020B0609020204030204" pitchFamily="49" charset="0"/>
-              </a:rPr>
-              <a:t>        &lt;</a:t>
-            </a:r>
-            <a:r>
-              <a:rPr lang="de-DE" dirty="0" err="1">
-                <a:solidFill>
-                  <a:srgbClr val="A31515"/>
-                </a:solidFill>
-                <a:latin typeface="Consolas" panose="020B0609020204030204" pitchFamily="49" charset="0"/>
-              </a:rPr>
-              <a:t>add</a:t>
-            </a:r>
-            <a:r>
-              <a:rPr lang="de-DE" dirty="0">
-                <a:solidFill>
-                  <a:srgbClr val="0000FF"/>
-                </a:solidFill>
-                <a:latin typeface="Consolas" panose="020B0609020204030204" pitchFamily="49" charset="0"/>
-              </a:rPr>
-              <a:t> </a:t>
-            </a:r>
-            <a:r>
-              <a:rPr lang="de-DE" dirty="0" err="1">
-                <a:solidFill>
-                  <a:srgbClr val="FF0000"/>
-                </a:solidFill>
-                <a:latin typeface="Consolas" panose="020B0609020204030204" pitchFamily="49" charset="0"/>
-              </a:rPr>
-              <a:t>name</a:t>
-            </a:r>
-            <a:r>
-              <a:rPr lang="de-DE" dirty="0">
-                <a:solidFill>
-                  <a:srgbClr val="0000FF"/>
-                </a:solidFill>
-                <a:latin typeface="Consolas" panose="020B0609020204030204" pitchFamily="49" charset="0"/>
-              </a:rPr>
-              <a:t>=</a:t>
-            </a:r>
-            <a:r>
-              <a:rPr lang="de-DE" dirty="0">
-                <a:solidFill>
-                  <a:srgbClr val="000000"/>
-                </a:solidFill>
-                <a:latin typeface="Consolas" panose="020B0609020204030204" pitchFamily="49" charset="0"/>
-              </a:rPr>
-              <a:t>"</a:t>
-            </a:r>
-            <a:r>
-              <a:rPr lang="de-DE" dirty="0" err="1">
-                <a:solidFill>
-                  <a:srgbClr val="0000FF"/>
-                </a:solidFill>
-                <a:latin typeface="Consolas" panose="020B0609020204030204" pitchFamily="49" charset="0"/>
-              </a:rPr>
-              <a:t>DefaultSessionProvider</a:t>
-            </a:r>
-            <a:r>
-              <a:rPr lang="de-DE" dirty="0">
-                <a:solidFill>
-                  <a:srgbClr val="000000"/>
-                </a:solidFill>
-                <a:latin typeface="Consolas" panose="020B0609020204030204" pitchFamily="49" charset="0"/>
-              </a:rPr>
-              <a:t>"</a:t>
-            </a:r>
-            <a:r>
-              <a:rPr lang="de-DE" dirty="0">
-                <a:solidFill>
-                  <a:srgbClr val="0000FF"/>
-                </a:solidFill>
-                <a:latin typeface="Consolas" panose="020B0609020204030204" pitchFamily="49" charset="0"/>
-              </a:rPr>
-              <a:t> </a:t>
-            </a:r>
-            <a:r>
-              <a:rPr lang="de-DE" dirty="0">
-                <a:solidFill>
-                  <a:srgbClr val="FF0000"/>
-                </a:solidFill>
-                <a:latin typeface="Consolas" panose="020B0609020204030204" pitchFamily="49" charset="0"/>
-              </a:rPr>
-              <a:t>type</a:t>
-            </a:r>
-            <a:r>
-              <a:rPr lang="de-DE" dirty="0">
-                <a:solidFill>
-                  <a:srgbClr val="0000FF"/>
-                </a:solidFill>
-                <a:latin typeface="Consolas" panose="020B0609020204030204" pitchFamily="49" charset="0"/>
-              </a:rPr>
-              <a:t>=</a:t>
-            </a:r>
-            <a:r>
-              <a:rPr lang="de-DE" dirty="0">
-                <a:solidFill>
-                  <a:srgbClr val="000000"/>
-                </a:solidFill>
-                <a:latin typeface="Consolas" panose="020B0609020204030204" pitchFamily="49" charset="0"/>
-              </a:rPr>
-              <a:t>"</a:t>
-            </a:r>
-            <a:r>
-              <a:rPr lang="de-DE" dirty="0" err="1">
-                <a:solidFill>
-                  <a:srgbClr val="0000FF"/>
-                </a:solidFill>
-                <a:latin typeface="Consolas" panose="020B0609020204030204" pitchFamily="49" charset="0"/>
-              </a:rPr>
-              <a:t>System.Web.Providers.DefaultSessionStateProvider</a:t>
-            </a:r>
-            <a:r>
-              <a:rPr lang="de-DE" dirty="0">
-                <a:solidFill>
-                  <a:srgbClr val="0000FF"/>
-                </a:solidFill>
-                <a:latin typeface="Consolas" panose="020B0609020204030204" pitchFamily="49" charset="0"/>
-              </a:rPr>
-              <a:t>, </a:t>
-            </a:r>
-            <a:r>
-              <a:rPr lang="de-DE" dirty="0" err="1">
-                <a:solidFill>
-                  <a:srgbClr val="0000FF"/>
-                </a:solidFill>
-                <a:latin typeface="Consolas" panose="020B0609020204030204" pitchFamily="49" charset="0"/>
-              </a:rPr>
-              <a:t>System.Web.Providers</a:t>
-            </a:r>
-            <a:r>
-              <a:rPr lang="de-DE" dirty="0">
-                <a:solidFill>
-                  <a:srgbClr val="0000FF"/>
-                </a:solidFill>
-                <a:latin typeface="Consolas" panose="020B0609020204030204" pitchFamily="49" charset="0"/>
-              </a:rPr>
-              <a:t>, Version=2.0.0.0, Culture=neutral, </a:t>
-            </a:r>
-            <a:r>
-              <a:rPr lang="de-DE" dirty="0" err="1">
-                <a:solidFill>
-                  <a:srgbClr val="0000FF"/>
-                </a:solidFill>
-                <a:latin typeface="Consolas" panose="020B0609020204030204" pitchFamily="49" charset="0"/>
-              </a:rPr>
-              <a:t>PublicKeyToken</a:t>
-            </a:r>
-            <a:r>
-              <a:rPr lang="de-DE" dirty="0">
-                <a:solidFill>
-                  <a:srgbClr val="0000FF"/>
-                </a:solidFill>
-                <a:latin typeface="Consolas" panose="020B0609020204030204" pitchFamily="49" charset="0"/>
-              </a:rPr>
-              <a:t>=31bf3856ad364e35</a:t>
-            </a:r>
-            <a:r>
-              <a:rPr lang="de-DE" dirty="0">
-                <a:solidFill>
-                  <a:srgbClr val="000000"/>
-                </a:solidFill>
-                <a:latin typeface="Consolas" panose="020B0609020204030204" pitchFamily="49" charset="0"/>
-              </a:rPr>
-              <a:t>"</a:t>
-            </a:r>
-            <a:r>
-              <a:rPr lang="de-DE" dirty="0">
-                <a:solidFill>
-                  <a:srgbClr val="0000FF"/>
-                </a:solidFill>
-                <a:latin typeface="Consolas" panose="020B0609020204030204" pitchFamily="49" charset="0"/>
-              </a:rPr>
-              <a:t> </a:t>
-            </a:r>
-            <a:r>
-              <a:rPr lang="de-DE" dirty="0" err="1">
-                <a:solidFill>
-                  <a:srgbClr val="FF0000"/>
-                </a:solidFill>
-                <a:latin typeface="Consolas" panose="020B0609020204030204" pitchFamily="49" charset="0"/>
-              </a:rPr>
-              <a:t>connectionStringName</a:t>
-            </a:r>
-            <a:r>
-              <a:rPr lang="de-DE" dirty="0">
-                <a:solidFill>
-                  <a:srgbClr val="0000FF"/>
-                </a:solidFill>
-                <a:latin typeface="Consolas" panose="020B0609020204030204" pitchFamily="49" charset="0"/>
-              </a:rPr>
-              <a:t>=</a:t>
-            </a:r>
-            <a:r>
-              <a:rPr lang="de-DE" dirty="0">
-                <a:solidFill>
-                  <a:srgbClr val="000000"/>
-                </a:solidFill>
-                <a:latin typeface="Consolas" panose="020B0609020204030204" pitchFamily="49" charset="0"/>
-              </a:rPr>
-              <a:t>"</a:t>
-            </a:r>
-            <a:r>
-              <a:rPr lang="de-DE" dirty="0" err="1">
-                <a:solidFill>
-                  <a:srgbClr val="0000FF"/>
-                </a:solidFill>
-                <a:latin typeface="Consolas" panose="020B0609020204030204" pitchFamily="49" charset="0"/>
-              </a:rPr>
-              <a:t>DefaultConnection</a:t>
-            </a:r>
-            <a:r>
-              <a:rPr lang="de-DE" dirty="0">
-                <a:solidFill>
-                  <a:srgbClr val="000000"/>
-                </a:solidFill>
-                <a:latin typeface="Consolas" panose="020B0609020204030204" pitchFamily="49" charset="0"/>
-              </a:rPr>
-              <a:t>"</a:t>
-            </a:r>
-            <a:r>
-              <a:rPr lang="de-DE" dirty="0">
-                <a:solidFill>
-                  <a:srgbClr val="0000FF"/>
-                </a:solidFill>
-                <a:latin typeface="Consolas" panose="020B0609020204030204" pitchFamily="49" charset="0"/>
-              </a:rPr>
-              <a:t> /&gt;</a:t>
-            </a:r>
-            <a:endParaRPr lang="de-DE" dirty="0">
-              <a:solidFill>
-                <a:srgbClr val="000000"/>
-              </a:solidFill>
-              <a:latin typeface="Consolas" panose="020B0609020204030204" pitchFamily="49" charset="0"/>
-            </a:endParaRPr>
-          </a:p>
-          <a:p>
-            <a:r>
-              <a:rPr lang="de-DE" dirty="0">
-                <a:solidFill>
-                  <a:srgbClr val="0000FF"/>
-                </a:solidFill>
-                <a:latin typeface="Consolas" panose="020B0609020204030204" pitchFamily="49" charset="0"/>
-              </a:rPr>
-              <a:t>      &lt;/</a:t>
-            </a:r>
-            <a:r>
-              <a:rPr lang="de-DE" dirty="0" err="1">
-                <a:solidFill>
-                  <a:srgbClr val="A31515"/>
-                </a:solidFill>
-                <a:latin typeface="Consolas" panose="020B0609020204030204" pitchFamily="49" charset="0"/>
-              </a:rPr>
-              <a:t>providers</a:t>
-            </a:r>
-            <a:r>
-              <a:rPr lang="de-DE" dirty="0">
-                <a:solidFill>
-                  <a:srgbClr val="0000FF"/>
-                </a:solidFill>
-                <a:latin typeface="Consolas" panose="020B0609020204030204" pitchFamily="49" charset="0"/>
-              </a:rPr>
-              <a:t>&gt;</a:t>
-            </a:r>
-            <a:endParaRPr lang="de-DE" dirty="0">
-              <a:solidFill>
-                <a:srgbClr val="000000"/>
-              </a:solidFill>
-              <a:latin typeface="Consolas" panose="020B0609020204030204" pitchFamily="49" charset="0"/>
-            </a:endParaRPr>
-          </a:p>
-          <a:p>
-            <a:r>
-              <a:rPr lang="de-DE" dirty="0">
-                <a:solidFill>
-                  <a:srgbClr val="0000FF"/>
-                </a:solidFill>
-                <a:latin typeface="Consolas" panose="020B0609020204030204" pitchFamily="49" charset="0"/>
-              </a:rPr>
-              <a:t>    &lt;/</a:t>
-            </a:r>
-            <a:r>
-              <a:rPr lang="de-DE" dirty="0" err="1">
-                <a:solidFill>
-                  <a:srgbClr val="A31515"/>
-                </a:solidFill>
-                <a:latin typeface="Consolas" panose="020B0609020204030204" pitchFamily="49" charset="0"/>
-              </a:rPr>
-              <a:t>sessionState</a:t>
-            </a:r>
-            <a:r>
-              <a:rPr lang="de-DE" dirty="0">
-                <a:solidFill>
-                  <a:srgbClr val="0000FF"/>
-                </a:solidFill>
-                <a:latin typeface="Consolas" panose="020B0609020204030204" pitchFamily="49" charset="0"/>
-              </a:rPr>
-              <a:t>&gt;</a:t>
-            </a:r>
-            <a:endParaRPr lang="de-DE" dirty="0"/>
-          </a:p>
-        </p:txBody>
-      </p:sp>
-    </p:spTree>
-    <p:extLst>
-      <p:ext uri="{BB962C8B-B14F-4D97-AF65-F5344CB8AC3E}">
-        <p14:creationId xmlns:p14="http://schemas.microsoft.com/office/powerpoint/2010/main" val="695016068"/>
       </p:ext>
     </p:extLst>
   </p:cSld>
@@ -9422,16 +8889,12 @@
           <a:lstStyle/>
           <a:p>
             <a:r>
+              <a:rPr lang="de-DE" dirty="0" err="1" smtClean="0"/>
+              <a:t>Web.config</a:t>
+            </a:r>
+            <a:r>
               <a:rPr lang="de-DE" dirty="0" smtClean="0"/>
-              <a:t>Programmfluss durch </a:t>
-            </a:r>
-            <a:r>
-              <a:rPr lang="de-DE" dirty="0" err="1" smtClean="0"/>
-              <a:t>Querystring</a:t>
-            </a:r>
-            <a:r>
-              <a:rPr lang="de-DE" dirty="0" smtClean="0"/>
-              <a:t> ? steuern</a:t>
+              <a:t> &amp; Session Management</a:t>
             </a:r>
             <a:endParaRPr lang="de-DE" dirty="0"/>
           </a:p>
@@ -9452,64 +8915,566 @@
           <a:bodyPr/>
           <a:lstStyle/>
           <a:p>
-            <a:r>
-              <a:rPr lang="de-DE" dirty="0" err="1" smtClean="0"/>
-              <a:t>Request.Querystring</a:t>
-            </a:r>
-            <a:endParaRPr lang="de-DE" dirty="0" smtClean="0"/>
-          </a:p>
-          <a:p>
-            <a:pPr lvl="1"/>
-            <a:r>
-              <a:rPr lang="de-DE" dirty="0" smtClean="0"/>
-              <a:t>ID oder Key</a:t>
-            </a:r>
-          </a:p>
-          <a:p>
-            <a:r>
-              <a:rPr lang="de-DE" dirty="0" err="1" smtClean="0"/>
-              <a:t>HyperLink</a:t>
-            </a:r>
-            <a:r>
-              <a:rPr lang="de-DE" dirty="0" smtClean="0"/>
+            <a:endParaRPr lang="de-DE"/>
+          </a:p>
+        </p:txBody>
+      </p:sp>
+      <p:sp>
+        <p:nvSpPr>
+          <p:cNvPr id="4" name="Rechteck 3"/>
+          <p:cNvSpPr/>
+          <p:nvPr/>
+        </p:nvSpPr>
+        <p:spPr>
+          <a:xfrm>
+            <a:off x="398834" y="3037642"/>
+            <a:ext cx="11254902" cy="2308324"/>
+          </a:xfrm>
+          <a:prstGeom prst="rect">
+            <a:avLst/>
+          </a:prstGeom>
+        </p:spPr>
+        <p:txBody>
+          <a:bodyPr wrap="square">
+            <a:spAutoFit/>
+          </a:bodyPr>
+          <a:lstStyle/>
+          <a:p>
+            <a:r>
+              <a:rPr lang="de-DE" dirty="0">
+                <a:solidFill>
+                  <a:srgbClr val="0000FF"/>
+                </a:solidFill>
+                <a:latin typeface="Consolas" panose="020B0609020204030204" pitchFamily="49" charset="0"/>
+              </a:rPr>
+              <a:t>&lt;</a:t>
+            </a:r>
+            <a:r>
+              <a:rPr lang="de-DE" dirty="0" err="1">
+                <a:solidFill>
+                  <a:srgbClr val="A31515"/>
+                </a:solidFill>
+                <a:latin typeface="Consolas" panose="020B0609020204030204" pitchFamily="49" charset="0"/>
+              </a:rPr>
+              <a:t>sessionState</a:t>
+            </a:r>
+            <a:r>
+              <a:rPr lang="de-DE" dirty="0">
+                <a:solidFill>
+                  <a:srgbClr val="0000FF"/>
+                </a:solidFill>
+                <a:latin typeface="Consolas" panose="020B0609020204030204" pitchFamily="49" charset="0"/>
+              </a:rPr>
               <a:t> </a:t>
             </a:r>
             <a:r>
-              <a:rPr lang="de-DE" dirty="0" err="1" smtClean="0"/>
-              <a:t>ala</a:t>
-            </a:r>
-            <a:r>
-              <a:rPr lang="de-DE" dirty="0" smtClean="0"/>
+              <a:rPr lang="de-DE" dirty="0" err="1">
+                <a:solidFill>
+                  <a:srgbClr val="FF0000"/>
+                </a:solidFill>
+                <a:latin typeface="Consolas" panose="020B0609020204030204" pitchFamily="49" charset="0"/>
+              </a:rPr>
+              <a:t>mode</a:t>
+            </a:r>
+            <a:r>
+              <a:rPr lang="de-DE" dirty="0">
+                <a:solidFill>
+                  <a:srgbClr val="0000FF"/>
+                </a:solidFill>
+                <a:latin typeface="Consolas" panose="020B0609020204030204" pitchFamily="49" charset="0"/>
+              </a:rPr>
+              <a:t>=</a:t>
+            </a:r>
+            <a:r>
+              <a:rPr lang="de-DE" dirty="0">
+                <a:solidFill>
+                  <a:srgbClr val="000000"/>
+                </a:solidFill>
+                <a:latin typeface="Consolas" panose="020B0609020204030204" pitchFamily="49" charset="0"/>
+              </a:rPr>
+              <a:t>"</a:t>
+            </a:r>
+            <a:r>
+              <a:rPr lang="de-DE" dirty="0" err="1">
+                <a:solidFill>
+                  <a:srgbClr val="0000FF"/>
+                </a:solidFill>
+                <a:latin typeface="Consolas" panose="020B0609020204030204" pitchFamily="49" charset="0"/>
+              </a:rPr>
+              <a:t>InProc</a:t>
+            </a:r>
+            <a:r>
+              <a:rPr lang="de-DE" dirty="0">
+                <a:solidFill>
+                  <a:srgbClr val="000000"/>
+                </a:solidFill>
+                <a:latin typeface="Consolas" panose="020B0609020204030204" pitchFamily="49" charset="0"/>
+              </a:rPr>
+              <a:t>"</a:t>
+            </a:r>
+            <a:r>
+              <a:rPr lang="de-DE" dirty="0">
+                <a:solidFill>
+                  <a:srgbClr val="0000FF"/>
+                </a:solidFill>
+                <a:latin typeface="Consolas" panose="020B0609020204030204" pitchFamily="49" charset="0"/>
+              </a:rPr>
               <a:t> </a:t>
             </a:r>
             <a:r>
-              <a:rPr lang="de-DE" dirty="0" err="1" smtClean="0"/>
-              <a:t>Kunden.aspx?id</a:t>
-            </a:r>
-            <a:r>
-              <a:rPr lang="de-DE" dirty="0" smtClean="0"/>
-              <a:t>=1&amp;name=Hannes</a:t>
-            </a:r>
-          </a:p>
-          <a:p>
-            <a:pPr lvl="1"/>
-            <a:r>
-              <a:rPr lang="de-DE" dirty="0" smtClean="0"/>
-              <a:t>URL ab ? </a:t>
-            </a:r>
-          </a:p>
-          <a:p>
-            <a:pPr lvl="2"/>
-            <a:r>
-              <a:rPr lang="de-DE" dirty="0" smtClean="0"/>
-              <a:t>Variable=Wert</a:t>
-            </a:r>
-          </a:p>
-          <a:p>
-            <a:pPr lvl="2"/>
-            <a:r>
-              <a:rPr lang="de-DE" dirty="0" smtClean="0"/>
-              <a:t>Mehrere Paare mit &amp;</a:t>
+              <a:rPr lang="de-DE" dirty="0" err="1">
+                <a:solidFill>
+                  <a:srgbClr val="FF0000"/>
+                </a:solidFill>
+                <a:latin typeface="Consolas" panose="020B0609020204030204" pitchFamily="49" charset="0"/>
+              </a:rPr>
+              <a:t>cookieless</a:t>
+            </a:r>
+            <a:r>
+              <a:rPr lang="de-DE" dirty="0">
+                <a:solidFill>
+                  <a:srgbClr val="0000FF"/>
+                </a:solidFill>
+                <a:latin typeface="Consolas" panose="020B0609020204030204" pitchFamily="49" charset="0"/>
+              </a:rPr>
+              <a:t>=</a:t>
+            </a:r>
+            <a:r>
+              <a:rPr lang="de-DE" dirty="0">
+                <a:solidFill>
+                  <a:srgbClr val="000000"/>
+                </a:solidFill>
+                <a:latin typeface="Consolas" panose="020B0609020204030204" pitchFamily="49" charset="0"/>
+              </a:rPr>
+              <a:t>"</a:t>
+            </a:r>
+            <a:r>
+              <a:rPr lang="de-DE" dirty="0" err="1">
+                <a:solidFill>
+                  <a:srgbClr val="0000FF"/>
+                </a:solidFill>
+                <a:latin typeface="Consolas" panose="020B0609020204030204" pitchFamily="49" charset="0"/>
+              </a:rPr>
+              <a:t>UseUri</a:t>
+            </a:r>
+            <a:r>
+              <a:rPr lang="de-DE" dirty="0">
+                <a:solidFill>
+                  <a:srgbClr val="000000"/>
+                </a:solidFill>
+                <a:latin typeface="Consolas" panose="020B0609020204030204" pitchFamily="49" charset="0"/>
+              </a:rPr>
+              <a:t>"</a:t>
+            </a:r>
+            <a:r>
+              <a:rPr lang="de-DE" dirty="0">
+                <a:solidFill>
+                  <a:srgbClr val="0000FF"/>
+                </a:solidFill>
+                <a:latin typeface="Consolas" panose="020B0609020204030204" pitchFamily="49" charset="0"/>
+              </a:rPr>
+              <a:t> </a:t>
+            </a:r>
+            <a:r>
+              <a:rPr lang="de-DE" dirty="0" err="1">
+                <a:solidFill>
+                  <a:srgbClr val="FF0000"/>
+                </a:solidFill>
+                <a:latin typeface="Consolas" panose="020B0609020204030204" pitchFamily="49" charset="0"/>
+              </a:rPr>
+              <a:t>customProvider</a:t>
+            </a:r>
+            <a:r>
+              <a:rPr lang="de-DE" dirty="0">
+                <a:solidFill>
+                  <a:srgbClr val="0000FF"/>
+                </a:solidFill>
+                <a:latin typeface="Consolas" panose="020B0609020204030204" pitchFamily="49" charset="0"/>
+              </a:rPr>
+              <a:t>=</a:t>
+            </a:r>
+            <a:r>
+              <a:rPr lang="de-DE" dirty="0">
+                <a:solidFill>
+                  <a:srgbClr val="000000"/>
+                </a:solidFill>
+                <a:latin typeface="Consolas" panose="020B0609020204030204" pitchFamily="49" charset="0"/>
+              </a:rPr>
+              <a:t>"</a:t>
+            </a:r>
+            <a:r>
+              <a:rPr lang="de-DE" dirty="0" err="1">
+                <a:solidFill>
+                  <a:srgbClr val="0000FF"/>
+                </a:solidFill>
+                <a:latin typeface="Consolas" panose="020B0609020204030204" pitchFamily="49" charset="0"/>
+              </a:rPr>
+              <a:t>DefaultSessionProvider</a:t>
+            </a:r>
+            <a:r>
+              <a:rPr lang="de-DE" dirty="0">
+                <a:solidFill>
+                  <a:srgbClr val="000000"/>
+                </a:solidFill>
+                <a:latin typeface="Consolas" panose="020B0609020204030204" pitchFamily="49" charset="0"/>
+              </a:rPr>
+              <a:t>"</a:t>
+            </a:r>
+            <a:r>
+              <a:rPr lang="de-DE" dirty="0">
+                <a:solidFill>
+                  <a:srgbClr val="0000FF"/>
+                </a:solidFill>
+                <a:latin typeface="Consolas" panose="020B0609020204030204" pitchFamily="49" charset="0"/>
+              </a:rPr>
+              <a:t>&gt;</a:t>
+            </a:r>
+            <a:endParaRPr lang="de-DE" dirty="0">
+              <a:solidFill>
+                <a:srgbClr val="000000"/>
+              </a:solidFill>
+              <a:latin typeface="Consolas" panose="020B0609020204030204" pitchFamily="49" charset="0"/>
+            </a:endParaRPr>
+          </a:p>
+          <a:p>
+            <a:r>
+              <a:rPr lang="de-DE" dirty="0">
+                <a:solidFill>
+                  <a:srgbClr val="0000FF"/>
+                </a:solidFill>
+                <a:latin typeface="Consolas" panose="020B0609020204030204" pitchFamily="49" charset="0"/>
+              </a:rPr>
+              <a:t>      &lt;</a:t>
+            </a:r>
+            <a:r>
+              <a:rPr lang="de-DE" dirty="0" err="1">
+                <a:solidFill>
+                  <a:srgbClr val="A31515"/>
+                </a:solidFill>
+                <a:latin typeface="Consolas" panose="020B0609020204030204" pitchFamily="49" charset="0"/>
+              </a:rPr>
+              <a:t>providers</a:t>
+            </a:r>
+            <a:r>
+              <a:rPr lang="de-DE" dirty="0">
+                <a:solidFill>
+                  <a:srgbClr val="0000FF"/>
+                </a:solidFill>
+                <a:latin typeface="Consolas" panose="020B0609020204030204" pitchFamily="49" charset="0"/>
+              </a:rPr>
+              <a:t>&gt;</a:t>
+            </a:r>
+            <a:endParaRPr lang="de-DE" dirty="0">
+              <a:solidFill>
+                <a:srgbClr val="000000"/>
+              </a:solidFill>
+              <a:latin typeface="Consolas" panose="020B0609020204030204" pitchFamily="49" charset="0"/>
+            </a:endParaRPr>
+          </a:p>
+          <a:p>
+            <a:r>
+              <a:rPr lang="de-DE" dirty="0">
+                <a:solidFill>
+                  <a:srgbClr val="0000FF"/>
+                </a:solidFill>
+                <a:latin typeface="Consolas" panose="020B0609020204030204" pitchFamily="49" charset="0"/>
+              </a:rPr>
+              <a:t>        &lt;</a:t>
+            </a:r>
+            <a:r>
+              <a:rPr lang="de-DE" dirty="0" err="1">
+                <a:solidFill>
+                  <a:srgbClr val="A31515"/>
+                </a:solidFill>
+                <a:latin typeface="Consolas" panose="020B0609020204030204" pitchFamily="49" charset="0"/>
+              </a:rPr>
+              <a:t>add</a:t>
+            </a:r>
+            <a:r>
+              <a:rPr lang="de-DE" dirty="0">
+                <a:solidFill>
+                  <a:srgbClr val="0000FF"/>
+                </a:solidFill>
+                <a:latin typeface="Consolas" panose="020B0609020204030204" pitchFamily="49" charset="0"/>
+              </a:rPr>
+              <a:t> </a:t>
+            </a:r>
+            <a:r>
+              <a:rPr lang="de-DE" dirty="0" err="1">
+                <a:solidFill>
+                  <a:srgbClr val="FF0000"/>
+                </a:solidFill>
+                <a:latin typeface="Consolas" panose="020B0609020204030204" pitchFamily="49" charset="0"/>
+              </a:rPr>
+              <a:t>name</a:t>
+            </a:r>
+            <a:r>
+              <a:rPr lang="de-DE" dirty="0">
+                <a:solidFill>
+                  <a:srgbClr val="0000FF"/>
+                </a:solidFill>
+                <a:latin typeface="Consolas" panose="020B0609020204030204" pitchFamily="49" charset="0"/>
+              </a:rPr>
+              <a:t>=</a:t>
+            </a:r>
+            <a:r>
+              <a:rPr lang="de-DE" dirty="0">
+                <a:solidFill>
+                  <a:srgbClr val="000000"/>
+                </a:solidFill>
+                <a:latin typeface="Consolas" panose="020B0609020204030204" pitchFamily="49" charset="0"/>
+              </a:rPr>
+              <a:t>"</a:t>
+            </a:r>
+            <a:r>
+              <a:rPr lang="de-DE" dirty="0" err="1">
+                <a:solidFill>
+                  <a:srgbClr val="0000FF"/>
+                </a:solidFill>
+                <a:latin typeface="Consolas" panose="020B0609020204030204" pitchFamily="49" charset="0"/>
+              </a:rPr>
+              <a:t>DefaultSessionProvider</a:t>
+            </a:r>
+            <a:r>
+              <a:rPr lang="de-DE" dirty="0">
+                <a:solidFill>
+                  <a:srgbClr val="000000"/>
+                </a:solidFill>
+                <a:latin typeface="Consolas" panose="020B0609020204030204" pitchFamily="49" charset="0"/>
+              </a:rPr>
+              <a:t>"</a:t>
+            </a:r>
+            <a:r>
+              <a:rPr lang="de-DE" dirty="0">
+                <a:solidFill>
+                  <a:srgbClr val="0000FF"/>
+                </a:solidFill>
+                <a:latin typeface="Consolas" panose="020B0609020204030204" pitchFamily="49" charset="0"/>
+              </a:rPr>
+              <a:t> </a:t>
+            </a:r>
+            <a:r>
+              <a:rPr lang="de-DE" dirty="0">
+                <a:solidFill>
+                  <a:srgbClr val="FF0000"/>
+                </a:solidFill>
+                <a:latin typeface="Consolas" panose="020B0609020204030204" pitchFamily="49" charset="0"/>
+              </a:rPr>
+              <a:t>type</a:t>
+            </a:r>
+            <a:r>
+              <a:rPr lang="de-DE" dirty="0">
+                <a:solidFill>
+                  <a:srgbClr val="0000FF"/>
+                </a:solidFill>
+                <a:latin typeface="Consolas" panose="020B0609020204030204" pitchFamily="49" charset="0"/>
+              </a:rPr>
+              <a:t>=</a:t>
+            </a:r>
+            <a:r>
+              <a:rPr lang="de-DE" dirty="0">
+                <a:solidFill>
+                  <a:srgbClr val="000000"/>
+                </a:solidFill>
+                <a:latin typeface="Consolas" panose="020B0609020204030204" pitchFamily="49" charset="0"/>
+              </a:rPr>
+              <a:t>"</a:t>
+            </a:r>
+            <a:r>
+              <a:rPr lang="de-DE" dirty="0" err="1">
+                <a:solidFill>
+                  <a:srgbClr val="0000FF"/>
+                </a:solidFill>
+                <a:latin typeface="Consolas" panose="020B0609020204030204" pitchFamily="49" charset="0"/>
+              </a:rPr>
+              <a:t>System.Web.Providers.DefaultSessionStateProvider</a:t>
+            </a:r>
+            <a:r>
+              <a:rPr lang="de-DE" dirty="0">
+                <a:solidFill>
+                  <a:srgbClr val="0000FF"/>
+                </a:solidFill>
+                <a:latin typeface="Consolas" panose="020B0609020204030204" pitchFamily="49" charset="0"/>
+              </a:rPr>
+              <a:t>, </a:t>
+            </a:r>
+            <a:r>
+              <a:rPr lang="de-DE" dirty="0" err="1">
+                <a:solidFill>
+                  <a:srgbClr val="0000FF"/>
+                </a:solidFill>
+                <a:latin typeface="Consolas" panose="020B0609020204030204" pitchFamily="49" charset="0"/>
+              </a:rPr>
+              <a:t>System.Web.Providers</a:t>
+            </a:r>
+            <a:r>
+              <a:rPr lang="de-DE" dirty="0">
+                <a:solidFill>
+                  <a:srgbClr val="0000FF"/>
+                </a:solidFill>
+                <a:latin typeface="Consolas" panose="020B0609020204030204" pitchFamily="49" charset="0"/>
+              </a:rPr>
+              <a:t>, Version=2.0.0.0, Culture=neutral, </a:t>
+            </a:r>
+            <a:r>
+              <a:rPr lang="de-DE" dirty="0" err="1">
+                <a:solidFill>
+                  <a:srgbClr val="0000FF"/>
+                </a:solidFill>
+                <a:latin typeface="Consolas" panose="020B0609020204030204" pitchFamily="49" charset="0"/>
+              </a:rPr>
+              <a:t>PublicKeyToken</a:t>
+            </a:r>
+            <a:r>
+              <a:rPr lang="de-DE" dirty="0">
+                <a:solidFill>
+                  <a:srgbClr val="0000FF"/>
+                </a:solidFill>
+                <a:latin typeface="Consolas" panose="020B0609020204030204" pitchFamily="49" charset="0"/>
+              </a:rPr>
+              <a:t>=31bf3856ad364e35</a:t>
+            </a:r>
+            <a:r>
+              <a:rPr lang="de-DE" dirty="0">
+                <a:solidFill>
+                  <a:srgbClr val="000000"/>
+                </a:solidFill>
+                <a:latin typeface="Consolas" panose="020B0609020204030204" pitchFamily="49" charset="0"/>
+              </a:rPr>
+              <a:t>"</a:t>
+            </a:r>
+            <a:r>
+              <a:rPr lang="de-DE" dirty="0">
+                <a:solidFill>
+                  <a:srgbClr val="0000FF"/>
+                </a:solidFill>
+                <a:latin typeface="Consolas" panose="020B0609020204030204" pitchFamily="49" charset="0"/>
+              </a:rPr>
+              <a:t> </a:t>
+            </a:r>
+            <a:r>
+              <a:rPr lang="de-DE" dirty="0" err="1">
+                <a:solidFill>
+                  <a:srgbClr val="FF0000"/>
+                </a:solidFill>
+                <a:latin typeface="Consolas" panose="020B0609020204030204" pitchFamily="49" charset="0"/>
+              </a:rPr>
+              <a:t>connectionStringName</a:t>
+            </a:r>
+            <a:r>
+              <a:rPr lang="de-DE" dirty="0">
+                <a:solidFill>
+                  <a:srgbClr val="0000FF"/>
+                </a:solidFill>
+                <a:latin typeface="Consolas" panose="020B0609020204030204" pitchFamily="49" charset="0"/>
+              </a:rPr>
+              <a:t>=</a:t>
+            </a:r>
+            <a:r>
+              <a:rPr lang="de-DE" dirty="0">
+                <a:solidFill>
+                  <a:srgbClr val="000000"/>
+                </a:solidFill>
+                <a:latin typeface="Consolas" panose="020B0609020204030204" pitchFamily="49" charset="0"/>
+              </a:rPr>
+              <a:t>"</a:t>
+            </a:r>
+            <a:r>
+              <a:rPr lang="de-DE" dirty="0" err="1">
+                <a:solidFill>
+                  <a:srgbClr val="0000FF"/>
+                </a:solidFill>
+                <a:latin typeface="Consolas" panose="020B0609020204030204" pitchFamily="49" charset="0"/>
+              </a:rPr>
+              <a:t>DefaultConnection</a:t>
+            </a:r>
+            <a:r>
+              <a:rPr lang="de-DE" dirty="0">
+                <a:solidFill>
+                  <a:srgbClr val="000000"/>
+                </a:solidFill>
+                <a:latin typeface="Consolas" panose="020B0609020204030204" pitchFamily="49" charset="0"/>
+              </a:rPr>
+              <a:t>"</a:t>
+            </a:r>
+            <a:r>
+              <a:rPr lang="de-DE" dirty="0">
+                <a:solidFill>
+                  <a:srgbClr val="0000FF"/>
+                </a:solidFill>
+                <a:latin typeface="Consolas" panose="020B0609020204030204" pitchFamily="49" charset="0"/>
+              </a:rPr>
+              <a:t> /&gt;</a:t>
+            </a:r>
+            <a:endParaRPr lang="de-DE" dirty="0">
+              <a:solidFill>
+                <a:srgbClr val="000000"/>
+              </a:solidFill>
+              <a:latin typeface="Consolas" panose="020B0609020204030204" pitchFamily="49" charset="0"/>
+            </a:endParaRPr>
+          </a:p>
+          <a:p>
+            <a:r>
+              <a:rPr lang="de-DE" dirty="0">
+                <a:solidFill>
+                  <a:srgbClr val="0000FF"/>
+                </a:solidFill>
+                <a:latin typeface="Consolas" panose="020B0609020204030204" pitchFamily="49" charset="0"/>
+              </a:rPr>
+              <a:t>      &lt;/</a:t>
+            </a:r>
+            <a:r>
+              <a:rPr lang="de-DE" dirty="0" err="1">
+                <a:solidFill>
+                  <a:srgbClr val="A31515"/>
+                </a:solidFill>
+                <a:latin typeface="Consolas" panose="020B0609020204030204" pitchFamily="49" charset="0"/>
+              </a:rPr>
+              <a:t>providers</a:t>
+            </a:r>
+            <a:r>
+              <a:rPr lang="de-DE" dirty="0">
+                <a:solidFill>
+                  <a:srgbClr val="0000FF"/>
+                </a:solidFill>
+                <a:latin typeface="Consolas" panose="020B0609020204030204" pitchFamily="49" charset="0"/>
+              </a:rPr>
+              <a:t>&gt;</a:t>
+            </a:r>
+            <a:endParaRPr lang="de-DE" dirty="0">
+              <a:solidFill>
+                <a:srgbClr val="000000"/>
+              </a:solidFill>
+              <a:latin typeface="Consolas" panose="020B0609020204030204" pitchFamily="49" charset="0"/>
+            </a:endParaRPr>
+          </a:p>
+          <a:p>
+            <a:r>
+              <a:rPr lang="de-DE" dirty="0">
+                <a:solidFill>
+                  <a:srgbClr val="0000FF"/>
+                </a:solidFill>
+                <a:latin typeface="Consolas" panose="020B0609020204030204" pitchFamily="49" charset="0"/>
+              </a:rPr>
+              <a:t>    &lt;/</a:t>
+            </a:r>
+            <a:r>
+              <a:rPr lang="de-DE" dirty="0" err="1">
+                <a:solidFill>
+                  <a:srgbClr val="A31515"/>
+                </a:solidFill>
+                <a:latin typeface="Consolas" panose="020B0609020204030204" pitchFamily="49" charset="0"/>
+              </a:rPr>
+              <a:t>sessionState</a:t>
+            </a:r>
+            <a:r>
+              <a:rPr lang="de-DE" dirty="0">
+                <a:solidFill>
+                  <a:srgbClr val="0000FF"/>
+                </a:solidFill>
+                <a:latin typeface="Consolas" panose="020B0609020204030204" pitchFamily="49" charset="0"/>
+              </a:rPr>
+              <a:t>&gt;</a:t>
             </a:r>
             <a:endParaRPr lang="de-DE" dirty="0"/>
           </a:p>
@@ -9518,7 +9483,7 @@
     </p:spTree>
     <p:extLst>
       <p:ext uri="{BB962C8B-B14F-4D97-AF65-F5344CB8AC3E}">
-        <p14:creationId xmlns:p14="http://schemas.microsoft.com/office/powerpoint/2010/main" val="4130840334"/>
+        <p14:creationId xmlns:p14="http://schemas.microsoft.com/office/powerpoint/2010/main" val="695016068"/>
       </p:ext>
     </p:extLst>
   </p:cSld>
@@ -9568,8 +9533,16 @@
           <a:lstStyle/>
           <a:p>
             <a:r>
+              <a:rPr lang="de-DE" dirty="0" smtClean="0"/>
+              <a:t>Programmfluss durch </a:t>
+            </a:r>
+            <a:r>
               <a:rPr lang="de-DE" dirty="0" err="1" smtClean="0"/>
-              <a:t>FriendlyUrls</a:t>
+              <a:t>Querystring</a:t>
+            </a:r>
+            <a:r>
+              <a:rPr lang="de-DE" dirty="0" smtClean="0"/>
+              <a:t> ? steuern</a:t>
             </a:r>
             <a:endParaRPr lang="de-DE" dirty="0"/>
           </a:p>
@@ -9591,256 +9564,72 @@
           <a:lstStyle/>
           <a:p>
             <a:r>
+              <a:rPr lang="de-DE" dirty="0" err="1" smtClean="0"/>
+              <a:t>Request.Querystring</a:t>
+            </a:r>
+            <a:endParaRPr lang="de-DE" dirty="0" smtClean="0"/>
+          </a:p>
+          <a:p>
+            <a:pPr lvl="1"/>
+            <a:r>
               <a:rPr lang="de-DE" dirty="0" smtClean="0"/>
-              <a:t>Hyperlink als Pfad</a:t>
-            </a:r>
-          </a:p>
-          <a:p>
-            <a:pPr lvl="1"/>
+              <a:t>ID oder Key</a:t>
+            </a:r>
+          </a:p>
+          <a:p>
             <a:r>
               <a:rPr lang="de-DE" dirty="0" err="1" smtClean="0"/>
-              <a:t>kunden</a:t>
-            </a:r>
-            <a:r>
-              <a:rPr lang="de-DE" dirty="0" smtClean="0"/>
-              <a:t>/</a:t>
-            </a:r>
-            <a:r>
-              <a:rPr lang="de-DE" dirty="0" err="1" smtClean="0"/>
-              <a:t>id</a:t>
-            </a:r>
-            <a:r>
-              <a:rPr lang="de-DE" dirty="0" smtClean="0"/>
-              <a:t>/1/</a:t>
-            </a:r>
-            <a:r>
-              <a:rPr lang="de-DE" dirty="0" err="1" smtClean="0"/>
-              <a:t>name</a:t>
-            </a:r>
-            <a:r>
-              <a:rPr lang="de-DE" dirty="0" smtClean="0"/>
-              <a:t>/Hannes</a:t>
-            </a:r>
-          </a:p>
-          <a:p>
-            <a:r>
-              <a:rPr lang="de-DE" dirty="0" smtClean="0"/>
-              <a:t>Paket Installieren</a:t>
-            </a:r>
-          </a:p>
-          <a:p>
-            <a:r>
-              <a:rPr lang="de-DE" dirty="0" err="1" smtClean="0"/>
-              <a:t>Global.asax</a:t>
-            </a:r>
-            <a:endParaRPr lang="de-DE" dirty="0" smtClean="0"/>
-          </a:p>
-          <a:p>
-            <a:r>
-              <a:rPr lang="de-DE" dirty="0" err="1" smtClean="0"/>
-              <a:t>Routeconfig</a:t>
-            </a:r>
-            <a:endParaRPr lang="de-DE" dirty="0" smtClean="0"/>
-          </a:p>
-          <a:p>
-            <a:pPr lvl="1"/>
-            <a:r>
-              <a:rPr lang="de-DE" dirty="0" smtClean="0"/>
-              <a:t>Aktivieren</a:t>
-            </a:r>
-          </a:p>
-          <a:p>
-            <a:r>
-              <a:rPr lang="de-DE" dirty="0" smtClean="0"/>
-              <a:t>Imports oder </a:t>
-            </a:r>
-            <a:r>
-              <a:rPr lang="de-DE" dirty="0" err="1" smtClean="0"/>
-              <a:t>using</a:t>
+              <a:t>HyperLink</a:t>
             </a:r>
             <a:r>
               <a:rPr lang="de-DE" dirty="0" smtClean="0"/>
               <a:t> </a:t>
             </a:r>
+            <a:r>
+              <a:rPr lang="de-DE" dirty="0" err="1" smtClean="0"/>
+              <a:t>ala</a:t>
+            </a:r>
+            <a:r>
+              <a:rPr lang="de-DE" dirty="0" smtClean="0"/>
+              <a:t> </a:t>
+            </a:r>
+            <a:r>
+              <a:rPr lang="de-DE" dirty="0" err="1" smtClean="0"/>
+              <a:t>Kunden.aspx?id</a:t>
+            </a:r>
+            <a:r>
+              <a:rPr lang="de-DE" dirty="0" smtClean="0"/>
+              <a:t>=1&amp;name=Hannes</a:t>
+            </a:r>
+          </a:p>
+          <a:p>
+            <a:pPr lvl="1"/>
+            <a:r>
+              <a:rPr lang="de-DE" dirty="0" smtClean="0"/>
+              <a:t>URL ab ? </a:t>
+            </a:r>
+          </a:p>
+          <a:p>
+            <a:pPr lvl="2"/>
+            <a:r>
+              <a:rPr lang="de-DE" dirty="0" smtClean="0"/>
+              <a:t>Variable=Wert</a:t>
+            </a:r>
+          </a:p>
+          <a:p>
+            <a:pPr lvl="2"/>
+            <a:r>
+              <a:rPr lang="de-DE" dirty="0" smtClean="0"/>
+              <a:t>Mehrere Paare mit &amp;</a:t>
+            </a:r>
             <a:endParaRPr lang="de-DE" dirty="0"/>
-          </a:p>
-          <a:p>
-            <a:endParaRPr lang="de-DE" dirty="0"/>
-          </a:p>
-        </p:txBody>
-      </p:sp>
-      <p:pic>
-        <p:nvPicPr>
-          <p:cNvPr id="4" name="Grafik 3"/>
-          <p:cNvPicPr>
-            <a:picLocks noChangeAspect="1"/>
-          </p:cNvPicPr>
-          <p:nvPr/>
-        </p:nvPicPr>
-        <p:blipFill>
-          <a:blip r:embed="rId2"/>
-          <a:stretch>
-            <a:fillRect/>
-          </a:stretch>
-        </p:blipFill>
-        <p:spPr>
-          <a:xfrm>
-            <a:off x="6911926" y="508338"/>
-            <a:ext cx="4755794" cy="2634574"/>
-          </a:xfrm>
-          <a:prstGeom prst="rect">
-            <a:avLst/>
-          </a:prstGeom>
-        </p:spPr>
-      </p:pic>
-      <p:sp>
-        <p:nvSpPr>
-          <p:cNvPr id="5" name="Rechteck 4"/>
-          <p:cNvSpPr/>
-          <p:nvPr/>
-        </p:nvSpPr>
-        <p:spPr>
-          <a:xfrm>
-            <a:off x="6241823" y="4463148"/>
-            <a:ext cx="6096000" cy="646331"/>
-          </a:xfrm>
-          <a:prstGeom prst="rect">
-            <a:avLst/>
-          </a:prstGeom>
-        </p:spPr>
-        <p:txBody>
-          <a:bodyPr>
-            <a:spAutoFit/>
-          </a:bodyPr>
-          <a:lstStyle/>
-          <a:p>
-            <a:r>
-              <a:rPr lang="de-DE" dirty="0">
-                <a:solidFill>
-                  <a:srgbClr val="000000"/>
-                </a:solidFill>
-                <a:highlight>
-                  <a:srgbClr val="FFFF00"/>
-                </a:highlight>
-                <a:latin typeface="Consolas" panose="020B0609020204030204" pitchFamily="49" charset="0"/>
-              </a:rPr>
-              <a:t>&lt;%</a:t>
-            </a:r>
-            <a:r>
-              <a:rPr lang="de-DE" dirty="0">
-                <a:solidFill>
-                  <a:srgbClr val="0000FF"/>
-                </a:solidFill>
-                <a:highlight>
-                  <a:srgbClr val="FFFF00"/>
-                </a:highlight>
-                <a:latin typeface="Consolas" panose="020B0609020204030204" pitchFamily="49" charset="0"/>
-              </a:rPr>
-              <a:t>@</a:t>
-            </a:r>
-            <a:r>
-              <a:rPr lang="de-DE" dirty="0">
-                <a:solidFill>
-                  <a:srgbClr val="000000"/>
-                </a:solidFill>
-                <a:highlight>
-                  <a:srgbClr val="FFFF00"/>
-                </a:highlight>
-                <a:latin typeface="Consolas" panose="020B0609020204030204" pitchFamily="49" charset="0"/>
-              </a:rPr>
-              <a:t> </a:t>
-            </a:r>
-            <a:r>
-              <a:rPr lang="de-DE" dirty="0">
-                <a:solidFill>
-                  <a:srgbClr val="800000"/>
-                </a:solidFill>
-                <a:highlight>
-                  <a:srgbClr val="FFFF00"/>
-                </a:highlight>
-                <a:latin typeface="Consolas" panose="020B0609020204030204" pitchFamily="49" charset="0"/>
-              </a:rPr>
-              <a:t>Import</a:t>
-            </a:r>
-            <a:r>
-              <a:rPr lang="de-DE" dirty="0">
-                <a:solidFill>
-                  <a:srgbClr val="000000"/>
-                </a:solidFill>
-                <a:highlight>
-                  <a:srgbClr val="FFFF00"/>
-                </a:highlight>
-                <a:latin typeface="Consolas" panose="020B0609020204030204" pitchFamily="49" charset="0"/>
-              </a:rPr>
-              <a:t> </a:t>
-            </a:r>
-            <a:r>
-              <a:rPr lang="de-DE" dirty="0">
-                <a:solidFill>
-                  <a:srgbClr val="FF0000"/>
-                </a:solidFill>
-                <a:highlight>
-                  <a:srgbClr val="FFFF00"/>
-                </a:highlight>
-                <a:latin typeface="Consolas" panose="020B0609020204030204" pitchFamily="49" charset="0"/>
-              </a:rPr>
-              <a:t>Namespace</a:t>
-            </a:r>
-            <a:r>
-              <a:rPr lang="de-DE" dirty="0">
-                <a:solidFill>
-                  <a:srgbClr val="0000FF"/>
-                </a:solidFill>
-                <a:highlight>
-                  <a:srgbClr val="FFFF00"/>
-                </a:highlight>
-                <a:latin typeface="Consolas" panose="020B0609020204030204" pitchFamily="49" charset="0"/>
-              </a:rPr>
-              <a:t>="</a:t>
-            </a:r>
-            <a:r>
-              <a:rPr lang="de-DE" dirty="0" err="1">
-                <a:solidFill>
-                  <a:srgbClr val="0000FF"/>
-                </a:solidFill>
-                <a:highlight>
-                  <a:srgbClr val="FFFF00"/>
-                </a:highlight>
-                <a:latin typeface="Consolas" panose="020B0609020204030204" pitchFamily="49" charset="0"/>
-              </a:rPr>
-              <a:t>Microsoft.AspNet.FriendlyUrls</a:t>
-            </a:r>
-            <a:r>
-              <a:rPr lang="de-DE" dirty="0">
-                <a:solidFill>
-                  <a:srgbClr val="0000FF"/>
-                </a:solidFill>
-                <a:highlight>
-                  <a:srgbClr val="FFFF00"/>
-                </a:highlight>
-                <a:latin typeface="Consolas" panose="020B0609020204030204" pitchFamily="49" charset="0"/>
-              </a:rPr>
-              <a:t>"</a:t>
-            </a:r>
-            <a:r>
-              <a:rPr lang="de-DE" dirty="0">
-                <a:solidFill>
-                  <a:srgbClr val="000000"/>
-                </a:solidFill>
-                <a:highlight>
-                  <a:srgbClr val="FFFF00"/>
-                </a:highlight>
-                <a:latin typeface="Consolas" panose="020B0609020204030204" pitchFamily="49" charset="0"/>
-              </a:rPr>
-              <a:t> %&gt;</a:t>
-            </a:r>
           </a:p>
         </p:txBody>
       </p:sp>
     </p:spTree>
     <p:extLst>
       <p:ext uri="{BB962C8B-B14F-4D97-AF65-F5344CB8AC3E}">
-        <p14:creationId xmlns:p14="http://schemas.microsoft.com/office/powerpoint/2010/main" val="892255161"/>
+        <p14:creationId xmlns:p14="http://schemas.microsoft.com/office/powerpoint/2010/main" val="4130840334"/>
       </p:ext>
     </p:extLst>
   </p:cSld>
@@ -10301,8 +10090,8 @@
           <a:lstStyle/>
           <a:p>
             <a:r>
-              <a:rPr lang="de-DE" dirty="0" smtClean="0"/>
-              <a:t>Cookies</a:t>
+              <a:rPr lang="de-DE" dirty="0" err="1" smtClean="0"/>
+              <a:t>FriendlyUrls</a:t>
             </a:r>
             <a:endParaRPr lang="de-DE" dirty="0"/>
           </a:p>
@@ -10325,6 +10114,328 @@
           <a:p>
             <a:r>
               <a:rPr lang="de-DE" dirty="0" smtClean="0"/>
+              <a:t>Hyperlink als Pfad</a:t>
+            </a:r>
+          </a:p>
+          <a:p>
+            <a:pPr lvl="1"/>
+            <a:r>
+              <a:rPr lang="de-DE" dirty="0" err="1" smtClean="0"/>
+              <a:t>kunden</a:t>
+            </a:r>
+            <a:r>
+              <a:rPr lang="de-DE" dirty="0" smtClean="0"/>
+              <a:t>/</a:t>
+            </a:r>
+            <a:r>
+              <a:rPr lang="de-DE" dirty="0" err="1" smtClean="0"/>
+              <a:t>id</a:t>
+            </a:r>
+            <a:r>
+              <a:rPr lang="de-DE" dirty="0" smtClean="0"/>
+              <a:t>/1/</a:t>
+            </a:r>
+            <a:r>
+              <a:rPr lang="de-DE" dirty="0" err="1" smtClean="0"/>
+              <a:t>name</a:t>
+            </a:r>
+            <a:r>
+              <a:rPr lang="de-DE" dirty="0" smtClean="0"/>
+              <a:t>/Hannes</a:t>
+            </a:r>
+          </a:p>
+          <a:p>
+            <a:r>
+              <a:rPr lang="de-DE" dirty="0" smtClean="0"/>
+              <a:t>Paket Installieren</a:t>
+            </a:r>
+          </a:p>
+          <a:p>
+            <a:r>
+              <a:rPr lang="de-DE" dirty="0" err="1" smtClean="0"/>
+              <a:t>Global.asax</a:t>
+            </a:r>
+            <a:endParaRPr lang="de-DE" dirty="0" smtClean="0"/>
+          </a:p>
+          <a:p>
+            <a:r>
+              <a:rPr lang="de-DE" dirty="0" err="1" smtClean="0"/>
+              <a:t>Routeconfig</a:t>
+            </a:r>
+            <a:endParaRPr lang="de-DE" dirty="0" smtClean="0"/>
+          </a:p>
+          <a:p>
+            <a:pPr lvl="1"/>
+            <a:r>
+              <a:rPr lang="de-DE" dirty="0" smtClean="0"/>
+              <a:t>Aktivieren</a:t>
+            </a:r>
+          </a:p>
+          <a:p>
+            <a:r>
+              <a:rPr lang="de-DE" dirty="0" smtClean="0"/>
+              <a:t>Imports oder </a:t>
+            </a:r>
+            <a:r>
+              <a:rPr lang="de-DE" dirty="0" err="1" smtClean="0"/>
+              <a:t>using</a:t>
+            </a:r>
+            <a:r>
+              <a:rPr lang="de-DE" dirty="0" smtClean="0"/>
+              <a:t> </a:t>
+            </a:r>
+            <a:endParaRPr lang="de-DE" dirty="0"/>
+          </a:p>
+          <a:p>
+            <a:endParaRPr lang="de-DE" dirty="0"/>
+          </a:p>
+        </p:txBody>
+      </p:sp>
+      <p:pic>
+        <p:nvPicPr>
+          <p:cNvPr id="4" name="Grafik 3"/>
+          <p:cNvPicPr>
+            <a:picLocks noChangeAspect="1"/>
+          </p:cNvPicPr>
+          <p:nvPr/>
+        </p:nvPicPr>
+        <p:blipFill>
+          <a:blip r:embed="rId2"/>
+          <a:stretch>
+            <a:fillRect/>
+          </a:stretch>
+        </p:blipFill>
+        <p:spPr>
+          <a:xfrm>
+            <a:off x="6911926" y="508338"/>
+            <a:ext cx="4755794" cy="2634574"/>
+          </a:xfrm>
+          <a:prstGeom prst="rect">
+            <a:avLst/>
+          </a:prstGeom>
+        </p:spPr>
+      </p:pic>
+      <p:sp>
+        <p:nvSpPr>
+          <p:cNvPr id="5" name="Rechteck 4"/>
+          <p:cNvSpPr/>
+          <p:nvPr/>
+        </p:nvSpPr>
+        <p:spPr>
+          <a:xfrm>
+            <a:off x="6241823" y="4463148"/>
+            <a:ext cx="6096000" cy="646331"/>
+          </a:xfrm>
+          <a:prstGeom prst="rect">
+            <a:avLst/>
+          </a:prstGeom>
+        </p:spPr>
+        <p:txBody>
+          <a:bodyPr>
+            <a:spAutoFit/>
+          </a:bodyPr>
+          <a:lstStyle/>
+          <a:p>
+            <a:r>
+              <a:rPr lang="de-DE" dirty="0">
+                <a:solidFill>
+                  <a:srgbClr val="000000"/>
+                </a:solidFill>
+                <a:highlight>
+                  <a:srgbClr val="FFFF00"/>
+                </a:highlight>
+                <a:latin typeface="Consolas" panose="020B0609020204030204" pitchFamily="49" charset="0"/>
+              </a:rPr>
+              <a:t>&lt;%</a:t>
+            </a:r>
+            <a:r>
+              <a:rPr lang="de-DE" dirty="0">
+                <a:solidFill>
+                  <a:srgbClr val="0000FF"/>
+                </a:solidFill>
+                <a:highlight>
+                  <a:srgbClr val="FFFF00"/>
+                </a:highlight>
+                <a:latin typeface="Consolas" panose="020B0609020204030204" pitchFamily="49" charset="0"/>
+              </a:rPr>
+              <a:t>@</a:t>
+            </a:r>
+            <a:r>
+              <a:rPr lang="de-DE" dirty="0">
+                <a:solidFill>
+                  <a:srgbClr val="000000"/>
+                </a:solidFill>
+                <a:highlight>
+                  <a:srgbClr val="FFFF00"/>
+                </a:highlight>
+                <a:latin typeface="Consolas" panose="020B0609020204030204" pitchFamily="49" charset="0"/>
+              </a:rPr>
+              <a:t> </a:t>
+            </a:r>
+            <a:r>
+              <a:rPr lang="de-DE" dirty="0">
+                <a:solidFill>
+                  <a:srgbClr val="800000"/>
+                </a:solidFill>
+                <a:highlight>
+                  <a:srgbClr val="FFFF00"/>
+                </a:highlight>
+                <a:latin typeface="Consolas" panose="020B0609020204030204" pitchFamily="49" charset="0"/>
+              </a:rPr>
+              <a:t>Import</a:t>
+            </a:r>
+            <a:r>
+              <a:rPr lang="de-DE" dirty="0">
+                <a:solidFill>
+                  <a:srgbClr val="000000"/>
+                </a:solidFill>
+                <a:highlight>
+                  <a:srgbClr val="FFFF00"/>
+                </a:highlight>
+                <a:latin typeface="Consolas" panose="020B0609020204030204" pitchFamily="49" charset="0"/>
+              </a:rPr>
+              <a:t> </a:t>
+            </a:r>
+            <a:r>
+              <a:rPr lang="de-DE" dirty="0">
+                <a:solidFill>
+                  <a:srgbClr val="FF0000"/>
+                </a:solidFill>
+                <a:highlight>
+                  <a:srgbClr val="FFFF00"/>
+                </a:highlight>
+                <a:latin typeface="Consolas" panose="020B0609020204030204" pitchFamily="49" charset="0"/>
+              </a:rPr>
+              <a:t>Namespace</a:t>
+            </a:r>
+            <a:r>
+              <a:rPr lang="de-DE" dirty="0">
+                <a:solidFill>
+                  <a:srgbClr val="0000FF"/>
+                </a:solidFill>
+                <a:highlight>
+                  <a:srgbClr val="FFFF00"/>
+                </a:highlight>
+                <a:latin typeface="Consolas" panose="020B0609020204030204" pitchFamily="49" charset="0"/>
+              </a:rPr>
+              <a:t>="</a:t>
+            </a:r>
+            <a:r>
+              <a:rPr lang="de-DE" dirty="0" err="1">
+                <a:solidFill>
+                  <a:srgbClr val="0000FF"/>
+                </a:solidFill>
+                <a:highlight>
+                  <a:srgbClr val="FFFF00"/>
+                </a:highlight>
+                <a:latin typeface="Consolas" panose="020B0609020204030204" pitchFamily="49" charset="0"/>
+              </a:rPr>
+              <a:t>Microsoft.AspNet.FriendlyUrls</a:t>
+            </a:r>
+            <a:r>
+              <a:rPr lang="de-DE" dirty="0">
+                <a:solidFill>
+                  <a:srgbClr val="0000FF"/>
+                </a:solidFill>
+                <a:highlight>
+                  <a:srgbClr val="FFFF00"/>
+                </a:highlight>
+                <a:latin typeface="Consolas" panose="020B0609020204030204" pitchFamily="49" charset="0"/>
+              </a:rPr>
+              <a:t>"</a:t>
+            </a:r>
+            <a:r>
+              <a:rPr lang="de-DE" dirty="0">
+                <a:solidFill>
+                  <a:srgbClr val="000000"/>
+                </a:solidFill>
+                <a:highlight>
+                  <a:srgbClr val="FFFF00"/>
+                </a:highlight>
+                <a:latin typeface="Consolas" panose="020B0609020204030204" pitchFamily="49" charset="0"/>
+              </a:rPr>
+              <a:t> %&gt;</a:t>
+            </a:r>
+          </a:p>
+        </p:txBody>
+      </p:sp>
+    </p:spTree>
+    <p:extLst>
+      <p:ext uri="{BB962C8B-B14F-4D97-AF65-F5344CB8AC3E}">
+        <p14:creationId xmlns:p14="http://schemas.microsoft.com/office/powerpoint/2010/main" val="892255161"/>
+      </p:ext>
+    </p:extLst>
+  </p:cSld>
+  <p:clrMapOvr>
+    <a:masterClrMapping/>
+  </p:clrMapOvr>
+  <p:timing>
+    <p:tnLst>
+      <p:par>
+        <p:cTn id="1" dur="indefinite" restart="never" nodeType="tmRoot"/>
+      </p:par>
+    </p:tnLst>
+  </p:timing>
+</p:sld>
+</file>
+
+<file path=ppt/slides/slide21.xml><?xml version="1.0" encoding="utf-8"?>
+<p:sld xmlns:a="http://schemas.openxmlformats.org/drawingml/2006/main" xmlns:r="http://schemas.openxmlformats.org/officeDocument/2006/relationships" xmlns:p="http://schemas.openxmlformats.org/presentationml/2006/main">
+  <p:cSld>
+    <p:spTree>
+      <p:nvGrpSpPr>
+        <p:cNvPr id="1" name=""/>
+        <p:cNvGrpSpPr/>
+        <p:nvPr/>
+      </p:nvGrpSpPr>
+      <p:grpSpPr>
+        <a:xfrm>
+          <a:off x="0" y="0"/>
+          <a:ext cx="0" cy="0"/>
+          <a:chOff x="0" y="0"/>
+          <a:chExt cx="0" cy="0"/>
+        </a:xfrm>
+      </p:grpSpPr>
+      <p:sp>
+        <p:nvSpPr>
+          <p:cNvPr id="2" name="Titel 1"/>
+          <p:cNvSpPr>
+            <a:spLocks noGrp="1"/>
+          </p:cNvSpPr>
+          <p:nvPr>
+            <p:ph type="title"/>
+          </p:nvPr>
+        </p:nvSpPr>
+        <p:spPr/>
+        <p:txBody>
+          <a:bodyPr/>
+          <a:lstStyle/>
+          <a:p>
+            <a:r>
+              <a:rPr lang="de-DE" dirty="0" smtClean="0"/>
+              <a:t>Cookies</a:t>
+            </a:r>
+            <a:endParaRPr lang="de-DE" dirty="0"/>
+          </a:p>
+        </p:txBody>
+      </p:sp>
+      <p:sp>
+        <p:nvSpPr>
+          <p:cNvPr id="3" name="Inhaltsplatzhalter 2"/>
+          <p:cNvSpPr>
+            <a:spLocks noGrp="1"/>
+          </p:cNvSpPr>
+          <p:nvPr>
+            <p:ph idx="1"/>
+          </p:nvPr>
+        </p:nvSpPr>
+        <p:spPr/>
+        <p:txBody>
+          <a:bodyPr/>
+          <a:lstStyle/>
+          <a:p>
+            <a:r>
+              <a:rPr lang="de-DE" dirty="0" smtClean="0"/>
               <a:t>Variable Wert</a:t>
             </a:r>
           </a:p>
@@ -10345,14 +10456,35 @@
             <a:pPr lvl="1"/>
             <a:r>
               <a:rPr lang="de-DE" dirty="0" smtClean="0"/>
-              <a:t>Negative Zeit löscht den Cookie</a:t>
-            </a:r>
-          </a:p>
-          <a:p>
+              <a:t>Negative Zeit löscht den </a:t>
+            </a:r>
             <a:r>
               <a:rPr lang="de-DE" dirty="0" smtClean="0"/>
-              <a:t>Server Seitig</a:t>
-            </a:r>
+              <a:t>Cookie</a:t>
+            </a:r>
+          </a:p>
+          <a:p>
+            <a:pPr lvl="1"/>
+            <a:r>
+              <a:rPr lang="de-DE" dirty="0" smtClean="0"/>
+              <a:t>Cookie ohne Zeit beim </a:t>
+            </a:r>
+            <a:r>
+              <a:rPr lang="de-DE" dirty="0" err="1" smtClean="0"/>
+              <a:t>Schliessen</a:t>
+            </a:r>
+            <a:r>
+              <a:rPr lang="de-DE" dirty="0" smtClean="0"/>
+              <a:t> des Browsers</a:t>
+            </a:r>
+            <a:endParaRPr lang="de-DE" dirty="0" smtClean="0"/>
+          </a:p>
+          <a:p>
+            <a:r>
+              <a:rPr lang="de-DE" dirty="0" smtClean="0"/>
+              <a:t>ASP.NET</a:t>
+            </a:r>
+            <a:endParaRPr lang="de-DE" dirty="0" smtClean="0"/>
           </a:p>
           <a:p>
             <a:pPr lvl="1"/>
@@ -10369,20 +10501,6 @@
               <a:t>Request.Cookies</a:t>
             </a:r>
             <a:endParaRPr lang="de-DE" dirty="0" smtClean="0"/>
-          </a:p>
-          <a:p>
-            <a:r>
-              <a:rPr lang="de-DE" dirty="0" smtClean="0"/>
-              <a:t>Client seitig</a:t>
-            </a:r>
-          </a:p>
-          <a:p>
-            <a:pPr lvl="1"/>
-            <a:r>
-              <a:rPr lang="de-DE" dirty="0" err="1"/>
-              <a:t>document.cookie</a:t>
-            </a:r>
-            <a:endParaRPr lang="de-DE" dirty="0"/>
           </a:p>
         </p:txBody>
       </p:sp>
@@ -10403,6 +10521,206 @@
       </p:par>
     </p:tnLst>
   </p:timing>
+</p:sld>
+</file>
+
+<file path=ppt/slides/slide22.xml><?xml version="1.0" encoding="utf-8"?>
+<p:sld xmlns:a="http://schemas.openxmlformats.org/drawingml/2006/main" xmlns:r="http://schemas.openxmlformats.org/officeDocument/2006/relationships" xmlns:p="http://schemas.openxmlformats.org/presentationml/2006/main">
+  <p:cSld>
+    <p:spTree>
+      <p:nvGrpSpPr>
+        <p:cNvPr id="1" name=""/>
+        <p:cNvGrpSpPr/>
+        <p:nvPr/>
+      </p:nvGrpSpPr>
+      <p:grpSpPr>
+        <a:xfrm>
+          <a:off x="0" y="0"/>
+          <a:ext cx="0" cy="0"/>
+          <a:chOff x="0" y="0"/>
+          <a:chExt cx="0" cy="0"/>
+        </a:xfrm>
+      </p:grpSpPr>
+      <p:sp>
+        <p:nvSpPr>
+          <p:cNvPr id="2" name="Titel 1"/>
+          <p:cNvSpPr>
+            <a:spLocks noGrp="1"/>
+          </p:cNvSpPr>
+          <p:nvPr>
+            <p:ph type="title"/>
+          </p:nvPr>
+        </p:nvSpPr>
+        <p:spPr/>
+        <p:txBody>
+          <a:bodyPr/>
+          <a:lstStyle/>
+          <a:p>
+            <a:r>
+              <a:rPr lang="de-DE" dirty="0" smtClean="0"/>
+              <a:t>JavaScript Cookies</a:t>
+            </a:r>
+            <a:endParaRPr lang="de-DE" dirty="0"/>
+          </a:p>
+        </p:txBody>
+      </p:sp>
+      <p:sp>
+        <p:nvSpPr>
+          <p:cNvPr id="3" name="Inhaltsplatzhalter 2"/>
+          <p:cNvSpPr>
+            <a:spLocks noGrp="1"/>
+          </p:cNvSpPr>
+          <p:nvPr>
+            <p:ph idx="1"/>
+          </p:nvPr>
+        </p:nvSpPr>
+        <p:spPr/>
+        <p:txBody>
+          <a:bodyPr/>
+          <a:lstStyle/>
+          <a:p>
+            <a:r>
+              <a:rPr lang="de-DE" dirty="0" err="1" smtClean="0"/>
+              <a:t>Document.Cookie</a:t>
+            </a:r>
+            <a:endParaRPr lang="de-DE" dirty="0" smtClean="0"/>
+          </a:p>
+          <a:p>
+            <a:pPr lvl="1"/>
+            <a:r>
+              <a:rPr lang="de-DE" dirty="0" err="1"/>
+              <a:t>document.cookie</a:t>
+            </a:r>
+            <a:r>
+              <a:rPr lang="de-DE" dirty="0"/>
+              <a:t> = "</a:t>
+            </a:r>
+            <a:r>
+              <a:rPr lang="de-DE" dirty="0" err="1" smtClean="0"/>
+              <a:t>username</a:t>
+            </a:r>
+            <a:r>
+              <a:rPr lang="de-DE" dirty="0" smtClean="0"/>
+              <a:t>=John; </a:t>
+            </a:r>
+            <a:r>
+              <a:rPr lang="de-DE" dirty="0" err="1"/>
+              <a:t>expires</a:t>
+            </a:r>
+            <a:r>
+              <a:rPr lang="de-DE" dirty="0"/>
+              <a:t>=Thu, 18 </a:t>
+            </a:r>
+            <a:r>
+              <a:rPr lang="de-DE" dirty="0" err="1"/>
+              <a:t>Dec</a:t>
+            </a:r>
+            <a:r>
+              <a:rPr lang="de-DE" dirty="0"/>
+              <a:t> </a:t>
+            </a:r>
+            <a:r>
+              <a:rPr lang="de-DE" dirty="0" smtClean="0"/>
+              <a:t>2018 </a:t>
+            </a:r>
+            <a:r>
+              <a:rPr lang="de-DE" dirty="0"/>
+              <a:t>12:00:00 UTC"; </a:t>
+            </a:r>
+            <a:endParaRPr lang="de-DE" dirty="0"/>
+          </a:p>
+        </p:txBody>
+      </p:sp>
+      <p:sp>
+        <p:nvSpPr>
+          <p:cNvPr id="4" name="Rechteck 3"/>
+          <p:cNvSpPr/>
+          <p:nvPr/>
+        </p:nvSpPr>
+        <p:spPr>
+          <a:xfrm>
+            <a:off x="3048000" y="2967335"/>
+            <a:ext cx="6096000" cy="923330"/>
+          </a:xfrm>
+          <a:prstGeom prst="rect">
+            <a:avLst/>
+          </a:prstGeom>
+        </p:spPr>
+        <p:txBody>
+          <a:bodyPr>
+            <a:spAutoFit/>
+          </a:bodyPr>
+          <a:lstStyle/>
+          <a:p>
+            <a:r>
+              <a:rPr lang="de-DE" dirty="0"/>
+              <a:t>a = </a:t>
+            </a:r>
+            <a:r>
+              <a:rPr lang="de-DE" dirty="0" err="1"/>
+              <a:t>document.cookie</a:t>
+            </a:r>
+            <a:r>
+              <a:rPr lang="de-DE" dirty="0"/>
+              <a:t>;</a:t>
+            </a:r>
+          </a:p>
+          <a:p>
+            <a:r>
+              <a:rPr lang="de-DE" dirty="0" err="1"/>
+              <a:t>cookiename</a:t>
+            </a:r>
+            <a:r>
+              <a:rPr lang="de-DE" dirty="0"/>
+              <a:t> = </a:t>
+            </a:r>
+            <a:r>
+              <a:rPr lang="de-DE" dirty="0" err="1"/>
+              <a:t>a.substr</a:t>
+            </a:r>
+            <a:r>
+              <a:rPr lang="de-DE" dirty="0"/>
+              <a:t>(0,a.search('='));</a:t>
+            </a:r>
+          </a:p>
+          <a:p>
+            <a:r>
+              <a:rPr lang="de-DE" dirty="0" err="1"/>
+              <a:t>cookiewert</a:t>
+            </a:r>
+            <a:r>
+              <a:rPr lang="de-DE" dirty="0"/>
+              <a:t> = </a:t>
+            </a:r>
+            <a:r>
+              <a:rPr lang="de-DE" dirty="0" err="1"/>
+              <a:t>a.substr</a:t>
+            </a:r>
+            <a:r>
+              <a:rPr lang="de-DE" dirty="0"/>
+              <a:t>(</a:t>
+            </a:r>
+            <a:r>
+              <a:rPr lang="de-DE" dirty="0" err="1"/>
+              <a:t>a.search</a:t>
+            </a:r>
+            <a:r>
+              <a:rPr lang="de-DE" dirty="0"/>
+              <a:t>('=')+1,a.search(';'));</a:t>
+            </a:r>
+          </a:p>
+        </p:txBody>
+      </p:sp>
+    </p:spTree>
+    <p:extLst>
+      <p:ext uri="{BB962C8B-B14F-4D97-AF65-F5344CB8AC3E}">
+        <p14:creationId xmlns:p14="http://schemas.microsoft.com/office/powerpoint/2010/main" val="1833934034"/>
+      </p:ext>
+    </p:extLst>
+  </p:cSld>
+  <p:clrMapOvr>
+    <a:masterClrMapping/>
+  </p:clrMapOvr>
 </p:sld>
 </file>
 

--- a/05AddingFunctionality.pptx
+++ b/05AddingFunctionality.pptx
@@ -5,31 +5,30 @@
     <p:sldMasterId id="2147483684" r:id="rId1"/>
   </p:sldMasterIdLst>
   <p:notesMasterIdLst>
-    <p:notesMasterId r:id="rId24"/>
+    <p:notesMasterId r:id="rId23"/>
   </p:notesMasterIdLst>
   <p:sldIdLst>
     <p:sldId id="256" r:id="rId2"/>
     <p:sldId id="257" r:id="rId3"/>
-    <p:sldId id="316" r:id="rId4"/>
-    <p:sldId id="261" r:id="rId5"/>
-    <p:sldId id="311" r:id="rId6"/>
-    <p:sldId id="312" r:id="rId7"/>
-    <p:sldId id="314" r:id="rId8"/>
-    <p:sldId id="322" r:id="rId9"/>
-    <p:sldId id="317" r:id="rId10"/>
-    <p:sldId id="326" r:id="rId11"/>
-    <p:sldId id="323" r:id="rId12"/>
-    <p:sldId id="324" r:id="rId13"/>
-    <p:sldId id="331" r:id="rId14"/>
-    <p:sldId id="328" r:id="rId15"/>
-    <p:sldId id="318" r:id="rId16"/>
-    <p:sldId id="330" r:id="rId17"/>
-    <p:sldId id="319" r:id="rId18"/>
-    <p:sldId id="329" r:id="rId19"/>
-    <p:sldId id="320" r:id="rId20"/>
-    <p:sldId id="321" r:id="rId21"/>
-    <p:sldId id="325" r:id="rId22"/>
-    <p:sldId id="332" r:id="rId23"/>
+    <p:sldId id="311" r:id="rId4"/>
+    <p:sldId id="316" r:id="rId5"/>
+    <p:sldId id="312" r:id="rId6"/>
+    <p:sldId id="314" r:id="rId7"/>
+    <p:sldId id="322" r:id="rId8"/>
+    <p:sldId id="317" r:id="rId9"/>
+    <p:sldId id="326" r:id="rId10"/>
+    <p:sldId id="323" r:id="rId11"/>
+    <p:sldId id="324" r:id="rId12"/>
+    <p:sldId id="331" r:id="rId13"/>
+    <p:sldId id="328" r:id="rId14"/>
+    <p:sldId id="318" r:id="rId15"/>
+    <p:sldId id="330" r:id="rId16"/>
+    <p:sldId id="319" r:id="rId17"/>
+    <p:sldId id="329" r:id="rId18"/>
+    <p:sldId id="320" r:id="rId19"/>
+    <p:sldId id="321" r:id="rId20"/>
+    <p:sldId id="325" r:id="rId21"/>
+    <p:sldId id="332" r:id="rId22"/>
   </p:sldIdLst>
   <p:sldSz cx="12192000" cy="6858000"/>
   <p:notesSz cx="6858000" cy="9144000"/>
@@ -218,7 +217,7 @@
           <a:p>
             <a:fld id="{86035F98-A1BD-4CEA-97BE-8B0B3D35457A}" type="datetimeFigureOut">
               <a:rPr lang="de-DE" smtClean="0"/>
-              <a:t>05.06.2018</a:t>
+              <a:t>06.06.2018</a:t>
             </a:fld>
             <a:endParaRPr lang="de-DE"/>
           </a:p>
@@ -705,7 +704,7 @@
           <a:lstStyle/>
           <a:p>
             <a:r>
-              <a:rPr lang="en-US" altLang="de-DE">
+              <a:rPr lang="en-US" altLang="de-DE" dirty="0">
                 <a:latin typeface="Arial" panose="020B0604020202020204" pitchFamily="34" charset="0"/>
               </a:rPr>
               <a:t>Ensure that the students are familiar with the concept of debugging.</a:t>
@@ -713,18 +712,18 @@
           </a:p>
           <a:p>
             <a:r>
-              <a:rPr lang="en-US" altLang="de-DE">
+              <a:rPr lang="en-US" altLang="de-DE" dirty="0">
                 <a:latin typeface="Arial" panose="020B0604020202020204" pitchFamily="34" charset="0"/>
               </a:rPr>
               <a:t>Explain the process of debugging: Determine whether the bug should be fixed, locate the bug, and fix the bug.</a:t>
             </a:r>
-            <a:endParaRPr lang="en-US" altLang="de-DE" b="1">
+            <a:endParaRPr lang="en-US" altLang="de-DE" b="1" dirty="0">
               <a:latin typeface="Arial" panose="020B0604020202020204" pitchFamily="34" charset="0"/>
             </a:endParaRPr>
           </a:p>
           <a:p>
             <a:r>
-              <a:rPr lang="en-US" altLang="de-DE">
+              <a:rPr lang="en-US" altLang="de-DE" dirty="0">
                 <a:latin typeface="Arial" panose="020B0604020202020204" pitchFamily="34" charset="0"/>
               </a:rPr>
               <a:t>Point out that unlike spoken languages such as English and German, where a syntax error can be overlooked, a compiler error will not pass, because software like Visual Studio 2010 will not fix a syntax error.</a:t>
@@ -732,7 +731,7 @@
           </a:p>
           <a:p>
             <a:r>
-              <a:rPr lang="en-US" altLang="de-DE">
+              <a:rPr lang="en-US" altLang="de-DE" dirty="0">
                 <a:latin typeface="Arial" panose="020B0604020202020204" pitchFamily="34" charset="0"/>
               </a:rPr>
               <a:t>Mention about debugging on the client—for example, how to debug a commercial Web application on a client computer by using Microsoft Visual Studio® 2010—and stepping through client-side code. </a:t>
@@ -740,31 +739,31 @@
           </a:p>
           <a:p>
             <a:r>
-              <a:rPr lang="en-US" altLang="de-DE">
+              <a:rPr lang="en-US" altLang="de-DE" dirty="0">
                 <a:latin typeface="Arial" panose="020B0604020202020204" pitchFamily="34" charset="0"/>
               </a:rPr>
               <a:t>Potentially show the </a:t>
             </a:r>
             <a:r>
-              <a:rPr lang="en-US" altLang="de-DE" b="1">
+              <a:rPr lang="en-US" altLang="de-DE" b="1" dirty="0">
                 <a:latin typeface="Arial" panose="020B0604020202020204" pitchFamily="34" charset="0"/>
               </a:rPr>
               <a:t>Options</a:t>
             </a:r>
             <a:r>
-              <a:rPr lang="en-US" altLang="de-DE">
+              <a:rPr lang="en-US" altLang="de-DE" dirty="0">
                 <a:latin typeface="Arial" panose="020B0604020202020204" pitchFamily="34" charset="0"/>
               </a:rPr>
               <a:t> dialog box for enabling client-side debugging, and the JavaScript </a:t>
             </a:r>
             <a:r>
-              <a:rPr lang="en-US" altLang="de-DE" b="1">
+              <a:rPr lang="en-US" altLang="de-DE" b="1" dirty="0">
                 <a:latin typeface="Arial" panose="020B0604020202020204" pitchFamily="34" charset="0"/>
               </a:rPr>
               <a:t>debugger</a:t>
             </a:r>
             <a:r>
-              <a:rPr lang="en-US" altLang="de-DE">
+              <a:rPr lang="en-US" altLang="de-DE" dirty="0">
                 <a:latin typeface="Arial" panose="020B0604020202020204" pitchFamily="34" charset="0"/>
               </a:rPr>
               <a:t> method.</a:t>
@@ -772,43 +771,43 @@
           </a:p>
           <a:p>
             <a:r>
-              <a:rPr lang="en-US" altLang="de-DE">
+              <a:rPr lang="en-US" altLang="de-DE" dirty="0">
                 <a:latin typeface="Arial" panose="020B0604020202020204" pitchFamily="34" charset="0"/>
               </a:rPr>
               <a:t>Point out though, that client-side debugging is not being discussed in this module.</a:t>
             </a:r>
           </a:p>
           <a:p>
-            <a:endParaRPr lang="en-US" altLang="de-DE">
+            <a:endParaRPr lang="en-US" altLang="de-DE" dirty="0">
               <a:latin typeface="Arial" panose="020B0604020202020204" pitchFamily="34" charset="0"/>
             </a:endParaRPr>
           </a:p>
           <a:p>
             <a:r>
-              <a:rPr lang="en-US" altLang="de-DE" b="1">
+              <a:rPr lang="en-US" altLang="de-DE" b="1" dirty="0">
                 <a:latin typeface="Arial" panose="020B0604020202020204" pitchFamily="34" charset="0"/>
               </a:rPr>
               <a:t>Question:</a:t>
             </a:r>
             <a:r>
-              <a:rPr lang="en-US" altLang="de-DE">
+              <a:rPr lang="en-US" altLang="de-DE" dirty="0">
                 <a:latin typeface="Arial" panose="020B0604020202020204" pitchFamily="34" charset="0"/>
               </a:rPr>
               <a:t> How will you ensure that your program or code is without any errors?</a:t>
             </a:r>
-            <a:endParaRPr lang="en-US" altLang="de-DE" b="1">
+            <a:endParaRPr lang="en-US" altLang="de-DE" b="1" dirty="0">
               <a:latin typeface="Arial" panose="020B0604020202020204" pitchFamily="34" charset="0"/>
             </a:endParaRPr>
           </a:p>
           <a:p>
             <a:r>
-              <a:rPr lang="en-US" altLang="de-DE" b="1">
+              <a:rPr lang="en-US" altLang="de-DE" b="1" dirty="0">
                 <a:latin typeface="Arial" panose="020B0604020202020204" pitchFamily="34" charset="0"/>
               </a:rPr>
               <a:t>Answer:</a:t>
             </a:r>
             <a:r>
-              <a:rPr lang="en-US" altLang="de-DE">
+              <a:rPr lang="en-US" altLang="de-DE" dirty="0">
                 <a:latin typeface="Arial" panose="020B0604020202020204" pitchFamily="34" charset="0"/>
               </a:rPr>
               <a:t> When you write a computer program, errors can and will occur. You might make a typographical error, your program might not perform as expected, or it might not run at all. When there is an error in your program, you need to find it and fix it. Finding and fixing errors is called debugging. </a:t>
@@ -1142,7 +1141,7 @@
     </p:spTree>
     <p:extLst>
       <p:ext uri="{BB962C8B-B14F-4D97-AF65-F5344CB8AC3E}">
-        <p14:creationId xmlns:p14="http://schemas.microsoft.com/office/powerpoint/2010/main" val="2731333929"/>
+        <p14:creationId xmlns:p14="http://schemas.microsoft.com/office/powerpoint/2010/main" val="400928548"/>
       </p:ext>
     </p:extLst>
   </p:cSld>
@@ -1809,7 +1808,7 @@
     </p:spTree>
     <p:extLst>
       <p:ext uri="{BB962C8B-B14F-4D97-AF65-F5344CB8AC3E}">
-        <p14:creationId xmlns:p14="http://schemas.microsoft.com/office/powerpoint/2010/main" val="2548554887"/>
+        <p14:creationId xmlns:p14="http://schemas.microsoft.com/office/powerpoint/2010/main" val="2731333929"/>
       </p:ext>
     </p:extLst>
   </p:cSld>
@@ -2042,7 +2041,7 @@
               <a:rPr lang="en-US" altLang="de-DE" dirty="0">
                 <a:latin typeface="Arial" panose="020B0604020202020204" pitchFamily="34" charset="0"/>
               </a:rPr>
-              <a:t>Ensure that the students are familiar with the concept of debugging.</a:t>
+              <a:t>Client-side event handlers are useful for events to which a Web Form must respond immediately, such as validation events. ASP.NET supports client script in either JavaScript or Microsoft Visual Basic Scripting Edition (VBScript) . Point out that VBScript is only supported in Windows® Internet Explorer®.</a:t>
             </a:r>
           </a:p>
           <a:p>
@@ -2050,7 +2049,63 @@
               <a:rPr lang="en-US" altLang="de-DE" dirty="0">
                 <a:latin typeface="Arial" panose="020B0604020202020204" pitchFamily="34" charset="0"/>
               </a:rPr>
-              <a:t>Explain the process of debugging: Determine whether the bug should be fixed, locate the bug, and fix the bug.</a:t>
+              <a:t>Take some time to discuss how event handlers can be created, assigned, or attached programmatically or explicitly.</a:t>
+            </a:r>
+          </a:p>
+          <a:p>
+            <a:r>
+              <a:rPr lang="en-US" altLang="de-DE" dirty="0">
+                <a:latin typeface="Arial" panose="020B0604020202020204" pitchFamily="34" charset="0"/>
+              </a:rPr>
+              <a:t>Point out that you can get a reference to the </a:t>
+            </a:r>
+            <a:r>
+              <a:rPr lang="en-US" altLang="de-DE" b="1" dirty="0" err="1">
+                <a:latin typeface="Arial" panose="020B0604020202020204" pitchFamily="34" charset="0"/>
+              </a:rPr>
+              <a:t>ClientScriptManager</a:t>
+            </a:r>
+            <a:r>
+              <a:rPr lang="en-US" altLang="de-DE" dirty="0">
+                <a:latin typeface="Arial" panose="020B0604020202020204" pitchFamily="34" charset="0"/>
+              </a:rPr>
+              <a:t> class from the </a:t>
+            </a:r>
+            <a:r>
+              <a:rPr lang="en-US" altLang="de-DE" b="1" dirty="0" err="1">
+                <a:latin typeface="Arial" panose="020B0604020202020204" pitchFamily="34" charset="0"/>
+              </a:rPr>
+              <a:t>ClientScript</a:t>
+            </a:r>
+            <a:r>
+              <a:rPr lang="en-US" altLang="de-DE" dirty="0">
+                <a:latin typeface="Arial" panose="020B0604020202020204" pitchFamily="34" charset="0"/>
+              </a:rPr>
+              <a:t> property of the Page object, which is shown in the code samples as </a:t>
+            </a:r>
+            <a:r>
+              <a:rPr lang="en-US" altLang="de-DE" b="1" dirty="0" err="1">
+                <a:latin typeface="Arial" panose="020B0604020202020204" pitchFamily="34" charset="0"/>
+              </a:rPr>
+              <a:t>Me.ClientScript</a:t>
+            </a:r>
+            <a:r>
+              <a:rPr lang="en-US" altLang="de-DE" dirty="0">
+                <a:latin typeface="Arial" panose="020B0604020202020204" pitchFamily="34" charset="0"/>
+              </a:rPr>
+              <a:t> and </a:t>
+            </a:r>
+            <a:r>
+              <a:rPr lang="en-US" altLang="de-DE" b="1" dirty="0" err="1">
+                <a:latin typeface="Arial" panose="020B0604020202020204" pitchFamily="34" charset="0"/>
+              </a:rPr>
+              <a:t>this.ClientScript</a:t>
+            </a:r>
+            <a:r>
+              <a:rPr lang="en-US" altLang="de-DE" dirty="0">
+                <a:latin typeface="Arial" panose="020B0604020202020204" pitchFamily="34" charset="0"/>
+              </a:rPr>
+              <a:t>.</a:t>
             </a:r>
             <a:endParaRPr lang="en-US" altLang="de-DE" b="1" dirty="0">
               <a:latin typeface="Arial" panose="020B0604020202020204" pitchFamily="34" charset="0"/>
@@ -2058,94 +2113,16 @@
           </a:p>
           <a:p>
             <a:r>
+              <a:rPr lang="en-US" altLang="de-DE" b="1" dirty="0">
+                <a:latin typeface="Arial" panose="020B0604020202020204" pitchFamily="34" charset="0"/>
+              </a:rPr>
+              <a:t>Note</a:t>
+            </a:r>
+            <a:r>
               <a:rPr lang="en-US" altLang="de-DE" dirty="0">
                 <a:latin typeface="Arial" panose="020B0604020202020204" pitchFamily="34" charset="0"/>
               </a:rPr>
-              <a:t>Point out that unlike spoken languages such as English and German, where a syntax error can be overlooked, a compiler error will not pass, because software like Visual Studio 2010 will not fix a syntax error.</a:t>
-            </a:r>
-          </a:p>
-          <a:p>
-            <a:r>
-              <a:rPr lang="en-US" altLang="de-DE" dirty="0">
-                <a:latin typeface="Arial" panose="020B0604020202020204" pitchFamily="34" charset="0"/>
-              </a:rPr>
-              <a:t>Mention about debugging on the client—for example, how to debug a commercial Web application on a client computer by using Microsoft Visual Studio® 2010—and stepping through client-side code. </a:t>
-            </a:r>
-          </a:p>
-          <a:p>
-            <a:r>
-              <a:rPr lang="en-US" altLang="de-DE" dirty="0">
-                <a:latin typeface="Arial" panose="020B0604020202020204" pitchFamily="34" charset="0"/>
-              </a:rPr>
-              <a:t>Potentially show the </a:t>
-            </a:r>
-            <a:r>
-              <a:rPr lang="en-US" altLang="de-DE" b="1" dirty="0">
-                <a:latin typeface="Arial" panose="020B0604020202020204" pitchFamily="34" charset="0"/>
-              </a:rPr>
-              <a:t>Options</a:t>
-            </a:r>
-            <a:r>
-              <a:rPr lang="en-US" altLang="de-DE" dirty="0">
-                <a:latin typeface="Arial" panose="020B0604020202020204" pitchFamily="34" charset="0"/>
-              </a:rPr>
-              <a:t> dialog box for enabling client-side debugging, and the JavaScript </a:t>
-            </a:r>
-            <a:r>
-              <a:rPr lang="en-US" altLang="de-DE" b="1" dirty="0">
-                <a:latin typeface="Arial" panose="020B0604020202020204" pitchFamily="34" charset="0"/>
-              </a:rPr>
-              <a:t>debugger</a:t>
-            </a:r>
-            <a:r>
-              <a:rPr lang="en-US" altLang="de-DE" dirty="0">
-                <a:latin typeface="Arial" panose="020B0604020202020204" pitchFamily="34" charset="0"/>
-              </a:rPr>
-              <a:t> method.</a:t>
-            </a:r>
-          </a:p>
-          <a:p>
-            <a:r>
-              <a:rPr lang="en-US" altLang="de-DE" dirty="0">
-                <a:latin typeface="Arial" panose="020B0604020202020204" pitchFamily="34" charset="0"/>
-              </a:rPr>
-              <a:t>Point out though, that client-side debugging is not being discussed in this module.</a:t>
-            </a:r>
-          </a:p>
-          <a:p>
-            <a:endParaRPr lang="en-US" altLang="de-DE" dirty="0">
-              <a:latin typeface="Arial" panose="020B0604020202020204" pitchFamily="34" charset="0"/>
-            </a:endParaRPr>
-          </a:p>
-          <a:p>
-            <a:r>
-              <a:rPr lang="en-US" altLang="de-DE" b="1" dirty="0">
-                <a:latin typeface="Arial" panose="020B0604020202020204" pitchFamily="34" charset="0"/>
-              </a:rPr>
-              <a:t>Question:</a:t>
-            </a:r>
-            <a:r>
-              <a:rPr lang="en-US" altLang="de-DE" dirty="0">
-                <a:latin typeface="Arial" panose="020B0604020202020204" pitchFamily="34" charset="0"/>
-              </a:rPr>
-              <a:t> How will you ensure that your program or code is without any errors?</a:t>
-            </a:r>
-            <a:endParaRPr lang="en-US" altLang="de-DE" b="1" dirty="0">
-              <a:latin typeface="Arial" panose="020B0604020202020204" pitchFamily="34" charset="0"/>
-            </a:endParaRPr>
-          </a:p>
-          <a:p>
-            <a:r>
-              <a:rPr lang="en-US" altLang="de-DE" b="1" dirty="0">
-                <a:latin typeface="Arial" panose="020B0604020202020204" pitchFamily="34" charset="0"/>
-              </a:rPr>
-              <a:t>Answer:</a:t>
-            </a:r>
-            <a:r>
-              <a:rPr lang="en-US" altLang="de-DE" dirty="0">
-                <a:latin typeface="Arial" panose="020B0604020202020204" pitchFamily="34" charset="0"/>
-              </a:rPr>
-              <a:t> When you write a computer program, errors can and will occur. You might make a typographical error, your program might not perform as expected, or it might not run at all. When there is an error in your program, you need to find it and fix it. Finding and fixing errors is called debugging. </a:t>
+              <a:t>: Make sure that you do not get started on a discussion on ASP.NET Asynchronous JavaScript and XML (AJAX) at this point.</a:t>
             </a:r>
           </a:p>
         </p:txBody>
@@ -2476,7 +2453,7 @@
     </p:spTree>
     <p:extLst>
       <p:ext uri="{BB962C8B-B14F-4D97-AF65-F5344CB8AC3E}">
-        <p14:creationId xmlns:p14="http://schemas.microsoft.com/office/powerpoint/2010/main" val="400928548"/>
+        <p14:creationId xmlns:p14="http://schemas.microsoft.com/office/powerpoint/2010/main" val="3275847442"/>
       </p:ext>
     </p:extLst>
   </p:cSld>
@@ -2706,91 +2683,113 @@
           <a:lstStyle/>
           <a:p>
             <a:r>
-              <a:rPr lang="en-US" altLang="de-DE" dirty="0">
+              <a:rPr lang="en-US" altLang="de-DE">
                 <a:latin typeface="Arial" panose="020B0604020202020204" pitchFamily="34" charset="0"/>
               </a:rPr>
-              <a:t>Client-side event handlers are useful for events to which a Web Form must respond immediately, such as validation events. ASP.NET supports client script in either JavaScript or Microsoft Visual Basic Scripting Edition (VBScript) . Point out that VBScript is only supported in Windows® Internet Explorer®.</a:t>
-            </a:r>
-          </a:p>
-          <a:p>
-            <a:r>
-              <a:rPr lang="en-US" altLang="de-DE" dirty="0">
+              <a:t>Ensure that the students are familiar with the concept of debugging.</a:t>
+            </a:r>
+          </a:p>
+          <a:p>
+            <a:r>
+              <a:rPr lang="en-US" altLang="de-DE">
                 <a:latin typeface="Arial" panose="020B0604020202020204" pitchFamily="34" charset="0"/>
               </a:rPr>
-              <a:t>Take some time to discuss how event handlers can be created, assigned, or attached programmatically or explicitly.</a:t>
-            </a:r>
-          </a:p>
-          <a:p>
-            <a:r>
-              <a:rPr lang="en-US" altLang="de-DE" dirty="0">
-                <a:latin typeface="Arial" panose="020B0604020202020204" pitchFamily="34" charset="0"/>
-              </a:rPr>
-              <a:t>Point out that you can get a reference to the </a:t>
-            </a:r>
-            <a:r>
-              <a:rPr lang="en-US" altLang="de-DE" b="1" dirty="0" err="1">
-                <a:latin typeface="Arial" panose="020B0604020202020204" pitchFamily="34" charset="0"/>
-              </a:rPr>
-              <a:t>ClientScriptManager</a:t>
-            </a:r>
-            <a:r>
-              <a:rPr lang="en-US" altLang="de-DE" dirty="0">
-                <a:latin typeface="Arial" panose="020B0604020202020204" pitchFamily="34" charset="0"/>
-              </a:rPr>
-              <a:t> class from the </a:t>
-            </a:r>
-            <a:r>
-              <a:rPr lang="en-US" altLang="de-DE" b="1" dirty="0" err="1">
-                <a:latin typeface="Arial" panose="020B0604020202020204" pitchFamily="34" charset="0"/>
-              </a:rPr>
-              <a:t>ClientScript</a:t>
-            </a:r>
-            <a:r>
-              <a:rPr lang="en-US" altLang="de-DE" dirty="0">
-                <a:latin typeface="Arial" panose="020B0604020202020204" pitchFamily="34" charset="0"/>
-              </a:rPr>
-              <a:t> property of the Page object, which is shown in the code samples as </a:t>
-            </a:r>
-            <a:r>
-              <a:rPr lang="en-US" altLang="de-DE" b="1" dirty="0" err="1">
-                <a:latin typeface="Arial" panose="020B0604020202020204" pitchFamily="34" charset="0"/>
-              </a:rPr>
-              <a:t>Me.ClientScript</a:t>
-            </a:r>
-            <a:r>
-              <a:rPr lang="en-US" altLang="de-DE" dirty="0">
-                <a:latin typeface="Arial" panose="020B0604020202020204" pitchFamily="34" charset="0"/>
-              </a:rPr>
-              <a:t> and </a:t>
-            </a:r>
-            <a:r>
-              <a:rPr lang="en-US" altLang="de-DE" b="1" dirty="0" err="1">
-                <a:latin typeface="Arial" panose="020B0604020202020204" pitchFamily="34" charset="0"/>
-              </a:rPr>
-              <a:t>this.ClientScript</a:t>
-            </a:r>
-            <a:r>
-              <a:rPr lang="en-US" altLang="de-DE" dirty="0">
-                <a:latin typeface="Arial" panose="020B0604020202020204" pitchFamily="34" charset="0"/>
-              </a:rPr>
-              <a:t>.</a:t>
-            </a:r>
-            <a:endParaRPr lang="en-US" altLang="de-DE" b="1" dirty="0">
+              <a:t>Explain the process of debugging: Determine whether the bug should be fixed, locate the bug, and fix the bug.</a:t>
+            </a:r>
+            <a:endParaRPr lang="en-US" altLang="de-DE" b="1">
               <a:latin typeface="Arial" panose="020B0604020202020204" pitchFamily="34" charset="0"/>
             </a:endParaRPr>
           </a:p>
           <a:p>
             <a:r>
-              <a:rPr lang="en-US" altLang="de-DE" b="1" dirty="0">
+              <a:rPr lang="en-US" altLang="de-DE">
                 <a:latin typeface="Arial" panose="020B0604020202020204" pitchFamily="34" charset="0"/>
               </a:rPr>
-              <a:t>Note</a:t>
-            </a:r>
-            <a:r>
-              <a:rPr lang="en-US" altLang="de-DE" dirty="0">
+              <a:t>Point out that unlike spoken languages such as English and German, where a syntax error can be overlooked, a compiler error will not pass, because software like Visual Studio 2010 will not fix a syntax error.</a:t>
+            </a:r>
+          </a:p>
+          <a:p>
+            <a:r>
+              <a:rPr lang="en-US" altLang="de-DE">
                 <a:latin typeface="Arial" panose="020B0604020202020204" pitchFamily="34" charset="0"/>
               </a:rPr>
-              <a:t>: Make sure that you do not get started on a discussion on ASP.NET Asynchronous JavaScript and XML (AJAX) at this point.</a:t>
+              <a:t>Mention about debugging on the client—for example, how to debug a commercial Web application on a client computer by using Microsoft Visual Studio® 2010—and stepping through client-side code. </a:t>
+            </a:r>
+          </a:p>
+          <a:p>
+            <a:r>
+              <a:rPr lang="en-US" altLang="de-DE">
+                <a:latin typeface="Arial" panose="020B0604020202020204" pitchFamily="34" charset="0"/>
+              </a:rPr>
+              <a:t>Potentially show the </a:t>
+            </a:r>
+            <a:r>
+              <a:rPr lang="en-US" altLang="de-DE" b="1">
+                <a:latin typeface="Arial" panose="020B0604020202020204" pitchFamily="34" charset="0"/>
+              </a:rPr>
+              <a:t>Options</a:t>
+            </a:r>
+            <a:r>
+              <a:rPr lang="en-US" altLang="de-DE">
+                <a:latin typeface="Arial" panose="020B0604020202020204" pitchFamily="34" charset="0"/>
+              </a:rPr>
+              <a:t> dialog box for enabling client-side debugging, and the JavaScript </a:t>
+            </a:r>
+            <a:r>
+              <a:rPr lang="en-US" altLang="de-DE" b="1">
+                <a:latin typeface="Arial" panose="020B0604020202020204" pitchFamily="34" charset="0"/>
+              </a:rPr>
+              <a:t>debugger</a:t>
+            </a:r>
+            <a:r>
+              <a:rPr lang="en-US" altLang="de-DE">
+                <a:latin typeface="Arial" panose="020B0604020202020204" pitchFamily="34" charset="0"/>
+              </a:rPr>
+              <a:t> method.</a:t>
+            </a:r>
+          </a:p>
+          <a:p>
+            <a:r>
+              <a:rPr lang="en-US" altLang="de-DE">
+                <a:latin typeface="Arial" panose="020B0604020202020204" pitchFamily="34" charset="0"/>
+              </a:rPr>
+              <a:t>Point out though, that client-side debugging is not being discussed in this module.</a:t>
+            </a:r>
+          </a:p>
+          <a:p>
+            <a:endParaRPr lang="en-US" altLang="de-DE">
+              <a:latin typeface="Arial" panose="020B0604020202020204" pitchFamily="34" charset="0"/>
+            </a:endParaRPr>
+          </a:p>
+          <a:p>
+            <a:r>
+              <a:rPr lang="en-US" altLang="de-DE" b="1">
+                <a:latin typeface="Arial" panose="020B0604020202020204" pitchFamily="34" charset="0"/>
+              </a:rPr>
+              <a:t>Question:</a:t>
+            </a:r>
+            <a:r>
+              <a:rPr lang="en-US" altLang="de-DE">
+                <a:latin typeface="Arial" panose="020B0604020202020204" pitchFamily="34" charset="0"/>
+              </a:rPr>
+              <a:t> How will you ensure that your program or code is without any errors?</a:t>
+            </a:r>
+            <a:endParaRPr lang="en-US" altLang="de-DE" b="1">
+              <a:latin typeface="Arial" panose="020B0604020202020204" pitchFamily="34" charset="0"/>
+            </a:endParaRPr>
+          </a:p>
+          <a:p>
+            <a:r>
+              <a:rPr lang="en-US" altLang="de-DE" b="1">
+                <a:latin typeface="Arial" panose="020B0604020202020204" pitchFamily="34" charset="0"/>
+              </a:rPr>
+              <a:t>Answer:</a:t>
+            </a:r>
+            <a:r>
+              <a:rPr lang="en-US" altLang="de-DE">
+                <a:latin typeface="Arial" panose="020B0604020202020204" pitchFamily="34" charset="0"/>
+              </a:rPr>
+              <a:t> When you write a computer program, errors can and will occur. You might make a typographical error, your program might not perform as expected, or it might not run at all. When there is an error in your program, you need to find it and fix it. Finding and fixing errors is called debugging. </a:t>
             </a:r>
           </a:p>
         </p:txBody>
@@ -3121,7 +3120,7 @@
     </p:spTree>
     <p:extLst>
       <p:ext uri="{BB962C8B-B14F-4D97-AF65-F5344CB8AC3E}">
-        <p14:creationId xmlns:p14="http://schemas.microsoft.com/office/powerpoint/2010/main" val="3275847442"/>
+        <p14:creationId xmlns:p14="http://schemas.microsoft.com/office/powerpoint/2010/main" val="2441320516"/>
       </p:ext>
     </p:extLst>
   </p:cSld>
@@ -3287,674 +3286,7 @@
                 <a:latin typeface="Arial" panose="020B0604020202020204" pitchFamily="34" charset="0"/>
               </a:rPr>
               <a:pPr algn="r" eaLnBrk="1" hangingPunct="1"/>
-              <a:t>7</a:t>
-            </a:fld>
-            <a:endParaRPr lang="en-US" altLang="de-DE" sz="1200">
-              <a:latin typeface="Arial" panose="020B0604020202020204" pitchFamily="34" charset="0"/>
-            </a:endParaRPr>
-          </a:p>
-        </p:txBody>
-      </p:sp>
-      <p:sp>
-        <p:nvSpPr>
-          <p:cNvPr id="28675" name="Rectangle 2"/>
-          <p:cNvSpPr>
-            <a:spLocks noGrp="1" noRot="1" noChangeAspect="1" noChangeArrowheads="1" noTextEdit="1"/>
-          </p:cNvSpPr>
-          <p:nvPr>
-            <p:ph type="sldImg"/>
-          </p:nvPr>
-        </p:nvSpPr>
-        <p:spPr>
-          <a:ln/>
-        </p:spPr>
-      </p:sp>
-      <p:sp>
-        <p:nvSpPr>
-          <p:cNvPr id="28676" name="Rectangle 3"/>
-          <p:cNvSpPr>
-            <a:spLocks noGrp="1" noChangeArrowheads="1"/>
-          </p:cNvSpPr>
-          <p:nvPr>
-            <p:ph type="body" idx="1"/>
-          </p:nvPr>
-        </p:nvSpPr>
-        <p:spPr>
-          <a:xfrm>
-            <a:off x="314325" y="2184400"/>
-            <a:ext cx="6286500" cy="6843713"/>
-          </a:xfrm>
-          <a:noFill/>
-          <a:ln/>
-          <a:extLst>
-            <a:ext uri="{909E8E84-426E-40DD-AFC4-6F175D3DCCD1}">
-              <a14:hiddenFill xmlns:a14="http://schemas.microsoft.com/office/drawing/2010/main">
-                <a:solidFill>
-                  <a:srgbClr val="FFFFFF"/>
-                </a:solidFill>
-              </a14:hiddenFill>
-            </a:ext>
-            <a:ext uri="{91240B29-F687-4F45-9708-019B960494DF}">
-              <a14:hiddenLine xmlns:a14="http://schemas.microsoft.com/office/drawing/2010/main" w="9525">
-                <a:solidFill>
-                  <a:srgbClr val="000000"/>
-                </a:solidFill>
-                <a:miter lim="800000"/>
-                <a:headEnd/>
-                <a:tailEnd/>
-              </a14:hiddenLine>
-            </a:ext>
-          </a:extLst>
-        </p:spPr>
-        <p:txBody>
-          <a:bodyPr/>
-          <a:lstStyle/>
-          <a:p>
-            <a:r>
-              <a:rPr lang="en-US" altLang="de-DE">
-                <a:latin typeface="Arial" panose="020B0604020202020204" pitchFamily="34" charset="0"/>
-              </a:rPr>
-              <a:t>Ensure that the students are familiar with the concept of debugging.</a:t>
-            </a:r>
-          </a:p>
-          <a:p>
-            <a:r>
-              <a:rPr lang="en-US" altLang="de-DE">
-                <a:latin typeface="Arial" panose="020B0604020202020204" pitchFamily="34" charset="0"/>
-              </a:rPr>
-              <a:t>Explain the process of debugging: Determine whether the bug should be fixed, locate the bug, and fix the bug.</a:t>
-            </a:r>
-            <a:endParaRPr lang="en-US" altLang="de-DE" b="1">
-              <a:latin typeface="Arial" panose="020B0604020202020204" pitchFamily="34" charset="0"/>
-            </a:endParaRPr>
-          </a:p>
-          <a:p>
-            <a:r>
-              <a:rPr lang="en-US" altLang="de-DE">
-                <a:latin typeface="Arial" panose="020B0604020202020204" pitchFamily="34" charset="0"/>
-              </a:rPr>
-              <a:t>Point out that unlike spoken languages such as English and German, where a syntax error can be overlooked, a compiler error will not pass, because software like Visual Studio 2010 will not fix a syntax error.</a:t>
-            </a:r>
-          </a:p>
-          <a:p>
-            <a:r>
-              <a:rPr lang="en-US" altLang="de-DE">
-                <a:latin typeface="Arial" panose="020B0604020202020204" pitchFamily="34" charset="0"/>
-              </a:rPr>
-              <a:t>Mention about debugging on the client—for example, how to debug a commercial Web application on a client computer by using Microsoft Visual Studio® 2010—and stepping through client-side code. </a:t>
-            </a:r>
-          </a:p>
-          <a:p>
-            <a:r>
-              <a:rPr lang="en-US" altLang="de-DE">
-                <a:latin typeface="Arial" panose="020B0604020202020204" pitchFamily="34" charset="0"/>
-              </a:rPr>
-              <a:t>Potentially show the </a:t>
-            </a:r>
-            <a:r>
-              <a:rPr lang="en-US" altLang="de-DE" b="1">
-                <a:latin typeface="Arial" panose="020B0604020202020204" pitchFamily="34" charset="0"/>
-              </a:rPr>
-              <a:t>Options</a:t>
-            </a:r>
-            <a:r>
-              <a:rPr lang="en-US" altLang="de-DE">
-                <a:latin typeface="Arial" panose="020B0604020202020204" pitchFamily="34" charset="0"/>
-              </a:rPr>
-              <a:t> dialog box for enabling client-side debugging, and the JavaScript </a:t>
-            </a:r>
-            <a:r>
-              <a:rPr lang="en-US" altLang="de-DE" b="1">
-                <a:latin typeface="Arial" panose="020B0604020202020204" pitchFamily="34" charset="0"/>
-              </a:rPr>
-              <a:t>debugger</a:t>
-            </a:r>
-            <a:r>
-              <a:rPr lang="en-US" altLang="de-DE">
-                <a:latin typeface="Arial" panose="020B0604020202020204" pitchFamily="34" charset="0"/>
-              </a:rPr>
-              <a:t> method.</a:t>
-            </a:r>
-          </a:p>
-          <a:p>
-            <a:r>
-              <a:rPr lang="en-US" altLang="de-DE">
-                <a:latin typeface="Arial" panose="020B0604020202020204" pitchFamily="34" charset="0"/>
-              </a:rPr>
-              <a:t>Point out though, that client-side debugging is not being discussed in this module.</a:t>
-            </a:r>
-          </a:p>
-          <a:p>
-            <a:endParaRPr lang="en-US" altLang="de-DE">
-              <a:latin typeface="Arial" panose="020B0604020202020204" pitchFamily="34" charset="0"/>
-            </a:endParaRPr>
-          </a:p>
-          <a:p>
-            <a:r>
-              <a:rPr lang="en-US" altLang="de-DE" b="1">
-                <a:latin typeface="Arial" panose="020B0604020202020204" pitchFamily="34" charset="0"/>
-              </a:rPr>
-              <a:t>Question:</a:t>
-            </a:r>
-            <a:r>
-              <a:rPr lang="en-US" altLang="de-DE">
-                <a:latin typeface="Arial" panose="020B0604020202020204" pitchFamily="34" charset="0"/>
-              </a:rPr>
-              <a:t> How will you ensure that your program or code is without any errors?</a:t>
-            </a:r>
-            <a:endParaRPr lang="en-US" altLang="de-DE" b="1">
-              <a:latin typeface="Arial" panose="020B0604020202020204" pitchFamily="34" charset="0"/>
-            </a:endParaRPr>
-          </a:p>
-          <a:p>
-            <a:r>
-              <a:rPr lang="en-US" altLang="de-DE" b="1">
-                <a:latin typeface="Arial" panose="020B0604020202020204" pitchFamily="34" charset="0"/>
-              </a:rPr>
-              <a:t>Answer:</a:t>
-            </a:r>
-            <a:r>
-              <a:rPr lang="en-US" altLang="de-DE">
-                <a:latin typeface="Arial" panose="020B0604020202020204" pitchFamily="34" charset="0"/>
-              </a:rPr>
-              <a:t> When you write a computer program, errors can and will occur. You might make a typographical error, your program might not perform as expected, or it might not run at all. When there is an error in your program, you need to find it and fix it. Finding and fixing errors is called debugging. </a:t>
-            </a:r>
-          </a:p>
-        </p:txBody>
-      </p:sp>
-      <p:sp>
-        <p:nvSpPr>
-          <p:cNvPr id="28677" name="Rectangle 2"/>
-          <p:cNvSpPr txBox="1">
-            <a:spLocks noGrp="1" noChangeArrowheads="1"/>
-          </p:cNvSpPr>
-          <p:nvPr/>
-        </p:nvSpPr>
-        <p:spPr bwMode="auto">
-          <a:xfrm>
-            <a:off x="0" y="238125"/>
-            <a:ext cx="3038475" cy="347663"/>
-          </a:xfrm>
-          <a:prstGeom prst="rect">
-            <a:avLst/>
-          </a:prstGeom>
-          <a:noFill/>
-          <a:ln>
-            <a:noFill/>
-          </a:ln>
-          <a:extLst>
-            <a:ext uri="{909E8E84-426E-40DD-AFC4-6F175D3DCCD1}">
-              <a14:hiddenFill xmlns:a14="http://schemas.microsoft.com/office/drawing/2010/main">
-                <a:solidFill>
-                  <a:srgbClr val="FFFFFF"/>
-                </a:solidFill>
-              </a14:hiddenFill>
-            </a:ext>
-            <a:ext uri="{91240B29-F687-4F45-9708-019B960494DF}">
-              <a14:hiddenLine xmlns:a14="http://schemas.microsoft.com/office/drawing/2010/main" w="9525">
-                <a:solidFill>
-                  <a:srgbClr val="000000"/>
-                </a:solidFill>
-                <a:miter lim="800000"/>
-                <a:headEnd/>
-                <a:tailEnd/>
-              </a14:hiddenLine>
-            </a:ext>
-          </a:extLst>
-        </p:spPr>
-        <p:txBody>
-          <a:bodyPr tIns="0" bIns="0"/>
-          <a:lstStyle>
-            <a:lvl1pPr algn="ctr" eaLnBrk="0" hangingPunct="0">
-              <a:defRPr>
-                <a:solidFill>
-                  <a:schemeClr val="tx1"/>
-                </a:solidFill>
-                <a:latin typeface="Verdana" panose="020B0604030504040204" pitchFamily="34" charset="0"/>
-                <a:cs typeface="Arial" panose="020B0604020202020204" pitchFamily="34" charset="0"/>
-              </a:defRPr>
-            </a:lvl1pPr>
-            <a:lvl2pPr marL="742950" indent="-285750" algn="ctr" eaLnBrk="0" hangingPunct="0">
-              <a:defRPr>
-                <a:solidFill>
-                  <a:schemeClr val="tx1"/>
-                </a:solidFill>
-                <a:latin typeface="Verdana" panose="020B0604030504040204" pitchFamily="34" charset="0"/>
-                <a:cs typeface="Arial" panose="020B0604020202020204" pitchFamily="34" charset="0"/>
-              </a:defRPr>
-            </a:lvl2pPr>
-            <a:lvl3pPr marL="1143000" indent="-228600" algn="ctr" eaLnBrk="0" hangingPunct="0">
-              <a:defRPr>
-                <a:solidFill>
-                  <a:schemeClr val="tx1"/>
-                </a:solidFill>
-                <a:latin typeface="Verdana" panose="020B0604030504040204" pitchFamily="34" charset="0"/>
-                <a:cs typeface="Arial" panose="020B0604020202020204" pitchFamily="34" charset="0"/>
-              </a:defRPr>
-            </a:lvl3pPr>
-            <a:lvl4pPr marL="1600200" indent="-228600" algn="ctr" eaLnBrk="0" hangingPunct="0">
-              <a:defRPr>
-                <a:solidFill>
-                  <a:schemeClr val="tx1"/>
-                </a:solidFill>
-                <a:latin typeface="Verdana" panose="020B0604030504040204" pitchFamily="34" charset="0"/>
-                <a:cs typeface="Arial" panose="020B0604020202020204" pitchFamily="34" charset="0"/>
-              </a:defRPr>
-            </a:lvl4pPr>
-            <a:lvl5pPr marL="2057400" indent="-228600" algn="ctr" eaLnBrk="0" hangingPunct="0">
-              <a:defRPr>
-                <a:solidFill>
-                  <a:schemeClr val="tx1"/>
-                </a:solidFill>
-                <a:latin typeface="Verdana" panose="020B0604030504040204" pitchFamily="34" charset="0"/>
-                <a:cs typeface="Arial" panose="020B0604020202020204" pitchFamily="34" charset="0"/>
-              </a:defRPr>
-            </a:lvl5pPr>
-            <a:lvl6pPr marL="2514600" indent="-228600" algn="ctr" eaLnBrk="0" fontAlgn="base" hangingPunct="0">
-              <a:spcBef>
-                <a:spcPct val="0"/>
-              </a:spcBef>
-              <a:spcAft>
-                <a:spcPct val="0"/>
-              </a:spcAft>
-              <a:defRPr>
-                <a:solidFill>
-                  <a:schemeClr val="tx1"/>
-                </a:solidFill>
-                <a:latin typeface="Verdana" panose="020B0604030504040204" pitchFamily="34" charset="0"/>
-                <a:cs typeface="Arial" panose="020B0604020202020204" pitchFamily="34" charset="0"/>
-              </a:defRPr>
-            </a:lvl6pPr>
-            <a:lvl7pPr marL="2971800" indent="-228600" algn="ctr" eaLnBrk="0" fontAlgn="base" hangingPunct="0">
-              <a:spcBef>
-                <a:spcPct val="0"/>
-              </a:spcBef>
-              <a:spcAft>
-                <a:spcPct val="0"/>
-              </a:spcAft>
-              <a:defRPr>
-                <a:solidFill>
-                  <a:schemeClr val="tx1"/>
-                </a:solidFill>
-                <a:latin typeface="Verdana" panose="020B0604030504040204" pitchFamily="34" charset="0"/>
-                <a:cs typeface="Arial" panose="020B0604020202020204" pitchFamily="34" charset="0"/>
-              </a:defRPr>
-            </a:lvl7pPr>
-            <a:lvl8pPr marL="3429000" indent="-228600" algn="ctr" eaLnBrk="0" fontAlgn="base" hangingPunct="0">
-              <a:spcBef>
-                <a:spcPct val="0"/>
-              </a:spcBef>
-              <a:spcAft>
-                <a:spcPct val="0"/>
-              </a:spcAft>
-              <a:defRPr>
-                <a:solidFill>
-                  <a:schemeClr val="tx1"/>
-                </a:solidFill>
-                <a:latin typeface="Verdana" panose="020B0604030504040204" pitchFamily="34" charset="0"/>
-                <a:cs typeface="Arial" panose="020B0604020202020204" pitchFamily="34" charset="0"/>
-              </a:defRPr>
-            </a:lvl8pPr>
-            <a:lvl9pPr marL="3886200" indent="-228600" algn="ctr" eaLnBrk="0" fontAlgn="base" hangingPunct="0">
-              <a:spcBef>
-                <a:spcPct val="0"/>
-              </a:spcBef>
-              <a:spcAft>
-                <a:spcPct val="0"/>
-              </a:spcAft>
-              <a:defRPr>
-                <a:solidFill>
-                  <a:schemeClr val="tx1"/>
-                </a:solidFill>
-                <a:latin typeface="Verdana" panose="020B0604030504040204" pitchFamily="34" charset="0"/>
-                <a:cs typeface="Arial" panose="020B0604020202020204" pitchFamily="34" charset="0"/>
-              </a:defRPr>
-            </a:lvl9pPr>
-          </a:lstStyle>
-          <a:p>
-            <a:pPr algn="l" eaLnBrk="1" hangingPunct="1"/>
-            <a:r>
-              <a:rPr lang="en-US" altLang="de-DE" sz="1200" b="1">
-                <a:solidFill>
-                  <a:srgbClr val="336699"/>
-                </a:solidFill>
-                <a:latin typeface="Arial" panose="020B0604020202020204" pitchFamily="34" charset="0"/>
-              </a:rPr>
-              <a:t>Module 7: Troubleshooting Microsoft® ASP.NET Web Applications</a:t>
-            </a:r>
-          </a:p>
-        </p:txBody>
-      </p:sp>
-      <p:sp>
-        <p:nvSpPr>
-          <p:cNvPr id="28678" name="Rectangle 3"/>
-          <p:cNvSpPr txBox="1">
-            <a:spLocks noGrp="1" noChangeArrowheads="1"/>
-          </p:cNvSpPr>
-          <p:nvPr/>
-        </p:nvSpPr>
-        <p:spPr bwMode="auto">
-          <a:xfrm>
-            <a:off x="0" y="0"/>
-            <a:ext cx="3038475" cy="222250"/>
-          </a:xfrm>
-          <a:prstGeom prst="rect">
-            <a:avLst/>
-          </a:prstGeom>
-          <a:noFill/>
-          <a:ln>
-            <a:noFill/>
-          </a:ln>
-          <a:extLst>
-            <a:ext uri="{909E8E84-426E-40DD-AFC4-6F175D3DCCD1}">
-              <a14:hiddenFill xmlns:a14="http://schemas.microsoft.com/office/drawing/2010/main">
-                <a:solidFill>
-                  <a:srgbClr val="FFFFFF"/>
-                </a:solidFill>
-              </a14:hiddenFill>
-            </a:ext>
-            <a:ext uri="{91240B29-F687-4F45-9708-019B960494DF}">
-              <a14:hiddenLine xmlns:a14="http://schemas.microsoft.com/office/drawing/2010/main" w="9525">
-                <a:solidFill>
-                  <a:srgbClr val="000000"/>
-                </a:solidFill>
-                <a:miter lim="800000"/>
-                <a:headEnd/>
-                <a:tailEnd/>
-              </a14:hiddenLine>
-            </a:ext>
-          </a:extLst>
-        </p:spPr>
-        <p:txBody>
-          <a:bodyPr/>
-          <a:lstStyle>
-            <a:lvl1pPr algn="ctr" eaLnBrk="0" hangingPunct="0">
-              <a:defRPr>
-                <a:solidFill>
-                  <a:schemeClr val="tx1"/>
-                </a:solidFill>
-                <a:latin typeface="Verdana" panose="020B0604030504040204" pitchFamily="34" charset="0"/>
-                <a:cs typeface="Arial" panose="020B0604020202020204" pitchFamily="34" charset="0"/>
-              </a:defRPr>
-            </a:lvl1pPr>
-            <a:lvl2pPr marL="742950" indent="-285750" algn="ctr" eaLnBrk="0" hangingPunct="0">
-              <a:defRPr>
-                <a:solidFill>
-                  <a:schemeClr val="tx1"/>
-                </a:solidFill>
-                <a:latin typeface="Verdana" panose="020B0604030504040204" pitchFamily="34" charset="0"/>
-                <a:cs typeface="Arial" panose="020B0604020202020204" pitchFamily="34" charset="0"/>
-              </a:defRPr>
-            </a:lvl2pPr>
-            <a:lvl3pPr marL="1143000" indent="-228600" algn="ctr" eaLnBrk="0" hangingPunct="0">
-              <a:defRPr>
-                <a:solidFill>
-                  <a:schemeClr val="tx1"/>
-                </a:solidFill>
-                <a:latin typeface="Verdana" panose="020B0604030504040204" pitchFamily="34" charset="0"/>
-                <a:cs typeface="Arial" panose="020B0604020202020204" pitchFamily="34" charset="0"/>
-              </a:defRPr>
-            </a:lvl3pPr>
-            <a:lvl4pPr marL="1600200" indent="-228600" algn="ctr" eaLnBrk="0" hangingPunct="0">
-              <a:defRPr>
-                <a:solidFill>
-                  <a:schemeClr val="tx1"/>
-                </a:solidFill>
-                <a:latin typeface="Verdana" panose="020B0604030504040204" pitchFamily="34" charset="0"/>
-                <a:cs typeface="Arial" panose="020B0604020202020204" pitchFamily="34" charset="0"/>
-              </a:defRPr>
-            </a:lvl4pPr>
-            <a:lvl5pPr marL="2057400" indent="-228600" algn="ctr" eaLnBrk="0" hangingPunct="0">
-              <a:defRPr>
-                <a:solidFill>
-                  <a:schemeClr val="tx1"/>
-                </a:solidFill>
-                <a:latin typeface="Verdana" panose="020B0604030504040204" pitchFamily="34" charset="0"/>
-                <a:cs typeface="Arial" panose="020B0604020202020204" pitchFamily="34" charset="0"/>
-              </a:defRPr>
-            </a:lvl5pPr>
-            <a:lvl6pPr marL="2514600" indent="-228600" algn="ctr" eaLnBrk="0" fontAlgn="base" hangingPunct="0">
-              <a:spcBef>
-                <a:spcPct val="0"/>
-              </a:spcBef>
-              <a:spcAft>
-                <a:spcPct val="0"/>
-              </a:spcAft>
-              <a:defRPr>
-                <a:solidFill>
-                  <a:schemeClr val="tx1"/>
-                </a:solidFill>
-                <a:latin typeface="Verdana" panose="020B0604030504040204" pitchFamily="34" charset="0"/>
-                <a:cs typeface="Arial" panose="020B0604020202020204" pitchFamily="34" charset="0"/>
-              </a:defRPr>
-            </a:lvl6pPr>
-            <a:lvl7pPr marL="2971800" indent="-228600" algn="ctr" eaLnBrk="0" fontAlgn="base" hangingPunct="0">
-              <a:spcBef>
-                <a:spcPct val="0"/>
-              </a:spcBef>
-              <a:spcAft>
-                <a:spcPct val="0"/>
-              </a:spcAft>
-              <a:defRPr>
-                <a:solidFill>
-                  <a:schemeClr val="tx1"/>
-                </a:solidFill>
-                <a:latin typeface="Verdana" panose="020B0604030504040204" pitchFamily="34" charset="0"/>
-                <a:cs typeface="Arial" panose="020B0604020202020204" pitchFamily="34" charset="0"/>
-              </a:defRPr>
-            </a:lvl7pPr>
-            <a:lvl8pPr marL="3429000" indent="-228600" algn="ctr" eaLnBrk="0" fontAlgn="base" hangingPunct="0">
-              <a:spcBef>
-                <a:spcPct val="0"/>
-              </a:spcBef>
-              <a:spcAft>
-                <a:spcPct val="0"/>
-              </a:spcAft>
-              <a:defRPr>
-                <a:solidFill>
-                  <a:schemeClr val="tx1"/>
-                </a:solidFill>
-                <a:latin typeface="Verdana" panose="020B0604030504040204" pitchFamily="34" charset="0"/>
-                <a:cs typeface="Arial" panose="020B0604020202020204" pitchFamily="34" charset="0"/>
-              </a:defRPr>
-            </a:lvl8pPr>
-            <a:lvl9pPr marL="3886200" indent="-228600" algn="ctr" eaLnBrk="0" fontAlgn="base" hangingPunct="0">
-              <a:spcBef>
-                <a:spcPct val="0"/>
-              </a:spcBef>
-              <a:spcAft>
-                <a:spcPct val="0"/>
-              </a:spcAft>
-              <a:defRPr>
-                <a:solidFill>
-                  <a:schemeClr val="tx1"/>
-                </a:solidFill>
-                <a:latin typeface="Verdana" panose="020B0604030504040204" pitchFamily="34" charset="0"/>
-                <a:cs typeface="Arial" panose="020B0604020202020204" pitchFamily="34" charset="0"/>
-              </a:defRPr>
-            </a:lvl9pPr>
-          </a:lstStyle>
-          <a:p>
-            <a:pPr algn="l" eaLnBrk="1" hangingPunct="1"/>
-            <a:r>
-              <a:rPr lang="en-US" altLang="de-DE" sz="1200" b="1">
-                <a:latin typeface="Arial" panose="020B0604020202020204" pitchFamily="34" charset="0"/>
-              </a:rPr>
-              <a:t>Course 10267A</a:t>
-            </a:r>
-          </a:p>
-        </p:txBody>
-      </p:sp>
-    </p:spTree>
-    <p:extLst>
-      <p:ext uri="{BB962C8B-B14F-4D97-AF65-F5344CB8AC3E}">
-        <p14:creationId xmlns:p14="http://schemas.microsoft.com/office/powerpoint/2010/main" val="2441320516"/>
-      </p:ext>
-    </p:extLst>
-  </p:cSld>
-  <p:clrMapOvr>
-    <a:masterClrMapping/>
-  </p:clrMapOvr>
-</p:notes>
-</file>
-
-<file path=ppt/notesSlides/notesSlide6.xml><?xml version="1.0" encoding="utf-8"?>
-<p:notes xmlns:a="http://schemas.openxmlformats.org/drawingml/2006/main" xmlns:r="http://schemas.openxmlformats.org/officeDocument/2006/relationships" xmlns:p="http://schemas.openxmlformats.org/presentationml/2006/main">
-  <p:cSld>
-    <p:spTree>
-      <p:nvGrpSpPr>
-        <p:cNvPr id="1" name=""/>
-        <p:cNvGrpSpPr/>
-        <p:nvPr/>
-      </p:nvGrpSpPr>
-      <p:grpSpPr>
-        <a:xfrm>
-          <a:off x="0" y="0"/>
-          <a:ext cx="0" cy="0"/>
-          <a:chOff x="0" y="0"/>
-          <a:chExt cx="0" cy="0"/>
-        </a:xfrm>
-      </p:grpSpPr>
-      <p:sp>
-        <p:nvSpPr>
-          <p:cNvPr id="24580" name="Rectangle 7"/>
-          <p:cNvSpPr txBox="1">
-            <a:spLocks noGrp="1" noChangeArrowheads="1"/>
-          </p:cNvSpPr>
-          <p:nvPr/>
-        </p:nvSpPr>
-        <p:spPr bwMode="auto">
-          <a:xfrm>
-            <a:off x="3970338" y="8829675"/>
-            <a:ext cx="3038475" cy="465138"/>
-          </a:xfrm>
-          <a:prstGeom prst="rect">
-            <a:avLst/>
-          </a:prstGeom>
-          <a:noFill/>
-          <a:ln>
-            <a:miter lim="800000"/>
-            <a:headEnd/>
-            <a:tailEnd/>
-          </a:ln>
-        </p:spPr>
-        <p:txBody>
-          <a:bodyPr anchor="b"/>
-          <a:lstStyle>
-            <a:lvl1pPr algn="ctr" eaLnBrk="0" hangingPunct="0">
-              <a:defRPr>
-                <a:solidFill>
-                  <a:schemeClr val="tx1"/>
-                </a:solidFill>
-                <a:latin typeface="Verdana" panose="020B0604030504040204" pitchFamily="34" charset="0"/>
-                <a:cs typeface="Arial" panose="020B0604020202020204" pitchFamily="34" charset="0"/>
-              </a:defRPr>
-            </a:lvl1pPr>
-            <a:lvl2pPr marL="742950" indent="-285750" algn="ctr" eaLnBrk="0" hangingPunct="0">
-              <a:defRPr>
-                <a:solidFill>
-                  <a:schemeClr val="tx1"/>
-                </a:solidFill>
-                <a:latin typeface="Verdana" panose="020B0604030504040204" pitchFamily="34" charset="0"/>
-                <a:cs typeface="Arial" panose="020B0604020202020204" pitchFamily="34" charset="0"/>
-              </a:defRPr>
-            </a:lvl2pPr>
-            <a:lvl3pPr marL="1143000" indent="-228600" algn="ctr" eaLnBrk="0" hangingPunct="0">
-              <a:defRPr>
-                <a:solidFill>
-                  <a:schemeClr val="tx1"/>
-                </a:solidFill>
-                <a:latin typeface="Verdana" panose="020B0604030504040204" pitchFamily="34" charset="0"/>
-                <a:cs typeface="Arial" panose="020B0604020202020204" pitchFamily="34" charset="0"/>
-              </a:defRPr>
-            </a:lvl3pPr>
-            <a:lvl4pPr marL="1600200" indent="-228600" algn="ctr" eaLnBrk="0" hangingPunct="0">
-              <a:defRPr>
-                <a:solidFill>
-                  <a:schemeClr val="tx1"/>
-                </a:solidFill>
-                <a:latin typeface="Verdana" panose="020B0604030504040204" pitchFamily="34" charset="0"/>
-                <a:cs typeface="Arial" panose="020B0604020202020204" pitchFamily="34" charset="0"/>
-              </a:defRPr>
-            </a:lvl4pPr>
-            <a:lvl5pPr marL="2057400" indent="-228600" algn="ctr" eaLnBrk="0" hangingPunct="0">
-              <a:defRPr>
-                <a:solidFill>
-                  <a:schemeClr val="tx1"/>
-                </a:solidFill>
-                <a:latin typeface="Verdana" panose="020B0604030504040204" pitchFamily="34" charset="0"/>
-                <a:cs typeface="Arial" panose="020B0604020202020204" pitchFamily="34" charset="0"/>
-              </a:defRPr>
-            </a:lvl5pPr>
-            <a:lvl6pPr marL="2514600" indent="-228600" algn="ctr" eaLnBrk="0" fontAlgn="base" hangingPunct="0">
-              <a:spcBef>
-                <a:spcPct val="0"/>
-              </a:spcBef>
-              <a:spcAft>
-                <a:spcPct val="0"/>
-              </a:spcAft>
-              <a:defRPr>
-                <a:solidFill>
-                  <a:schemeClr val="tx1"/>
-                </a:solidFill>
-                <a:latin typeface="Verdana" panose="020B0604030504040204" pitchFamily="34" charset="0"/>
-                <a:cs typeface="Arial" panose="020B0604020202020204" pitchFamily="34" charset="0"/>
-              </a:defRPr>
-            </a:lvl6pPr>
-            <a:lvl7pPr marL="2971800" indent="-228600" algn="ctr" eaLnBrk="0" fontAlgn="base" hangingPunct="0">
-              <a:spcBef>
-                <a:spcPct val="0"/>
-              </a:spcBef>
-              <a:spcAft>
-                <a:spcPct val="0"/>
-              </a:spcAft>
-              <a:defRPr>
-                <a:solidFill>
-                  <a:schemeClr val="tx1"/>
-                </a:solidFill>
-                <a:latin typeface="Verdana" panose="020B0604030504040204" pitchFamily="34" charset="0"/>
-                <a:cs typeface="Arial" panose="020B0604020202020204" pitchFamily="34" charset="0"/>
-              </a:defRPr>
-            </a:lvl7pPr>
-            <a:lvl8pPr marL="3429000" indent="-228600" algn="ctr" eaLnBrk="0" fontAlgn="base" hangingPunct="0">
-              <a:spcBef>
-                <a:spcPct val="0"/>
-              </a:spcBef>
-              <a:spcAft>
-                <a:spcPct val="0"/>
-              </a:spcAft>
-              <a:defRPr>
-                <a:solidFill>
-                  <a:schemeClr val="tx1"/>
-                </a:solidFill>
-                <a:latin typeface="Verdana" panose="020B0604030504040204" pitchFamily="34" charset="0"/>
-                <a:cs typeface="Arial" panose="020B0604020202020204" pitchFamily="34" charset="0"/>
-              </a:defRPr>
-            </a:lvl8pPr>
-            <a:lvl9pPr marL="3886200" indent="-228600" algn="ctr" eaLnBrk="0" fontAlgn="base" hangingPunct="0">
-              <a:spcBef>
-                <a:spcPct val="0"/>
-              </a:spcBef>
-              <a:spcAft>
-                <a:spcPct val="0"/>
-              </a:spcAft>
-              <a:defRPr>
-                <a:solidFill>
-                  <a:schemeClr val="tx1"/>
-                </a:solidFill>
-                <a:latin typeface="Verdana" panose="020B0604030504040204" pitchFamily="34" charset="0"/>
-                <a:cs typeface="Arial" panose="020B0604020202020204" pitchFamily="34" charset="0"/>
-              </a:defRPr>
-            </a:lvl9pPr>
-          </a:lstStyle>
-          <a:p>
-            <a:pPr algn="r" eaLnBrk="1" hangingPunct="1"/>
-            <a:fld id="{7383A975-59B1-41BF-94DA-39C9E0150D14}" type="slidenum">
-              <a:rPr lang="en-US" altLang="de-DE" sz="1200">
-                <a:latin typeface="Arial" panose="020B0604020202020204" pitchFamily="34" charset="0"/>
-              </a:rPr>
-              <a:pPr algn="r" eaLnBrk="1" hangingPunct="1"/>
-              <a:t>9</a:t>
+              <a:t>8</a:t>
             </a:fld>
             <a:endParaRPr lang="en-US" altLang="de-DE" sz="1200">
               <a:latin typeface="Arial" panose="020B0604020202020204" pitchFamily="34" charset="0"/>
@@ -4594,7 +3926,7 @@
           <a:p>
             <a:fld id="{D92B96C3-1F42-476F-BF68-0478C74608EE}" type="datetimeFigureOut">
               <a:rPr lang="de-DE" smtClean="0"/>
-              <a:t>05.06.2018</a:t>
+              <a:t>06.06.2018</a:t>
             </a:fld>
             <a:endParaRPr lang="de-DE"/>
           </a:p>
@@ -4762,7 +4094,7 @@
           <a:p>
             <a:fld id="{D92B96C3-1F42-476F-BF68-0478C74608EE}" type="datetimeFigureOut">
               <a:rPr lang="de-DE" smtClean="0"/>
-              <a:t>05.06.2018</a:t>
+              <a:t>06.06.2018</a:t>
             </a:fld>
             <a:endParaRPr lang="de-DE"/>
           </a:p>
@@ -4940,7 +4272,7 @@
           <a:p>
             <a:fld id="{D92B96C3-1F42-476F-BF68-0478C74608EE}" type="datetimeFigureOut">
               <a:rPr lang="de-DE" smtClean="0"/>
-              <a:t>05.06.2018</a:t>
+              <a:t>06.06.2018</a:t>
             </a:fld>
             <a:endParaRPr lang="de-DE"/>
           </a:p>
@@ -5108,7 +4440,7 @@
           <a:p>
             <a:fld id="{D92B96C3-1F42-476F-BF68-0478C74608EE}" type="datetimeFigureOut">
               <a:rPr lang="de-DE" smtClean="0"/>
-              <a:t>05.06.2018</a:t>
+              <a:t>06.06.2018</a:t>
             </a:fld>
             <a:endParaRPr lang="de-DE"/>
           </a:p>
@@ -5353,7 +4685,7 @@
           <a:p>
             <a:fld id="{D92B96C3-1F42-476F-BF68-0478C74608EE}" type="datetimeFigureOut">
               <a:rPr lang="de-DE" smtClean="0"/>
-              <a:t>05.06.2018</a:t>
+              <a:t>06.06.2018</a:t>
             </a:fld>
             <a:endParaRPr lang="de-DE"/>
           </a:p>
@@ -5582,7 +4914,7 @@
           <a:p>
             <a:fld id="{D92B96C3-1F42-476F-BF68-0478C74608EE}" type="datetimeFigureOut">
               <a:rPr lang="de-DE" smtClean="0"/>
-              <a:t>05.06.2018</a:t>
+              <a:t>06.06.2018</a:t>
             </a:fld>
             <a:endParaRPr lang="de-DE"/>
           </a:p>
@@ -5946,7 +5278,7 @@
           <a:p>
             <a:fld id="{D92B96C3-1F42-476F-BF68-0478C74608EE}" type="datetimeFigureOut">
               <a:rPr lang="de-DE" smtClean="0"/>
-              <a:t>05.06.2018</a:t>
+              <a:t>06.06.2018</a:t>
             </a:fld>
             <a:endParaRPr lang="de-DE"/>
           </a:p>
@@ -6063,7 +5395,7 @@
           <a:p>
             <a:fld id="{D92B96C3-1F42-476F-BF68-0478C74608EE}" type="datetimeFigureOut">
               <a:rPr lang="de-DE" smtClean="0"/>
-              <a:t>05.06.2018</a:t>
+              <a:t>06.06.2018</a:t>
             </a:fld>
             <a:endParaRPr lang="de-DE"/>
           </a:p>
@@ -6158,7 +5490,7 @@
           <a:p>
             <a:fld id="{D92B96C3-1F42-476F-BF68-0478C74608EE}" type="datetimeFigureOut">
               <a:rPr lang="de-DE" smtClean="0"/>
-              <a:t>05.06.2018</a:t>
+              <a:t>06.06.2018</a:t>
             </a:fld>
             <a:endParaRPr lang="de-DE"/>
           </a:p>
@@ -6433,7 +5765,7 @@
           <a:p>
             <a:fld id="{D92B96C3-1F42-476F-BF68-0478C74608EE}" type="datetimeFigureOut">
               <a:rPr lang="de-DE" smtClean="0"/>
-              <a:t>05.06.2018</a:t>
+              <a:t>06.06.2018</a:t>
             </a:fld>
             <a:endParaRPr lang="de-DE"/>
           </a:p>
@@ -6685,7 +6017,7 @@
           <a:p>
             <a:fld id="{D92B96C3-1F42-476F-BF68-0478C74608EE}" type="datetimeFigureOut">
               <a:rPr lang="de-DE" smtClean="0"/>
-              <a:t>05.06.2018</a:t>
+              <a:t>06.06.2018</a:t>
             </a:fld>
             <a:endParaRPr lang="de-DE"/>
           </a:p>
@@ -6896,7 +6228,7 @@
           <a:p>
             <a:fld id="{D92B96C3-1F42-476F-BF68-0478C74608EE}" type="datetimeFigureOut">
               <a:rPr lang="de-DE" smtClean="0"/>
-              <a:t>05.06.2018</a:t>
+              <a:t>06.06.2018</a:t>
             </a:fld>
             <a:endParaRPr lang="de-DE"/>
           </a:p>
@@ -7468,7 +6800,7 @@
           <a:p>
             <a:r>
               <a:rPr lang="de-DE" dirty="0" smtClean="0"/>
-              <a:t>Programmablauf steuern</a:t>
+              <a:t>Response Objekt</a:t>
             </a:r>
             <a:endParaRPr lang="de-DE" dirty="0"/>
           </a:p>
@@ -7491,68 +6823,47 @@
           <a:p>
             <a:r>
               <a:rPr lang="de-DE" dirty="0" smtClean="0"/>
-              <a:t>Web ist nicht Desktop</a:t>
-            </a:r>
+              <a:t>Server sendet an Client</a:t>
+            </a:r>
+          </a:p>
+          <a:p>
+            <a:r>
+              <a:rPr lang="de-DE" dirty="0" err="1"/>
+              <a:t>Response.StatusCode</a:t>
+            </a:r>
+            <a:r>
+              <a:rPr lang="de-DE" dirty="0"/>
+              <a:t> = 404</a:t>
+            </a:r>
+            <a:r>
+              <a:rPr lang="de-DE" dirty="0" smtClean="0"/>
+              <a:t>;</a:t>
+            </a:r>
+          </a:p>
+          <a:p>
+            <a:r>
+              <a:rPr lang="de-DE" dirty="0" err="1" smtClean="0"/>
+              <a:t>Response.redirect</a:t>
+            </a:r>
+            <a:endParaRPr lang="de-DE" dirty="0" smtClean="0"/>
           </a:p>
           <a:p>
             <a:pPr lvl="1"/>
             <a:r>
               <a:rPr lang="de-DE" dirty="0" smtClean="0"/>
-              <a:t>Statuslos Server</a:t>
-            </a:r>
-          </a:p>
-          <a:p>
-            <a:pPr lvl="2"/>
-            <a:r>
-              <a:rPr lang="de-DE" dirty="0" smtClean="0"/>
-              <a:t>URI ist Status</a:t>
-            </a:r>
+              <a:t>302 Umleitung neue Seite</a:t>
+            </a:r>
+            <a:endParaRPr lang="de-DE" dirty="0"/>
+          </a:p>
+          <a:p>
+            <a:r>
+              <a:rPr lang="de-DE" dirty="0" err="1" smtClean="0"/>
+              <a:t>Response.Write</a:t>
+            </a:r>
+            <a:endParaRPr lang="de-DE" dirty="0" smtClean="0"/>
           </a:p>
           <a:p>
             <a:pPr lvl="1"/>
-            <a:r>
-              <a:rPr lang="de-DE" dirty="0" smtClean="0"/>
-              <a:t>Globalen Variable</a:t>
-            </a:r>
-          </a:p>
-          <a:p>
-            <a:r>
-              <a:rPr lang="de-DE" dirty="0" smtClean="0"/>
-              <a:t>Events </a:t>
-            </a:r>
-          </a:p>
-          <a:p>
-            <a:pPr lvl="1"/>
-            <a:r>
-              <a:rPr lang="de-DE" dirty="0" smtClean="0"/>
-              <a:t>Button Click, </a:t>
-            </a:r>
-            <a:r>
-              <a:rPr lang="de-DE" dirty="0" err="1" smtClean="0"/>
-              <a:t>Selection</a:t>
-            </a:r>
-            <a:r>
-              <a:rPr lang="de-DE" dirty="0" smtClean="0"/>
-              <a:t> </a:t>
-            </a:r>
-            <a:r>
-              <a:rPr lang="de-DE" dirty="0" err="1" smtClean="0"/>
-              <a:t>Changed</a:t>
-            </a:r>
-            <a:endParaRPr lang="de-DE" dirty="0" smtClean="0"/>
-          </a:p>
-          <a:p>
-            <a:r>
-              <a:rPr lang="de-DE" dirty="0" smtClean="0"/>
-              <a:t>Page wird geladen</a:t>
-            </a:r>
-          </a:p>
-          <a:p>
-            <a:pPr lvl="1"/>
-            <a:r>
-              <a:rPr lang="de-DE" dirty="0" smtClean="0"/>
-              <a:t>Status </a:t>
-            </a:r>
             <a:endParaRPr lang="de-DE" dirty="0"/>
           </a:p>
         </p:txBody>
@@ -7560,7 +6871,7 @@
     </p:spTree>
     <p:extLst>
       <p:ext uri="{BB962C8B-B14F-4D97-AF65-F5344CB8AC3E}">
-        <p14:creationId xmlns:p14="http://schemas.microsoft.com/office/powerpoint/2010/main" val="3435729037"/>
+        <p14:creationId xmlns:p14="http://schemas.microsoft.com/office/powerpoint/2010/main" val="3417410341"/>
       </p:ext>
     </p:extLst>
   </p:cSld>
@@ -7611,7 +6922,7 @@
           <a:p>
             <a:r>
               <a:rPr lang="de-DE" dirty="0" smtClean="0"/>
-              <a:t>Response Objekt</a:t>
+              <a:t>Request Objekt</a:t>
             </a:r>
             <a:endParaRPr lang="de-DE" dirty="0"/>
           </a:p>
@@ -7634,47 +6945,47 @@
           <a:p>
             <a:r>
               <a:rPr lang="de-DE" dirty="0" smtClean="0"/>
-              <a:t>Server sendet an Client</a:t>
+              <a:t>Client zum Server</a:t>
             </a:r>
           </a:p>
           <a:p>
             <a:r>
               <a:rPr lang="de-DE" dirty="0" err="1"/>
-              <a:t>Response.StatusCode</a:t>
+              <a:t>Request.Form</a:t>
             </a:r>
             <a:r>
               <a:rPr lang="de-DE" dirty="0"/>
-              <a:t> = 404</a:t>
+              <a:t>["text1</a:t>
             </a:r>
             <a:r>
               <a:rPr lang="de-DE" dirty="0" smtClean="0"/>
-              <a:t>;</a:t>
-            </a:r>
-          </a:p>
-          <a:p>
+              <a:t>"]; HTML Input  </a:t>
+            </a:r>
+            <a:r>
+              <a:rPr lang="en-US" dirty="0"/>
+              <a:t> &lt;input type="text"  name="text1" </a:t>
+            </a:r>
+            <a:r>
+              <a:rPr lang="en-US" dirty="0" smtClean="0"/>
+              <a:t>/&gt;</a:t>
+            </a:r>
+          </a:p>
+          <a:p>
+            <a:pPr lvl="1"/>
             <a:r>
               <a:rPr lang="de-DE" dirty="0" err="1" smtClean="0"/>
-              <a:t>Response.redirect</a:t>
-            </a:r>
-            <a:endParaRPr lang="de-DE" dirty="0" smtClean="0"/>
-          </a:p>
-          <a:p>
-            <a:pPr lvl="1"/>
+              <a:t>Querystring</a:t>
+            </a:r>
             <a:r>
               <a:rPr lang="de-DE" dirty="0" smtClean="0"/>
-              <a:t>302 Umleitung neue Seite</a:t>
-            </a:r>
-            <a:endParaRPr lang="de-DE" dirty="0"/>
-          </a:p>
-          <a:p>
-            <a:r>
-              <a:rPr lang="de-DE" dirty="0" err="1" smtClean="0"/>
-              <a:t>Response.Write</a:t>
-            </a:r>
-            <a:endParaRPr lang="de-DE" dirty="0" smtClean="0"/>
-          </a:p>
-          <a:p>
-            <a:pPr lvl="1"/>
+              <a:t>, Form, Cookie</a:t>
+            </a:r>
+          </a:p>
+          <a:p>
+            <a:r>
+              <a:rPr lang="de-DE" dirty="0" err="1"/>
+              <a:t>Request.LogonUserIdentity</a:t>
+            </a:r>
             <a:endParaRPr lang="de-DE" dirty="0"/>
           </a:p>
         </p:txBody>
@@ -7682,7 +6993,7 @@
     </p:spTree>
     <p:extLst>
       <p:ext uri="{BB962C8B-B14F-4D97-AF65-F5344CB8AC3E}">
-        <p14:creationId xmlns:p14="http://schemas.microsoft.com/office/powerpoint/2010/main" val="3417410341"/>
+        <p14:creationId xmlns:p14="http://schemas.microsoft.com/office/powerpoint/2010/main" val="2736298446"/>
       </p:ext>
     </p:extLst>
   </p:cSld>
@@ -7733,7 +7044,15 @@
           <a:p>
             <a:r>
               <a:rPr lang="de-DE" dirty="0" smtClean="0"/>
-              <a:t>Request Objekt</a:t>
+              <a:t>Get </a:t>
+            </a:r>
+            <a:r>
+              <a:rPr lang="de-DE" dirty="0" err="1" smtClean="0"/>
+              <a:t>the</a:t>
+            </a:r>
+            <a:r>
+              <a:rPr lang="de-DE" dirty="0" smtClean="0"/>
+              <a:t> Data</a:t>
             </a:r>
             <a:endParaRPr lang="de-DE" dirty="0"/>
           </a:p>
@@ -7755,48 +7074,27 @@
           <a:lstStyle/>
           <a:p>
             <a:r>
+              <a:rPr lang="de-DE" dirty="0" err="1" smtClean="0"/>
+              <a:t>Request.QueryString</a:t>
+            </a:r>
+            <a:endParaRPr lang="de-DE" dirty="0" smtClean="0"/>
+          </a:p>
+          <a:p>
+            <a:r>
+              <a:rPr lang="de-DE" dirty="0" err="1" smtClean="0"/>
+              <a:t>Request.GetFriendlyUrlSegments</a:t>
+            </a:r>
+            <a:endParaRPr lang="de-DE" dirty="0"/>
+          </a:p>
+          <a:p>
+            <a:pPr lvl="1"/>
+            <a:r>
               <a:rPr lang="de-DE" dirty="0" smtClean="0"/>
-              <a:t>Client zum Server</a:t>
-            </a:r>
-          </a:p>
-          <a:p>
-            <a:r>
-              <a:rPr lang="de-DE" dirty="0" err="1"/>
-              <a:t>Request.Form</a:t>
-            </a:r>
-            <a:r>
-              <a:rPr lang="de-DE" dirty="0"/>
-              <a:t>["text1</a:t>
-            </a:r>
-            <a:r>
-              <a:rPr lang="de-DE" dirty="0" smtClean="0"/>
-              <a:t>"]; HTML Input  </a:t>
-            </a:r>
-            <a:r>
-              <a:rPr lang="en-US" dirty="0"/>
-              <a:t> &lt;input type="text"  name="text1" </a:t>
-            </a:r>
-            <a:r>
-              <a:rPr lang="en-US" dirty="0" smtClean="0"/>
-              <a:t>/&gt;</a:t>
+              <a:t>Index</a:t>
             </a:r>
           </a:p>
           <a:p>
             <a:pPr lvl="1"/>
-            <a:r>
-              <a:rPr lang="de-DE" dirty="0" err="1" smtClean="0"/>
-              <a:t>Querystring</a:t>
-            </a:r>
-            <a:r>
-              <a:rPr lang="de-DE" dirty="0" smtClean="0"/>
-              <a:t>, Form, Cookie</a:t>
-            </a:r>
-          </a:p>
-          <a:p>
-            <a:r>
-              <a:rPr lang="de-DE" dirty="0" err="1"/>
-              <a:t>Request.LogonUserIdentity</a:t>
-            </a:r>
             <a:endParaRPr lang="de-DE" dirty="0"/>
           </a:p>
         </p:txBody>
@@ -7804,20 +7102,13 @@
     </p:spTree>
     <p:extLst>
       <p:ext uri="{BB962C8B-B14F-4D97-AF65-F5344CB8AC3E}">
-        <p14:creationId xmlns:p14="http://schemas.microsoft.com/office/powerpoint/2010/main" val="2736298446"/>
+        <p14:creationId xmlns:p14="http://schemas.microsoft.com/office/powerpoint/2010/main" val="527387670"/>
       </p:ext>
     </p:extLst>
   </p:cSld>
   <p:clrMapOvr>
     <a:masterClrMapping/>
   </p:clrMapOvr>
-  <p:timing>
-    <p:tnLst>
-      <p:par>
-        <p:cTn id="1" dur="indefinite" restart="never" nodeType="tmRoot"/>
-      </p:par>
-    </p:tnLst>
-  </p:timing>
 </p:sld>
 </file>
 
@@ -7855,15 +7146,7 @@
           <a:p>
             <a:r>
               <a:rPr lang="de-DE" dirty="0" smtClean="0"/>
-              <a:t>Get </a:t>
-            </a:r>
-            <a:r>
-              <a:rPr lang="de-DE" dirty="0" err="1" smtClean="0"/>
-              <a:t>the</a:t>
-            </a:r>
-            <a:r>
-              <a:rPr lang="de-DE" dirty="0" smtClean="0"/>
-              <a:t> Data</a:t>
+              <a:t>Server Objekt</a:t>
             </a:r>
             <a:endParaRPr lang="de-DE" dirty="0"/>
           </a:p>
@@ -7886,26 +7169,334 @@
           <a:p>
             <a:r>
               <a:rPr lang="de-DE" dirty="0" err="1" smtClean="0"/>
-              <a:t>Request.QueryString</a:t>
+              <a:t>Server.Mappath</a:t>
             </a:r>
             <a:endParaRPr lang="de-DE" dirty="0" smtClean="0"/>
           </a:p>
           <a:p>
             <a:r>
+              <a:rPr lang="de-DE" dirty="0" smtClean="0"/>
+              <a:t>Transfer</a:t>
+            </a:r>
+          </a:p>
+          <a:p>
+            <a:r>
               <a:rPr lang="de-DE" dirty="0" err="1" smtClean="0"/>
-              <a:t>Request.GetFriendlyUrlSegments</a:t>
+              <a:t>Scripttimeout</a:t>
+            </a:r>
+            <a:endParaRPr lang="de-DE" dirty="0" smtClean="0"/>
+          </a:p>
+          <a:p>
+            <a:r>
+              <a:rPr lang="de-DE" dirty="0" err="1" smtClean="0"/>
+              <a:t>UrlDecode</a:t>
+            </a:r>
+            <a:r>
+              <a:rPr lang="de-DE" dirty="0"/>
+              <a:t> </a:t>
+            </a:r>
+            <a:r>
+              <a:rPr lang="de-DE" dirty="0" err="1" smtClean="0"/>
+              <a:t>UrlEncode</a:t>
+            </a:r>
+            <a:endParaRPr lang="de-DE" dirty="0" smtClean="0"/>
+          </a:p>
+          <a:p>
+            <a:r>
+              <a:rPr lang="de-DE" dirty="0" err="1" smtClean="0"/>
+              <a:t>HTMLDecode</a:t>
+            </a:r>
+            <a:r>
+              <a:rPr lang="de-DE" dirty="0" smtClean="0"/>
+              <a:t>, </a:t>
+            </a:r>
+            <a:r>
+              <a:rPr lang="de-DE" dirty="0" err="1" smtClean="0"/>
+              <a:t>HTMLEncode</a:t>
             </a:r>
             <a:endParaRPr lang="de-DE" dirty="0"/>
           </a:p>
-          <a:p>
-            <a:pPr lvl="1"/>
-            <a:r>
-              <a:rPr lang="de-DE" dirty="0" smtClean="0"/>
-              <a:t>Index</a:t>
-            </a:r>
-          </a:p>
-          <a:p>
-            <a:pPr lvl="1"/>
+        </p:txBody>
+      </p:sp>
+      <p:sp>
+        <p:nvSpPr>
+          <p:cNvPr id="4" name="Rechteck 3"/>
+          <p:cNvSpPr/>
+          <p:nvPr/>
+        </p:nvSpPr>
+        <p:spPr>
+          <a:xfrm>
+            <a:off x="9101645" y="2917762"/>
+            <a:ext cx="2252155" cy="369332"/>
+          </a:xfrm>
+          <a:prstGeom prst="rect">
+            <a:avLst/>
+          </a:prstGeom>
+        </p:spPr>
+        <p:txBody>
+          <a:bodyPr wrap="none">
+            <a:spAutoFit/>
+          </a:bodyPr>
+          <a:lstStyle/>
+          <a:p>
+            <a:r>
+              <a:rPr lang="de-DE" b="1" dirty="0" err="1"/>
+              <a:t>HttpUtility.UrlDecode</a:t>
+            </a:r>
+            <a:endParaRPr lang="de-DE" dirty="0"/>
+          </a:p>
+        </p:txBody>
+      </p:sp>
+      <p:sp>
+        <p:nvSpPr>
+          <p:cNvPr id="5" name="Rechteck 4"/>
+          <p:cNvSpPr/>
+          <p:nvPr/>
+        </p:nvSpPr>
+        <p:spPr>
+          <a:xfrm>
+            <a:off x="2571345" y="4477913"/>
+            <a:ext cx="8305800" cy="1200329"/>
+          </a:xfrm>
+          <a:prstGeom prst="rect">
+            <a:avLst/>
+          </a:prstGeom>
+        </p:spPr>
+        <p:txBody>
+          <a:bodyPr wrap="square">
+            <a:spAutoFit/>
+          </a:bodyPr>
+          <a:lstStyle/>
+          <a:p>
+            <a:r>
+              <a:rPr lang="de-DE" dirty="0">
+                <a:solidFill>
+                  <a:srgbClr val="000000"/>
+                </a:solidFill>
+                <a:latin typeface="Consolas" panose="020B0609020204030204" pitchFamily="49" charset="0"/>
+              </a:rPr>
+              <a:t> </a:t>
+            </a:r>
+            <a:r>
+              <a:rPr lang="de-DE" dirty="0">
+                <a:solidFill>
+                  <a:srgbClr val="000000"/>
+                </a:solidFill>
+                <a:highlight>
+                  <a:srgbClr val="FFFF00"/>
+                </a:highlight>
+                <a:latin typeface="Consolas" panose="020B0609020204030204" pitchFamily="49" charset="0"/>
+              </a:rPr>
+              <a:t>&lt;%</a:t>
+            </a:r>
+            <a:r>
+              <a:rPr lang="de-DE" dirty="0">
+                <a:solidFill>
+                  <a:srgbClr val="0000FF"/>
+                </a:solidFill>
+                <a:highlight>
+                  <a:srgbClr val="FFFF00"/>
+                </a:highlight>
+                <a:latin typeface="Consolas" panose="020B0609020204030204" pitchFamily="49" charset="0"/>
+              </a:rPr>
+              <a:t>=</a:t>
+            </a:r>
+            <a:r>
+              <a:rPr lang="de-DE" dirty="0" err="1">
+                <a:solidFill>
+                  <a:srgbClr val="000000"/>
+                </a:solidFill>
+                <a:highlight>
+                  <a:srgbClr val="FFFF00"/>
+                </a:highlight>
+                <a:latin typeface="Consolas" panose="020B0609020204030204" pitchFamily="49" charset="0"/>
+              </a:rPr>
+              <a:t>Server.HtmlEncode</a:t>
+            </a:r>
+            <a:r>
+              <a:rPr lang="de-DE" dirty="0">
+                <a:solidFill>
+                  <a:srgbClr val="000000"/>
+                </a:solidFill>
+                <a:highlight>
+                  <a:srgbClr val="FFFF00"/>
+                </a:highlight>
+                <a:latin typeface="Consolas" panose="020B0609020204030204" pitchFamily="49" charset="0"/>
+              </a:rPr>
+              <a:t>(</a:t>
+            </a:r>
+            <a:r>
+              <a:rPr lang="de-DE" dirty="0">
+                <a:solidFill>
+                  <a:srgbClr val="A31515"/>
+                </a:solidFill>
+                <a:highlight>
+                  <a:srgbClr val="FFFF00"/>
+                </a:highlight>
+                <a:latin typeface="Consolas" panose="020B0609020204030204" pitchFamily="49" charset="0"/>
+              </a:rPr>
+              <a:t>"</a:t>
+            </a:r>
+            <a:r>
+              <a:rPr lang="de-DE" dirty="0" err="1" smtClean="0">
+                <a:solidFill>
+                  <a:srgbClr val="A31515"/>
+                </a:solidFill>
+                <a:highlight>
+                  <a:srgbClr val="FFFF00"/>
+                </a:highlight>
+                <a:latin typeface="Consolas" panose="020B0609020204030204" pitchFamily="49" charset="0"/>
+              </a:rPr>
+              <a:t>Hannes&amp;Preishuber-Pflügl</a:t>
+            </a:r>
+            <a:r>
+              <a:rPr lang="de-DE" dirty="0">
+                <a:solidFill>
+                  <a:srgbClr val="A31515"/>
+                </a:solidFill>
+                <a:highlight>
+                  <a:srgbClr val="FFFF00"/>
+                </a:highlight>
+                <a:latin typeface="Consolas" panose="020B0609020204030204" pitchFamily="49" charset="0"/>
+              </a:rPr>
+              <a:t>"</a:t>
+            </a:r>
+            <a:r>
+              <a:rPr lang="de-DE" dirty="0">
+                <a:solidFill>
+                  <a:srgbClr val="000000"/>
+                </a:solidFill>
+                <a:highlight>
+                  <a:srgbClr val="FFFF00"/>
+                </a:highlight>
+                <a:latin typeface="Consolas" panose="020B0609020204030204" pitchFamily="49" charset="0"/>
+              </a:rPr>
+              <a:t>) %&gt;</a:t>
+            </a:r>
+          </a:p>
+          <a:p>
+            <a:r>
+              <a:rPr lang="de-DE" dirty="0">
+                <a:solidFill>
+                  <a:srgbClr val="000000"/>
+                </a:solidFill>
+                <a:highlight>
+                  <a:srgbClr val="FFFF00"/>
+                </a:highlight>
+                <a:latin typeface="Consolas" panose="020B0609020204030204" pitchFamily="49" charset="0"/>
+              </a:rPr>
+              <a:t> </a:t>
+            </a:r>
+            <a:r>
+              <a:rPr lang="de-DE" dirty="0" smtClean="0">
+                <a:solidFill>
+                  <a:srgbClr val="000000"/>
+                </a:solidFill>
+                <a:highlight>
+                  <a:srgbClr val="FFFF00"/>
+                </a:highlight>
+                <a:latin typeface="Consolas" panose="020B0609020204030204" pitchFamily="49" charset="0"/>
+              </a:rPr>
+              <a:t>&lt;%</a:t>
+            </a:r>
+            <a:r>
+              <a:rPr lang="de-DE" dirty="0" smtClean="0">
+                <a:solidFill>
+                  <a:srgbClr val="0000FF"/>
+                </a:solidFill>
+                <a:highlight>
+                  <a:srgbClr val="FFFF00"/>
+                </a:highlight>
+                <a:latin typeface="Consolas" panose="020B0609020204030204" pitchFamily="49" charset="0"/>
+              </a:rPr>
+              <a:t>=</a:t>
+            </a:r>
+            <a:r>
+              <a:rPr lang="de-DE" dirty="0" err="1">
+                <a:solidFill>
+                  <a:srgbClr val="000000"/>
+                </a:solidFill>
+                <a:highlight>
+                  <a:srgbClr val="FFFF00"/>
+                </a:highlight>
+                <a:latin typeface="Consolas" panose="020B0609020204030204" pitchFamily="49" charset="0"/>
+              </a:rPr>
+              <a:t>Server.UrlEncode</a:t>
+            </a:r>
+            <a:r>
+              <a:rPr lang="de-DE" dirty="0">
+                <a:solidFill>
+                  <a:srgbClr val="000000"/>
+                </a:solidFill>
+                <a:highlight>
+                  <a:srgbClr val="FFFF00"/>
+                </a:highlight>
+                <a:latin typeface="Consolas" panose="020B0609020204030204" pitchFamily="49" charset="0"/>
+              </a:rPr>
+              <a:t>(</a:t>
+            </a:r>
+            <a:r>
+              <a:rPr lang="de-DE" dirty="0">
+                <a:solidFill>
+                  <a:srgbClr val="A31515"/>
+                </a:solidFill>
+                <a:highlight>
+                  <a:srgbClr val="FFFF00"/>
+                </a:highlight>
+                <a:latin typeface="Consolas" panose="020B0609020204030204" pitchFamily="49" charset="0"/>
+              </a:rPr>
+              <a:t>"http://www.ppedv.de?id=Hannes Preishuber-</a:t>
+            </a:r>
+            <a:r>
+              <a:rPr lang="de-DE" dirty="0" err="1">
+                <a:solidFill>
+                  <a:srgbClr val="A31515"/>
+                </a:solidFill>
+                <a:highlight>
+                  <a:srgbClr val="FFFF00"/>
+                </a:highlight>
+                <a:latin typeface="Consolas" panose="020B0609020204030204" pitchFamily="49" charset="0"/>
+              </a:rPr>
+              <a:t>Pflügl</a:t>
+            </a:r>
+            <a:r>
+              <a:rPr lang="de-DE" dirty="0">
+                <a:solidFill>
+                  <a:srgbClr val="A31515"/>
+                </a:solidFill>
+                <a:highlight>
+                  <a:srgbClr val="FFFF00"/>
+                </a:highlight>
+                <a:latin typeface="Consolas" panose="020B0609020204030204" pitchFamily="49" charset="0"/>
+              </a:rPr>
+              <a:t>"</a:t>
+            </a:r>
+            <a:r>
+              <a:rPr lang="de-DE" dirty="0">
+                <a:solidFill>
+                  <a:srgbClr val="000000"/>
+                </a:solidFill>
+                <a:highlight>
+                  <a:srgbClr val="FFFF00"/>
+                </a:highlight>
+                <a:latin typeface="Consolas" panose="020B0609020204030204" pitchFamily="49" charset="0"/>
+              </a:rPr>
+              <a:t>) %&gt;</a:t>
+            </a:r>
+          </a:p>
+          <a:p>
+            <a:r>
+              <a:rPr lang="de-DE" dirty="0">
+                <a:solidFill>
+                  <a:srgbClr val="000000"/>
+                </a:solidFill>
+                <a:highlight>
+                  <a:srgbClr val="FFFF00"/>
+                </a:highlight>
+                <a:latin typeface="Consolas" panose="020B0609020204030204" pitchFamily="49" charset="0"/>
+              </a:rPr>
+              <a:t> </a:t>
+            </a:r>
             <a:endParaRPr lang="de-DE" dirty="0"/>
           </a:p>
         </p:txBody>
@@ -7913,13 +7504,20 @@
     </p:spTree>
     <p:extLst>
       <p:ext uri="{BB962C8B-B14F-4D97-AF65-F5344CB8AC3E}">
-        <p14:creationId xmlns:p14="http://schemas.microsoft.com/office/powerpoint/2010/main" val="527387670"/>
+        <p14:creationId xmlns:p14="http://schemas.microsoft.com/office/powerpoint/2010/main" val="392316439"/>
       </p:ext>
     </p:extLst>
   </p:cSld>
   <p:clrMapOvr>
     <a:masterClrMapping/>
   </p:clrMapOvr>
+  <p:timing>
+    <p:tnLst>
+      <p:par>
+        <p:cTn id="1" dur="indefinite" restart="never" nodeType="tmRoot"/>
+      </p:par>
+    </p:tnLst>
+  </p:timing>
 </p:sld>
 </file>
 
@@ -7956,415 +7554,6 @@
           <a:lstStyle/>
           <a:p>
             <a:r>
-              <a:rPr lang="de-DE" dirty="0" smtClean="0"/>
-              <a:t>Server Objekt</a:t>
-            </a:r>
-            <a:endParaRPr lang="de-DE" dirty="0"/>
-          </a:p>
-        </p:txBody>
-      </p:sp>
-      <p:sp>
-        <p:nvSpPr>
-          <p:cNvPr id="3" name="Inhaltsplatzhalter 2"/>
-          <p:cNvSpPr>
-            <a:spLocks noGrp="1"/>
-          </p:cNvSpPr>
-          <p:nvPr>
-            <p:ph idx="1"/>
-          </p:nvPr>
-        </p:nvSpPr>
-        <p:spPr/>
-        <p:txBody>
-          <a:bodyPr/>
-          <a:lstStyle/>
-          <a:p>
-            <a:r>
-              <a:rPr lang="de-DE" dirty="0" err="1" smtClean="0"/>
-              <a:t>Server.Mappath</a:t>
-            </a:r>
-            <a:endParaRPr lang="de-DE" dirty="0" smtClean="0"/>
-          </a:p>
-          <a:p>
-            <a:r>
-              <a:rPr lang="de-DE" dirty="0" smtClean="0"/>
-              <a:t>Transfer</a:t>
-            </a:r>
-          </a:p>
-          <a:p>
-            <a:r>
-              <a:rPr lang="de-DE" dirty="0" err="1" smtClean="0"/>
-              <a:t>Scripttimeout</a:t>
-            </a:r>
-            <a:endParaRPr lang="de-DE" dirty="0" smtClean="0"/>
-          </a:p>
-          <a:p>
-            <a:r>
-              <a:rPr lang="de-DE" dirty="0" err="1" smtClean="0"/>
-              <a:t>UrlDecode</a:t>
-            </a:r>
-            <a:r>
-              <a:rPr lang="de-DE" dirty="0"/>
-              <a:t> </a:t>
-            </a:r>
-            <a:r>
-              <a:rPr lang="de-DE" dirty="0" err="1" smtClean="0"/>
-              <a:t>UrlEncode</a:t>
-            </a:r>
-            <a:endParaRPr lang="de-DE" dirty="0" smtClean="0"/>
-          </a:p>
-          <a:p>
-            <a:r>
-              <a:rPr lang="de-DE" dirty="0" err="1" smtClean="0"/>
-              <a:t>HTMLDecode</a:t>
-            </a:r>
-            <a:r>
-              <a:rPr lang="de-DE" dirty="0" smtClean="0"/>
-              <a:t>, </a:t>
-            </a:r>
-            <a:r>
-              <a:rPr lang="de-DE" dirty="0" err="1" smtClean="0"/>
-              <a:t>HTMLEncode</a:t>
-            </a:r>
-            <a:endParaRPr lang="de-DE" dirty="0"/>
-          </a:p>
-        </p:txBody>
-      </p:sp>
-      <p:sp>
-        <p:nvSpPr>
-          <p:cNvPr id="4" name="Rechteck 3"/>
-          <p:cNvSpPr/>
-          <p:nvPr/>
-        </p:nvSpPr>
-        <p:spPr>
-          <a:xfrm>
-            <a:off x="9101645" y="2917762"/>
-            <a:ext cx="2252155" cy="369332"/>
-          </a:xfrm>
-          <a:prstGeom prst="rect">
-            <a:avLst/>
-          </a:prstGeom>
-        </p:spPr>
-        <p:txBody>
-          <a:bodyPr wrap="none">
-            <a:spAutoFit/>
-          </a:bodyPr>
-          <a:lstStyle/>
-          <a:p>
-            <a:r>
-              <a:rPr lang="de-DE" b="1" dirty="0" err="1"/>
-              <a:t>HttpUtility.UrlDecode</a:t>
-            </a:r>
-            <a:endParaRPr lang="de-DE" dirty="0"/>
-          </a:p>
-        </p:txBody>
-      </p:sp>
-      <p:sp>
-        <p:nvSpPr>
-          <p:cNvPr id="5" name="Rechteck 4"/>
-          <p:cNvSpPr/>
-          <p:nvPr/>
-        </p:nvSpPr>
-        <p:spPr>
-          <a:xfrm>
-            <a:off x="2571345" y="4477913"/>
-            <a:ext cx="8305800" cy="1200329"/>
-          </a:xfrm>
-          <a:prstGeom prst="rect">
-            <a:avLst/>
-          </a:prstGeom>
-        </p:spPr>
-        <p:txBody>
-          <a:bodyPr wrap="square">
-            <a:spAutoFit/>
-          </a:bodyPr>
-          <a:lstStyle/>
-          <a:p>
-            <a:r>
-              <a:rPr lang="de-DE" dirty="0">
-                <a:solidFill>
-                  <a:srgbClr val="000000"/>
-                </a:solidFill>
-                <a:latin typeface="Consolas" panose="020B0609020204030204" pitchFamily="49" charset="0"/>
-              </a:rPr>
-              <a:t> </a:t>
-            </a:r>
-            <a:r>
-              <a:rPr lang="de-DE" dirty="0">
-                <a:solidFill>
-                  <a:srgbClr val="000000"/>
-                </a:solidFill>
-                <a:highlight>
-                  <a:srgbClr val="FFFF00"/>
-                </a:highlight>
-                <a:latin typeface="Consolas" panose="020B0609020204030204" pitchFamily="49" charset="0"/>
-              </a:rPr>
-              <a:t>&lt;%</a:t>
-            </a:r>
-            <a:r>
-              <a:rPr lang="de-DE" dirty="0">
-                <a:solidFill>
-                  <a:srgbClr val="0000FF"/>
-                </a:solidFill>
-                <a:highlight>
-                  <a:srgbClr val="FFFF00"/>
-                </a:highlight>
-                <a:latin typeface="Consolas" panose="020B0609020204030204" pitchFamily="49" charset="0"/>
-              </a:rPr>
-              <a:t>=</a:t>
-            </a:r>
-            <a:r>
-              <a:rPr lang="de-DE" dirty="0" err="1">
-                <a:solidFill>
-                  <a:srgbClr val="000000"/>
-                </a:solidFill>
-                <a:highlight>
-                  <a:srgbClr val="FFFF00"/>
-                </a:highlight>
-                <a:latin typeface="Consolas" panose="020B0609020204030204" pitchFamily="49" charset="0"/>
-              </a:rPr>
-              <a:t>Server.HtmlEncode</a:t>
-            </a:r>
-            <a:r>
-              <a:rPr lang="de-DE" dirty="0">
-                <a:solidFill>
-                  <a:srgbClr val="000000"/>
-                </a:solidFill>
-                <a:highlight>
-                  <a:srgbClr val="FFFF00"/>
-                </a:highlight>
-                <a:latin typeface="Consolas" panose="020B0609020204030204" pitchFamily="49" charset="0"/>
-              </a:rPr>
-              <a:t>(</a:t>
-            </a:r>
-            <a:r>
-              <a:rPr lang="de-DE" dirty="0">
-                <a:solidFill>
-                  <a:srgbClr val="A31515"/>
-                </a:solidFill>
-                <a:highlight>
-                  <a:srgbClr val="FFFF00"/>
-                </a:highlight>
-                <a:latin typeface="Consolas" panose="020B0609020204030204" pitchFamily="49" charset="0"/>
-              </a:rPr>
-              <a:t>"</a:t>
-            </a:r>
-            <a:r>
-              <a:rPr lang="de-DE" dirty="0" err="1" smtClean="0">
-                <a:solidFill>
-                  <a:srgbClr val="A31515"/>
-                </a:solidFill>
-                <a:highlight>
-                  <a:srgbClr val="FFFF00"/>
-                </a:highlight>
-                <a:latin typeface="Consolas" panose="020B0609020204030204" pitchFamily="49" charset="0"/>
-              </a:rPr>
-              <a:t>Hannes&amp;Preishuber-Pflügl</a:t>
-            </a:r>
-            <a:r>
-              <a:rPr lang="de-DE" dirty="0">
-                <a:solidFill>
-                  <a:srgbClr val="A31515"/>
-                </a:solidFill>
-                <a:highlight>
-                  <a:srgbClr val="FFFF00"/>
-                </a:highlight>
-                <a:latin typeface="Consolas" panose="020B0609020204030204" pitchFamily="49" charset="0"/>
-              </a:rPr>
-              <a:t>"</a:t>
-            </a:r>
-            <a:r>
-              <a:rPr lang="de-DE" dirty="0">
-                <a:solidFill>
-                  <a:srgbClr val="000000"/>
-                </a:solidFill>
-                <a:highlight>
-                  <a:srgbClr val="FFFF00"/>
-                </a:highlight>
-                <a:latin typeface="Consolas" panose="020B0609020204030204" pitchFamily="49" charset="0"/>
-              </a:rPr>
-              <a:t>) %&gt;</a:t>
-            </a:r>
-          </a:p>
-          <a:p>
-            <a:r>
-              <a:rPr lang="de-DE" dirty="0">
-                <a:solidFill>
-                  <a:srgbClr val="000000"/>
-                </a:solidFill>
-                <a:highlight>
-                  <a:srgbClr val="FFFF00"/>
-                </a:highlight>
-                <a:latin typeface="Consolas" panose="020B0609020204030204" pitchFamily="49" charset="0"/>
-              </a:rPr>
-              <a:t> </a:t>
-            </a:r>
-            <a:r>
-              <a:rPr lang="de-DE" dirty="0" smtClean="0">
-                <a:solidFill>
-                  <a:srgbClr val="000000"/>
-                </a:solidFill>
-                <a:highlight>
-                  <a:srgbClr val="FFFF00"/>
-                </a:highlight>
-                <a:latin typeface="Consolas" panose="020B0609020204030204" pitchFamily="49" charset="0"/>
-              </a:rPr>
-              <a:t>&lt;%</a:t>
-            </a:r>
-            <a:r>
-              <a:rPr lang="de-DE" dirty="0" smtClean="0">
-                <a:solidFill>
-                  <a:srgbClr val="0000FF"/>
-                </a:solidFill>
-                <a:highlight>
-                  <a:srgbClr val="FFFF00"/>
-                </a:highlight>
-                <a:latin typeface="Consolas" panose="020B0609020204030204" pitchFamily="49" charset="0"/>
-              </a:rPr>
-              <a:t>=</a:t>
-            </a:r>
-            <a:r>
-              <a:rPr lang="de-DE" dirty="0" err="1">
-                <a:solidFill>
-                  <a:srgbClr val="000000"/>
-                </a:solidFill>
-                <a:highlight>
-                  <a:srgbClr val="FFFF00"/>
-                </a:highlight>
-                <a:latin typeface="Consolas" panose="020B0609020204030204" pitchFamily="49" charset="0"/>
-              </a:rPr>
-              <a:t>Server.UrlEncode</a:t>
-            </a:r>
-            <a:r>
-              <a:rPr lang="de-DE" dirty="0">
-                <a:solidFill>
-                  <a:srgbClr val="000000"/>
-                </a:solidFill>
-                <a:highlight>
-                  <a:srgbClr val="FFFF00"/>
-                </a:highlight>
-                <a:latin typeface="Consolas" panose="020B0609020204030204" pitchFamily="49" charset="0"/>
-              </a:rPr>
-              <a:t>(</a:t>
-            </a:r>
-            <a:r>
-              <a:rPr lang="de-DE" dirty="0">
-                <a:solidFill>
-                  <a:srgbClr val="A31515"/>
-                </a:solidFill>
-                <a:highlight>
-                  <a:srgbClr val="FFFF00"/>
-                </a:highlight>
-                <a:latin typeface="Consolas" panose="020B0609020204030204" pitchFamily="49" charset="0"/>
-              </a:rPr>
-              <a:t>"http://www.ppedv.de?id=Hannes Preishuber-</a:t>
-            </a:r>
-            <a:r>
-              <a:rPr lang="de-DE" dirty="0" err="1">
-                <a:solidFill>
-                  <a:srgbClr val="A31515"/>
-                </a:solidFill>
-                <a:highlight>
-                  <a:srgbClr val="FFFF00"/>
-                </a:highlight>
-                <a:latin typeface="Consolas" panose="020B0609020204030204" pitchFamily="49" charset="0"/>
-              </a:rPr>
-              <a:t>Pflügl</a:t>
-            </a:r>
-            <a:r>
-              <a:rPr lang="de-DE" dirty="0">
-                <a:solidFill>
-                  <a:srgbClr val="A31515"/>
-                </a:solidFill>
-                <a:highlight>
-                  <a:srgbClr val="FFFF00"/>
-                </a:highlight>
-                <a:latin typeface="Consolas" panose="020B0609020204030204" pitchFamily="49" charset="0"/>
-              </a:rPr>
-              <a:t>"</a:t>
-            </a:r>
-            <a:r>
-              <a:rPr lang="de-DE" dirty="0">
-                <a:solidFill>
-                  <a:srgbClr val="000000"/>
-                </a:solidFill>
-                <a:highlight>
-                  <a:srgbClr val="FFFF00"/>
-                </a:highlight>
-                <a:latin typeface="Consolas" panose="020B0609020204030204" pitchFamily="49" charset="0"/>
-              </a:rPr>
-              <a:t>) %&gt;</a:t>
-            </a:r>
-          </a:p>
-          <a:p>
-            <a:r>
-              <a:rPr lang="de-DE" dirty="0">
-                <a:solidFill>
-                  <a:srgbClr val="000000"/>
-                </a:solidFill>
-                <a:highlight>
-                  <a:srgbClr val="FFFF00"/>
-                </a:highlight>
-                <a:latin typeface="Consolas" panose="020B0609020204030204" pitchFamily="49" charset="0"/>
-              </a:rPr>
-              <a:t> </a:t>
-            </a:r>
-            <a:endParaRPr lang="de-DE" dirty="0"/>
-          </a:p>
-        </p:txBody>
-      </p:sp>
-    </p:spTree>
-    <p:extLst>
-      <p:ext uri="{BB962C8B-B14F-4D97-AF65-F5344CB8AC3E}">
-        <p14:creationId xmlns:p14="http://schemas.microsoft.com/office/powerpoint/2010/main" val="392316439"/>
-      </p:ext>
-    </p:extLst>
-  </p:cSld>
-  <p:clrMapOvr>
-    <a:masterClrMapping/>
-  </p:clrMapOvr>
-  <p:timing>
-    <p:tnLst>
-      <p:par>
-        <p:cTn id="1" dur="indefinite" restart="never" nodeType="tmRoot"/>
-      </p:par>
-    </p:tnLst>
-  </p:timing>
-</p:sld>
-</file>
-
-<file path=ppt/slides/slide15.xml><?xml version="1.0" encoding="utf-8"?>
-<p:sld xmlns:a="http://schemas.openxmlformats.org/drawingml/2006/main" xmlns:r="http://schemas.openxmlformats.org/officeDocument/2006/relationships" xmlns:p="http://schemas.openxmlformats.org/presentationml/2006/main">
-  <p:cSld>
-    <p:spTree>
-      <p:nvGrpSpPr>
-        <p:cNvPr id="1" name=""/>
-        <p:cNvGrpSpPr/>
-        <p:nvPr/>
-      </p:nvGrpSpPr>
-      <p:grpSpPr>
-        <a:xfrm>
-          <a:off x="0" y="0"/>
-          <a:ext cx="0" cy="0"/>
-          <a:chOff x="0" y="0"/>
-          <a:chExt cx="0" cy="0"/>
-        </a:xfrm>
-      </p:grpSpPr>
-      <p:sp>
-        <p:nvSpPr>
-          <p:cNvPr id="2" name="Titel 1"/>
-          <p:cNvSpPr>
-            <a:spLocks noGrp="1"/>
-          </p:cNvSpPr>
-          <p:nvPr>
-            <p:ph type="title"/>
-          </p:nvPr>
-        </p:nvSpPr>
-        <p:spPr/>
-        <p:txBody>
-          <a:bodyPr/>
-          <a:lstStyle/>
-          <a:p>
-            <a:r>
               <a:rPr lang="de-DE" dirty="0" err="1" smtClean="0"/>
               <a:t>Application</a:t>
             </a:r>
@@ -8576,7 +7765,7 @@
 </p:sld>
 </file>
 
-<file path=ppt/slides/slide16.xml><?xml version="1.0" encoding="utf-8"?>
+<file path=ppt/slides/slide15.xml><?xml version="1.0" encoding="utf-8"?>
 <p:sld xmlns:a="http://schemas.openxmlformats.org/drawingml/2006/main" xmlns:r="http://schemas.openxmlformats.org/officeDocument/2006/relationships" xmlns:p="http://schemas.openxmlformats.org/presentationml/2006/main">
   <p:cSld>
     <p:spTree>
@@ -8692,7 +7881,7 @@
 </p:sld>
 </file>
 
-<file path=ppt/slides/slide17.xml><?xml version="1.0" encoding="utf-8"?>
+<file path=ppt/slides/slide16.xml><?xml version="1.0" encoding="utf-8"?>
 <p:sld xmlns:a="http://schemas.openxmlformats.org/drawingml/2006/main" xmlns:r="http://schemas.openxmlformats.org/officeDocument/2006/relationships" xmlns:p="http://schemas.openxmlformats.org/presentationml/2006/main">
   <p:cSld>
     <p:spTree>
@@ -8840,6 +8029,650 @@
     <p:extLst>
       <p:ext uri="{BB962C8B-B14F-4D97-AF65-F5344CB8AC3E}">
         <p14:creationId xmlns:p14="http://schemas.microsoft.com/office/powerpoint/2010/main" val="2642935299"/>
+      </p:ext>
+    </p:extLst>
+  </p:cSld>
+  <p:clrMapOvr>
+    <a:masterClrMapping/>
+  </p:clrMapOvr>
+  <p:timing>
+    <p:tnLst>
+      <p:par>
+        <p:cTn id="1" dur="indefinite" restart="never" nodeType="tmRoot"/>
+      </p:par>
+    </p:tnLst>
+  </p:timing>
+</p:sld>
+</file>
+
+<file path=ppt/slides/slide17.xml><?xml version="1.0" encoding="utf-8"?>
+<p:sld xmlns:a="http://schemas.openxmlformats.org/drawingml/2006/main" xmlns:r="http://schemas.openxmlformats.org/officeDocument/2006/relationships" xmlns:p="http://schemas.openxmlformats.org/presentationml/2006/main">
+  <p:cSld>
+    <p:spTree>
+      <p:nvGrpSpPr>
+        <p:cNvPr id="1" name=""/>
+        <p:cNvGrpSpPr/>
+        <p:nvPr/>
+      </p:nvGrpSpPr>
+      <p:grpSpPr>
+        <a:xfrm>
+          <a:off x="0" y="0"/>
+          <a:ext cx="0" cy="0"/>
+          <a:chOff x="0" y="0"/>
+          <a:chExt cx="0" cy="0"/>
+        </a:xfrm>
+      </p:grpSpPr>
+      <p:sp>
+        <p:nvSpPr>
+          <p:cNvPr id="2" name="Titel 1"/>
+          <p:cNvSpPr>
+            <a:spLocks noGrp="1"/>
+          </p:cNvSpPr>
+          <p:nvPr>
+            <p:ph type="title"/>
+          </p:nvPr>
+        </p:nvSpPr>
+        <p:spPr/>
+        <p:txBody>
+          <a:bodyPr/>
+          <a:lstStyle/>
+          <a:p>
+            <a:r>
+              <a:rPr lang="de-DE" dirty="0" err="1" smtClean="0"/>
+              <a:t>Web.config</a:t>
+            </a:r>
+            <a:r>
+              <a:rPr lang="de-DE" dirty="0" smtClean="0"/>
+              <a:t> &amp; Session Management</a:t>
+            </a:r>
+            <a:endParaRPr lang="de-DE" dirty="0"/>
+          </a:p>
+        </p:txBody>
+      </p:sp>
+      <p:sp>
+        <p:nvSpPr>
+          <p:cNvPr id="3" name="Inhaltsplatzhalter 2"/>
+          <p:cNvSpPr>
+            <a:spLocks noGrp="1"/>
+          </p:cNvSpPr>
+          <p:nvPr>
+            <p:ph idx="1"/>
+          </p:nvPr>
+        </p:nvSpPr>
+        <p:spPr/>
+        <p:txBody>
+          <a:bodyPr/>
+          <a:lstStyle/>
+          <a:p>
+            <a:endParaRPr lang="de-DE"/>
+          </a:p>
+        </p:txBody>
+      </p:sp>
+      <p:sp>
+        <p:nvSpPr>
+          <p:cNvPr id="4" name="Rechteck 3"/>
+          <p:cNvSpPr/>
+          <p:nvPr/>
+        </p:nvSpPr>
+        <p:spPr>
+          <a:xfrm>
+            <a:off x="398834" y="3037642"/>
+            <a:ext cx="11254902" cy="2308324"/>
+          </a:xfrm>
+          <a:prstGeom prst="rect">
+            <a:avLst/>
+          </a:prstGeom>
+        </p:spPr>
+        <p:txBody>
+          <a:bodyPr wrap="square">
+            <a:spAutoFit/>
+          </a:bodyPr>
+          <a:lstStyle/>
+          <a:p>
+            <a:r>
+              <a:rPr lang="de-DE" dirty="0">
+                <a:solidFill>
+                  <a:srgbClr val="0000FF"/>
+                </a:solidFill>
+                <a:latin typeface="Consolas" panose="020B0609020204030204" pitchFamily="49" charset="0"/>
+              </a:rPr>
+              <a:t>&lt;</a:t>
+            </a:r>
+            <a:r>
+              <a:rPr lang="de-DE" dirty="0" err="1">
+                <a:solidFill>
+                  <a:srgbClr val="A31515"/>
+                </a:solidFill>
+                <a:latin typeface="Consolas" panose="020B0609020204030204" pitchFamily="49" charset="0"/>
+              </a:rPr>
+              <a:t>sessionState</a:t>
+            </a:r>
+            <a:r>
+              <a:rPr lang="de-DE" dirty="0">
+                <a:solidFill>
+                  <a:srgbClr val="0000FF"/>
+                </a:solidFill>
+                <a:latin typeface="Consolas" panose="020B0609020204030204" pitchFamily="49" charset="0"/>
+              </a:rPr>
+              <a:t> </a:t>
+            </a:r>
+            <a:r>
+              <a:rPr lang="de-DE" dirty="0" err="1">
+                <a:solidFill>
+                  <a:srgbClr val="FF0000"/>
+                </a:solidFill>
+                <a:latin typeface="Consolas" panose="020B0609020204030204" pitchFamily="49" charset="0"/>
+              </a:rPr>
+              <a:t>mode</a:t>
+            </a:r>
+            <a:r>
+              <a:rPr lang="de-DE" dirty="0">
+                <a:solidFill>
+                  <a:srgbClr val="0000FF"/>
+                </a:solidFill>
+                <a:latin typeface="Consolas" panose="020B0609020204030204" pitchFamily="49" charset="0"/>
+              </a:rPr>
+              <a:t>=</a:t>
+            </a:r>
+            <a:r>
+              <a:rPr lang="de-DE" dirty="0">
+                <a:solidFill>
+                  <a:srgbClr val="000000"/>
+                </a:solidFill>
+                <a:latin typeface="Consolas" panose="020B0609020204030204" pitchFamily="49" charset="0"/>
+              </a:rPr>
+              <a:t>"</a:t>
+            </a:r>
+            <a:r>
+              <a:rPr lang="de-DE" dirty="0" err="1">
+                <a:solidFill>
+                  <a:srgbClr val="0000FF"/>
+                </a:solidFill>
+                <a:latin typeface="Consolas" panose="020B0609020204030204" pitchFamily="49" charset="0"/>
+              </a:rPr>
+              <a:t>InProc</a:t>
+            </a:r>
+            <a:r>
+              <a:rPr lang="de-DE" dirty="0">
+                <a:solidFill>
+                  <a:srgbClr val="000000"/>
+                </a:solidFill>
+                <a:latin typeface="Consolas" panose="020B0609020204030204" pitchFamily="49" charset="0"/>
+              </a:rPr>
+              <a:t>"</a:t>
+            </a:r>
+            <a:r>
+              <a:rPr lang="de-DE" dirty="0">
+                <a:solidFill>
+                  <a:srgbClr val="0000FF"/>
+                </a:solidFill>
+                <a:latin typeface="Consolas" panose="020B0609020204030204" pitchFamily="49" charset="0"/>
+              </a:rPr>
+              <a:t> </a:t>
+            </a:r>
+            <a:r>
+              <a:rPr lang="de-DE" dirty="0" err="1">
+                <a:solidFill>
+                  <a:srgbClr val="FF0000"/>
+                </a:solidFill>
+                <a:latin typeface="Consolas" panose="020B0609020204030204" pitchFamily="49" charset="0"/>
+              </a:rPr>
+              <a:t>cookieless</a:t>
+            </a:r>
+            <a:r>
+              <a:rPr lang="de-DE" dirty="0">
+                <a:solidFill>
+                  <a:srgbClr val="0000FF"/>
+                </a:solidFill>
+                <a:latin typeface="Consolas" panose="020B0609020204030204" pitchFamily="49" charset="0"/>
+              </a:rPr>
+              <a:t>=</a:t>
+            </a:r>
+            <a:r>
+              <a:rPr lang="de-DE" dirty="0">
+                <a:solidFill>
+                  <a:srgbClr val="000000"/>
+                </a:solidFill>
+                <a:latin typeface="Consolas" panose="020B0609020204030204" pitchFamily="49" charset="0"/>
+              </a:rPr>
+              <a:t>"</a:t>
+            </a:r>
+            <a:r>
+              <a:rPr lang="de-DE" dirty="0" err="1">
+                <a:solidFill>
+                  <a:srgbClr val="0000FF"/>
+                </a:solidFill>
+                <a:latin typeface="Consolas" panose="020B0609020204030204" pitchFamily="49" charset="0"/>
+              </a:rPr>
+              <a:t>UseUri</a:t>
+            </a:r>
+            <a:r>
+              <a:rPr lang="de-DE" dirty="0">
+                <a:solidFill>
+                  <a:srgbClr val="000000"/>
+                </a:solidFill>
+                <a:latin typeface="Consolas" panose="020B0609020204030204" pitchFamily="49" charset="0"/>
+              </a:rPr>
+              <a:t>"</a:t>
+            </a:r>
+            <a:r>
+              <a:rPr lang="de-DE" dirty="0">
+                <a:solidFill>
+                  <a:srgbClr val="0000FF"/>
+                </a:solidFill>
+                <a:latin typeface="Consolas" panose="020B0609020204030204" pitchFamily="49" charset="0"/>
+              </a:rPr>
+              <a:t> </a:t>
+            </a:r>
+            <a:r>
+              <a:rPr lang="de-DE" dirty="0" err="1">
+                <a:solidFill>
+                  <a:srgbClr val="FF0000"/>
+                </a:solidFill>
+                <a:latin typeface="Consolas" panose="020B0609020204030204" pitchFamily="49" charset="0"/>
+              </a:rPr>
+              <a:t>customProvider</a:t>
+            </a:r>
+            <a:r>
+              <a:rPr lang="de-DE" dirty="0">
+                <a:solidFill>
+                  <a:srgbClr val="0000FF"/>
+                </a:solidFill>
+                <a:latin typeface="Consolas" panose="020B0609020204030204" pitchFamily="49" charset="0"/>
+              </a:rPr>
+              <a:t>=</a:t>
+            </a:r>
+            <a:r>
+              <a:rPr lang="de-DE" dirty="0">
+                <a:solidFill>
+                  <a:srgbClr val="000000"/>
+                </a:solidFill>
+                <a:latin typeface="Consolas" panose="020B0609020204030204" pitchFamily="49" charset="0"/>
+              </a:rPr>
+              <a:t>"</a:t>
+            </a:r>
+            <a:r>
+              <a:rPr lang="de-DE" dirty="0" err="1">
+                <a:solidFill>
+                  <a:srgbClr val="0000FF"/>
+                </a:solidFill>
+                <a:latin typeface="Consolas" panose="020B0609020204030204" pitchFamily="49" charset="0"/>
+              </a:rPr>
+              <a:t>DefaultSessionProvider</a:t>
+            </a:r>
+            <a:r>
+              <a:rPr lang="de-DE" dirty="0">
+                <a:solidFill>
+                  <a:srgbClr val="000000"/>
+                </a:solidFill>
+                <a:latin typeface="Consolas" panose="020B0609020204030204" pitchFamily="49" charset="0"/>
+              </a:rPr>
+              <a:t>"</a:t>
+            </a:r>
+            <a:r>
+              <a:rPr lang="de-DE" dirty="0">
+                <a:solidFill>
+                  <a:srgbClr val="0000FF"/>
+                </a:solidFill>
+                <a:latin typeface="Consolas" panose="020B0609020204030204" pitchFamily="49" charset="0"/>
+              </a:rPr>
+              <a:t>&gt;</a:t>
+            </a:r>
+            <a:endParaRPr lang="de-DE" dirty="0">
+              <a:solidFill>
+                <a:srgbClr val="000000"/>
+              </a:solidFill>
+              <a:latin typeface="Consolas" panose="020B0609020204030204" pitchFamily="49" charset="0"/>
+            </a:endParaRPr>
+          </a:p>
+          <a:p>
+            <a:r>
+              <a:rPr lang="de-DE" dirty="0">
+                <a:solidFill>
+                  <a:srgbClr val="0000FF"/>
+                </a:solidFill>
+                <a:latin typeface="Consolas" panose="020B0609020204030204" pitchFamily="49" charset="0"/>
+              </a:rPr>
+              <a:t>      &lt;</a:t>
+            </a:r>
+            <a:r>
+              <a:rPr lang="de-DE" dirty="0" err="1">
+                <a:solidFill>
+                  <a:srgbClr val="A31515"/>
+                </a:solidFill>
+                <a:latin typeface="Consolas" panose="020B0609020204030204" pitchFamily="49" charset="0"/>
+              </a:rPr>
+              <a:t>providers</a:t>
+            </a:r>
+            <a:r>
+              <a:rPr lang="de-DE" dirty="0">
+                <a:solidFill>
+                  <a:srgbClr val="0000FF"/>
+                </a:solidFill>
+                <a:latin typeface="Consolas" panose="020B0609020204030204" pitchFamily="49" charset="0"/>
+              </a:rPr>
+              <a:t>&gt;</a:t>
+            </a:r>
+            <a:endParaRPr lang="de-DE" dirty="0">
+              <a:solidFill>
+                <a:srgbClr val="000000"/>
+              </a:solidFill>
+              <a:latin typeface="Consolas" panose="020B0609020204030204" pitchFamily="49" charset="0"/>
+            </a:endParaRPr>
+          </a:p>
+          <a:p>
+            <a:r>
+              <a:rPr lang="de-DE" dirty="0">
+                <a:solidFill>
+                  <a:srgbClr val="0000FF"/>
+                </a:solidFill>
+                <a:latin typeface="Consolas" panose="020B0609020204030204" pitchFamily="49" charset="0"/>
+              </a:rPr>
+              <a:t>        &lt;</a:t>
+            </a:r>
+            <a:r>
+              <a:rPr lang="de-DE" dirty="0" err="1">
+                <a:solidFill>
+                  <a:srgbClr val="A31515"/>
+                </a:solidFill>
+                <a:latin typeface="Consolas" panose="020B0609020204030204" pitchFamily="49" charset="0"/>
+              </a:rPr>
+              <a:t>add</a:t>
+            </a:r>
+            <a:r>
+              <a:rPr lang="de-DE" dirty="0">
+                <a:solidFill>
+                  <a:srgbClr val="0000FF"/>
+                </a:solidFill>
+                <a:latin typeface="Consolas" panose="020B0609020204030204" pitchFamily="49" charset="0"/>
+              </a:rPr>
+              <a:t> </a:t>
+            </a:r>
+            <a:r>
+              <a:rPr lang="de-DE" dirty="0" err="1">
+                <a:solidFill>
+                  <a:srgbClr val="FF0000"/>
+                </a:solidFill>
+                <a:latin typeface="Consolas" panose="020B0609020204030204" pitchFamily="49" charset="0"/>
+              </a:rPr>
+              <a:t>name</a:t>
+            </a:r>
+            <a:r>
+              <a:rPr lang="de-DE" dirty="0">
+                <a:solidFill>
+                  <a:srgbClr val="0000FF"/>
+                </a:solidFill>
+                <a:latin typeface="Consolas" panose="020B0609020204030204" pitchFamily="49" charset="0"/>
+              </a:rPr>
+              <a:t>=</a:t>
+            </a:r>
+            <a:r>
+              <a:rPr lang="de-DE" dirty="0">
+                <a:solidFill>
+                  <a:srgbClr val="000000"/>
+                </a:solidFill>
+                <a:latin typeface="Consolas" panose="020B0609020204030204" pitchFamily="49" charset="0"/>
+              </a:rPr>
+              <a:t>"</a:t>
+            </a:r>
+            <a:r>
+              <a:rPr lang="de-DE" dirty="0" err="1">
+                <a:solidFill>
+                  <a:srgbClr val="0000FF"/>
+                </a:solidFill>
+                <a:latin typeface="Consolas" panose="020B0609020204030204" pitchFamily="49" charset="0"/>
+              </a:rPr>
+              <a:t>DefaultSessionProvider</a:t>
+            </a:r>
+            <a:r>
+              <a:rPr lang="de-DE" dirty="0">
+                <a:solidFill>
+                  <a:srgbClr val="000000"/>
+                </a:solidFill>
+                <a:latin typeface="Consolas" panose="020B0609020204030204" pitchFamily="49" charset="0"/>
+              </a:rPr>
+              <a:t>"</a:t>
+            </a:r>
+            <a:r>
+              <a:rPr lang="de-DE" dirty="0">
+                <a:solidFill>
+                  <a:srgbClr val="0000FF"/>
+                </a:solidFill>
+                <a:latin typeface="Consolas" panose="020B0609020204030204" pitchFamily="49" charset="0"/>
+              </a:rPr>
+              <a:t> </a:t>
+            </a:r>
+            <a:r>
+              <a:rPr lang="de-DE" dirty="0">
+                <a:solidFill>
+                  <a:srgbClr val="FF0000"/>
+                </a:solidFill>
+                <a:latin typeface="Consolas" panose="020B0609020204030204" pitchFamily="49" charset="0"/>
+              </a:rPr>
+              <a:t>type</a:t>
+            </a:r>
+            <a:r>
+              <a:rPr lang="de-DE" dirty="0">
+                <a:solidFill>
+                  <a:srgbClr val="0000FF"/>
+                </a:solidFill>
+                <a:latin typeface="Consolas" panose="020B0609020204030204" pitchFamily="49" charset="0"/>
+              </a:rPr>
+              <a:t>=</a:t>
+            </a:r>
+            <a:r>
+              <a:rPr lang="de-DE" dirty="0">
+                <a:solidFill>
+                  <a:srgbClr val="000000"/>
+                </a:solidFill>
+                <a:latin typeface="Consolas" panose="020B0609020204030204" pitchFamily="49" charset="0"/>
+              </a:rPr>
+              <a:t>"</a:t>
+            </a:r>
+            <a:r>
+              <a:rPr lang="de-DE" dirty="0" err="1">
+                <a:solidFill>
+                  <a:srgbClr val="0000FF"/>
+                </a:solidFill>
+                <a:latin typeface="Consolas" panose="020B0609020204030204" pitchFamily="49" charset="0"/>
+              </a:rPr>
+              <a:t>System.Web.Providers.DefaultSessionStateProvider</a:t>
+            </a:r>
+            <a:r>
+              <a:rPr lang="de-DE" dirty="0">
+                <a:solidFill>
+                  <a:srgbClr val="0000FF"/>
+                </a:solidFill>
+                <a:latin typeface="Consolas" panose="020B0609020204030204" pitchFamily="49" charset="0"/>
+              </a:rPr>
+              <a:t>, </a:t>
+            </a:r>
+            <a:r>
+              <a:rPr lang="de-DE" dirty="0" err="1">
+                <a:solidFill>
+                  <a:srgbClr val="0000FF"/>
+                </a:solidFill>
+                <a:latin typeface="Consolas" panose="020B0609020204030204" pitchFamily="49" charset="0"/>
+              </a:rPr>
+              <a:t>System.Web.Providers</a:t>
+            </a:r>
+            <a:r>
+              <a:rPr lang="de-DE" dirty="0">
+                <a:solidFill>
+                  <a:srgbClr val="0000FF"/>
+                </a:solidFill>
+                <a:latin typeface="Consolas" panose="020B0609020204030204" pitchFamily="49" charset="0"/>
+              </a:rPr>
+              <a:t>, Version=2.0.0.0, Culture=neutral, </a:t>
+            </a:r>
+            <a:r>
+              <a:rPr lang="de-DE" dirty="0" err="1">
+                <a:solidFill>
+                  <a:srgbClr val="0000FF"/>
+                </a:solidFill>
+                <a:latin typeface="Consolas" panose="020B0609020204030204" pitchFamily="49" charset="0"/>
+              </a:rPr>
+              <a:t>PublicKeyToken</a:t>
+            </a:r>
+            <a:r>
+              <a:rPr lang="de-DE" dirty="0">
+                <a:solidFill>
+                  <a:srgbClr val="0000FF"/>
+                </a:solidFill>
+                <a:latin typeface="Consolas" panose="020B0609020204030204" pitchFamily="49" charset="0"/>
+              </a:rPr>
+              <a:t>=31bf3856ad364e35</a:t>
+            </a:r>
+            <a:r>
+              <a:rPr lang="de-DE" dirty="0">
+                <a:solidFill>
+                  <a:srgbClr val="000000"/>
+                </a:solidFill>
+                <a:latin typeface="Consolas" panose="020B0609020204030204" pitchFamily="49" charset="0"/>
+              </a:rPr>
+              <a:t>"</a:t>
+            </a:r>
+            <a:r>
+              <a:rPr lang="de-DE" dirty="0">
+                <a:solidFill>
+                  <a:srgbClr val="0000FF"/>
+                </a:solidFill>
+                <a:latin typeface="Consolas" panose="020B0609020204030204" pitchFamily="49" charset="0"/>
+              </a:rPr>
+              <a:t> </a:t>
+            </a:r>
+            <a:r>
+              <a:rPr lang="de-DE" dirty="0" err="1">
+                <a:solidFill>
+                  <a:srgbClr val="FF0000"/>
+                </a:solidFill>
+                <a:latin typeface="Consolas" panose="020B0609020204030204" pitchFamily="49" charset="0"/>
+              </a:rPr>
+              <a:t>connectionStringName</a:t>
+            </a:r>
+            <a:r>
+              <a:rPr lang="de-DE" dirty="0">
+                <a:solidFill>
+                  <a:srgbClr val="0000FF"/>
+                </a:solidFill>
+                <a:latin typeface="Consolas" panose="020B0609020204030204" pitchFamily="49" charset="0"/>
+              </a:rPr>
+              <a:t>=</a:t>
+            </a:r>
+            <a:r>
+              <a:rPr lang="de-DE" dirty="0">
+                <a:solidFill>
+                  <a:srgbClr val="000000"/>
+                </a:solidFill>
+                <a:latin typeface="Consolas" panose="020B0609020204030204" pitchFamily="49" charset="0"/>
+              </a:rPr>
+              <a:t>"</a:t>
+            </a:r>
+            <a:r>
+              <a:rPr lang="de-DE" dirty="0" err="1">
+                <a:solidFill>
+                  <a:srgbClr val="0000FF"/>
+                </a:solidFill>
+                <a:latin typeface="Consolas" panose="020B0609020204030204" pitchFamily="49" charset="0"/>
+              </a:rPr>
+              <a:t>DefaultConnection</a:t>
+            </a:r>
+            <a:r>
+              <a:rPr lang="de-DE" dirty="0">
+                <a:solidFill>
+                  <a:srgbClr val="000000"/>
+                </a:solidFill>
+                <a:latin typeface="Consolas" panose="020B0609020204030204" pitchFamily="49" charset="0"/>
+              </a:rPr>
+              <a:t>"</a:t>
+            </a:r>
+            <a:r>
+              <a:rPr lang="de-DE" dirty="0">
+                <a:solidFill>
+                  <a:srgbClr val="0000FF"/>
+                </a:solidFill>
+                <a:latin typeface="Consolas" panose="020B0609020204030204" pitchFamily="49" charset="0"/>
+              </a:rPr>
+              <a:t> /&gt;</a:t>
+            </a:r>
+            <a:endParaRPr lang="de-DE" dirty="0">
+              <a:solidFill>
+                <a:srgbClr val="000000"/>
+              </a:solidFill>
+              <a:latin typeface="Consolas" panose="020B0609020204030204" pitchFamily="49" charset="0"/>
+            </a:endParaRPr>
+          </a:p>
+          <a:p>
+            <a:r>
+              <a:rPr lang="de-DE" dirty="0">
+                <a:solidFill>
+                  <a:srgbClr val="0000FF"/>
+                </a:solidFill>
+                <a:latin typeface="Consolas" panose="020B0609020204030204" pitchFamily="49" charset="0"/>
+              </a:rPr>
+              <a:t>      &lt;/</a:t>
+            </a:r>
+            <a:r>
+              <a:rPr lang="de-DE" dirty="0" err="1">
+                <a:solidFill>
+                  <a:srgbClr val="A31515"/>
+                </a:solidFill>
+                <a:latin typeface="Consolas" panose="020B0609020204030204" pitchFamily="49" charset="0"/>
+              </a:rPr>
+              <a:t>providers</a:t>
+            </a:r>
+            <a:r>
+              <a:rPr lang="de-DE" dirty="0">
+                <a:solidFill>
+                  <a:srgbClr val="0000FF"/>
+                </a:solidFill>
+                <a:latin typeface="Consolas" panose="020B0609020204030204" pitchFamily="49" charset="0"/>
+              </a:rPr>
+              <a:t>&gt;</a:t>
+            </a:r>
+            <a:endParaRPr lang="de-DE" dirty="0">
+              <a:solidFill>
+                <a:srgbClr val="000000"/>
+              </a:solidFill>
+              <a:latin typeface="Consolas" panose="020B0609020204030204" pitchFamily="49" charset="0"/>
+            </a:endParaRPr>
+          </a:p>
+          <a:p>
+            <a:r>
+              <a:rPr lang="de-DE" dirty="0">
+                <a:solidFill>
+                  <a:srgbClr val="0000FF"/>
+                </a:solidFill>
+                <a:latin typeface="Consolas" panose="020B0609020204030204" pitchFamily="49" charset="0"/>
+              </a:rPr>
+              <a:t>    &lt;/</a:t>
+            </a:r>
+            <a:r>
+              <a:rPr lang="de-DE" dirty="0" err="1">
+                <a:solidFill>
+                  <a:srgbClr val="A31515"/>
+                </a:solidFill>
+                <a:latin typeface="Consolas" panose="020B0609020204030204" pitchFamily="49" charset="0"/>
+              </a:rPr>
+              <a:t>sessionState</a:t>
+            </a:r>
+            <a:r>
+              <a:rPr lang="de-DE" dirty="0">
+                <a:solidFill>
+                  <a:srgbClr val="0000FF"/>
+                </a:solidFill>
+                <a:latin typeface="Consolas" panose="020B0609020204030204" pitchFamily="49" charset="0"/>
+              </a:rPr>
+              <a:t>&gt;</a:t>
+            </a:r>
+            <a:endParaRPr lang="de-DE" dirty="0"/>
+          </a:p>
+        </p:txBody>
+      </p:sp>
+    </p:spTree>
+    <p:extLst>
+      <p:ext uri="{BB962C8B-B14F-4D97-AF65-F5344CB8AC3E}">
+        <p14:creationId xmlns:p14="http://schemas.microsoft.com/office/powerpoint/2010/main" val="695016068"/>
       </p:ext>
     </p:extLst>
   </p:cSld>
@@ -8889,12 +8722,16 @@
           <a:lstStyle/>
           <a:p>
             <a:r>
+              <a:rPr lang="de-DE" dirty="0" smtClean="0"/>
+              <a:t>Programmfluss durch </a:t>
+            </a:r>
+            <a:r>
               <a:rPr lang="de-DE" dirty="0" err="1" smtClean="0"/>
-              <a:t>Web.config</a:t>
+              <a:t>Querystring</a:t>
             </a:r>
             <a:r>
               <a:rPr lang="de-DE" dirty="0" smtClean="0"/>
-              <a:t> &amp; Session Management</a:t>
+              <a:t> ? steuern</a:t>
             </a:r>
             <a:endParaRPr lang="de-DE" dirty="0"/>
           </a:p>
@@ -8915,566 +8752,64 @@
           <a:bodyPr/>
           <a:lstStyle/>
           <a:p>
-            <a:endParaRPr lang="de-DE"/>
-          </a:p>
-        </p:txBody>
-      </p:sp>
-      <p:sp>
-        <p:nvSpPr>
-          <p:cNvPr id="4" name="Rechteck 3"/>
-          <p:cNvSpPr/>
-          <p:nvPr/>
-        </p:nvSpPr>
-        <p:spPr>
-          <a:xfrm>
-            <a:off x="398834" y="3037642"/>
-            <a:ext cx="11254902" cy="2308324"/>
-          </a:xfrm>
-          <a:prstGeom prst="rect">
-            <a:avLst/>
-          </a:prstGeom>
-        </p:spPr>
-        <p:txBody>
-          <a:bodyPr wrap="square">
-            <a:spAutoFit/>
-          </a:bodyPr>
-          <a:lstStyle/>
-          <a:p>
-            <a:r>
-              <a:rPr lang="de-DE" dirty="0">
-                <a:solidFill>
-                  <a:srgbClr val="0000FF"/>
-                </a:solidFill>
-                <a:latin typeface="Consolas" panose="020B0609020204030204" pitchFamily="49" charset="0"/>
-              </a:rPr>
-              <a:t>&lt;</a:t>
-            </a:r>
-            <a:r>
-              <a:rPr lang="de-DE" dirty="0" err="1">
-                <a:solidFill>
-                  <a:srgbClr val="A31515"/>
-                </a:solidFill>
-                <a:latin typeface="Consolas" panose="020B0609020204030204" pitchFamily="49" charset="0"/>
-              </a:rPr>
-              <a:t>sessionState</a:t>
-            </a:r>
-            <a:r>
-              <a:rPr lang="de-DE" dirty="0">
-                <a:solidFill>
-                  <a:srgbClr val="0000FF"/>
-                </a:solidFill>
-                <a:latin typeface="Consolas" panose="020B0609020204030204" pitchFamily="49" charset="0"/>
-              </a:rPr>
+            <a:r>
+              <a:rPr lang="de-DE" dirty="0" err="1" smtClean="0"/>
+              <a:t>Request.Querystring</a:t>
+            </a:r>
+            <a:endParaRPr lang="de-DE" dirty="0" smtClean="0"/>
+          </a:p>
+          <a:p>
+            <a:pPr lvl="1"/>
+            <a:r>
+              <a:rPr lang="de-DE" dirty="0" smtClean="0"/>
+              <a:t>ID oder Key</a:t>
+            </a:r>
+          </a:p>
+          <a:p>
+            <a:r>
+              <a:rPr lang="de-DE" dirty="0" err="1" smtClean="0"/>
+              <a:t>HyperLink</a:t>
+            </a:r>
+            <a:r>
+              <a:rPr lang="de-DE" dirty="0" smtClean="0"/>
               <a:t> </a:t>
             </a:r>
             <a:r>
-              <a:rPr lang="de-DE" dirty="0" err="1">
-                <a:solidFill>
-                  <a:srgbClr val="FF0000"/>
-                </a:solidFill>
-                <a:latin typeface="Consolas" panose="020B0609020204030204" pitchFamily="49" charset="0"/>
-              </a:rPr>
-              <a:t>mode</a:t>
-            </a:r>
-            <a:r>
-              <a:rPr lang="de-DE" dirty="0">
-                <a:solidFill>
-                  <a:srgbClr val="0000FF"/>
-                </a:solidFill>
-                <a:latin typeface="Consolas" panose="020B0609020204030204" pitchFamily="49" charset="0"/>
-              </a:rPr>
-              <a:t>=</a:t>
-            </a:r>
-            <a:r>
-              <a:rPr lang="de-DE" dirty="0">
-                <a:solidFill>
-                  <a:srgbClr val="000000"/>
-                </a:solidFill>
-                <a:latin typeface="Consolas" panose="020B0609020204030204" pitchFamily="49" charset="0"/>
-              </a:rPr>
-              <a:t>"</a:t>
-            </a:r>
-            <a:r>
-              <a:rPr lang="de-DE" dirty="0" err="1">
-                <a:solidFill>
-                  <a:srgbClr val="0000FF"/>
-                </a:solidFill>
-                <a:latin typeface="Consolas" panose="020B0609020204030204" pitchFamily="49" charset="0"/>
-              </a:rPr>
-              <a:t>InProc</a:t>
-            </a:r>
-            <a:r>
-              <a:rPr lang="de-DE" dirty="0">
-                <a:solidFill>
-                  <a:srgbClr val="000000"/>
-                </a:solidFill>
-                <a:latin typeface="Consolas" panose="020B0609020204030204" pitchFamily="49" charset="0"/>
-              </a:rPr>
-              <a:t>"</a:t>
-            </a:r>
-            <a:r>
-              <a:rPr lang="de-DE" dirty="0">
-                <a:solidFill>
-                  <a:srgbClr val="0000FF"/>
-                </a:solidFill>
-                <a:latin typeface="Consolas" panose="020B0609020204030204" pitchFamily="49" charset="0"/>
-              </a:rPr>
+              <a:rPr lang="de-DE" dirty="0" err="1" smtClean="0"/>
+              <a:t>ala</a:t>
+            </a:r>
+            <a:r>
+              <a:rPr lang="de-DE" dirty="0" smtClean="0"/>
               <a:t> </a:t>
             </a:r>
             <a:r>
-              <a:rPr lang="de-DE" dirty="0" err="1">
-                <a:solidFill>
-                  <a:srgbClr val="FF0000"/>
-                </a:solidFill>
-                <a:latin typeface="Consolas" panose="020B0609020204030204" pitchFamily="49" charset="0"/>
-              </a:rPr>
-              <a:t>cookieless</a:t>
-            </a:r>
-            <a:r>
-              <a:rPr lang="de-DE" dirty="0">
-                <a:solidFill>
-                  <a:srgbClr val="0000FF"/>
-                </a:solidFill>
-                <a:latin typeface="Consolas" panose="020B0609020204030204" pitchFamily="49" charset="0"/>
-              </a:rPr>
-              <a:t>=</a:t>
-            </a:r>
-            <a:r>
-              <a:rPr lang="de-DE" dirty="0">
-                <a:solidFill>
-                  <a:srgbClr val="000000"/>
-                </a:solidFill>
-                <a:latin typeface="Consolas" panose="020B0609020204030204" pitchFamily="49" charset="0"/>
-              </a:rPr>
-              <a:t>"</a:t>
-            </a:r>
-            <a:r>
-              <a:rPr lang="de-DE" dirty="0" err="1">
-                <a:solidFill>
-                  <a:srgbClr val="0000FF"/>
-                </a:solidFill>
-                <a:latin typeface="Consolas" panose="020B0609020204030204" pitchFamily="49" charset="0"/>
-              </a:rPr>
-              <a:t>UseUri</a:t>
-            </a:r>
-            <a:r>
-              <a:rPr lang="de-DE" dirty="0">
-                <a:solidFill>
-                  <a:srgbClr val="000000"/>
-                </a:solidFill>
-                <a:latin typeface="Consolas" panose="020B0609020204030204" pitchFamily="49" charset="0"/>
-              </a:rPr>
-              <a:t>"</a:t>
-            </a:r>
-            <a:r>
-              <a:rPr lang="de-DE" dirty="0">
-                <a:solidFill>
-                  <a:srgbClr val="0000FF"/>
-                </a:solidFill>
-                <a:latin typeface="Consolas" panose="020B0609020204030204" pitchFamily="49" charset="0"/>
-              </a:rPr>
-              <a:t> </a:t>
-            </a:r>
-            <a:r>
-              <a:rPr lang="de-DE" dirty="0" err="1">
-                <a:solidFill>
-                  <a:srgbClr val="FF0000"/>
-                </a:solidFill>
-                <a:latin typeface="Consolas" panose="020B0609020204030204" pitchFamily="49" charset="0"/>
-              </a:rPr>
-              <a:t>customProvider</a:t>
-            </a:r>
-            <a:r>
-              <a:rPr lang="de-DE" dirty="0">
-                <a:solidFill>
-                  <a:srgbClr val="0000FF"/>
-                </a:solidFill>
-                <a:latin typeface="Consolas" panose="020B0609020204030204" pitchFamily="49" charset="0"/>
-              </a:rPr>
-              <a:t>=</a:t>
-            </a:r>
-            <a:r>
-              <a:rPr lang="de-DE" dirty="0">
-                <a:solidFill>
-                  <a:srgbClr val="000000"/>
-                </a:solidFill>
-                <a:latin typeface="Consolas" panose="020B0609020204030204" pitchFamily="49" charset="0"/>
-              </a:rPr>
-              <a:t>"</a:t>
-            </a:r>
-            <a:r>
-              <a:rPr lang="de-DE" dirty="0" err="1">
-                <a:solidFill>
-                  <a:srgbClr val="0000FF"/>
-                </a:solidFill>
-                <a:latin typeface="Consolas" panose="020B0609020204030204" pitchFamily="49" charset="0"/>
-              </a:rPr>
-              <a:t>DefaultSessionProvider</a:t>
-            </a:r>
-            <a:r>
-              <a:rPr lang="de-DE" dirty="0">
-                <a:solidFill>
-                  <a:srgbClr val="000000"/>
-                </a:solidFill>
-                <a:latin typeface="Consolas" panose="020B0609020204030204" pitchFamily="49" charset="0"/>
-              </a:rPr>
-              <a:t>"</a:t>
-            </a:r>
-            <a:r>
-              <a:rPr lang="de-DE" dirty="0">
-                <a:solidFill>
-                  <a:srgbClr val="0000FF"/>
-                </a:solidFill>
-                <a:latin typeface="Consolas" panose="020B0609020204030204" pitchFamily="49" charset="0"/>
-              </a:rPr>
-              <a:t>&gt;</a:t>
-            </a:r>
-            <a:endParaRPr lang="de-DE" dirty="0">
-              <a:solidFill>
-                <a:srgbClr val="000000"/>
-              </a:solidFill>
-              <a:latin typeface="Consolas" panose="020B0609020204030204" pitchFamily="49" charset="0"/>
-            </a:endParaRPr>
-          </a:p>
-          <a:p>
-            <a:r>
-              <a:rPr lang="de-DE" dirty="0">
-                <a:solidFill>
-                  <a:srgbClr val="0000FF"/>
-                </a:solidFill>
-                <a:latin typeface="Consolas" panose="020B0609020204030204" pitchFamily="49" charset="0"/>
-              </a:rPr>
-              <a:t>      &lt;</a:t>
-            </a:r>
-            <a:r>
-              <a:rPr lang="de-DE" dirty="0" err="1">
-                <a:solidFill>
-                  <a:srgbClr val="A31515"/>
-                </a:solidFill>
-                <a:latin typeface="Consolas" panose="020B0609020204030204" pitchFamily="49" charset="0"/>
-              </a:rPr>
-              <a:t>providers</a:t>
-            </a:r>
-            <a:r>
-              <a:rPr lang="de-DE" dirty="0">
-                <a:solidFill>
-                  <a:srgbClr val="0000FF"/>
-                </a:solidFill>
-                <a:latin typeface="Consolas" panose="020B0609020204030204" pitchFamily="49" charset="0"/>
-              </a:rPr>
-              <a:t>&gt;</a:t>
-            </a:r>
-            <a:endParaRPr lang="de-DE" dirty="0">
-              <a:solidFill>
-                <a:srgbClr val="000000"/>
-              </a:solidFill>
-              <a:latin typeface="Consolas" panose="020B0609020204030204" pitchFamily="49" charset="0"/>
-            </a:endParaRPr>
-          </a:p>
-          <a:p>
-            <a:r>
-              <a:rPr lang="de-DE" dirty="0">
-                <a:solidFill>
-                  <a:srgbClr val="0000FF"/>
-                </a:solidFill>
-                <a:latin typeface="Consolas" panose="020B0609020204030204" pitchFamily="49" charset="0"/>
-              </a:rPr>
-              <a:t>        &lt;</a:t>
-            </a:r>
-            <a:r>
-              <a:rPr lang="de-DE" dirty="0" err="1">
-                <a:solidFill>
-                  <a:srgbClr val="A31515"/>
-                </a:solidFill>
-                <a:latin typeface="Consolas" panose="020B0609020204030204" pitchFamily="49" charset="0"/>
-              </a:rPr>
-              <a:t>add</a:t>
-            </a:r>
-            <a:r>
-              <a:rPr lang="de-DE" dirty="0">
-                <a:solidFill>
-                  <a:srgbClr val="0000FF"/>
-                </a:solidFill>
-                <a:latin typeface="Consolas" panose="020B0609020204030204" pitchFamily="49" charset="0"/>
-              </a:rPr>
-              <a:t> </a:t>
-            </a:r>
-            <a:r>
-              <a:rPr lang="de-DE" dirty="0" err="1">
-                <a:solidFill>
-                  <a:srgbClr val="FF0000"/>
-                </a:solidFill>
-                <a:latin typeface="Consolas" panose="020B0609020204030204" pitchFamily="49" charset="0"/>
-              </a:rPr>
-              <a:t>name</a:t>
-            </a:r>
-            <a:r>
-              <a:rPr lang="de-DE" dirty="0">
-                <a:solidFill>
-                  <a:srgbClr val="0000FF"/>
-                </a:solidFill>
-                <a:latin typeface="Consolas" panose="020B0609020204030204" pitchFamily="49" charset="0"/>
-              </a:rPr>
-              <a:t>=</a:t>
-            </a:r>
-            <a:r>
-              <a:rPr lang="de-DE" dirty="0">
-                <a:solidFill>
-                  <a:srgbClr val="000000"/>
-                </a:solidFill>
-                <a:latin typeface="Consolas" panose="020B0609020204030204" pitchFamily="49" charset="0"/>
-              </a:rPr>
-              <a:t>"</a:t>
-            </a:r>
-            <a:r>
-              <a:rPr lang="de-DE" dirty="0" err="1">
-                <a:solidFill>
-                  <a:srgbClr val="0000FF"/>
-                </a:solidFill>
-                <a:latin typeface="Consolas" panose="020B0609020204030204" pitchFamily="49" charset="0"/>
-              </a:rPr>
-              <a:t>DefaultSessionProvider</a:t>
-            </a:r>
-            <a:r>
-              <a:rPr lang="de-DE" dirty="0">
-                <a:solidFill>
-                  <a:srgbClr val="000000"/>
-                </a:solidFill>
-                <a:latin typeface="Consolas" panose="020B0609020204030204" pitchFamily="49" charset="0"/>
-              </a:rPr>
-              <a:t>"</a:t>
-            </a:r>
-            <a:r>
-              <a:rPr lang="de-DE" dirty="0">
-                <a:solidFill>
-                  <a:srgbClr val="0000FF"/>
-                </a:solidFill>
-                <a:latin typeface="Consolas" panose="020B0609020204030204" pitchFamily="49" charset="0"/>
-              </a:rPr>
-              <a:t> </a:t>
-            </a:r>
-            <a:r>
-              <a:rPr lang="de-DE" dirty="0">
-                <a:solidFill>
-                  <a:srgbClr val="FF0000"/>
-                </a:solidFill>
-                <a:latin typeface="Consolas" panose="020B0609020204030204" pitchFamily="49" charset="0"/>
-              </a:rPr>
-              <a:t>type</a:t>
-            </a:r>
-            <a:r>
-              <a:rPr lang="de-DE" dirty="0">
-                <a:solidFill>
-                  <a:srgbClr val="0000FF"/>
-                </a:solidFill>
-                <a:latin typeface="Consolas" panose="020B0609020204030204" pitchFamily="49" charset="0"/>
-              </a:rPr>
-              <a:t>=</a:t>
-            </a:r>
-            <a:r>
-              <a:rPr lang="de-DE" dirty="0">
-                <a:solidFill>
-                  <a:srgbClr val="000000"/>
-                </a:solidFill>
-                <a:latin typeface="Consolas" panose="020B0609020204030204" pitchFamily="49" charset="0"/>
-              </a:rPr>
-              <a:t>"</a:t>
-            </a:r>
-            <a:r>
-              <a:rPr lang="de-DE" dirty="0" err="1">
-                <a:solidFill>
-                  <a:srgbClr val="0000FF"/>
-                </a:solidFill>
-                <a:latin typeface="Consolas" panose="020B0609020204030204" pitchFamily="49" charset="0"/>
-              </a:rPr>
-              <a:t>System.Web.Providers.DefaultSessionStateProvider</a:t>
-            </a:r>
-            <a:r>
-              <a:rPr lang="de-DE" dirty="0">
-                <a:solidFill>
-                  <a:srgbClr val="0000FF"/>
-                </a:solidFill>
-                <a:latin typeface="Consolas" panose="020B0609020204030204" pitchFamily="49" charset="0"/>
-              </a:rPr>
-              <a:t>, </a:t>
-            </a:r>
-            <a:r>
-              <a:rPr lang="de-DE" dirty="0" err="1">
-                <a:solidFill>
-                  <a:srgbClr val="0000FF"/>
-                </a:solidFill>
-                <a:latin typeface="Consolas" panose="020B0609020204030204" pitchFamily="49" charset="0"/>
-              </a:rPr>
-              <a:t>System.Web.Providers</a:t>
-            </a:r>
-            <a:r>
-              <a:rPr lang="de-DE" dirty="0">
-                <a:solidFill>
-                  <a:srgbClr val="0000FF"/>
-                </a:solidFill>
-                <a:latin typeface="Consolas" panose="020B0609020204030204" pitchFamily="49" charset="0"/>
-              </a:rPr>
-              <a:t>, Version=2.0.0.0, Culture=neutral, </a:t>
-            </a:r>
-            <a:r>
-              <a:rPr lang="de-DE" dirty="0" err="1">
-                <a:solidFill>
-                  <a:srgbClr val="0000FF"/>
-                </a:solidFill>
-                <a:latin typeface="Consolas" panose="020B0609020204030204" pitchFamily="49" charset="0"/>
-              </a:rPr>
-              <a:t>PublicKeyToken</a:t>
-            </a:r>
-            <a:r>
-              <a:rPr lang="de-DE" dirty="0">
-                <a:solidFill>
-                  <a:srgbClr val="0000FF"/>
-                </a:solidFill>
-                <a:latin typeface="Consolas" panose="020B0609020204030204" pitchFamily="49" charset="0"/>
-              </a:rPr>
-              <a:t>=31bf3856ad364e35</a:t>
-            </a:r>
-            <a:r>
-              <a:rPr lang="de-DE" dirty="0">
-                <a:solidFill>
-                  <a:srgbClr val="000000"/>
-                </a:solidFill>
-                <a:latin typeface="Consolas" panose="020B0609020204030204" pitchFamily="49" charset="0"/>
-              </a:rPr>
-              <a:t>"</a:t>
-            </a:r>
-            <a:r>
-              <a:rPr lang="de-DE" dirty="0">
-                <a:solidFill>
-                  <a:srgbClr val="0000FF"/>
-                </a:solidFill>
-                <a:latin typeface="Consolas" panose="020B0609020204030204" pitchFamily="49" charset="0"/>
-              </a:rPr>
-              <a:t> </a:t>
-            </a:r>
-            <a:r>
-              <a:rPr lang="de-DE" dirty="0" err="1">
-                <a:solidFill>
-                  <a:srgbClr val="FF0000"/>
-                </a:solidFill>
-                <a:latin typeface="Consolas" panose="020B0609020204030204" pitchFamily="49" charset="0"/>
-              </a:rPr>
-              <a:t>connectionStringName</a:t>
-            </a:r>
-            <a:r>
-              <a:rPr lang="de-DE" dirty="0">
-                <a:solidFill>
-                  <a:srgbClr val="0000FF"/>
-                </a:solidFill>
-                <a:latin typeface="Consolas" panose="020B0609020204030204" pitchFamily="49" charset="0"/>
-              </a:rPr>
-              <a:t>=</a:t>
-            </a:r>
-            <a:r>
-              <a:rPr lang="de-DE" dirty="0">
-                <a:solidFill>
-                  <a:srgbClr val="000000"/>
-                </a:solidFill>
-                <a:latin typeface="Consolas" panose="020B0609020204030204" pitchFamily="49" charset="0"/>
-              </a:rPr>
-              <a:t>"</a:t>
-            </a:r>
-            <a:r>
-              <a:rPr lang="de-DE" dirty="0" err="1">
-                <a:solidFill>
-                  <a:srgbClr val="0000FF"/>
-                </a:solidFill>
-                <a:latin typeface="Consolas" panose="020B0609020204030204" pitchFamily="49" charset="0"/>
-              </a:rPr>
-              <a:t>DefaultConnection</a:t>
-            </a:r>
-            <a:r>
-              <a:rPr lang="de-DE" dirty="0">
-                <a:solidFill>
-                  <a:srgbClr val="000000"/>
-                </a:solidFill>
-                <a:latin typeface="Consolas" panose="020B0609020204030204" pitchFamily="49" charset="0"/>
-              </a:rPr>
-              <a:t>"</a:t>
-            </a:r>
-            <a:r>
-              <a:rPr lang="de-DE" dirty="0">
-                <a:solidFill>
-                  <a:srgbClr val="0000FF"/>
-                </a:solidFill>
-                <a:latin typeface="Consolas" panose="020B0609020204030204" pitchFamily="49" charset="0"/>
-              </a:rPr>
-              <a:t> /&gt;</a:t>
-            </a:r>
-            <a:endParaRPr lang="de-DE" dirty="0">
-              <a:solidFill>
-                <a:srgbClr val="000000"/>
-              </a:solidFill>
-              <a:latin typeface="Consolas" panose="020B0609020204030204" pitchFamily="49" charset="0"/>
-            </a:endParaRPr>
-          </a:p>
-          <a:p>
-            <a:r>
-              <a:rPr lang="de-DE" dirty="0">
-                <a:solidFill>
-                  <a:srgbClr val="0000FF"/>
-                </a:solidFill>
-                <a:latin typeface="Consolas" panose="020B0609020204030204" pitchFamily="49" charset="0"/>
-              </a:rPr>
-              <a:t>      &lt;/</a:t>
-            </a:r>
-            <a:r>
-              <a:rPr lang="de-DE" dirty="0" err="1">
-                <a:solidFill>
-                  <a:srgbClr val="A31515"/>
-                </a:solidFill>
-                <a:latin typeface="Consolas" panose="020B0609020204030204" pitchFamily="49" charset="0"/>
-              </a:rPr>
-              <a:t>providers</a:t>
-            </a:r>
-            <a:r>
-              <a:rPr lang="de-DE" dirty="0">
-                <a:solidFill>
-                  <a:srgbClr val="0000FF"/>
-                </a:solidFill>
-                <a:latin typeface="Consolas" panose="020B0609020204030204" pitchFamily="49" charset="0"/>
-              </a:rPr>
-              <a:t>&gt;</a:t>
-            </a:r>
-            <a:endParaRPr lang="de-DE" dirty="0">
-              <a:solidFill>
-                <a:srgbClr val="000000"/>
-              </a:solidFill>
-              <a:latin typeface="Consolas" panose="020B0609020204030204" pitchFamily="49" charset="0"/>
-            </a:endParaRPr>
-          </a:p>
-          <a:p>
-            <a:r>
-              <a:rPr lang="de-DE" dirty="0">
-                <a:solidFill>
-                  <a:srgbClr val="0000FF"/>
-                </a:solidFill>
-                <a:latin typeface="Consolas" panose="020B0609020204030204" pitchFamily="49" charset="0"/>
-              </a:rPr>
-              <a:t>    &lt;/</a:t>
-            </a:r>
-            <a:r>
-              <a:rPr lang="de-DE" dirty="0" err="1">
-                <a:solidFill>
-                  <a:srgbClr val="A31515"/>
-                </a:solidFill>
-                <a:latin typeface="Consolas" panose="020B0609020204030204" pitchFamily="49" charset="0"/>
-              </a:rPr>
-              <a:t>sessionState</a:t>
-            </a:r>
-            <a:r>
-              <a:rPr lang="de-DE" dirty="0">
-                <a:solidFill>
-                  <a:srgbClr val="0000FF"/>
-                </a:solidFill>
-                <a:latin typeface="Consolas" panose="020B0609020204030204" pitchFamily="49" charset="0"/>
-              </a:rPr>
-              <a:t>&gt;</a:t>
+              <a:rPr lang="de-DE" dirty="0" err="1" smtClean="0"/>
+              <a:t>Kunden.aspx?id</a:t>
+            </a:r>
+            <a:r>
+              <a:rPr lang="de-DE" dirty="0" smtClean="0"/>
+              <a:t>=1&amp;name=Hannes</a:t>
+            </a:r>
+          </a:p>
+          <a:p>
+            <a:pPr lvl="1"/>
+            <a:r>
+              <a:rPr lang="de-DE" dirty="0" smtClean="0"/>
+              <a:t>URL ab ? </a:t>
+            </a:r>
+          </a:p>
+          <a:p>
+            <a:pPr lvl="2"/>
+            <a:r>
+              <a:rPr lang="de-DE" dirty="0" smtClean="0"/>
+              <a:t>Variable=Wert</a:t>
+            </a:r>
+          </a:p>
+          <a:p>
+            <a:pPr lvl="2"/>
+            <a:r>
+              <a:rPr lang="de-DE" dirty="0" smtClean="0"/>
+              <a:t>Mehrere Paare mit &amp;</a:t>
             </a:r>
             <a:endParaRPr lang="de-DE" dirty="0"/>
           </a:p>
@@ -9483,7 +8818,7 @@
     </p:spTree>
     <p:extLst>
       <p:ext uri="{BB962C8B-B14F-4D97-AF65-F5344CB8AC3E}">
-        <p14:creationId xmlns:p14="http://schemas.microsoft.com/office/powerpoint/2010/main" val="695016068"/>
+        <p14:creationId xmlns:p14="http://schemas.microsoft.com/office/powerpoint/2010/main" val="4130840334"/>
       </p:ext>
     </p:extLst>
   </p:cSld>
@@ -9533,16 +8868,8 @@
           <a:lstStyle/>
           <a:p>
             <a:r>
-              <a:rPr lang="de-DE" dirty="0" smtClean="0"/>
-              <a:t>Programmfluss durch </a:t>
-            </a:r>
-            <a:r>
               <a:rPr lang="de-DE" dirty="0" err="1" smtClean="0"/>
-              <a:t>Querystring</a:t>
-            </a:r>
-            <a:r>
-              <a:rPr lang="de-DE" dirty="0" smtClean="0"/>
-              <a:t> ? steuern</a:t>
+              <a:t>FriendlyUrls</a:t>
             </a:r>
             <a:endParaRPr lang="de-DE" dirty="0"/>
           </a:p>
@@ -9564,72 +8891,256 @@
           <a:lstStyle/>
           <a:p>
             <a:r>
+              <a:rPr lang="de-DE" dirty="0" smtClean="0"/>
+              <a:t>Hyperlink als Pfad</a:t>
+            </a:r>
+          </a:p>
+          <a:p>
+            <a:pPr lvl="1"/>
+            <a:r>
               <a:rPr lang="de-DE" dirty="0" err="1" smtClean="0"/>
-              <a:t>Request.Querystring</a:t>
+              <a:t>kunden</a:t>
+            </a:r>
+            <a:r>
+              <a:rPr lang="de-DE" dirty="0" smtClean="0"/>
+              <a:t>/</a:t>
+            </a:r>
+            <a:r>
+              <a:rPr lang="de-DE" dirty="0" err="1" smtClean="0"/>
+              <a:t>id</a:t>
+            </a:r>
+            <a:r>
+              <a:rPr lang="de-DE" dirty="0" smtClean="0"/>
+              <a:t>/1/</a:t>
+            </a:r>
+            <a:r>
+              <a:rPr lang="de-DE" dirty="0" err="1" smtClean="0"/>
+              <a:t>name</a:t>
+            </a:r>
+            <a:r>
+              <a:rPr lang="de-DE" dirty="0" smtClean="0"/>
+              <a:t>/Hannes</a:t>
+            </a:r>
+          </a:p>
+          <a:p>
+            <a:r>
+              <a:rPr lang="de-DE" dirty="0" smtClean="0"/>
+              <a:t>Paket Installieren</a:t>
+            </a:r>
+          </a:p>
+          <a:p>
+            <a:r>
+              <a:rPr lang="de-DE" dirty="0" err="1" smtClean="0"/>
+              <a:t>Global.asax</a:t>
             </a:r>
             <a:endParaRPr lang="de-DE" dirty="0" smtClean="0"/>
           </a:p>
           <a:p>
+            <a:r>
+              <a:rPr lang="de-DE" dirty="0" err="1" smtClean="0"/>
+              <a:t>Routeconfig</a:t>
+            </a:r>
+            <a:endParaRPr lang="de-DE" dirty="0" smtClean="0"/>
+          </a:p>
+          <a:p>
             <a:pPr lvl="1"/>
             <a:r>
               <a:rPr lang="de-DE" dirty="0" smtClean="0"/>
-              <a:t>ID oder Key</a:t>
-            </a:r>
-          </a:p>
-          <a:p>
+              <a:t>Aktivieren</a:t>
+            </a:r>
+          </a:p>
+          <a:p>
+            <a:r>
+              <a:rPr lang="de-DE" dirty="0" smtClean="0"/>
+              <a:t>Imports oder </a:t>
+            </a:r>
             <a:r>
               <a:rPr lang="de-DE" dirty="0" err="1" smtClean="0"/>
-              <a:t>HyperLink</a:t>
+              <a:t>using</a:t>
             </a:r>
             <a:r>
               <a:rPr lang="de-DE" dirty="0" smtClean="0"/>
               <a:t> </a:t>
             </a:r>
-            <a:r>
-              <a:rPr lang="de-DE" dirty="0" err="1" smtClean="0"/>
-              <a:t>ala</a:t>
-            </a:r>
-            <a:r>
-              <a:rPr lang="de-DE" dirty="0" smtClean="0"/>
+            <a:endParaRPr lang="de-DE" dirty="0"/>
+          </a:p>
+          <a:p>
+            <a:endParaRPr lang="de-DE" dirty="0"/>
+          </a:p>
+        </p:txBody>
+      </p:sp>
+      <p:pic>
+        <p:nvPicPr>
+          <p:cNvPr id="4" name="Grafik 3"/>
+          <p:cNvPicPr>
+            <a:picLocks noChangeAspect="1"/>
+          </p:cNvPicPr>
+          <p:nvPr/>
+        </p:nvPicPr>
+        <p:blipFill>
+          <a:blip r:embed="rId2"/>
+          <a:stretch>
+            <a:fillRect/>
+          </a:stretch>
+        </p:blipFill>
+        <p:spPr>
+          <a:xfrm>
+            <a:off x="6911926" y="508338"/>
+            <a:ext cx="4755794" cy="2634574"/>
+          </a:xfrm>
+          <a:prstGeom prst="rect">
+            <a:avLst/>
+          </a:prstGeom>
+        </p:spPr>
+      </p:pic>
+      <p:sp>
+        <p:nvSpPr>
+          <p:cNvPr id="5" name="Rechteck 4"/>
+          <p:cNvSpPr/>
+          <p:nvPr/>
+        </p:nvSpPr>
+        <p:spPr>
+          <a:xfrm>
+            <a:off x="6241823" y="4463148"/>
+            <a:ext cx="6096000" cy="646331"/>
+          </a:xfrm>
+          <a:prstGeom prst="rect">
+            <a:avLst/>
+          </a:prstGeom>
+        </p:spPr>
+        <p:txBody>
+          <a:bodyPr>
+            <a:spAutoFit/>
+          </a:bodyPr>
+          <a:lstStyle/>
+          <a:p>
+            <a:r>
+              <a:rPr lang="de-DE" dirty="0">
+                <a:solidFill>
+                  <a:srgbClr val="000000"/>
+                </a:solidFill>
+                <a:highlight>
+                  <a:srgbClr val="FFFF00"/>
+                </a:highlight>
+                <a:latin typeface="Consolas" panose="020B0609020204030204" pitchFamily="49" charset="0"/>
+              </a:rPr>
+              <a:t>&lt;%</a:t>
+            </a:r>
+            <a:r>
+              <a:rPr lang="de-DE" dirty="0">
+                <a:solidFill>
+                  <a:srgbClr val="0000FF"/>
+                </a:solidFill>
+                <a:highlight>
+                  <a:srgbClr val="FFFF00"/>
+                </a:highlight>
+                <a:latin typeface="Consolas" panose="020B0609020204030204" pitchFamily="49" charset="0"/>
+              </a:rPr>
+              <a:t>@</a:t>
+            </a:r>
+            <a:r>
+              <a:rPr lang="de-DE" dirty="0">
+                <a:solidFill>
+                  <a:srgbClr val="000000"/>
+                </a:solidFill>
+                <a:highlight>
+                  <a:srgbClr val="FFFF00"/>
+                </a:highlight>
+                <a:latin typeface="Consolas" panose="020B0609020204030204" pitchFamily="49" charset="0"/>
+              </a:rPr>
               <a:t> </a:t>
             </a:r>
             <a:r>
-              <a:rPr lang="de-DE" dirty="0" err="1" smtClean="0"/>
-              <a:t>Kunden.aspx?id</a:t>
-            </a:r>
-            <a:r>
-              <a:rPr lang="de-DE" dirty="0" smtClean="0"/>
-              <a:t>=1&amp;name=Hannes</a:t>
-            </a:r>
-          </a:p>
-          <a:p>
-            <a:pPr lvl="1"/>
-            <a:r>
-              <a:rPr lang="de-DE" dirty="0" smtClean="0"/>
-              <a:t>URL ab ? </a:t>
-            </a:r>
-          </a:p>
-          <a:p>
-            <a:pPr lvl="2"/>
-            <a:r>
-              <a:rPr lang="de-DE" dirty="0" smtClean="0"/>
-              <a:t>Variable=Wert</a:t>
-            </a:r>
-          </a:p>
-          <a:p>
-            <a:pPr lvl="2"/>
-            <a:r>
-              <a:rPr lang="de-DE" dirty="0" smtClean="0"/>
-              <a:t>Mehrere Paare mit &amp;</a:t>
-            </a:r>
-            <a:endParaRPr lang="de-DE" dirty="0"/>
+              <a:rPr lang="de-DE" dirty="0">
+                <a:solidFill>
+                  <a:srgbClr val="800000"/>
+                </a:solidFill>
+                <a:highlight>
+                  <a:srgbClr val="FFFF00"/>
+                </a:highlight>
+                <a:latin typeface="Consolas" panose="020B0609020204030204" pitchFamily="49" charset="0"/>
+              </a:rPr>
+              <a:t>Import</a:t>
+            </a:r>
+            <a:r>
+              <a:rPr lang="de-DE" dirty="0">
+                <a:solidFill>
+                  <a:srgbClr val="000000"/>
+                </a:solidFill>
+                <a:highlight>
+                  <a:srgbClr val="FFFF00"/>
+                </a:highlight>
+                <a:latin typeface="Consolas" panose="020B0609020204030204" pitchFamily="49" charset="0"/>
+              </a:rPr>
+              <a:t> </a:t>
+            </a:r>
+            <a:r>
+              <a:rPr lang="de-DE" dirty="0">
+                <a:solidFill>
+                  <a:srgbClr val="FF0000"/>
+                </a:solidFill>
+                <a:highlight>
+                  <a:srgbClr val="FFFF00"/>
+                </a:highlight>
+                <a:latin typeface="Consolas" panose="020B0609020204030204" pitchFamily="49" charset="0"/>
+              </a:rPr>
+              <a:t>Namespace</a:t>
+            </a:r>
+            <a:r>
+              <a:rPr lang="de-DE" dirty="0">
+                <a:solidFill>
+                  <a:srgbClr val="0000FF"/>
+                </a:solidFill>
+                <a:highlight>
+                  <a:srgbClr val="FFFF00"/>
+                </a:highlight>
+                <a:latin typeface="Consolas" panose="020B0609020204030204" pitchFamily="49" charset="0"/>
+              </a:rPr>
+              <a:t>="</a:t>
+            </a:r>
+            <a:r>
+              <a:rPr lang="de-DE" dirty="0" err="1">
+                <a:solidFill>
+                  <a:srgbClr val="0000FF"/>
+                </a:solidFill>
+                <a:highlight>
+                  <a:srgbClr val="FFFF00"/>
+                </a:highlight>
+                <a:latin typeface="Consolas" panose="020B0609020204030204" pitchFamily="49" charset="0"/>
+              </a:rPr>
+              <a:t>Microsoft.AspNet.FriendlyUrls</a:t>
+            </a:r>
+            <a:r>
+              <a:rPr lang="de-DE" dirty="0">
+                <a:solidFill>
+                  <a:srgbClr val="0000FF"/>
+                </a:solidFill>
+                <a:highlight>
+                  <a:srgbClr val="FFFF00"/>
+                </a:highlight>
+                <a:latin typeface="Consolas" panose="020B0609020204030204" pitchFamily="49" charset="0"/>
+              </a:rPr>
+              <a:t>"</a:t>
+            </a:r>
+            <a:r>
+              <a:rPr lang="de-DE" dirty="0">
+                <a:solidFill>
+                  <a:srgbClr val="000000"/>
+                </a:solidFill>
+                <a:highlight>
+                  <a:srgbClr val="FFFF00"/>
+                </a:highlight>
+                <a:latin typeface="Consolas" panose="020B0609020204030204" pitchFamily="49" charset="0"/>
+              </a:rPr>
+              <a:t> %&gt;</a:t>
+            </a:r>
           </a:p>
         </p:txBody>
       </p:sp>
     </p:spTree>
     <p:extLst>
       <p:ext uri="{BB962C8B-B14F-4D97-AF65-F5344CB8AC3E}">
-        <p14:creationId xmlns:p14="http://schemas.microsoft.com/office/powerpoint/2010/main" val="4130840334"/>
+        <p14:creationId xmlns:p14="http://schemas.microsoft.com/office/powerpoint/2010/main" val="892255161"/>
       </p:ext>
     </p:extLst>
   </p:cSld>
@@ -10090,8 +9601,8 @@
           <a:lstStyle/>
           <a:p>
             <a:r>
-              <a:rPr lang="de-DE" dirty="0" err="1" smtClean="0"/>
-              <a:t>FriendlyUrls</a:t>
+              <a:rPr lang="de-DE" dirty="0" smtClean="0"/>
+              <a:t>Cookies</a:t>
             </a:r>
             <a:endParaRPr lang="de-DE" dirty="0"/>
           </a:p>
@@ -10114,255 +9625,72 @@
           <a:p>
             <a:r>
               <a:rPr lang="de-DE" dirty="0" smtClean="0"/>
-              <a:t>Hyperlink als Pfad</a:t>
+              <a:t>Variable Wert</a:t>
             </a:r>
           </a:p>
           <a:p>
             <a:pPr lvl="1"/>
             <a:r>
+              <a:rPr lang="de-DE" dirty="0" smtClean="0"/>
+              <a:t>Kann auch Objekt sein</a:t>
+            </a:r>
+          </a:p>
+          <a:p>
+            <a:r>
+              <a:rPr lang="de-DE" dirty="0" smtClean="0"/>
+              <a:t>Lebensdauer</a:t>
+            </a:r>
+          </a:p>
+          <a:p>
+            <a:pPr lvl="1"/>
+            <a:r>
+              <a:rPr lang="de-DE" dirty="0" smtClean="0"/>
+              <a:t>Negative Zeit löscht den Cookie</a:t>
+            </a:r>
+          </a:p>
+          <a:p>
+            <a:pPr lvl="1"/>
+            <a:r>
+              <a:rPr lang="de-DE" dirty="0" smtClean="0"/>
+              <a:t>Cookie ohne Zeit beim </a:t>
+            </a:r>
+            <a:r>
               <a:rPr lang="de-DE" dirty="0" err="1" smtClean="0"/>
-              <a:t>kunden</a:t>
+              <a:t>Schliessen</a:t>
             </a:r>
             <a:r>
               <a:rPr lang="de-DE" dirty="0" smtClean="0"/>
-              <a:t>/</a:t>
-            </a:r>
+              <a:t> des Browsers</a:t>
+            </a:r>
+          </a:p>
+          <a:p>
+            <a:r>
+              <a:rPr lang="de-DE" dirty="0" smtClean="0"/>
+              <a:t>ASP.NET</a:t>
+            </a:r>
+          </a:p>
+          <a:p>
+            <a:pPr lvl="1"/>
             <a:r>
               <a:rPr lang="de-DE" dirty="0" err="1" smtClean="0"/>
-              <a:t>id</a:t>
-            </a:r>
-            <a:r>
-              <a:rPr lang="de-DE" dirty="0" smtClean="0"/>
-              <a:t>/1/</a:t>
-            </a:r>
+              <a:t>Response.Cookies</a:t>
+            </a:r>
+            <a:endParaRPr lang="de-DE" dirty="0" smtClean="0"/>
+          </a:p>
+          <a:p>
+            <a:pPr lvl="1"/>
             <a:r>
               <a:rPr lang="de-DE" dirty="0" err="1" smtClean="0"/>
-              <a:t>name</a:t>
-            </a:r>
-            <a:r>
-              <a:rPr lang="de-DE" dirty="0" smtClean="0"/>
-              <a:t>/Hannes</a:t>
-            </a:r>
-          </a:p>
-          <a:p>
-            <a:r>
-              <a:rPr lang="de-DE" dirty="0" smtClean="0"/>
-              <a:t>Paket Installieren</a:t>
-            </a:r>
-          </a:p>
-          <a:p>
-            <a:r>
-              <a:rPr lang="de-DE" dirty="0" err="1" smtClean="0"/>
-              <a:t>Global.asax</a:t>
+              <a:t>Request.Cookies</a:t>
             </a:r>
             <a:endParaRPr lang="de-DE" dirty="0" smtClean="0"/>
-          </a:p>
-          <a:p>
-            <a:r>
-              <a:rPr lang="de-DE" dirty="0" err="1" smtClean="0"/>
-              <a:t>Routeconfig</a:t>
-            </a:r>
-            <a:endParaRPr lang="de-DE" dirty="0" smtClean="0"/>
-          </a:p>
-          <a:p>
-            <a:pPr lvl="1"/>
-            <a:r>
-              <a:rPr lang="de-DE" dirty="0" smtClean="0"/>
-              <a:t>Aktivieren</a:t>
-            </a:r>
-          </a:p>
-          <a:p>
-            <a:r>
-              <a:rPr lang="de-DE" dirty="0" smtClean="0"/>
-              <a:t>Imports oder </a:t>
-            </a:r>
-            <a:r>
-              <a:rPr lang="de-DE" dirty="0" err="1" smtClean="0"/>
-              <a:t>using</a:t>
-            </a:r>
-            <a:r>
-              <a:rPr lang="de-DE" dirty="0" smtClean="0"/>
-              <a:t> </a:t>
-            </a:r>
-            <a:endParaRPr lang="de-DE" dirty="0"/>
-          </a:p>
-          <a:p>
-            <a:endParaRPr lang="de-DE" dirty="0"/>
-          </a:p>
-        </p:txBody>
-      </p:sp>
-      <p:pic>
-        <p:nvPicPr>
-          <p:cNvPr id="4" name="Grafik 3"/>
-          <p:cNvPicPr>
-            <a:picLocks noChangeAspect="1"/>
-          </p:cNvPicPr>
-          <p:nvPr/>
-        </p:nvPicPr>
-        <p:blipFill>
-          <a:blip r:embed="rId2"/>
-          <a:stretch>
-            <a:fillRect/>
-          </a:stretch>
-        </p:blipFill>
-        <p:spPr>
-          <a:xfrm>
-            <a:off x="6911926" y="508338"/>
-            <a:ext cx="4755794" cy="2634574"/>
-          </a:xfrm>
-          <a:prstGeom prst="rect">
-            <a:avLst/>
-          </a:prstGeom>
-        </p:spPr>
-      </p:pic>
-      <p:sp>
-        <p:nvSpPr>
-          <p:cNvPr id="5" name="Rechteck 4"/>
-          <p:cNvSpPr/>
-          <p:nvPr/>
-        </p:nvSpPr>
-        <p:spPr>
-          <a:xfrm>
-            <a:off x="6241823" y="4463148"/>
-            <a:ext cx="6096000" cy="646331"/>
-          </a:xfrm>
-          <a:prstGeom prst="rect">
-            <a:avLst/>
-          </a:prstGeom>
-        </p:spPr>
-        <p:txBody>
-          <a:bodyPr>
-            <a:spAutoFit/>
-          </a:bodyPr>
-          <a:lstStyle/>
-          <a:p>
-            <a:r>
-              <a:rPr lang="de-DE" dirty="0">
-                <a:solidFill>
-                  <a:srgbClr val="000000"/>
-                </a:solidFill>
-                <a:highlight>
-                  <a:srgbClr val="FFFF00"/>
-                </a:highlight>
-                <a:latin typeface="Consolas" panose="020B0609020204030204" pitchFamily="49" charset="0"/>
-              </a:rPr>
-              <a:t>&lt;%</a:t>
-            </a:r>
-            <a:r>
-              <a:rPr lang="de-DE" dirty="0">
-                <a:solidFill>
-                  <a:srgbClr val="0000FF"/>
-                </a:solidFill>
-                <a:highlight>
-                  <a:srgbClr val="FFFF00"/>
-                </a:highlight>
-                <a:latin typeface="Consolas" panose="020B0609020204030204" pitchFamily="49" charset="0"/>
-              </a:rPr>
-              <a:t>@</a:t>
-            </a:r>
-            <a:r>
-              <a:rPr lang="de-DE" dirty="0">
-                <a:solidFill>
-                  <a:srgbClr val="000000"/>
-                </a:solidFill>
-                <a:highlight>
-                  <a:srgbClr val="FFFF00"/>
-                </a:highlight>
-                <a:latin typeface="Consolas" panose="020B0609020204030204" pitchFamily="49" charset="0"/>
-              </a:rPr>
-              <a:t> </a:t>
-            </a:r>
-            <a:r>
-              <a:rPr lang="de-DE" dirty="0">
-                <a:solidFill>
-                  <a:srgbClr val="800000"/>
-                </a:solidFill>
-                <a:highlight>
-                  <a:srgbClr val="FFFF00"/>
-                </a:highlight>
-                <a:latin typeface="Consolas" panose="020B0609020204030204" pitchFamily="49" charset="0"/>
-              </a:rPr>
-              <a:t>Import</a:t>
-            </a:r>
-            <a:r>
-              <a:rPr lang="de-DE" dirty="0">
-                <a:solidFill>
-                  <a:srgbClr val="000000"/>
-                </a:solidFill>
-                <a:highlight>
-                  <a:srgbClr val="FFFF00"/>
-                </a:highlight>
-                <a:latin typeface="Consolas" panose="020B0609020204030204" pitchFamily="49" charset="0"/>
-              </a:rPr>
-              <a:t> </a:t>
-            </a:r>
-            <a:r>
-              <a:rPr lang="de-DE" dirty="0">
-                <a:solidFill>
-                  <a:srgbClr val="FF0000"/>
-                </a:solidFill>
-                <a:highlight>
-                  <a:srgbClr val="FFFF00"/>
-                </a:highlight>
-                <a:latin typeface="Consolas" panose="020B0609020204030204" pitchFamily="49" charset="0"/>
-              </a:rPr>
-              <a:t>Namespace</a:t>
-            </a:r>
-            <a:r>
-              <a:rPr lang="de-DE" dirty="0">
-                <a:solidFill>
-                  <a:srgbClr val="0000FF"/>
-                </a:solidFill>
-                <a:highlight>
-                  <a:srgbClr val="FFFF00"/>
-                </a:highlight>
-                <a:latin typeface="Consolas" panose="020B0609020204030204" pitchFamily="49" charset="0"/>
-              </a:rPr>
-              <a:t>="</a:t>
-            </a:r>
-            <a:r>
-              <a:rPr lang="de-DE" dirty="0" err="1">
-                <a:solidFill>
-                  <a:srgbClr val="0000FF"/>
-                </a:solidFill>
-                <a:highlight>
-                  <a:srgbClr val="FFFF00"/>
-                </a:highlight>
-                <a:latin typeface="Consolas" panose="020B0609020204030204" pitchFamily="49" charset="0"/>
-              </a:rPr>
-              <a:t>Microsoft.AspNet.FriendlyUrls</a:t>
-            </a:r>
-            <a:r>
-              <a:rPr lang="de-DE" dirty="0">
-                <a:solidFill>
-                  <a:srgbClr val="0000FF"/>
-                </a:solidFill>
-                <a:highlight>
-                  <a:srgbClr val="FFFF00"/>
-                </a:highlight>
-                <a:latin typeface="Consolas" panose="020B0609020204030204" pitchFamily="49" charset="0"/>
-              </a:rPr>
-              <a:t>"</a:t>
-            </a:r>
-            <a:r>
-              <a:rPr lang="de-DE" dirty="0">
-                <a:solidFill>
-                  <a:srgbClr val="000000"/>
-                </a:solidFill>
-                <a:highlight>
-                  <a:srgbClr val="FFFF00"/>
-                </a:highlight>
-                <a:latin typeface="Consolas" panose="020B0609020204030204" pitchFamily="49" charset="0"/>
-              </a:rPr>
-              <a:t> %&gt;</a:t>
-            </a:r>
           </a:p>
         </p:txBody>
       </p:sp>
     </p:spTree>
     <p:extLst>
       <p:ext uri="{BB962C8B-B14F-4D97-AF65-F5344CB8AC3E}">
-        <p14:creationId xmlns:p14="http://schemas.microsoft.com/office/powerpoint/2010/main" val="892255161"/>
+        <p14:creationId xmlns:p14="http://schemas.microsoft.com/office/powerpoint/2010/main" val="759725169"/>
       </p:ext>
     </p:extLst>
   </p:cSld>
@@ -10413,7 +9741,7 @@
           <a:p>
             <a:r>
               <a:rPr lang="de-DE" dirty="0" smtClean="0"/>
-              <a:t>Cookies</a:t>
+              <a:t>JavaScript Cookies</a:t>
             </a:r>
             <a:endParaRPr lang="de-DE" dirty="0"/>
           </a:p>
@@ -10435,151 +9763,6 @@
           <a:lstStyle/>
           <a:p>
             <a:r>
-              <a:rPr lang="de-DE" dirty="0" smtClean="0"/>
-              <a:t>Variable Wert</a:t>
-            </a:r>
-          </a:p>
-          <a:p>
-            <a:pPr lvl="1"/>
-            <a:r>
-              <a:rPr lang="de-DE" dirty="0" smtClean="0"/>
-              <a:t>Kann auch Objekt sein</a:t>
-            </a:r>
-          </a:p>
-          <a:p>
-            <a:r>
-              <a:rPr lang="de-DE" dirty="0" smtClean="0"/>
-              <a:t>Lebensdauer</a:t>
-            </a:r>
-          </a:p>
-          <a:p>
-            <a:pPr lvl="1"/>
-            <a:r>
-              <a:rPr lang="de-DE" dirty="0" smtClean="0"/>
-              <a:t>Negative Zeit löscht den </a:t>
-            </a:r>
-            <a:r>
-              <a:rPr lang="de-DE" dirty="0" smtClean="0"/>
-              <a:t>Cookie</a:t>
-            </a:r>
-          </a:p>
-          <a:p>
-            <a:pPr lvl="1"/>
-            <a:r>
-              <a:rPr lang="de-DE" dirty="0" smtClean="0"/>
-              <a:t>Cookie ohne Zeit beim </a:t>
-            </a:r>
-            <a:r>
-              <a:rPr lang="de-DE" dirty="0" err="1" smtClean="0"/>
-              <a:t>Schliessen</a:t>
-            </a:r>
-            <a:r>
-              <a:rPr lang="de-DE" dirty="0" smtClean="0"/>
-              <a:t> des Browsers</a:t>
-            </a:r>
-            <a:endParaRPr lang="de-DE" dirty="0" smtClean="0"/>
-          </a:p>
-          <a:p>
-            <a:r>
-              <a:rPr lang="de-DE" dirty="0" smtClean="0"/>
-              <a:t>ASP.NET</a:t>
-            </a:r>
-            <a:endParaRPr lang="de-DE" dirty="0" smtClean="0"/>
-          </a:p>
-          <a:p>
-            <a:pPr lvl="1"/>
-            <a:r>
-              <a:rPr lang="de-DE" dirty="0" err="1" smtClean="0"/>
-              <a:t>Response.Cookies</a:t>
-            </a:r>
-            <a:endParaRPr lang="de-DE" dirty="0" smtClean="0"/>
-          </a:p>
-          <a:p>
-            <a:pPr lvl="1"/>
-            <a:r>
-              <a:rPr lang="de-DE" dirty="0" err="1" smtClean="0"/>
-              <a:t>Request.Cookies</a:t>
-            </a:r>
-            <a:endParaRPr lang="de-DE" dirty="0" smtClean="0"/>
-          </a:p>
-        </p:txBody>
-      </p:sp>
-    </p:spTree>
-    <p:extLst>
-      <p:ext uri="{BB962C8B-B14F-4D97-AF65-F5344CB8AC3E}">
-        <p14:creationId xmlns:p14="http://schemas.microsoft.com/office/powerpoint/2010/main" val="759725169"/>
-      </p:ext>
-    </p:extLst>
-  </p:cSld>
-  <p:clrMapOvr>
-    <a:masterClrMapping/>
-  </p:clrMapOvr>
-  <p:timing>
-    <p:tnLst>
-      <p:par>
-        <p:cTn id="1" dur="indefinite" restart="never" nodeType="tmRoot"/>
-      </p:par>
-    </p:tnLst>
-  </p:timing>
-</p:sld>
-</file>
-
-<file path=ppt/slides/slide22.xml><?xml version="1.0" encoding="utf-8"?>
-<p:sld xmlns:a="http://schemas.openxmlformats.org/drawingml/2006/main" xmlns:r="http://schemas.openxmlformats.org/officeDocument/2006/relationships" xmlns:p="http://schemas.openxmlformats.org/presentationml/2006/main">
-  <p:cSld>
-    <p:spTree>
-      <p:nvGrpSpPr>
-        <p:cNvPr id="1" name=""/>
-        <p:cNvGrpSpPr/>
-        <p:nvPr/>
-      </p:nvGrpSpPr>
-      <p:grpSpPr>
-        <a:xfrm>
-          <a:off x="0" y="0"/>
-          <a:ext cx="0" cy="0"/>
-          <a:chOff x="0" y="0"/>
-          <a:chExt cx="0" cy="0"/>
-        </a:xfrm>
-      </p:grpSpPr>
-      <p:sp>
-        <p:nvSpPr>
-          <p:cNvPr id="2" name="Titel 1"/>
-          <p:cNvSpPr>
-            <a:spLocks noGrp="1"/>
-          </p:cNvSpPr>
-          <p:nvPr>
-            <p:ph type="title"/>
-          </p:nvPr>
-        </p:nvSpPr>
-        <p:spPr/>
-        <p:txBody>
-          <a:bodyPr/>
-          <a:lstStyle/>
-          <a:p>
-            <a:r>
-              <a:rPr lang="de-DE" dirty="0" smtClean="0"/>
-              <a:t>JavaScript Cookies</a:t>
-            </a:r>
-            <a:endParaRPr lang="de-DE" dirty="0"/>
-          </a:p>
-        </p:txBody>
-      </p:sp>
-      <p:sp>
-        <p:nvSpPr>
-          <p:cNvPr id="3" name="Inhaltsplatzhalter 2"/>
-          <p:cNvSpPr>
-            <a:spLocks noGrp="1"/>
-          </p:cNvSpPr>
-          <p:nvPr>
-            <p:ph idx="1"/>
-          </p:nvPr>
-        </p:nvSpPr>
-        <p:spPr/>
-        <p:txBody>
-          <a:bodyPr/>
-          <a:lstStyle/>
-          <a:p>
-            <a:r>
               <a:rPr lang="de-DE" dirty="0" err="1" smtClean="0"/>
               <a:t>Document.Cookie</a:t>
             </a:r>
@@ -10627,7 +9810,6 @@
               <a:rPr lang="de-DE" dirty="0"/>
               <a:t>12:00:00 UTC"; </a:t>
             </a:r>
-            <a:endParaRPr lang="de-DE" dirty="0"/>
           </a:p>
         </p:txBody>
       </p:sp>
@@ -10725,2679 +9907,6 @@
 </file>
 
 <file path=ppt/slides/slide3.xml><?xml version="1.0" encoding="utf-8"?>
-<p:sld xmlns:a="http://schemas.openxmlformats.org/drawingml/2006/main" xmlns:r="http://schemas.openxmlformats.org/officeDocument/2006/relationships" xmlns:p="http://schemas.openxmlformats.org/presentationml/2006/main">
-  <p:cSld>
-    <p:spTree>
-      <p:nvGrpSpPr>
-        <p:cNvPr id="1" name=""/>
-        <p:cNvGrpSpPr/>
-        <p:nvPr/>
-      </p:nvGrpSpPr>
-      <p:grpSpPr>
-        <a:xfrm>
-          <a:off x="0" y="0"/>
-          <a:ext cx="0" cy="0"/>
-          <a:chOff x="0" y="0"/>
-          <a:chExt cx="0" cy="0"/>
-        </a:xfrm>
-      </p:grpSpPr>
-      <p:sp>
-        <p:nvSpPr>
-          <p:cNvPr id="9218" name="Rectangle 2"/>
-          <p:cNvSpPr>
-            <a:spLocks noGrp="1" noChangeArrowheads="1"/>
-          </p:cNvSpPr>
-          <p:nvPr>
-            <p:ph type="title" idx="4294967295"/>
-          </p:nvPr>
-        </p:nvSpPr>
-        <p:spPr>
-          <a:xfrm>
-            <a:off x="838199" y="365125"/>
-            <a:ext cx="11134725" cy="1325563"/>
-          </a:xfrm>
-        </p:spPr>
-        <p:txBody>
-          <a:bodyPr>
-            <a:normAutofit/>
-          </a:bodyPr>
-          <a:lstStyle/>
-          <a:p>
-            <a:r>
-              <a:rPr lang="en-US" altLang="de-DE" sz="7200" dirty="0" err="1">
-                <a:solidFill>
-                  <a:schemeClr val="bg1">
-                    <a:lumMod val="65000"/>
-                  </a:schemeClr>
-                </a:solidFill>
-                <a:latin typeface="Century Gothic" panose="020B0502020202020204" pitchFamily="34" charset="0"/>
-                <a:ea typeface="+mn-ea"/>
-                <a:cs typeface="+mn-cs"/>
-              </a:rPr>
-              <a:t>Lebenszyklus</a:t>
-            </a:r>
-            <a:r>
-              <a:rPr lang="en-US" altLang="de-DE" sz="7200" dirty="0">
-                <a:solidFill>
-                  <a:schemeClr val="bg1">
-                    <a:lumMod val="65000"/>
-                  </a:schemeClr>
-                </a:solidFill>
-                <a:latin typeface="Century Gothic" panose="020B0502020202020204" pitchFamily="34" charset="0"/>
-                <a:ea typeface="+mn-ea"/>
-                <a:cs typeface="+mn-cs"/>
-              </a:rPr>
-              <a:t> der </a:t>
-            </a:r>
-            <a:r>
-              <a:rPr lang="en-US" altLang="de-DE" sz="7200" dirty="0" err="1">
-                <a:solidFill>
-                  <a:schemeClr val="bg1">
-                    <a:lumMod val="65000"/>
-                  </a:schemeClr>
-                </a:solidFill>
-                <a:latin typeface="Century Gothic" panose="020B0502020202020204" pitchFamily="34" charset="0"/>
-                <a:ea typeface="+mn-ea"/>
-                <a:cs typeface="+mn-cs"/>
-              </a:rPr>
-              <a:t>Seite</a:t>
-            </a:r>
-            <a:endParaRPr lang="en-US" altLang="de-DE" sz="7200" dirty="0">
-              <a:solidFill>
-                <a:schemeClr val="bg1">
-                  <a:lumMod val="65000"/>
-                </a:schemeClr>
-              </a:solidFill>
-              <a:latin typeface="Century Gothic" panose="020B0502020202020204" pitchFamily="34" charset="0"/>
-              <a:ea typeface="+mn-ea"/>
-              <a:cs typeface="+mn-cs"/>
-            </a:endParaRPr>
-          </a:p>
-        </p:txBody>
-      </p:sp>
-      <p:grpSp>
-        <p:nvGrpSpPr>
-          <p:cNvPr id="9216" name="Gruppieren 9215"/>
-          <p:cNvGrpSpPr/>
-          <p:nvPr/>
-        </p:nvGrpSpPr>
-        <p:grpSpPr>
-          <a:xfrm>
-            <a:off x="1854645" y="2506601"/>
-            <a:ext cx="8613152" cy="2749550"/>
-            <a:chOff x="1854645" y="2516126"/>
-            <a:chExt cx="8613152" cy="2749550"/>
-          </a:xfrm>
-        </p:grpSpPr>
-        <p:grpSp>
-          <p:nvGrpSpPr>
-            <p:cNvPr id="15" name="Gruppieren 14"/>
-            <p:cNvGrpSpPr/>
-            <p:nvPr/>
-          </p:nvGrpSpPr>
-          <p:grpSpPr>
-            <a:xfrm>
-              <a:off x="1854645" y="2712976"/>
-              <a:ext cx="5322264" cy="2355850"/>
-              <a:chOff x="2143373" y="2145207"/>
-              <a:chExt cx="5322264" cy="2355850"/>
-            </a:xfrm>
-          </p:grpSpPr>
-          <p:grpSp>
-            <p:nvGrpSpPr>
-              <p:cNvPr id="13" name="Gruppieren 12"/>
-              <p:cNvGrpSpPr/>
-              <p:nvPr/>
-            </p:nvGrpSpPr>
-            <p:grpSpPr>
-              <a:xfrm>
-                <a:off x="2143373" y="3142157"/>
-                <a:ext cx="2047626" cy="182896"/>
-                <a:chOff x="2143373" y="3142157"/>
-                <a:chExt cx="2047626" cy="182896"/>
-              </a:xfrm>
-            </p:grpSpPr>
-            <p:cxnSp>
-              <p:nvCxnSpPr>
-                <p:cNvPr id="23" name="Gerade Verbindung mit Pfeil 22"/>
-                <p:cNvCxnSpPr/>
-                <p:nvPr/>
-              </p:nvCxnSpPr>
-              <p:spPr>
-                <a:xfrm flipV="1">
-                  <a:off x="2143373" y="3142157"/>
-                  <a:ext cx="2028576" cy="1921"/>
-                </a:xfrm>
-                <a:prstGeom prst="straightConnector1">
-                  <a:avLst/>
-                </a:prstGeom>
-                <a:ln w="19050">
-                  <a:solidFill>
-                    <a:srgbClr val="11E9CF"/>
-                  </a:solidFill>
-                  <a:tailEnd type="arrow"/>
-                </a:ln>
-              </p:spPr>
-              <p:style>
-                <a:lnRef idx="1">
-                  <a:schemeClr val="accent1"/>
-                </a:lnRef>
-                <a:fillRef idx="0">
-                  <a:schemeClr val="accent1"/>
-                </a:fillRef>
-                <a:effectRef idx="0">
-                  <a:schemeClr val="accent1"/>
-                </a:effectRef>
-                <a:fontRef idx="minor">
-                  <a:schemeClr val="tx1"/>
-                </a:fontRef>
-              </p:style>
-            </p:cxnSp>
-            <p:cxnSp>
-              <p:nvCxnSpPr>
-                <p:cNvPr id="16" name="Gerade Verbindung mit Pfeil 15"/>
-                <p:cNvCxnSpPr/>
-                <p:nvPr/>
-              </p:nvCxnSpPr>
-              <p:spPr>
-                <a:xfrm flipH="1">
-                  <a:off x="2143373" y="3323132"/>
-                  <a:ext cx="2047626" cy="1921"/>
-                </a:xfrm>
-                <a:prstGeom prst="straightConnector1">
-                  <a:avLst/>
-                </a:prstGeom>
-                <a:ln w="19050">
-                  <a:solidFill>
-                    <a:srgbClr val="11E9CF"/>
-                  </a:solidFill>
-                  <a:tailEnd type="arrow"/>
-                </a:ln>
-              </p:spPr>
-              <p:style>
-                <a:lnRef idx="1">
-                  <a:schemeClr val="accent1"/>
-                </a:lnRef>
-                <a:fillRef idx="0">
-                  <a:schemeClr val="accent1"/>
-                </a:fillRef>
-                <a:effectRef idx="0">
-                  <a:schemeClr val="accent1"/>
-                </a:effectRef>
-                <a:fontRef idx="minor">
-                  <a:schemeClr val="tx1"/>
-                </a:fontRef>
-              </p:style>
-            </p:cxnSp>
-          </p:grpSp>
-          <p:cxnSp>
-            <p:nvCxnSpPr>
-              <p:cNvPr id="19" name="Gerade Verbindung mit Pfeil 18"/>
-              <p:cNvCxnSpPr>
-                <a:endCxn id="22" idx="1"/>
-              </p:cNvCxnSpPr>
-              <p:nvPr/>
-            </p:nvCxnSpPr>
-            <p:spPr>
-              <a:xfrm flipV="1">
-                <a:off x="5314949" y="2145207"/>
-                <a:ext cx="2133102" cy="998872"/>
-              </a:xfrm>
-              <a:prstGeom prst="straightConnector1">
-                <a:avLst/>
-              </a:prstGeom>
-              <a:ln w="19050">
-                <a:solidFill>
-                  <a:srgbClr val="11E9CF"/>
-                </a:solidFill>
-                <a:tailEnd type="arrow"/>
-              </a:ln>
-            </p:spPr>
-            <p:style>
-              <a:lnRef idx="1">
-                <a:schemeClr val="accent1"/>
-              </a:lnRef>
-              <a:fillRef idx="0">
-                <a:schemeClr val="accent1"/>
-              </a:fillRef>
-              <a:effectRef idx="0">
-                <a:schemeClr val="accent1"/>
-              </a:effectRef>
-              <a:fontRef idx="minor">
-                <a:schemeClr val="tx1"/>
-              </a:fontRef>
-            </p:style>
-          </p:cxnSp>
-          <p:cxnSp>
-            <p:nvCxnSpPr>
-              <p:cNvPr id="20" name="Gerade Verbindung mit Pfeil 19"/>
-              <p:cNvCxnSpPr>
-                <a:stCxn id="30" idx="1"/>
-              </p:cNvCxnSpPr>
-              <p:nvPr/>
-            </p:nvCxnSpPr>
-            <p:spPr>
-              <a:xfrm flipH="1" flipV="1">
-                <a:off x="5314949" y="3325053"/>
-                <a:ext cx="2150688" cy="1176004"/>
-              </a:xfrm>
-              <a:prstGeom prst="straightConnector1">
-                <a:avLst/>
-              </a:prstGeom>
-              <a:ln w="19050">
-                <a:solidFill>
-                  <a:srgbClr val="11E9CF"/>
-                </a:solidFill>
-                <a:tailEnd type="arrow"/>
-              </a:ln>
-            </p:spPr>
-            <p:style>
-              <a:lnRef idx="1">
-                <a:schemeClr val="accent1"/>
-              </a:lnRef>
-              <a:fillRef idx="0">
-                <a:schemeClr val="accent1"/>
-              </a:fillRef>
-              <a:effectRef idx="0">
-                <a:schemeClr val="accent1"/>
-              </a:effectRef>
-              <a:fontRef idx="minor">
-                <a:schemeClr val="tx1"/>
-              </a:fontRef>
-            </p:style>
-          </p:cxnSp>
-        </p:grpSp>
-        <p:grpSp>
-          <p:nvGrpSpPr>
-            <p:cNvPr id="17" name="Gruppieren 16"/>
-            <p:cNvGrpSpPr/>
-            <p:nvPr/>
-          </p:nvGrpSpPr>
-          <p:grpSpPr>
-            <a:xfrm>
-              <a:off x="7159323" y="2516126"/>
-              <a:ext cx="3308474" cy="2749550"/>
-              <a:chOff x="8112125" y="2468501"/>
-              <a:chExt cx="3308474" cy="2749550"/>
-            </a:xfrm>
-          </p:grpSpPr>
-          <p:sp>
-            <p:nvSpPr>
-              <p:cNvPr id="22" name="AutoShape 91"/>
-              <p:cNvSpPr>
-                <a:spLocks noChangeArrowheads="1"/>
-              </p:cNvSpPr>
-              <p:nvPr/>
-            </p:nvSpPr>
-            <p:spPr bwMode="auto">
-              <a:xfrm>
-                <a:off x="8112125" y="2468501"/>
-                <a:ext cx="3290888" cy="393700"/>
-              </a:xfrm>
-              <a:prstGeom prst="roundRect">
-                <a:avLst>
-                  <a:gd name="adj" fmla="val 16667"/>
-                </a:avLst>
-              </a:prstGeom>
-              <a:ln w="19050">
-                <a:solidFill>
-                  <a:schemeClr val="bg1">
-                    <a:lumMod val="50000"/>
-                  </a:schemeClr>
-                </a:solidFill>
-                <a:headEnd/>
-                <a:tailEnd/>
-              </a:ln>
-            </p:spPr>
-            <p:style>
-              <a:lnRef idx="2">
-                <a:schemeClr val="accent1"/>
-              </a:lnRef>
-              <a:fillRef idx="1">
-                <a:schemeClr val="lt1"/>
-              </a:fillRef>
-              <a:effectRef idx="0">
-                <a:schemeClr val="accent1"/>
-              </a:effectRef>
-              <a:fontRef idx="minor">
-                <a:schemeClr val="dk1"/>
-              </a:fontRef>
-            </p:style>
-            <p:txBody>
-              <a:bodyPr/>
-              <a:lstStyle>
-                <a:lvl1pPr algn="ctr" eaLnBrk="0" hangingPunct="0">
-                  <a:defRPr>
-                    <a:solidFill>
-                      <a:schemeClr val="tx1"/>
-                    </a:solidFill>
-                    <a:latin typeface="Verdana" panose="020B0604030504040204" pitchFamily="34" charset="0"/>
-                    <a:cs typeface="Arial" panose="020B0604020202020204" pitchFamily="34" charset="0"/>
-                  </a:defRPr>
-                </a:lvl1pPr>
-                <a:lvl2pPr marL="742950" indent="-285750" algn="ctr" eaLnBrk="0" hangingPunct="0">
-                  <a:defRPr>
-                    <a:solidFill>
-                      <a:schemeClr val="tx1"/>
-                    </a:solidFill>
-                    <a:latin typeface="Verdana" panose="020B0604030504040204" pitchFamily="34" charset="0"/>
-                    <a:cs typeface="Arial" panose="020B0604020202020204" pitchFamily="34" charset="0"/>
-                  </a:defRPr>
-                </a:lvl2pPr>
-                <a:lvl3pPr marL="1143000" indent="-228600" algn="ctr" eaLnBrk="0" hangingPunct="0">
-                  <a:defRPr>
-                    <a:solidFill>
-                      <a:schemeClr val="tx1"/>
-                    </a:solidFill>
-                    <a:latin typeface="Verdana" panose="020B0604030504040204" pitchFamily="34" charset="0"/>
-                    <a:cs typeface="Arial" panose="020B0604020202020204" pitchFamily="34" charset="0"/>
-                  </a:defRPr>
-                </a:lvl3pPr>
-                <a:lvl4pPr marL="1600200" indent="-228600" algn="ctr" eaLnBrk="0" hangingPunct="0">
-                  <a:defRPr>
-                    <a:solidFill>
-                      <a:schemeClr val="tx1"/>
-                    </a:solidFill>
-                    <a:latin typeface="Verdana" panose="020B0604030504040204" pitchFamily="34" charset="0"/>
-                    <a:cs typeface="Arial" panose="020B0604020202020204" pitchFamily="34" charset="0"/>
-                  </a:defRPr>
-                </a:lvl4pPr>
-                <a:lvl5pPr marL="2057400" indent="-228600" algn="ctr" eaLnBrk="0" hangingPunct="0">
-                  <a:defRPr>
-                    <a:solidFill>
-                      <a:schemeClr val="tx1"/>
-                    </a:solidFill>
-                    <a:latin typeface="Verdana" panose="020B0604030504040204" pitchFamily="34" charset="0"/>
-                    <a:cs typeface="Arial" panose="020B0604020202020204" pitchFamily="34" charset="0"/>
-                  </a:defRPr>
-                </a:lvl5pPr>
-                <a:lvl6pPr marL="2514600" indent="-228600" algn="ctr" eaLnBrk="0" fontAlgn="base" hangingPunct="0">
-                  <a:spcBef>
-                    <a:spcPct val="0"/>
-                  </a:spcBef>
-                  <a:spcAft>
-                    <a:spcPct val="0"/>
-                  </a:spcAft>
-                  <a:defRPr>
-                    <a:solidFill>
-                      <a:schemeClr val="tx1"/>
-                    </a:solidFill>
-                    <a:latin typeface="Verdana" panose="020B0604030504040204" pitchFamily="34" charset="0"/>
-                    <a:cs typeface="Arial" panose="020B0604020202020204" pitchFamily="34" charset="0"/>
-                  </a:defRPr>
-                </a:lvl6pPr>
-                <a:lvl7pPr marL="2971800" indent="-228600" algn="ctr" eaLnBrk="0" fontAlgn="base" hangingPunct="0">
-                  <a:spcBef>
-                    <a:spcPct val="0"/>
-                  </a:spcBef>
-                  <a:spcAft>
-                    <a:spcPct val="0"/>
-                  </a:spcAft>
-                  <a:defRPr>
-                    <a:solidFill>
-                      <a:schemeClr val="tx1"/>
-                    </a:solidFill>
-                    <a:latin typeface="Verdana" panose="020B0604030504040204" pitchFamily="34" charset="0"/>
-                    <a:cs typeface="Arial" panose="020B0604020202020204" pitchFamily="34" charset="0"/>
-                  </a:defRPr>
-                </a:lvl7pPr>
-                <a:lvl8pPr marL="3429000" indent="-228600" algn="ctr" eaLnBrk="0" fontAlgn="base" hangingPunct="0">
-                  <a:spcBef>
-                    <a:spcPct val="0"/>
-                  </a:spcBef>
-                  <a:spcAft>
-                    <a:spcPct val="0"/>
-                  </a:spcAft>
-                  <a:defRPr>
-                    <a:solidFill>
-                      <a:schemeClr val="tx1"/>
-                    </a:solidFill>
-                    <a:latin typeface="Verdana" panose="020B0604030504040204" pitchFamily="34" charset="0"/>
-                    <a:cs typeface="Arial" panose="020B0604020202020204" pitchFamily="34" charset="0"/>
-                  </a:defRPr>
-                </a:lvl8pPr>
-                <a:lvl9pPr marL="3886200" indent="-228600" algn="ctr" eaLnBrk="0" fontAlgn="base" hangingPunct="0">
-                  <a:spcBef>
-                    <a:spcPct val="0"/>
-                  </a:spcBef>
-                  <a:spcAft>
-                    <a:spcPct val="0"/>
-                  </a:spcAft>
-                  <a:defRPr>
-                    <a:solidFill>
-                      <a:schemeClr val="tx1"/>
-                    </a:solidFill>
-                    <a:latin typeface="Verdana" panose="020B0604030504040204" pitchFamily="34" charset="0"/>
-                    <a:cs typeface="Arial" panose="020B0604020202020204" pitchFamily="34" charset="0"/>
-                  </a:defRPr>
-                </a:lvl9pPr>
-              </a:lstStyle>
-              <a:p>
-                <a:pPr algn="l" eaLnBrk="1" hangingPunct="1"/>
-                <a:r>
-                  <a:rPr lang="en-US" altLang="de-DE" dirty="0"/>
-                  <a:t>1. Page initialization</a:t>
-                </a:r>
-              </a:p>
-            </p:txBody>
-          </p:sp>
-          <p:sp>
-            <p:nvSpPr>
-              <p:cNvPr id="24" name="AutoShape 94"/>
-              <p:cNvSpPr>
-                <a:spLocks noChangeArrowheads="1"/>
-              </p:cNvSpPr>
-              <p:nvPr/>
-            </p:nvSpPr>
-            <p:spPr bwMode="auto">
-              <a:xfrm>
-                <a:off x="8112125" y="2939671"/>
-                <a:ext cx="3290888" cy="393700"/>
-              </a:xfrm>
-              <a:prstGeom prst="roundRect">
-                <a:avLst>
-                  <a:gd name="adj" fmla="val 16667"/>
-                </a:avLst>
-              </a:prstGeom>
-              <a:ln w="19050">
-                <a:solidFill>
-                  <a:schemeClr val="bg1">
-                    <a:lumMod val="50000"/>
-                  </a:schemeClr>
-                </a:solidFill>
-                <a:headEnd/>
-                <a:tailEnd/>
-              </a:ln>
-            </p:spPr>
-            <p:style>
-              <a:lnRef idx="2">
-                <a:schemeClr val="accent1"/>
-              </a:lnRef>
-              <a:fillRef idx="1">
-                <a:schemeClr val="lt1"/>
-              </a:fillRef>
-              <a:effectRef idx="0">
-                <a:schemeClr val="accent1"/>
-              </a:effectRef>
-              <a:fontRef idx="minor">
-                <a:schemeClr val="dk1"/>
-              </a:fontRef>
-            </p:style>
-            <p:txBody>
-              <a:bodyPr/>
-              <a:lstStyle>
-                <a:lvl1pPr algn="ctr" eaLnBrk="0" hangingPunct="0">
-                  <a:defRPr>
-                    <a:solidFill>
-                      <a:schemeClr val="tx1"/>
-                    </a:solidFill>
-                    <a:latin typeface="Verdana" panose="020B0604030504040204" pitchFamily="34" charset="0"/>
-                    <a:cs typeface="Arial" panose="020B0604020202020204" pitchFamily="34" charset="0"/>
-                  </a:defRPr>
-                </a:lvl1pPr>
-                <a:lvl2pPr marL="742950" indent="-285750" algn="ctr" eaLnBrk="0" hangingPunct="0">
-                  <a:defRPr>
-                    <a:solidFill>
-                      <a:schemeClr val="tx1"/>
-                    </a:solidFill>
-                    <a:latin typeface="Verdana" panose="020B0604030504040204" pitchFamily="34" charset="0"/>
-                    <a:cs typeface="Arial" panose="020B0604020202020204" pitchFamily="34" charset="0"/>
-                  </a:defRPr>
-                </a:lvl2pPr>
-                <a:lvl3pPr marL="1143000" indent="-228600" algn="ctr" eaLnBrk="0" hangingPunct="0">
-                  <a:defRPr>
-                    <a:solidFill>
-                      <a:schemeClr val="tx1"/>
-                    </a:solidFill>
-                    <a:latin typeface="Verdana" panose="020B0604030504040204" pitchFamily="34" charset="0"/>
-                    <a:cs typeface="Arial" panose="020B0604020202020204" pitchFamily="34" charset="0"/>
-                  </a:defRPr>
-                </a:lvl3pPr>
-                <a:lvl4pPr marL="1600200" indent="-228600" algn="ctr" eaLnBrk="0" hangingPunct="0">
-                  <a:defRPr>
-                    <a:solidFill>
-                      <a:schemeClr val="tx1"/>
-                    </a:solidFill>
-                    <a:latin typeface="Verdana" panose="020B0604030504040204" pitchFamily="34" charset="0"/>
-                    <a:cs typeface="Arial" panose="020B0604020202020204" pitchFamily="34" charset="0"/>
-                  </a:defRPr>
-                </a:lvl4pPr>
-                <a:lvl5pPr marL="2057400" indent="-228600" algn="ctr" eaLnBrk="0" hangingPunct="0">
-                  <a:defRPr>
-                    <a:solidFill>
-                      <a:schemeClr val="tx1"/>
-                    </a:solidFill>
-                    <a:latin typeface="Verdana" panose="020B0604030504040204" pitchFamily="34" charset="0"/>
-                    <a:cs typeface="Arial" panose="020B0604020202020204" pitchFamily="34" charset="0"/>
-                  </a:defRPr>
-                </a:lvl5pPr>
-                <a:lvl6pPr marL="2514600" indent="-228600" algn="ctr" eaLnBrk="0" fontAlgn="base" hangingPunct="0">
-                  <a:spcBef>
-                    <a:spcPct val="0"/>
-                  </a:spcBef>
-                  <a:spcAft>
-                    <a:spcPct val="0"/>
-                  </a:spcAft>
-                  <a:defRPr>
-                    <a:solidFill>
-                      <a:schemeClr val="tx1"/>
-                    </a:solidFill>
-                    <a:latin typeface="Verdana" panose="020B0604030504040204" pitchFamily="34" charset="0"/>
-                    <a:cs typeface="Arial" panose="020B0604020202020204" pitchFamily="34" charset="0"/>
-                  </a:defRPr>
-                </a:lvl6pPr>
-                <a:lvl7pPr marL="2971800" indent="-228600" algn="ctr" eaLnBrk="0" fontAlgn="base" hangingPunct="0">
-                  <a:spcBef>
-                    <a:spcPct val="0"/>
-                  </a:spcBef>
-                  <a:spcAft>
-                    <a:spcPct val="0"/>
-                  </a:spcAft>
-                  <a:defRPr>
-                    <a:solidFill>
-                      <a:schemeClr val="tx1"/>
-                    </a:solidFill>
-                    <a:latin typeface="Verdana" panose="020B0604030504040204" pitchFamily="34" charset="0"/>
-                    <a:cs typeface="Arial" panose="020B0604020202020204" pitchFamily="34" charset="0"/>
-                  </a:defRPr>
-                </a:lvl7pPr>
-                <a:lvl8pPr marL="3429000" indent="-228600" algn="ctr" eaLnBrk="0" fontAlgn="base" hangingPunct="0">
-                  <a:spcBef>
-                    <a:spcPct val="0"/>
-                  </a:spcBef>
-                  <a:spcAft>
-                    <a:spcPct val="0"/>
-                  </a:spcAft>
-                  <a:defRPr>
-                    <a:solidFill>
-                      <a:schemeClr val="tx1"/>
-                    </a:solidFill>
-                    <a:latin typeface="Verdana" panose="020B0604030504040204" pitchFamily="34" charset="0"/>
-                    <a:cs typeface="Arial" panose="020B0604020202020204" pitchFamily="34" charset="0"/>
-                  </a:defRPr>
-                </a:lvl8pPr>
-                <a:lvl9pPr marL="3886200" indent="-228600" algn="ctr" eaLnBrk="0" fontAlgn="base" hangingPunct="0">
-                  <a:spcBef>
-                    <a:spcPct val="0"/>
-                  </a:spcBef>
-                  <a:spcAft>
-                    <a:spcPct val="0"/>
-                  </a:spcAft>
-                  <a:defRPr>
-                    <a:solidFill>
-                      <a:schemeClr val="tx1"/>
-                    </a:solidFill>
-                    <a:latin typeface="Verdana" panose="020B0604030504040204" pitchFamily="34" charset="0"/>
-                    <a:cs typeface="Arial" panose="020B0604020202020204" pitchFamily="34" charset="0"/>
-                  </a:defRPr>
-                </a:lvl9pPr>
-              </a:lstStyle>
-              <a:p>
-                <a:pPr algn="l" eaLnBrk="1" hangingPunct="1"/>
-                <a:r>
-                  <a:rPr lang="en-US" altLang="de-DE" dirty="0"/>
-                  <a:t>2. Load</a:t>
-                </a:r>
-              </a:p>
-            </p:txBody>
-          </p:sp>
-          <p:sp>
-            <p:nvSpPr>
-              <p:cNvPr id="25" name="AutoShape 95"/>
-              <p:cNvSpPr>
-                <a:spLocks noChangeArrowheads="1"/>
-              </p:cNvSpPr>
-              <p:nvPr/>
-            </p:nvSpPr>
-            <p:spPr bwMode="auto">
-              <a:xfrm>
-                <a:off x="8112125" y="3410841"/>
-                <a:ext cx="3290888" cy="393700"/>
-              </a:xfrm>
-              <a:prstGeom prst="roundRect">
-                <a:avLst>
-                  <a:gd name="adj" fmla="val 16667"/>
-                </a:avLst>
-              </a:prstGeom>
-              <a:ln w="19050">
-                <a:solidFill>
-                  <a:schemeClr val="bg1">
-                    <a:lumMod val="50000"/>
-                  </a:schemeClr>
-                </a:solidFill>
-                <a:headEnd/>
-                <a:tailEnd/>
-              </a:ln>
-            </p:spPr>
-            <p:style>
-              <a:lnRef idx="2">
-                <a:schemeClr val="accent1"/>
-              </a:lnRef>
-              <a:fillRef idx="1">
-                <a:schemeClr val="lt1"/>
-              </a:fillRef>
-              <a:effectRef idx="0">
-                <a:schemeClr val="accent1"/>
-              </a:effectRef>
-              <a:fontRef idx="minor">
-                <a:schemeClr val="dk1"/>
-              </a:fontRef>
-            </p:style>
-            <p:txBody>
-              <a:bodyPr wrap="none" anchor="ctr"/>
-              <a:lstStyle>
-                <a:lvl1pPr algn="ctr" eaLnBrk="0" hangingPunct="0">
-                  <a:defRPr>
-                    <a:solidFill>
-                      <a:schemeClr val="tx1"/>
-                    </a:solidFill>
-                    <a:latin typeface="Verdana" panose="020B0604030504040204" pitchFamily="34" charset="0"/>
-                    <a:cs typeface="Arial" panose="020B0604020202020204" pitchFamily="34" charset="0"/>
-                  </a:defRPr>
-                </a:lvl1pPr>
-                <a:lvl2pPr marL="742950" indent="-285750" algn="ctr" eaLnBrk="0" hangingPunct="0">
-                  <a:defRPr>
-                    <a:solidFill>
-                      <a:schemeClr val="tx1"/>
-                    </a:solidFill>
-                    <a:latin typeface="Verdana" panose="020B0604030504040204" pitchFamily="34" charset="0"/>
-                    <a:cs typeface="Arial" panose="020B0604020202020204" pitchFamily="34" charset="0"/>
-                  </a:defRPr>
-                </a:lvl2pPr>
-                <a:lvl3pPr marL="1143000" indent="-228600" algn="ctr" eaLnBrk="0" hangingPunct="0">
-                  <a:defRPr>
-                    <a:solidFill>
-                      <a:schemeClr val="tx1"/>
-                    </a:solidFill>
-                    <a:latin typeface="Verdana" panose="020B0604030504040204" pitchFamily="34" charset="0"/>
-                    <a:cs typeface="Arial" panose="020B0604020202020204" pitchFamily="34" charset="0"/>
-                  </a:defRPr>
-                </a:lvl3pPr>
-                <a:lvl4pPr marL="1600200" indent="-228600" algn="ctr" eaLnBrk="0" hangingPunct="0">
-                  <a:defRPr>
-                    <a:solidFill>
-                      <a:schemeClr val="tx1"/>
-                    </a:solidFill>
-                    <a:latin typeface="Verdana" panose="020B0604030504040204" pitchFamily="34" charset="0"/>
-                    <a:cs typeface="Arial" panose="020B0604020202020204" pitchFamily="34" charset="0"/>
-                  </a:defRPr>
-                </a:lvl4pPr>
-                <a:lvl5pPr marL="2057400" indent="-228600" algn="ctr" eaLnBrk="0" hangingPunct="0">
-                  <a:defRPr>
-                    <a:solidFill>
-                      <a:schemeClr val="tx1"/>
-                    </a:solidFill>
-                    <a:latin typeface="Verdana" panose="020B0604030504040204" pitchFamily="34" charset="0"/>
-                    <a:cs typeface="Arial" panose="020B0604020202020204" pitchFamily="34" charset="0"/>
-                  </a:defRPr>
-                </a:lvl5pPr>
-                <a:lvl6pPr marL="2514600" indent="-228600" algn="ctr" eaLnBrk="0" fontAlgn="base" hangingPunct="0">
-                  <a:spcBef>
-                    <a:spcPct val="0"/>
-                  </a:spcBef>
-                  <a:spcAft>
-                    <a:spcPct val="0"/>
-                  </a:spcAft>
-                  <a:defRPr>
-                    <a:solidFill>
-                      <a:schemeClr val="tx1"/>
-                    </a:solidFill>
-                    <a:latin typeface="Verdana" panose="020B0604030504040204" pitchFamily="34" charset="0"/>
-                    <a:cs typeface="Arial" panose="020B0604020202020204" pitchFamily="34" charset="0"/>
-                  </a:defRPr>
-                </a:lvl6pPr>
-                <a:lvl7pPr marL="2971800" indent="-228600" algn="ctr" eaLnBrk="0" fontAlgn="base" hangingPunct="0">
-                  <a:spcBef>
-                    <a:spcPct val="0"/>
-                  </a:spcBef>
-                  <a:spcAft>
-                    <a:spcPct val="0"/>
-                  </a:spcAft>
-                  <a:defRPr>
-                    <a:solidFill>
-                      <a:schemeClr val="tx1"/>
-                    </a:solidFill>
-                    <a:latin typeface="Verdana" panose="020B0604030504040204" pitchFamily="34" charset="0"/>
-                    <a:cs typeface="Arial" panose="020B0604020202020204" pitchFamily="34" charset="0"/>
-                  </a:defRPr>
-                </a:lvl7pPr>
-                <a:lvl8pPr marL="3429000" indent="-228600" algn="ctr" eaLnBrk="0" fontAlgn="base" hangingPunct="0">
-                  <a:spcBef>
-                    <a:spcPct val="0"/>
-                  </a:spcBef>
-                  <a:spcAft>
-                    <a:spcPct val="0"/>
-                  </a:spcAft>
-                  <a:defRPr>
-                    <a:solidFill>
-                      <a:schemeClr val="tx1"/>
-                    </a:solidFill>
-                    <a:latin typeface="Verdana" panose="020B0604030504040204" pitchFamily="34" charset="0"/>
-                    <a:cs typeface="Arial" panose="020B0604020202020204" pitchFamily="34" charset="0"/>
-                  </a:defRPr>
-                </a:lvl8pPr>
-                <a:lvl9pPr marL="3886200" indent="-228600" algn="ctr" eaLnBrk="0" fontAlgn="base" hangingPunct="0">
-                  <a:spcBef>
-                    <a:spcPct val="0"/>
-                  </a:spcBef>
-                  <a:spcAft>
-                    <a:spcPct val="0"/>
-                  </a:spcAft>
-                  <a:defRPr>
-                    <a:solidFill>
-                      <a:schemeClr val="tx1"/>
-                    </a:solidFill>
-                    <a:latin typeface="Verdana" panose="020B0604030504040204" pitchFamily="34" charset="0"/>
-                    <a:cs typeface="Arial" panose="020B0604020202020204" pitchFamily="34" charset="0"/>
-                  </a:defRPr>
-                </a:lvl9pPr>
-              </a:lstStyle>
-              <a:p>
-                <a:pPr algn="l">
-                  <a:lnSpc>
-                    <a:spcPct val="90000"/>
-                  </a:lnSpc>
-                  <a:spcBef>
-                    <a:spcPct val="40000"/>
-                  </a:spcBef>
-                </a:pPr>
-                <a:r>
-                  <a:rPr lang="en-US" altLang="de-DE" dirty="0"/>
-                  <a:t>3. Validation</a:t>
-                </a:r>
-              </a:p>
-            </p:txBody>
-          </p:sp>
-          <p:sp>
-            <p:nvSpPr>
-              <p:cNvPr id="26" name="AutoShape 96"/>
-              <p:cNvSpPr>
-                <a:spLocks noChangeArrowheads="1"/>
-              </p:cNvSpPr>
-              <p:nvPr/>
-            </p:nvSpPr>
-            <p:spPr bwMode="auto">
-              <a:xfrm>
-                <a:off x="8112125" y="3882011"/>
-                <a:ext cx="3290888" cy="393700"/>
-              </a:xfrm>
-              <a:prstGeom prst="roundRect">
-                <a:avLst>
-                  <a:gd name="adj" fmla="val 16667"/>
-                </a:avLst>
-              </a:prstGeom>
-              <a:ln w="19050">
-                <a:solidFill>
-                  <a:schemeClr val="bg1">
-                    <a:lumMod val="50000"/>
-                  </a:schemeClr>
-                </a:solidFill>
-                <a:headEnd/>
-                <a:tailEnd/>
-              </a:ln>
-            </p:spPr>
-            <p:style>
-              <a:lnRef idx="2">
-                <a:schemeClr val="accent1"/>
-              </a:lnRef>
-              <a:fillRef idx="1">
-                <a:schemeClr val="lt1"/>
-              </a:fillRef>
-              <a:effectRef idx="0">
-                <a:schemeClr val="accent1"/>
-              </a:effectRef>
-              <a:fontRef idx="minor">
-                <a:schemeClr val="dk1"/>
-              </a:fontRef>
-            </p:style>
-            <p:txBody>
-              <a:bodyPr wrap="none" anchor="ctr"/>
-              <a:lstStyle>
-                <a:lvl1pPr algn="ctr" eaLnBrk="0" hangingPunct="0">
-                  <a:defRPr>
-                    <a:solidFill>
-                      <a:schemeClr val="tx1"/>
-                    </a:solidFill>
-                    <a:latin typeface="Verdana" panose="020B0604030504040204" pitchFamily="34" charset="0"/>
-                    <a:cs typeface="Arial" panose="020B0604020202020204" pitchFamily="34" charset="0"/>
-                  </a:defRPr>
-                </a:lvl1pPr>
-                <a:lvl2pPr marL="742950" indent="-285750" algn="ctr" eaLnBrk="0" hangingPunct="0">
-                  <a:defRPr>
-                    <a:solidFill>
-                      <a:schemeClr val="tx1"/>
-                    </a:solidFill>
-                    <a:latin typeface="Verdana" panose="020B0604030504040204" pitchFamily="34" charset="0"/>
-                    <a:cs typeface="Arial" panose="020B0604020202020204" pitchFamily="34" charset="0"/>
-                  </a:defRPr>
-                </a:lvl2pPr>
-                <a:lvl3pPr marL="1143000" indent="-228600" algn="ctr" eaLnBrk="0" hangingPunct="0">
-                  <a:defRPr>
-                    <a:solidFill>
-                      <a:schemeClr val="tx1"/>
-                    </a:solidFill>
-                    <a:latin typeface="Verdana" panose="020B0604030504040204" pitchFamily="34" charset="0"/>
-                    <a:cs typeface="Arial" panose="020B0604020202020204" pitchFamily="34" charset="0"/>
-                  </a:defRPr>
-                </a:lvl3pPr>
-                <a:lvl4pPr marL="1600200" indent="-228600" algn="ctr" eaLnBrk="0" hangingPunct="0">
-                  <a:defRPr>
-                    <a:solidFill>
-                      <a:schemeClr val="tx1"/>
-                    </a:solidFill>
-                    <a:latin typeface="Verdana" panose="020B0604030504040204" pitchFamily="34" charset="0"/>
-                    <a:cs typeface="Arial" panose="020B0604020202020204" pitchFamily="34" charset="0"/>
-                  </a:defRPr>
-                </a:lvl4pPr>
-                <a:lvl5pPr marL="2057400" indent="-228600" algn="ctr" eaLnBrk="0" hangingPunct="0">
-                  <a:defRPr>
-                    <a:solidFill>
-                      <a:schemeClr val="tx1"/>
-                    </a:solidFill>
-                    <a:latin typeface="Verdana" panose="020B0604030504040204" pitchFamily="34" charset="0"/>
-                    <a:cs typeface="Arial" panose="020B0604020202020204" pitchFamily="34" charset="0"/>
-                  </a:defRPr>
-                </a:lvl5pPr>
-                <a:lvl6pPr marL="2514600" indent="-228600" algn="ctr" eaLnBrk="0" fontAlgn="base" hangingPunct="0">
-                  <a:spcBef>
-                    <a:spcPct val="0"/>
-                  </a:spcBef>
-                  <a:spcAft>
-                    <a:spcPct val="0"/>
-                  </a:spcAft>
-                  <a:defRPr>
-                    <a:solidFill>
-                      <a:schemeClr val="tx1"/>
-                    </a:solidFill>
-                    <a:latin typeface="Verdana" panose="020B0604030504040204" pitchFamily="34" charset="0"/>
-                    <a:cs typeface="Arial" panose="020B0604020202020204" pitchFamily="34" charset="0"/>
-                  </a:defRPr>
-                </a:lvl6pPr>
-                <a:lvl7pPr marL="2971800" indent="-228600" algn="ctr" eaLnBrk="0" fontAlgn="base" hangingPunct="0">
-                  <a:spcBef>
-                    <a:spcPct val="0"/>
-                  </a:spcBef>
-                  <a:spcAft>
-                    <a:spcPct val="0"/>
-                  </a:spcAft>
-                  <a:defRPr>
-                    <a:solidFill>
-                      <a:schemeClr val="tx1"/>
-                    </a:solidFill>
-                    <a:latin typeface="Verdana" panose="020B0604030504040204" pitchFamily="34" charset="0"/>
-                    <a:cs typeface="Arial" panose="020B0604020202020204" pitchFamily="34" charset="0"/>
-                  </a:defRPr>
-                </a:lvl7pPr>
-                <a:lvl8pPr marL="3429000" indent="-228600" algn="ctr" eaLnBrk="0" fontAlgn="base" hangingPunct="0">
-                  <a:spcBef>
-                    <a:spcPct val="0"/>
-                  </a:spcBef>
-                  <a:spcAft>
-                    <a:spcPct val="0"/>
-                  </a:spcAft>
-                  <a:defRPr>
-                    <a:solidFill>
-                      <a:schemeClr val="tx1"/>
-                    </a:solidFill>
-                    <a:latin typeface="Verdana" panose="020B0604030504040204" pitchFamily="34" charset="0"/>
-                    <a:cs typeface="Arial" panose="020B0604020202020204" pitchFamily="34" charset="0"/>
-                  </a:defRPr>
-                </a:lvl8pPr>
-                <a:lvl9pPr marL="3886200" indent="-228600" algn="ctr" eaLnBrk="0" fontAlgn="base" hangingPunct="0">
-                  <a:spcBef>
-                    <a:spcPct val="0"/>
-                  </a:spcBef>
-                  <a:spcAft>
-                    <a:spcPct val="0"/>
-                  </a:spcAft>
-                  <a:defRPr>
-                    <a:solidFill>
-                      <a:schemeClr val="tx1"/>
-                    </a:solidFill>
-                    <a:latin typeface="Verdana" panose="020B0604030504040204" pitchFamily="34" charset="0"/>
-                    <a:cs typeface="Arial" panose="020B0604020202020204" pitchFamily="34" charset="0"/>
-                  </a:defRPr>
-                </a:lvl9pPr>
-              </a:lstStyle>
-              <a:p>
-                <a:pPr algn="l">
-                  <a:lnSpc>
-                    <a:spcPct val="90000"/>
-                  </a:lnSpc>
-                  <a:spcBef>
-                    <a:spcPct val="40000"/>
-                  </a:spcBef>
-                </a:pPr>
-                <a:r>
-                  <a:rPr lang="en-US" altLang="de-DE" dirty="0"/>
-                  <a:t>4. </a:t>
-                </a:r>
-                <a:r>
-                  <a:rPr lang="en-US" altLang="de-DE" dirty="0" err="1"/>
-                  <a:t>Postback</a:t>
-                </a:r>
-                <a:r>
-                  <a:rPr lang="en-US" altLang="de-DE" dirty="0"/>
-                  <a:t> event handling</a:t>
-                </a:r>
-              </a:p>
-            </p:txBody>
-          </p:sp>
-          <p:sp>
-            <p:nvSpPr>
-              <p:cNvPr id="29" name="AutoShape 97"/>
-              <p:cNvSpPr>
-                <a:spLocks noChangeArrowheads="1"/>
-              </p:cNvSpPr>
-              <p:nvPr/>
-            </p:nvSpPr>
-            <p:spPr bwMode="auto">
-              <a:xfrm>
-                <a:off x="8112125" y="4353181"/>
-                <a:ext cx="3290888" cy="393700"/>
-              </a:xfrm>
-              <a:prstGeom prst="roundRect">
-                <a:avLst>
-                  <a:gd name="adj" fmla="val 16667"/>
-                </a:avLst>
-              </a:prstGeom>
-              <a:ln w="19050">
-                <a:solidFill>
-                  <a:schemeClr val="bg1">
-                    <a:lumMod val="50000"/>
-                  </a:schemeClr>
-                </a:solidFill>
-                <a:headEnd/>
-                <a:tailEnd/>
-              </a:ln>
-            </p:spPr>
-            <p:style>
-              <a:lnRef idx="2">
-                <a:schemeClr val="accent1"/>
-              </a:lnRef>
-              <a:fillRef idx="1">
-                <a:schemeClr val="lt1"/>
-              </a:fillRef>
-              <a:effectRef idx="0">
-                <a:schemeClr val="accent1"/>
-              </a:effectRef>
-              <a:fontRef idx="minor">
-                <a:schemeClr val="dk1"/>
-              </a:fontRef>
-            </p:style>
-            <p:txBody>
-              <a:bodyPr wrap="none" anchor="ctr"/>
-              <a:lstStyle>
-                <a:lvl1pPr algn="ctr" eaLnBrk="0" hangingPunct="0">
-                  <a:defRPr>
-                    <a:solidFill>
-                      <a:schemeClr val="tx1"/>
-                    </a:solidFill>
-                    <a:latin typeface="Verdana" panose="020B0604030504040204" pitchFamily="34" charset="0"/>
-                    <a:cs typeface="Arial" panose="020B0604020202020204" pitchFamily="34" charset="0"/>
-                  </a:defRPr>
-                </a:lvl1pPr>
-                <a:lvl2pPr marL="742950" indent="-285750" algn="ctr" eaLnBrk="0" hangingPunct="0">
-                  <a:defRPr>
-                    <a:solidFill>
-                      <a:schemeClr val="tx1"/>
-                    </a:solidFill>
-                    <a:latin typeface="Verdana" panose="020B0604030504040204" pitchFamily="34" charset="0"/>
-                    <a:cs typeface="Arial" panose="020B0604020202020204" pitchFamily="34" charset="0"/>
-                  </a:defRPr>
-                </a:lvl2pPr>
-                <a:lvl3pPr marL="1143000" indent="-228600" algn="ctr" eaLnBrk="0" hangingPunct="0">
-                  <a:defRPr>
-                    <a:solidFill>
-                      <a:schemeClr val="tx1"/>
-                    </a:solidFill>
-                    <a:latin typeface="Verdana" panose="020B0604030504040204" pitchFamily="34" charset="0"/>
-                    <a:cs typeface="Arial" panose="020B0604020202020204" pitchFamily="34" charset="0"/>
-                  </a:defRPr>
-                </a:lvl3pPr>
-                <a:lvl4pPr marL="1600200" indent="-228600" algn="ctr" eaLnBrk="0" hangingPunct="0">
-                  <a:defRPr>
-                    <a:solidFill>
-                      <a:schemeClr val="tx1"/>
-                    </a:solidFill>
-                    <a:latin typeface="Verdana" panose="020B0604030504040204" pitchFamily="34" charset="0"/>
-                    <a:cs typeface="Arial" panose="020B0604020202020204" pitchFamily="34" charset="0"/>
-                  </a:defRPr>
-                </a:lvl4pPr>
-                <a:lvl5pPr marL="2057400" indent="-228600" algn="ctr" eaLnBrk="0" hangingPunct="0">
-                  <a:defRPr>
-                    <a:solidFill>
-                      <a:schemeClr val="tx1"/>
-                    </a:solidFill>
-                    <a:latin typeface="Verdana" panose="020B0604030504040204" pitchFamily="34" charset="0"/>
-                    <a:cs typeface="Arial" panose="020B0604020202020204" pitchFamily="34" charset="0"/>
-                  </a:defRPr>
-                </a:lvl5pPr>
-                <a:lvl6pPr marL="2514600" indent="-228600" algn="ctr" eaLnBrk="0" fontAlgn="base" hangingPunct="0">
-                  <a:spcBef>
-                    <a:spcPct val="0"/>
-                  </a:spcBef>
-                  <a:spcAft>
-                    <a:spcPct val="0"/>
-                  </a:spcAft>
-                  <a:defRPr>
-                    <a:solidFill>
-                      <a:schemeClr val="tx1"/>
-                    </a:solidFill>
-                    <a:latin typeface="Verdana" panose="020B0604030504040204" pitchFamily="34" charset="0"/>
-                    <a:cs typeface="Arial" panose="020B0604020202020204" pitchFamily="34" charset="0"/>
-                  </a:defRPr>
-                </a:lvl6pPr>
-                <a:lvl7pPr marL="2971800" indent="-228600" algn="ctr" eaLnBrk="0" fontAlgn="base" hangingPunct="0">
-                  <a:spcBef>
-                    <a:spcPct val="0"/>
-                  </a:spcBef>
-                  <a:spcAft>
-                    <a:spcPct val="0"/>
-                  </a:spcAft>
-                  <a:defRPr>
-                    <a:solidFill>
-                      <a:schemeClr val="tx1"/>
-                    </a:solidFill>
-                    <a:latin typeface="Verdana" panose="020B0604030504040204" pitchFamily="34" charset="0"/>
-                    <a:cs typeface="Arial" panose="020B0604020202020204" pitchFamily="34" charset="0"/>
-                  </a:defRPr>
-                </a:lvl7pPr>
-                <a:lvl8pPr marL="3429000" indent="-228600" algn="ctr" eaLnBrk="0" fontAlgn="base" hangingPunct="0">
-                  <a:spcBef>
-                    <a:spcPct val="0"/>
-                  </a:spcBef>
-                  <a:spcAft>
-                    <a:spcPct val="0"/>
-                  </a:spcAft>
-                  <a:defRPr>
-                    <a:solidFill>
-                      <a:schemeClr val="tx1"/>
-                    </a:solidFill>
-                    <a:latin typeface="Verdana" panose="020B0604030504040204" pitchFamily="34" charset="0"/>
-                    <a:cs typeface="Arial" panose="020B0604020202020204" pitchFamily="34" charset="0"/>
-                  </a:defRPr>
-                </a:lvl8pPr>
-                <a:lvl9pPr marL="3886200" indent="-228600" algn="ctr" eaLnBrk="0" fontAlgn="base" hangingPunct="0">
-                  <a:spcBef>
-                    <a:spcPct val="0"/>
-                  </a:spcBef>
-                  <a:spcAft>
-                    <a:spcPct val="0"/>
-                  </a:spcAft>
-                  <a:defRPr>
-                    <a:solidFill>
-                      <a:schemeClr val="tx1"/>
-                    </a:solidFill>
-                    <a:latin typeface="Verdana" panose="020B0604030504040204" pitchFamily="34" charset="0"/>
-                    <a:cs typeface="Arial" panose="020B0604020202020204" pitchFamily="34" charset="0"/>
-                  </a:defRPr>
-                </a:lvl9pPr>
-              </a:lstStyle>
-              <a:p>
-                <a:pPr algn="l">
-                  <a:lnSpc>
-                    <a:spcPct val="90000"/>
-                  </a:lnSpc>
-                  <a:spcBef>
-                    <a:spcPct val="40000"/>
-                  </a:spcBef>
-                </a:pPr>
-                <a:r>
-                  <a:rPr lang="en-US" altLang="de-DE" dirty="0"/>
-                  <a:t>5. Rendering</a:t>
-                </a:r>
-              </a:p>
-            </p:txBody>
-          </p:sp>
-          <p:sp>
-            <p:nvSpPr>
-              <p:cNvPr id="30" name="AutoShape 105"/>
-              <p:cNvSpPr>
-                <a:spLocks noChangeArrowheads="1"/>
-              </p:cNvSpPr>
-              <p:nvPr/>
-            </p:nvSpPr>
-            <p:spPr bwMode="auto">
-              <a:xfrm>
-                <a:off x="8129711" y="4824351"/>
-                <a:ext cx="3290888" cy="393700"/>
-              </a:xfrm>
-              <a:prstGeom prst="roundRect">
-                <a:avLst>
-                  <a:gd name="adj" fmla="val 16667"/>
-                </a:avLst>
-              </a:prstGeom>
-              <a:ln w="19050">
-                <a:solidFill>
-                  <a:schemeClr val="bg1">
-                    <a:lumMod val="50000"/>
-                  </a:schemeClr>
-                </a:solidFill>
-                <a:headEnd/>
-                <a:tailEnd/>
-              </a:ln>
-            </p:spPr>
-            <p:style>
-              <a:lnRef idx="2">
-                <a:schemeClr val="accent1"/>
-              </a:lnRef>
-              <a:fillRef idx="1">
-                <a:schemeClr val="lt1"/>
-              </a:fillRef>
-              <a:effectRef idx="0">
-                <a:schemeClr val="accent1"/>
-              </a:effectRef>
-              <a:fontRef idx="minor">
-                <a:schemeClr val="dk1"/>
-              </a:fontRef>
-            </p:style>
-            <p:txBody>
-              <a:bodyPr/>
-              <a:lstStyle>
-                <a:lvl1pPr algn="ctr" eaLnBrk="0" hangingPunct="0">
-                  <a:defRPr>
-                    <a:solidFill>
-                      <a:schemeClr val="tx1"/>
-                    </a:solidFill>
-                    <a:latin typeface="Verdana" panose="020B0604030504040204" pitchFamily="34" charset="0"/>
-                    <a:cs typeface="Arial" panose="020B0604020202020204" pitchFamily="34" charset="0"/>
-                  </a:defRPr>
-                </a:lvl1pPr>
-                <a:lvl2pPr marL="742950" indent="-285750" algn="ctr" eaLnBrk="0" hangingPunct="0">
-                  <a:defRPr>
-                    <a:solidFill>
-                      <a:schemeClr val="tx1"/>
-                    </a:solidFill>
-                    <a:latin typeface="Verdana" panose="020B0604030504040204" pitchFamily="34" charset="0"/>
-                    <a:cs typeface="Arial" panose="020B0604020202020204" pitchFamily="34" charset="0"/>
-                  </a:defRPr>
-                </a:lvl2pPr>
-                <a:lvl3pPr marL="1143000" indent="-228600" algn="ctr" eaLnBrk="0" hangingPunct="0">
-                  <a:defRPr>
-                    <a:solidFill>
-                      <a:schemeClr val="tx1"/>
-                    </a:solidFill>
-                    <a:latin typeface="Verdana" panose="020B0604030504040204" pitchFamily="34" charset="0"/>
-                    <a:cs typeface="Arial" panose="020B0604020202020204" pitchFamily="34" charset="0"/>
-                  </a:defRPr>
-                </a:lvl3pPr>
-                <a:lvl4pPr marL="1600200" indent="-228600" algn="ctr" eaLnBrk="0" hangingPunct="0">
-                  <a:defRPr>
-                    <a:solidFill>
-                      <a:schemeClr val="tx1"/>
-                    </a:solidFill>
-                    <a:latin typeface="Verdana" panose="020B0604030504040204" pitchFamily="34" charset="0"/>
-                    <a:cs typeface="Arial" panose="020B0604020202020204" pitchFamily="34" charset="0"/>
-                  </a:defRPr>
-                </a:lvl4pPr>
-                <a:lvl5pPr marL="2057400" indent="-228600" algn="ctr" eaLnBrk="0" hangingPunct="0">
-                  <a:defRPr>
-                    <a:solidFill>
-                      <a:schemeClr val="tx1"/>
-                    </a:solidFill>
-                    <a:latin typeface="Verdana" panose="020B0604030504040204" pitchFamily="34" charset="0"/>
-                    <a:cs typeface="Arial" panose="020B0604020202020204" pitchFamily="34" charset="0"/>
-                  </a:defRPr>
-                </a:lvl5pPr>
-                <a:lvl6pPr marL="2514600" indent="-228600" algn="ctr" eaLnBrk="0" fontAlgn="base" hangingPunct="0">
-                  <a:spcBef>
-                    <a:spcPct val="0"/>
-                  </a:spcBef>
-                  <a:spcAft>
-                    <a:spcPct val="0"/>
-                  </a:spcAft>
-                  <a:defRPr>
-                    <a:solidFill>
-                      <a:schemeClr val="tx1"/>
-                    </a:solidFill>
-                    <a:latin typeface="Verdana" panose="020B0604030504040204" pitchFamily="34" charset="0"/>
-                    <a:cs typeface="Arial" panose="020B0604020202020204" pitchFamily="34" charset="0"/>
-                  </a:defRPr>
-                </a:lvl6pPr>
-                <a:lvl7pPr marL="2971800" indent="-228600" algn="ctr" eaLnBrk="0" fontAlgn="base" hangingPunct="0">
-                  <a:spcBef>
-                    <a:spcPct val="0"/>
-                  </a:spcBef>
-                  <a:spcAft>
-                    <a:spcPct val="0"/>
-                  </a:spcAft>
-                  <a:defRPr>
-                    <a:solidFill>
-                      <a:schemeClr val="tx1"/>
-                    </a:solidFill>
-                    <a:latin typeface="Verdana" panose="020B0604030504040204" pitchFamily="34" charset="0"/>
-                    <a:cs typeface="Arial" panose="020B0604020202020204" pitchFamily="34" charset="0"/>
-                  </a:defRPr>
-                </a:lvl7pPr>
-                <a:lvl8pPr marL="3429000" indent="-228600" algn="ctr" eaLnBrk="0" fontAlgn="base" hangingPunct="0">
-                  <a:spcBef>
-                    <a:spcPct val="0"/>
-                  </a:spcBef>
-                  <a:spcAft>
-                    <a:spcPct val="0"/>
-                  </a:spcAft>
-                  <a:defRPr>
-                    <a:solidFill>
-                      <a:schemeClr val="tx1"/>
-                    </a:solidFill>
-                    <a:latin typeface="Verdana" panose="020B0604030504040204" pitchFamily="34" charset="0"/>
-                    <a:cs typeface="Arial" panose="020B0604020202020204" pitchFamily="34" charset="0"/>
-                  </a:defRPr>
-                </a:lvl8pPr>
-                <a:lvl9pPr marL="3886200" indent="-228600" algn="ctr" eaLnBrk="0" fontAlgn="base" hangingPunct="0">
-                  <a:spcBef>
-                    <a:spcPct val="0"/>
-                  </a:spcBef>
-                  <a:spcAft>
-                    <a:spcPct val="0"/>
-                  </a:spcAft>
-                  <a:defRPr>
-                    <a:solidFill>
-                      <a:schemeClr val="tx1"/>
-                    </a:solidFill>
-                    <a:latin typeface="Verdana" panose="020B0604030504040204" pitchFamily="34" charset="0"/>
-                    <a:cs typeface="Arial" panose="020B0604020202020204" pitchFamily="34" charset="0"/>
-                  </a:defRPr>
-                </a:lvl9pPr>
-              </a:lstStyle>
-              <a:p>
-                <a:pPr algn="l" eaLnBrk="1" hangingPunct="1"/>
-                <a:r>
-                  <a:rPr lang="en-US" altLang="de-DE" dirty="0"/>
-                  <a:t>6. Page unloading</a:t>
-                </a:r>
-              </a:p>
-            </p:txBody>
-          </p:sp>
-        </p:grpSp>
-      </p:grpSp>
-      <p:grpSp>
-        <p:nvGrpSpPr>
-          <p:cNvPr id="21" name="Gruppieren 20"/>
-          <p:cNvGrpSpPr/>
-          <p:nvPr/>
-        </p:nvGrpSpPr>
-        <p:grpSpPr>
-          <a:xfrm>
-            <a:off x="508325" y="3223595"/>
-            <a:ext cx="1434775" cy="2174882"/>
-            <a:chOff x="625062" y="2862715"/>
-            <a:chExt cx="1232788" cy="1866325"/>
-          </a:xfrm>
-          <a:solidFill>
-            <a:schemeClr val="tx1"/>
-          </a:solidFill>
-        </p:grpSpPr>
-        <p:sp>
-          <p:nvSpPr>
-            <p:cNvPr id="28" name="Ellipse 27"/>
-            <p:cNvSpPr/>
-            <p:nvPr/>
-          </p:nvSpPr>
-          <p:spPr>
-            <a:xfrm>
-              <a:off x="993299" y="2862715"/>
-              <a:ext cx="480306" cy="451172"/>
-            </a:xfrm>
-            <a:prstGeom prst="ellipse">
-              <a:avLst/>
-            </a:prstGeom>
-            <a:grpFill/>
-            <a:ln>
-              <a:noFill/>
-            </a:ln>
-          </p:spPr>
-          <p:style>
-            <a:lnRef idx="2">
-              <a:schemeClr val="accent3">
-                <a:shade val="50000"/>
-              </a:schemeClr>
-            </a:lnRef>
-            <a:fillRef idx="1">
-              <a:schemeClr val="accent3"/>
-            </a:fillRef>
-            <a:effectRef idx="0">
-              <a:schemeClr val="accent3"/>
-            </a:effectRef>
-            <a:fontRef idx="minor">
-              <a:schemeClr val="lt1"/>
-            </a:fontRef>
-          </p:style>
-          <p:txBody>
-            <a:bodyPr rtlCol="0" anchor="ctr"/>
-            <a:lstStyle/>
-            <a:p>
-              <a:pPr algn="ctr"/>
-              <a:endParaRPr lang="de-DE"/>
-            </a:p>
-          </p:txBody>
-        </p:sp>
-        <p:sp>
-          <p:nvSpPr>
-            <p:cNvPr id="31" name="Sehne 30"/>
-            <p:cNvSpPr/>
-            <p:nvPr/>
-          </p:nvSpPr>
-          <p:spPr>
-            <a:xfrm rot="5400000">
-              <a:off x="547966" y="3605173"/>
-              <a:ext cx="1383077" cy="864657"/>
-            </a:xfrm>
-            <a:prstGeom prst="chord">
-              <a:avLst>
-                <a:gd name="adj1" fmla="val 6350610"/>
-                <a:gd name="adj2" fmla="val 15311491"/>
-              </a:avLst>
-            </a:prstGeom>
-            <a:grpFill/>
-            <a:ln>
-              <a:noFill/>
-            </a:ln>
-          </p:spPr>
-          <p:style>
-            <a:lnRef idx="2">
-              <a:schemeClr val="accent1">
-                <a:shade val="50000"/>
-              </a:schemeClr>
-            </a:lnRef>
-            <a:fillRef idx="1">
-              <a:schemeClr val="accent1"/>
-            </a:fillRef>
-            <a:effectRef idx="0">
-              <a:schemeClr val="accent1"/>
-            </a:effectRef>
-            <a:fontRef idx="minor">
-              <a:schemeClr val="lt1"/>
-            </a:fontRef>
-          </p:style>
-          <p:txBody>
-            <a:bodyPr rtlCol="0" anchor="ctr"/>
-            <a:lstStyle/>
-            <a:p>
-              <a:pPr algn="ctr"/>
-              <a:endParaRPr lang="de-DE" dirty="0"/>
-            </a:p>
-          </p:txBody>
-        </p:sp>
-        <p:sp>
-          <p:nvSpPr>
-            <p:cNvPr id="32" name="Sehne 31"/>
-            <p:cNvSpPr/>
-            <p:nvPr/>
-          </p:nvSpPr>
-          <p:spPr>
-            <a:xfrm rot="16200000">
-              <a:off x="733025" y="2929303"/>
-              <a:ext cx="1016862" cy="1232788"/>
-            </a:xfrm>
-            <a:prstGeom prst="chord">
-              <a:avLst>
-                <a:gd name="adj1" fmla="val 7861247"/>
-                <a:gd name="adj2" fmla="val 13851812"/>
-              </a:avLst>
-            </a:prstGeom>
-            <a:grpFill/>
-            <a:ln>
-              <a:noFill/>
-            </a:ln>
-          </p:spPr>
-          <p:style>
-            <a:lnRef idx="2">
-              <a:schemeClr val="accent1">
-                <a:shade val="50000"/>
-              </a:schemeClr>
-            </a:lnRef>
-            <a:fillRef idx="1">
-              <a:schemeClr val="accent1"/>
-            </a:fillRef>
-            <a:effectRef idx="0">
-              <a:schemeClr val="accent1"/>
-            </a:effectRef>
-            <a:fontRef idx="minor">
-              <a:schemeClr val="lt1"/>
-            </a:fontRef>
-          </p:style>
-          <p:txBody>
-            <a:bodyPr rtlCol="0" anchor="ctr"/>
-            <a:lstStyle/>
-            <a:p>
-              <a:pPr algn="ctr"/>
-              <a:endParaRPr lang="de-DE"/>
-            </a:p>
-          </p:txBody>
-        </p:sp>
-      </p:grpSp>
-      <p:grpSp>
-        <p:nvGrpSpPr>
-          <p:cNvPr id="33" name="Gruppieren 32"/>
-          <p:cNvGrpSpPr/>
-          <p:nvPr/>
-        </p:nvGrpSpPr>
-        <p:grpSpPr>
-          <a:xfrm>
-            <a:off x="3991093" y="2900302"/>
-            <a:ext cx="915015" cy="1711682"/>
-            <a:chOff x="6574832" y="5328316"/>
-            <a:chExt cx="869677" cy="1342503"/>
-          </a:xfrm>
-        </p:grpSpPr>
-        <p:sp>
-          <p:nvSpPr>
-            <p:cNvPr id="34" name="Flussdiagramm: Magnetplattenspeicher 33"/>
-            <p:cNvSpPr/>
-            <p:nvPr/>
-          </p:nvSpPr>
-          <p:spPr>
-            <a:xfrm>
-              <a:off x="6582851" y="6118324"/>
-              <a:ext cx="861658" cy="552495"/>
-            </a:xfrm>
-            <a:prstGeom prst="flowChartMagneticDisk">
-              <a:avLst/>
-            </a:prstGeom>
-            <a:solidFill>
-              <a:schemeClr val="tx1"/>
-            </a:solidFill>
-            <a:ln>
-              <a:noFill/>
-            </a:ln>
-          </p:spPr>
-          <p:style>
-            <a:lnRef idx="2">
-              <a:schemeClr val="accent1">
-                <a:shade val="50000"/>
-              </a:schemeClr>
-            </a:lnRef>
-            <a:fillRef idx="1">
-              <a:schemeClr val="accent1"/>
-            </a:fillRef>
-            <a:effectRef idx="0">
-              <a:schemeClr val="accent1"/>
-            </a:effectRef>
-            <a:fontRef idx="minor">
-              <a:schemeClr val="lt1"/>
-            </a:fontRef>
-          </p:style>
-          <p:txBody>
-            <a:bodyPr rtlCol="0" anchor="ctr"/>
-            <a:lstStyle/>
-            <a:p>
-              <a:pPr algn="ctr"/>
-              <a:endParaRPr lang="de-DE"/>
-            </a:p>
-          </p:txBody>
-        </p:sp>
-        <p:sp>
-          <p:nvSpPr>
-            <p:cNvPr id="35" name="Flussdiagramm: Magnetplattenspeicher 34"/>
-            <p:cNvSpPr/>
-            <p:nvPr/>
-          </p:nvSpPr>
-          <p:spPr>
-            <a:xfrm>
-              <a:off x="6582851" y="5928419"/>
-              <a:ext cx="861658" cy="552495"/>
-            </a:xfrm>
-            <a:prstGeom prst="flowChartMagneticDisk">
-              <a:avLst/>
-            </a:prstGeom>
-            <a:solidFill>
-              <a:schemeClr val="bg1"/>
-            </a:solidFill>
-            <a:ln>
-              <a:noFill/>
-            </a:ln>
-          </p:spPr>
-          <p:style>
-            <a:lnRef idx="2">
-              <a:schemeClr val="accent1">
-                <a:shade val="50000"/>
-              </a:schemeClr>
-            </a:lnRef>
-            <a:fillRef idx="1">
-              <a:schemeClr val="accent1"/>
-            </a:fillRef>
-            <a:effectRef idx="0">
-              <a:schemeClr val="accent1"/>
-            </a:effectRef>
-            <a:fontRef idx="minor">
-              <a:schemeClr val="lt1"/>
-            </a:fontRef>
-          </p:style>
-          <p:txBody>
-            <a:bodyPr rtlCol="0" anchor="ctr"/>
-            <a:lstStyle/>
-            <a:p>
-              <a:pPr algn="ctr"/>
-              <a:endParaRPr lang="de-DE"/>
-            </a:p>
-          </p:txBody>
-        </p:sp>
-        <p:sp>
-          <p:nvSpPr>
-            <p:cNvPr id="36" name="Flussdiagramm: Magnetplattenspeicher 35"/>
-            <p:cNvSpPr/>
-            <p:nvPr/>
-          </p:nvSpPr>
-          <p:spPr>
-            <a:xfrm>
-              <a:off x="6582851" y="5867810"/>
-              <a:ext cx="861658" cy="552495"/>
-            </a:xfrm>
-            <a:prstGeom prst="flowChartMagneticDisk">
-              <a:avLst/>
-            </a:prstGeom>
-            <a:solidFill>
-              <a:schemeClr val="tx1"/>
-            </a:solidFill>
-            <a:ln>
-              <a:noFill/>
-            </a:ln>
-          </p:spPr>
-          <p:style>
-            <a:lnRef idx="2">
-              <a:schemeClr val="accent1">
-                <a:shade val="50000"/>
-              </a:schemeClr>
-            </a:lnRef>
-            <a:fillRef idx="1">
-              <a:schemeClr val="accent1"/>
-            </a:fillRef>
-            <a:effectRef idx="0">
-              <a:schemeClr val="accent1"/>
-            </a:effectRef>
-            <a:fontRef idx="minor">
-              <a:schemeClr val="lt1"/>
-            </a:fontRef>
-          </p:style>
-          <p:txBody>
-            <a:bodyPr rtlCol="0" anchor="ctr"/>
-            <a:lstStyle/>
-            <a:p>
-              <a:pPr algn="ctr"/>
-              <a:endParaRPr lang="de-DE"/>
-            </a:p>
-          </p:txBody>
-        </p:sp>
-        <p:sp>
-          <p:nvSpPr>
-            <p:cNvPr id="37" name="Flussdiagramm: Magnetplattenspeicher 36"/>
-            <p:cNvSpPr/>
-            <p:nvPr/>
-          </p:nvSpPr>
-          <p:spPr>
-            <a:xfrm>
-              <a:off x="6582851" y="5702736"/>
-              <a:ext cx="861658" cy="552495"/>
-            </a:xfrm>
-            <a:prstGeom prst="flowChartMagneticDisk">
-              <a:avLst/>
-            </a:prstGeom>
-            <a:solidFill>
-              <a:schemeClr val="bg1"/>
-            </a:solidFill>
-            <a:ln>
-              <a:noFill/>
-            </a:ln>
-          </p:spPr>
-          <p:style>
-            <a:lnRef idx="2">
-              <a:schemeClr val="accent1">
-                <a:shade val="50000"/>
-              </a:schemeClr>
-            </a:lnRef>
-            <a:fillRef idx="1">
-              <a:schemeClr val="accent1"/>
-            </a:fillRef>
-            <a:effectRef idx="0">
-              <a:schemeClr val="accent1"/>
-            </a:effectRef>
-            <a:fontRef idx="minor">
-              <a:schemeClr val="lt1"/>
-            </a:fontRef>
-          </p:style>
-          <p:txBody>
-            <a:bodyPr rtlCol="0" anchor="ctr"/>
-            <a:lstStyle/>
-            <a:p>
-              <a:pPr algn="ctr"/>
-              <a:endParaRPr lang="de-DE"/>
-            </a:p>
-          </p:txBody>
-        </p:sp>
-        <p:sp>
-          <p:nvSpPr>
-            <p:cNvPr id="38" name="Flussdiagramm: Magnetplattenspeicher 37"/>
-            <p:cNvSpPr/>
-            <p:nvPr/>
-          </p:nvSpPr>
-          <p:spPr>
-            <a:xfrm>
-              <a:off x="6582851" y="5637553"/>
-              <a:ext cx="861658" cy="552495"/>
-            </a:xfrm>
-            <a:prstGeom prst="flowChartMagneticDisk">
-              <a:avLst/>
-            </a:prstGeom>
-            <a:solidFill>
-              <a:schemeClr val="tx1"/>
-            </a:solidFill>
-            <a:ln>
-              <a:noFill/>
-            </a:ln>
-          </p:spPr>
-          <p:style>
-            <a:lnRef idx="2">
-              <a:schemeClr val="accent1">
-                <a:shade val="50000"/>
-              </a:schemeClr>
-            </a:lnRef>
-            <a:fillRef idx="1">
-              <a:schemeClr val="accent1"/>
-            </a:fillRef>
-            <a:effectRef idx="0">
-              <a:schemeClr val="accent1"/>
-            </a:effectRef>
-            <a:fontRef idx="minor">
-              <a:schemeClr val="lt1"/>
-            </a:fontRef>
-          </p:style>
-          <p:txBody>
-            <a:bodyPr rtlCol="0" anchor="ctr"/>
-            <a:lstStyle/>
-            <a:p>
-              <a:pPr algn="ctr"/>
-              <a:endParaRPr lang="de-DE" dirty="0"/>
-            </a:p>
-          </p:txBody>
-        </p:sp>
-        <p:sp>
-          <p:nvSpPr>
-            <p:cNvPr id="39" name="Flussdiagramm: Magnetplattenspeicher 38"/>
-            <p:cNvSpPr/>
-            <p:nvPr/>
-          </p:nvSpPr>
-          <p:spPr>
-            <a:xfrm>
-              <a:off x="6582851" y="5472479"/>
-              <a:ext cx="861658" cy="552495"/>
-            </a:xfrm>
-            <a:prstGeom prst="flowChartMagneticDisk">
-              <a:avLst/>
-            </a:prstGeom>
-            <a:solidFill>
-              <a:schemeClr val="bg1"/>
-            </a:solidFill>
-            <a:ln>
-              <a:noFill/>
-            </a:ln>
-          </p:spPr>
-          <p:style>
-            <a:lnRef idx="2">
-              <a:schemeClr val="accent1">
-                <a:shade val="50000"/>
-              </a:schemeClr>
-            </a:lnRef>
-            <a:fillRef idx="1">
-              <a:schemeClr val="accent1"/>
-            </a:fillRef>
-            <a:effectRef idx="0">
-              <a:schemeClr val="accent1"/>
-            </a:effectRef>
-            <a:fontRef idx="minor">
-              <a:schemeClr val="lt1"/>
-            </a:fontRef>
-          </p:style>
-          <p:txBody>
-            <a:bodyPr rtlCol="0" anchor="ctr"/>
-            <a:lstStyle/>
-            <a:p>
-              <a:pPr algn="ctr"/>
-              <a:endParaRPr lang="de-DE"/>
-            </a:p>
-          </p:txBody>
-        </p:sp>
-        <p:sp>
-          <p:nvSpPr>
-            <p:cNvPr id="40" name="Flussdiagramm: Magnetplattenspeicher 39"/>
-            <p:cNvSpPr/>
-            <p:nvPr/>
-          </p:nvSpPr>
-          <p:spPr>
-            <a:xfrm>
-              <a:off x="6582851" y="5467096"/>
-              <a:ext cx="861658" cy="488594"/>
-            </a:xfrm>
-            <a:prstGeom prst="flowChartMagneticDisk">
-              <a:avLst/>
-            </a:prstGeom>
-            <a:solidFill>
-              <a:schemeClr val="tx1"/>
-            </a:solidFill>
-            <a:ln>
-              <a:noFill/>
-            </a:ln>
-          </p:spPr>
-          <p:style>
-            <a:lnRef idx="2">
-              <a:schemeClr val="accent1">
-                <a:shade val="50000"/>
-              </a:schemeClr>
-            </a:lnRef>
-            <a:fillRef idx="1">
-              <a:schemeClr val="accent1"/>
-            </a:fillRef>
-            <a:effectRef idx="0">
-              <a:schemeClr val="accent1"/>
-            </a:effectRef>
-            <a:fontRef idx="minor">
-              <a:schemeClr val="lt1"/>
-            </a:fontRef>
-          </p:style>
-          <p:txBody>
-            <a:bodyPr rtlCol="0" anchor="ctr"/>
-            <a:lstStyle/>
-            <a:p>
-              <a:pPr algn="ctr"/>
-              <a:endParaRPr lang="de-DE"/>
-            </a:p>
-          </p:txBody>
-        </p:sp>
-        <p:sp>
-          <p:nvSpPr>
-            <p:cNvPr id="41" name="Flussdiagramm: Gespeicherte Daten 40"/>
-            <p:cNvSpPr/>
-            <p:nvPr/>
-          </p:nvSpPr>
-          <p:spPr>
-            <a:xfrm rot="5400000">
-              <a:off x="6793223" y="5109925"/>
-              <a:ext cx="424873" cy="861656"/>
-            </a:xfrm>
-            <a:prstGeom prst="flowChartOnlineStorage">
-              <a:avLst/>
-            </a:prstGeom>
-            <a:solidFill>
-              <a:schemeClr val="bg1"/>
-            </a:solidFill>
-            <a:ln>
-              <a:solidFill>
-                <a:schemeClr val="bg1"/>
-              </a:solidFill>
-            </a:ln>
-          </p:spPr>
-          <p:style>
-            <a:lnRef idx="2">
-              <a:schemeClr val="accent1">
-                <a:shade val="50000"/>
-              </a:schemeClr>
-            </a:lnRef>
-            <a:fillRef idx="1">
-              <a:schemeClr val="accent1"/>
-            </a:fillRef>
-            <a:effectRef idx="0">
-              <a:schemeClr val="accent1"/>
-            </a:effectRef>
-            <a:fontRef idx="minor">
-              <a:schemeClr val="lt1"/>
-            </a:fontRef>
-          </p:style>
-          <p:txBody>
-            <a:bodyPr rtlCol="0" anchor="ctr"/>
-            <a:lstStyle/>
-            <a:p>
-              <a:pPr algn="ctr"/>
-              <a:endParaRPr lang="de-DE"/>
-            </a:p>
-          </p:txBody>
-        </p:sp>
-      </p:grpSp>
-    </p:spTree>
-    <p:extLst>
-      <p:ext uri="{BB962C8B-B14F-4D97-AF65-F5344CB8AC3E}">
-        <p14:creationId xmlns:p14="http://schemas.microsoft.com/office/powerpoint/2010/main" val="16963577"/>
-      </p:ext>
-    </p:extLst>
-  </p:cSld>
-  <p:clrMapOvr>
-    <a:masterClrMapping/>
-  </p:clrMapOvr>
-  <p:timing>
-    <p:tnLst>
-      <p:par>
-        <p:cTn id="1" dur="indefinite" restart="never" nodeType="tmRoot"/>
-      </p:par>
-    </p:tnLst>
-  </p:timing>
-</p:sld>
-</file>
-
-<file path=ppt/slides/slide4.xml><?xml version="1.0" encoding="utf-8"?>
-<p:sld xmlns:a="http://schemas.openxmlformats.org/drawingml/2006/main" xmlns:r="http://schemas.openxmlformats.org/officeDocument/2006/relationships" xmlns:p="http://schemas.openxmlformats.org/presentationml/2006/main">
-  <p:cSld>
-    <p:spTree>
-      <p:nvGrpSpPr>
-        <p:cNvPr id="1" name=""/>
-        <p:cNvGrpSpPr/>
-        <p:nvPr/>
-      </p:nvGrpSpPr>
-      <p:grpSpPr>
-        <a:xfrm>
-          <a:off x="0" y="0"/>
-          <a:ext cx="0" cy="0"/>
-          <a:chOff x="0" y="0"/>
-          <a:chExt cx="0" cy="0"/>
-        </a:xfrm>
-      </p:grpSpPr>
-      <p:sp>
-        <p:nvSpPr>
-          <p:cNvPr id="9218" name="Rectangle 2"/>
-          <p:cNvSpPr>
-            <a:spLocks noGrp="1" noChangeArrowheads="1"/>
-          </p:cNvSpPr>
-          <p:nvPr>
-            <p:ph type="title" idx="4294967295"/>
-          </p:nvPr>
-        </p:nvSpPr>
-        <p:spPr/>
-        <p:txBody>
-          <a:bodyPr/>
-          <a:lstStyle/>
-          <a:p>
-            <a:r>
-              <a:rPr lang="en-US" altLang="de-DE" sz="7200" dirty="0">
-                <a:solidFill>
-                  <a:schemeClr val="bg1">
-                    <a:lumMod val="65000"/>
-                  </a:schemeClr>
-                </a:solidFill>
-                <a:latin typeface="Century Gothic" panose="020B0502020202020204" pitchFamily="34" charset="0"/>
-                <a:ea typeface="+mn-ea"/>
-                <a:cs typeface="+mn-cs"/>
-              </a:rPr>
-              <a:t>Code-Behind Files</a:t>
-            </a:r>
-          </a:p>
-        </p:txBody>
-      </p:sp>
-      <p:sp>
-        <p:nvSpPr>
-          <p:cNvPr id="2" name="Textfeld 1"/>
-          <p:cNvSpPr txBox="1"/>
-          <p:nvPr/>
-        </p:nvSpPr>
-        <p:spPr>
-          <a:xfrm>
-            <a:off x="838200" y="4878988"/>
-            <a:ext cx="10382250" cy="338554"/>
-          </a:xfrm>
-          <a:prstGeom prst="rect">
-            <a:avLst/>
-          </a:prstGeom>
-          <a:solidFill>
-            <a:schemeClr val="bg1"/>
-          </a:solidFill>
-        </p:spPr>
-        <p:txBody>
-          <a:bodyPr wrap="square" rtlCol="0">
-            <a:spAutoFit/>
-          </a:bodyPr>
-          <a:lstStyle/>
-          <a:p>
-            <a:r>
-              <a:rPr lang="de-DE" sz="1600" dirty="0">
-                <a:solidFill>
-                  <a:srgbClr val="000000"/>
-                </a:solidFill>
-                <a:highlight>
-                  <a:srgbClr val="FFFF00"/>
-                </a:highlight>
-                <a:latin typeface="Consolas" panose="020B0609020204030204" pitchFamily="49" charset="0"/>
-              </a:rPr>
-              <a:t>&lt;%</a:t>
-            </a:r>
-            <a:r>
-              <a:rPr lang="de-DE" sz="1600" dirty="0">
-                <a:solidFill>
-                  <a:srgbClr val="0000FF"/>
-                </a:solidFill>
-                <a:highlight>
-                  <a:srgbClr val="FFFF00"/>
-                </a:highlight>
-                <a:latin typeface="Consolas" panose="020B0609020204030204" pitchFamily="49" charset="0"/>
-              </a:rPr>
-              <a:t>@</a:t>
-            </a:r>
-            <a:r>
-              <a:rPr lang="de-DE" sz="1600" dirty="0">
-                <a:solidFill>
-                  <a:srgbClr val="000000"/>
-                </a:solidFill>
-                <a:highlight>
-                  <a:srgbClr val="FFFF00"/>
-                </a:highlight>
-                <a:latin typeface="Consolas" panose="020B0609020204030204" pitchFamily="49" charset="0"/>
-              </a:rPr>
-              <a:t> </a:t>
-            </a:r>
-            <a:r>
-              <a:rPr lang="de-DE" sz="1600" dirty="0">
-                <a:solidFill>
-                  <a:srgbClr val="800000"/>
-                </a:solidFill>
-                <a:latin typeface="Consolas" panose="020B0609020204030204" pitchFamily="49" charset="0"/>
-              </a:rPr>
-              <a:t>Page</a:t>
-            </a:r>
-            <a:r>
-              <a:rPr lang="de-DE" sz="1600" dirty="0">
-                <a:solidFill>
-                  <a:srgbClr val="000000"/>
-                </a:solidFill>
-                <a:latin typeface="Consolas" panose="020B0609020204030204" pitchFamily="49" charset="0"/>
-              </a:rPr>
-              <a:t> </a:t>
-            </a:r>
-            <a:r>
-              <a:rPr lang="de-DE" sz="1600" dirty="0">
-                <a:solidFill>
-                  <a:srgbClr val="FF0000"/>
-                </a:solidFill>
-                <a:latin typeface="Consolas" panose="020B0609020204030204" pitchFamily="49" charset="0"/>
-              </a:rPr>
-              <a:t>Language</a:t>
-            </a:r>
-            <a:r>
-              <a:rPr lang="de-DE" sz="1600" dirty="0">
-                <a:solidFill>
-                  <a:srgbClr val="0000FF"/>
-                </a:solidFill>
-                <a:latin typeface="Consolas" panose="020B0609020204030204" pitchFamily="49" charset="0"/>
-              </a:rPr>
-              <a:t>="C#"</a:t>
-            </a:r>
-            <a:r>
-              <a:rPr lang="de-DE" sz="1600" dirty="0">
-                <a:solidFill>
-                  <a:srgbClr val="000000"/>
-                </a:solidFill>
-                <a:latin typeface="Consolas" panose="020B0609020204030204" pitchFamily="49" charset="0"/>
-              </a:rPr>
-              <a:t> </a:t>
-            </a:r>
-            <a:r>
-              <a:rPr lang="de-DE" sz="1600" dirty="0" err="1">
-                <a:solidFill>
-                  <a:srgbClr val="FF0000"/>
-                </a:solidFill>
-                <a:latin typeface="Consolas" panose="020B0609020204030204" pitchFamily="49" charset="0"/>
-              </a:rPr>
-              <a:t>CodeFile</a:t>
-            </a:r>
-            <a:r>
-              <a:rPr lang="de-DE" sz="1600" dirty="0">
-                <a:solidFill>
-                  <a:srgbClr val="0000FF"/>
-                </a:solidFill>
-                <a:latin typeface="Consolas" panose="020B0609020204030204" pitchFamily="49" charset="0"/>
-              </a:rPr>
-              <a:t>= "Webform1.aspx.cs"</a:t>
-            </a:r>
-            <a:r>
-              <a:rPr lang="de-DE" sz="1600" dirty="0">
-                <a:solidFill>
-                  <a:srgbClr val="000000"/>
-                </a:solidFill>
-                <a:latin typeface="Consolas" panose="020B0609020204030204" pitchFamily="49" charset="0"/>
-              </a:rPr>
-              <a:t> </a:t>
-            </a:r>
-            <a:r>
-              <a:rPr lang="de-DE" sz="1600" dirty="0" err="1">
-                <a:solidFill>
-                  <a:srgbClr val="FF0000"/>
-                </a:solidFill>
-                <a:latin typeface="Consolas" panose="020B0609020204030204" pitchFamily="49" charset="0"/>
-              </a:rPr>
-              <a:t>Inherits</a:t>
-            </a:r>
-            <a:r>
-              <a:rPr lang="de-DE" sz="1600" dirty="0">
-                <a:solidFill>
-                  <a:srgbClr val="0000FF"/>
-                </a:solidFill>
-                <a:latin typeface="Consolas" panose="020B0609020204030204" pitchFamily="49" charset="0"/>
-              </a:rPr>
-              <a:t>=„Webform1" </a:t>
-            </a:r>
-            <a:r>
-              <a:rPr lang="de-DE" sz="1600" dirty="0">
-                <a:solidFill>
-                  <a:srgbClr val="000000"/>
-                </a:solidFill>
-                <a:highlight>
-                  <a:srgbClr val="FFFF00"/>
-                </a:highlight>
-                <a:latin typeface="Consolas" panose="020B0609020204030204" pitchFamily="49" charset="0"/>
-              </a:rPr>
-              <a:t>%&gt;</a:t>
-            </a:r>
-            <a:endParaRPr lang="de-DE" sz="1600" dirty="0"/>
-          </a:p>
-        </p:txBody>
-      </p:sp>
-      <p:sp>
-        <p:nvSpPr>
-          <p:cNvPr id="5" name="Rechteck 4"/>
-          <p:cNvSpPr/>
-          <p:nvPr/>
-        </p:nvSpPr>
-        <p:spPr>
-          <a:xfrm>
-            <a:off x="838200" y="5311363"/>
-            <a:ext cx="6677026" cy="1323439"/>
-          </a:xfrm>
-          <a:prstGeom prst="rect">
-            <a:avLst/>
-          </a:prstGeom>
-        </p:spPr>
-        <p:txBody>
-          <a:bodyPr wrap="square">
-            <a:spAutoFit/>
-          </a:bodyPr>
-          <a:lstStyle/>
-          <a:p>
-            <a:r>
-              <a:rPr lang="en-US" sz="1600" dirty="0">
-                <a:solidFill>
-                  <a:srgbClr val="0000FF"/>
-                </a:solidFill>
-                <a:latin typeface="Consolas" panose="020B0609020204030204" pitchFamily="49" charset="0"/>
-              </a:rPr>
-              <a:t>public</a:t>
-            </a:r>
-            <a:r>
-              <a:rPr lang="en-US" sz="1600" dirty="0">
-                <a:solidFill>
-                  <a:srgbClr val="000000"/>
-                </a:solidFill>
-                <a:latin typeface="Consolas" panose="020B0609020204030204" pitchFamily="49" charset="0"/>
-              </a:rPr>
-              <a:t> </a:t>
-            </a:r>
-            <a:r>
-              <a:rPr lang="en-US" sz="1600" dirty="0">
-                <a:solidFill>
-                  <a:srgbClr val="0000FF"/>
-                </a:solidFill>
-                <a:latin typeface="Consolas" panose="020B0609020204030204" pitchFamily="49" charset="0"/>
-              </a:rPr>
-              <a:t>partial</a:t>
-            </a:r>
-            <a:r>
-              <a:rPr lang="en-US" sz="1600" dirty="0">
-                <a:solidFill>
-                  <a:srgbClr val="000000"/>
-                </a:solidFill>
-                <a:latin typeface="Consolas" panose="020B0609020204030204" pitchFamily="49" charset="0"/>
-              </a:rPr>
-              <a:t> </a:t>
-            </a:r>
-            <a:r>
-              <a:rPr lang="en-US" sz="1600" dirty="0">
-                <a:solidFill>
-                  <a:srgbClr val="0000FF"/>
-                </a:solidFill>
-                <a:latin typeface="Consolas" panose="020B0609020204030204" pitchFamily="49" charset="0"/>
-              </a:rPr>
-              <a:t>class</a:t>
-            </a:r>
-            <a:r>
-              <a:rPr lang="en-US" sz="1600" dirty="0">
-                <a:solidFill>
-                  <a:srgbClr val="000000"/>
-                </a:solidFill>
-                <a:latin typeface="Consolas" panose="020B0609020204030204" pitchFamily="49" charset="0"/>
-              </a:rPr>
-              <a:t> </a:t>
-            </a:r>
-            <a:r>
-              <a:rPr lang="en-US" sz="1600" dirty="0">
-                <a:solidFill>
-                  <a:srgbClr val="2B91AF"/>
-                </a:solidFill>
-                <a:latin typeface="Consolas" panose="020B0609020204030204" pitchFamily="49" charset="0"/>
-              </a:rPr>
-              <a:t>Webforms1</a:t>
-            </a:r>
-            <a:r>
-              <a:rPr lang="en-US" sz="1600" dirty="0">
-                <a:solidFill>
-                  <a:srgbClr val="000000"/>
-                </a:solidFill>
-                <a:latin typeface="Consolas" panose="020B0609020204030204" pitchFamily="49" charset="0"/>
-              </a:rPr>
-              <a:t> : </a:t>
-            </a:r>
-            <a:r>
-              <a:rPr lang="en-US" sz="1600" dirty="0" err="1">
-                <a:solidFill>
-                  <a:srgbClr val="000000"/>
-                </a:solidFill>
-                <a:latin typeface="Consolas" panose="020B0609020204030204" pitchFamily="49" charset="0"/>
-              </a:rPr>
-              <a:t>System.Web.UI.Page</a:t>
-            </a:r>
-            <a:r>
-              <a:rPr lang="en-US" sz="1600" dirty="0">
-                <a:solidFill>
-                  <a:srgbClr val="000000"/>
-                </a:solidFill>
-                <a:latin typeface="Consolas" panose="020B0609020204030204" pitchFamily="49" charset="0"/>
-              </a:rPr>
-              <a:t>   </a:t>
-            </a:r>
-            <a:r>
-              <a:rPr lang="de-DE" sz="1600" dirty="0">
-                <a:solidFill>
-                  <a:srgbClr val="000000"/>
-                </a:solidFill>
-                <a:latin typeface="Consolas" panose="020B0609020204030204" pitchFamily="49" charset="0"/>
-              </a:rPr>
-              <a:t>{</a:t>
-            </a:r>
-          </a:p>
-          <a:p>
-            <a:r>
-              <a:rPr lang="en-US" sz="1600" dirty="0">
-                <a:solidFill>
-                  <a:srgbClr val="000000"/>
-                </a:solidFill>
-                <a:latin typeface="Consolas" panose="020B0609020204030204" pitchFamily="49" charset="0"/>
-              </a:rPr>
-              <a:t>    </a:t>
-            </a:r>
-            <a:r>
-              <a:rPr lang="en-US" sz="1600" dirty="0">
-                <a:solidFill>
-                  <a:srgbClr val="0000FF"/>
-                </a:solidFill>
-                <a:latin typeface="Consolas" panose="020B0609020204030204" pitchFamily="49" charset="0"/>
-              </a:rPr>
-              <a:t>protected</a:t>
-            </a:r>
-            <a:r>
-              <a:rPr lang="en-US" sz="1600" dirty="0">
-                <a:solidFill>
-                  <a:srgbClr val="000000"/>
-                </a:solidFill>
-                <a:latin typeface="Consolas" panose="020B0609020204030204" pitchFamily="49" charset="0"/>
-              </a:rPr>
-              <a:t> </a:t>
-            </a:r>
-            <a:r>
-              <a:rPr lang="en-US" sz="1600" dirty="0">
-                <a:solidFill>
-                  <a:srgbClr val="0000FF"/>
-                </a:solidFill>
-                <a:latin typeface="Consolas" panose="020B0609020204030204" pitchFamily="49" charset="0"/>
-              </a:rPr>
-              <a:t>void</a:t>
-            </a:r>
-            <a:r>
-              <a:rPr lang="en-US" sz="1600" dirty="0">
-                <a:solidFill>
-                  <a:srgbClr val="000000"/>
-                </a:solidFill>
-                <a:latin typeface="Consolas" panose="020B0609020204030204" pitchFamily="49" charset="0"/>
-              </a:rPr>
-              <a:t> </a:t>
-            </a:r>
-            <a:r>
-              <a:rPr lang="en-US" sz="1600" dirty="0" err="1">
-                <a:solidFill>
-                  <a:srgbClr val="000000"/>
-                </a:solidFill>
-                <a:latin typeface="Consolas" panose="020B0609020204030204" pitchFamily="49" charset="0"/>
-              </a:rPr>
-              <a:t>Page_Load</a:t>
-            </a:r>
-            <a:r>
-              <a:rPr lang="en-US" sz="1600" dirty="0">
-                <a:solidFill>
-                  <a:srgbClr val="000000"/>
-                </a:solidFill>
-                <a:latin typeface="Consolas" panose="020B0609020204030204" pitchFamily="49" charset="0"/>
-              </a:rPr>
-              <a:t>(</a:t>
-            </a:r>
-            <a:r>
-              <a:rPr lang="en-US" sz="1600" dirty="0">
-                <a:solidFill>
-                  <a:srgbClr val="0000FF"/>
-                </a:solidFill>
-                <a:latin typeface="Consolas" panose="020B0609020204030204" pitchFamily="49" charset="0"/>
-              </a:rPr>
-              <a:t>object</a:t>
-            </a:r>
-            <a:r>
-              <a:rPr lang="en-US" sz="1600" dirty="0">
-                <a:solidFill>
-                  <a:srgbClr val="000000"/>
-                </a:solidFill>
-                <a:latin typeface="Consolas" panose="020B0609020204030204" pitchFamily="49" charset="0"/>
-              </a:rPr>
-              <a:t> sender, </a:t>
-            </a:r>
-            <a:r>
-              <a:rPr lang="en-US" sz="1600" dirty="0" err="1">
-                <a:solidFill>
-                  <a:srgbClr val="2B91AF"/>
-                </a:solidFill>
-                <a:latin typeface="Consolas" panose="020B0609020204030204" pitchFamily="49" charset="0"/>
-              </a:rPr>
-              <a:t>EventArgs</a:t>
-            </a:r>
-            <a:r>
-              <a:rPr lang="en-US" sz="1600" dirty="0">
-                <a:solidFill>
-                  <a:srgbClr val="000000"/>
-                </a:solidFill>
-                <a:latin typeface="Consolas" panose="020B0609020204030204" pitchFamily="49" charset="0"/>
-              </a:rPr>
-              <a:t> e) </a:t>
-            </a:r>
-            <a:r>
-              <a:rPr lang="de-DE" sz="1600" dirty="0">
-                <a:solidFill>
-                  <a:srgbClr val="000000"/>
-                </a:solidFill>
-                <a:latin typeface="Consolas" panose="020B0609020204030204" pitchFamily="49" charset="0"/>
-              </a:rPr>
-              <a:t>{</a:t>
-            </a:r>
-          </a:p>
-          <a:p>
-            <a:endParaRPr lang="de-DE" sz="1600" dirty="0">
-              <a:solidFill>
-                <a:srgbClr val="000000"/>
-              </a:solidFill>
-              <a:latin typeface="Consolas" panose="020B0609020204030204" pitchFamily="49" charset="0"/>
-            </a:endParaRPr>
-          </a:p>
-          <a:p>
-            <a:r>
-              <a:rPr lang="de-DE" sz="1600" dirty="0">
-                <a:solidFill>
-                  <a:srgbClr val="000000"/>
-                </a:solidFill>
-                <a:latin typeface="Consolas" panose="020B0609020204030204" pitchFamily="49" charset="0"/>
-              </a:rPr>
-              <a:t>    }</a:t>
-            </a:r>
-          </a:p>
-          <a:p>
-            <a:r>
-              <a:rPr lang="de-DE" sz="1600" dirty="0">
-                <a:solidFill>
-                  <a:srgbClr val="000000"/>
-                </a:solidFill>
-                <a:latin typeface="Consolas" panose="020B0609020204030204" pitchFamily="49" charset="0"/>
-              </a:rPr>
-              <a:t>}</a:t>
-            </a:r>
-            <a:endParaRPr lang="de-DE" sz="1600" dirty="0"/>
-          </a:p>
-        </p:txBody>
-      </p:sp>
-      <p:sp>
-        <p:nvSpPr>
-          <p:cNvPr id="16" name="Rechteck 15"/>
-          <p:cNvSpPr/>
-          <p:nvPr/>
-        </p:nvSpPr>
-        <p:spPr>
-          <a:xfrm>
-            <a:off x="4495800" y="1980832"/>
-            <a:ext cx="6572249" cy="2400657"/>
-          </a:xfrm>
-          <a:prstGeom prst="rect">
-            <a:avLst/>
-          </a:prstGeom>
-        </p:spPr>
-        <p:txBody>
-          <a:bodyPr wrap="square">
-            <a:spAutoFit/>
-          </a:bodyPr>
-          <a:lstStyle/>
-          <a:p>
-            <a:r>
-              <a:rPr lang="de-DE" sz="2400" dirty="0">
-                <a:solidFill>
-                  <a:srgbClr val="FF0000"/>
-                </a:solidFill>
-              </a:rPr>
-              <a:t>Checkliste</a:t>
-            </a:r>
-          </a:p>
-          <a:p>
-            <a:pPr marL="285750" indent="-285750">
-              <a:buFont typeface="Wingdings" panose="05000000000000000000" pitchFamily="2" charset="2"/>
-              <a:buChar char="ü"/>
-            </a:pPr>
-            <a:r>
-              <a:rPr lang="de-DE" dirty="0"/>
-              <a:t>Hinzufügen eines neuen </a:t>
-            </a:r>
-            <a:r>
-              <a:rPr lang="de-DE" dirty="0" err="1"/>
-              <a:t>Webforms</a:t>
-            </a:r>
-            <a:endParaRPr lang="de-DE" dirty="0"/>
-          </a:p>
-          <a:p>
-            <a:pPr marL="285750" indent="-285750">
-              <a:buFont typeface="Wingdings" panose="05000000000000000000" pitchFamily="2" charset="2"/>
-              <a:buChar char="ü"/>
-            </a:pPr>
-            <a:r>
-              <a:rPr lang="de-DE" dirty="0" err="1"/>
-              <a:t>CodeFile</a:t>
-            </a:r>
-            <a:r>
-              <a:rPr lang="de-DE" dirty="0"/>
-              <a:t>- oder </a:t>
-            </a:r>
-            <a:r>
-              <a:rPr lang="de-DE" dirty="0" err="1"/>
-              <a:t>CodeBehindattribut</a:t>
-            </a:r>
-            <a:endParaRPr lang="de-DE" dirty="0"/>
-          </a:p>
-          <a:p>
-            <a:pPr marL="285750" indent="-285750">
-              <a:buFont typeface="Wingdings" panose="05000000000000000000" pitchFamily="2" charset="2"/>
-              <a:buChar char="ü"/>
-            </a:pPr>
-            <a:r>
-              <a:rPr lang="de-DE" dirty="0" err="1"/>
-              <a:t>Inheritsattribut</a:t>
-            </a:r>
-            <a:endParaRPr lang="de-DE" dirty="0"/>
-          </a:p>
-          <a:p>
-            <a:pPr marL="285750" indent="-285750">
-              <a:buFont typeface="Wingdings" panose="05000000000000000000" pitchFamily="2" charset="2"/>
-              <a:buChar char="ü"/>
-            </a:pPr>
-            <a:endParaRPr lang="de-DE" sz="600" dirty="0"/>
-          </a:p>
-          <a:p>
-            <a:pPr marL="285750" indent="-285750">
-              <a:buFont typeface="Wingdings" panose="05000000000000000000" pitchFamily="2" charset="2"/>
-              <a:buChar char="ü"/>
-            </a:pPr>
-            <a:endParaRPr lang="de-DE" sz="600" dirty="0"/>
-          </a:p>
-          <a:p>
-            <a:r>
-              <a:rPr lang="de-DE" sz="2400" dirty="0">
-                <a:solidFill>
-                  <a:srgbClr val="FF0000"/>
-                </a:solidFill>
-              </a:rPr>
-              <a:t>Klassen &amp; Methoden</a:t>
-            </a:r>
-          </a:p>
-          <a:p>
-            <a:pPr marL="285750" indent="-285750">
-              <a:buFont typeface="Wingdings" panose="05000000000000000000" pitchFamily="2" charset="2"/>
-              <a:buChar char="ü"/>
-            </a:pPr>
-            <a:r>
-              <a:rPr lang="en-US" altLang="de-DE" dirty="0" err="1"/>
-              <a:t>Klasse</a:t>
-            </a:r>
-            <a:r>
-              <a:rPr lang="en-US" altLang="de-DE" dirty="0"/>
-              <a:t> hat den </a:t>
-            </a:r>
-            <a:r>
-              <a:rPr lang="en-US" altLang="de-DE" dirty="0" err="1"/>
-              <a:t>Namen</a:t>
-            </a:r>
-            <a:r>
-              <a:rPr lang="en-US" altLang="de-DE" dirty="0"/>
-              <a:t> des </a:t>
-            </a:r>
-            <a:r>
-              <a:rPr lang="en-US" altLang="de-DE" dirty="0" err="1"/>
-              <a:t>Webforms</a:t>
-            </a:r>
-            <a:endParaRPr lang="en-US" altLang="de-DE" dirty="0"/>
-          </a:p>
-          <a:p>
-            <a:pPr marL="285750" indent="-285750">
-              <a:buFont typeface="Wingdings" panose="05000000000000000000" pitchFamily="2" charset="2"/>
-              <a:buChar char="ü"/>
-            </a:pPr>
-            <a:r>
-              <a:rPr lang="en-US" altLang="de-DE" dirty="0" err="1"/>
-              <a:t>Page_Load</a:t>
-            </a:r>
-            <a:r>
-              <a:rPr lang="en-US" altLang="de-DE" dirty="0"/>
-              <a:t> </a:t>
-            </a:r>
-            <a:r>
-              <a:rPr lang="en-US" altLang="de-DE" dirty="0" err="1"/>
-              <a:t>wird</a:t>
-            </a:r>
-            <a:r>
-              <a:rPr lang="en-US" altLang="de-DE" dirty="0"/>
-              <a:t> </a:t>
-            </a:r>
-            <a:r>
-              <a:rPr lang="en-US" altLang="de-DE" dirty="0" err="1"/>
-              <a:t>automatisch</a:t>
-            </a:r>
-            <a:r>
-              <a:rPr lang="en-US" altLang="de-DE" dirty="0"/>
-              <a:t> </a:t>
-            </a:r>
-            <a:r>
-              <a:rPr lang="en-US" altLang="de-DE" dirty="0" err="1"/>
-              <a:t>eingefügt</a:t>
-            </a:r>
-            <a:endParaRPr lang="en-US" altLang="de-DE" dirty="0"/>
-          </a:p>
-        </p:txBody>
-      </p:sp>
-      <p:grpSp>
-        <p:nvGrpSpPr>
-          <p:cNvPr id="20" name="Gruppieren 19"/>
-          <p:cNvGrpSpPr/>
-          <p:nvPr/>
-        </p:nvGrpSpPr>
-        <p:grpSpPr>
-          <a:xfrm>
-            <a:off x="1267801" y="2188828"/>
-            <a:ext cx="2238150" cy="2192020"/>
-            <a:chOff x="7315199" y="1776413"/>
-            <a:chExt cx="2238150" cy="2192020"/>
-          </a:xfrm>
-        </p:grpSpPr>
-        <p:sp>
-          <p:nvSpPr>
-            <p:cNvPr id="22" name="Gefaltete Ecke 21"/>
-            <p:cNvSpPr/>
-            <p:nvPr/>
-          </p:nvSpPr>
-          <p:spPr>
-            <a:xfrm>
-              <a:off x="7753349" y="1776413"/>
-              <a:ext cx="1800000" cy="1800000"/>
-            </a:xfrm>
-            <a:prstGeom prst="foldedCorner">
-              <a:avLst/>
-            </a:prstGeom>
-            <a:solidFill>
-              <a:srgbClr val="11E9CF">
-                <a:alpha val="30000"/>
-              </a:srgbClr>
-            </a:solidFill>
-            <a:ln w="22225">
-              <a:solidFill>
-                <a:schemeClr val="bg1">
-                  <a:lumMod val="50000"/>
-                </a:schemeClr>
-              </a:solidFill>
-            </a:ln>
-          </p:spPr>
-          <p:style>
-            <a:lnRef idx="2">
-              <a:schemeClr val="accent1">
-                <a:shade val="50000"/>
-              </a:schemeClr>
-            </a:lnRef>
-            <a:fillRef idx="1">
-              <a:schemeClr val="accent1"/>
-            </a:fillRef>
-            <a:effectRef idx="0">
-              <a:schemeClr val="accent1"/>
-            </a:effectRef>
-            <a:fontRef idx="minor">
-              <a:schemeClr val="lt1"/>
-            </a:fontRef>
-          </p:style>
-          <p:txBody>
-            <a:bodyPr rtlCol="0" anchor="t"/>
-            <a:lstStyle/>
-            <a:p>
-              <a:pPr algn="ctr"/>
-              <a:r>
-                <a:rPr lang="de-DE" sz="2000" dirty="0">
-                  <a:solidFill>
-                    <a:schemeClr val="tx1"/>
-                  </a:solidFill>
-                  <a:latin typeface="Consolas" panose="020B0609020204030204" pitchFamily="49" charset="0"/>
-                </a:rPr>
-                <a:t>.</a:t>
-              </a:r>
-              <a:r>
-                <a:rPr lang="de-DE" sz="2000" dirty="0" err="1">
-                  <a:solidFill>
-                    <a:schemeClr val="tx1"/>
-                  </a:solidFill>
-                  <a:latin typeface="Consolas" panose="020B0609020204030204" pitchFamily="49" charset="0"/>
-                </a:rPr>
-                <a:t>aspx.cs</a:t>
-              </a:r>
-              <a:endParaRPr lang="de-DE" sz="2000" dirty="0">
-                <a:solidFill>
-                  <a:schemeClr val="tx1"/>
-                </a:solidFill>
-                <a:latin typeface="Consolas" panose="020B0609020204030204" pitchFamily="49" charset="0"/>
-              </a:endParaRPr>
-            </a:p>
-          </p:txBody>
-        </p:sp>
-        <p:sp>
-          <p:nvSpPr>
-            <p:cNvPr id="23" name="Gefaltete Ecke 22"/>
-            <p:cNvSpPr/>
-            <p:nvPr/>
-          </p:nvSpPr>
-          <p:spPr>
-            <a:xfrm>
-              <a:off x="7315199" y="2168433"/>
-              <a:ext cx="1800000" cy="1800000"/>
-            </a:xfrm>
-            <a:prstGeom prst="foldedCorner">
-              <a:avLst/>
-            </a:prstGeom>
-            <a:solidFill>
-              <a:schemeClr val="bg1"/>
-            </a:solidFill>
-            <a:ln w="22225">
-              <a:solidFill>
-                <a:schemeClr val="bg1">
-                  <a:lumMod val="50000"/>
-                </a:schemeClr>
-              </a:solidFill>
-            </a:ln>
-          </p:spPr>
-          <p:style>
-            <a:lnRef idx="2">
-              <a:schemeClr val="accent1">
-                <a:shade val="50000"/>
-              </a:schemeClr>
-            </a:lnRef>
-            <a:fillRef idx="1">
-              <a:schemeClr val="accent1"/>
-            </a:fillRef>
-            <a:effectRef idx="0">
-              <a:schemeClr val="accent1"/>
-            </a:effectRef>
-            <a:fontRef idx="minor">
-              <a:schemeClr val="lt1"/>
-            </a:fontRef>
-          </p:style>
-          <p:txBody>
-            <a:bodyPr rtlCol="0" anchor="ctr"/>
-            <a:lstStyle/>
-            <a:p>
-              <a:pPr algn="ctr"/>
-              <a:r>
-                <a:rPr lang="de-DE" sz="2000" dirty="0">
-                  <a:solidFill>
-                    <a:schemeClr val="tx1"/>
-                  </a:solidFill>
-                  <a:latin typeface="Consolas" panose="020B0609020204030204" pitchFamily="49" charset="0"/>
-                </a:rPr>
-                <a:t>.</a:t>
-              </a:r>
-              <a:r>
-                <a:rPr lang="de-DE" sz="2000" dirty="0" err="1">
-                  <a:solidFill>
-                    <a:schemeClr val="tx1"/>
-                  </a:solidFill>
-                  <a:latin typeface="Consolas" panose="020B0609020204030204" pitchFamily="49" charset="0"/>
-                </a:rPr>
-                <a:t>aspx</a:t>
-              </a:r>
-              <a:endParaRPr lang="de-DE" sz="2000" dirty="0">
-                <a:solidFill>
-                  <a:schemeClr val="tx1"/>
-                </a:solidFill>
-                <a:latin typeface="Consolas" panose="020B0609020204030204" pitchFamily="49" charset="0"/>
-              </a:endParaRPr>
-            </a:p>
-          </p:txBody>
-        </p:sp>
-      </p:grpSp>
-    </p:spTree>
-    <p:extLst>
-      <p:ext uri="{BB962C8B-B14F-4D97-AF65-F5344CB8AC3E}">
-        <p14:creationId xmlns:p14="http://schemas.microsoft.com/office/powerpoint/2010/main" val="836775256"/>
-      </p:ext>
-    </p:extLst>
-  </p:cSld>
-  <p:clrMapOvr>
-    <a:masterClrMapping/>
-  </p:clrMapOvr>
-  <p:timing>
-    <p:tnLst>
-      <p:par>
-        <p:cTn id="1" dur="indefinite" restart="never" nodeType="tmRoot"/>
-      </p:par>
-    </p:tnLst>
-  </p:timing>
-</p:sld>
-</file>
-
-<file path=ppt/slides/slide5.xml><?xml version="1.0" encoding="utf-8"?>
 <p:sld xmlns:a="http://schemas.openxmlformats.org/drawingml/2006/main" xmlns:r="http://schemas.openxmlformats.org/officeDocument/2006/relationships" xmlns:p="http://schemas.openxmlformats.org/presentationml/2006/main">
   <p:cSld>
     <p:spTree>
@@ -14575,7 +11084,1856 @@
 </p:sld>
 </file>
 
-<file path=ppt/slides/slide6.xml><?xml version="1.0" encoding="utf-8"?>
+<file path=ppt/slides/slide4.xml><?xml version="1.0" encoding="utf-8"?>
+<p:sld xmlns:a="http://schemas.openxmlformats.org/drawingml/2006/main" xmlns:r="http://schemas.openxmlformats.org/officeDocument/2006/relationships" xmlns:p="http://schemas.openxmlformats.org/presentationml/2006/main">
+  <p:cSld>
+    <p:spTree>
+      <p:nvGrpSpPr>
+        <p:cNvPr id="1" name=""/>
+        <p:cNvGrpSpPr/>
+        <p:nvPr/>
+      </p:nvGrpSpPr>
+      <p:grpSpPr>
+        <a:xfrm>
+          <a:off x="0" y="0"/>
+          <a:ext cx="0" cy="0"/>
+          <a:chOff x="0" y="0"/>
+          <a:chExt cx="0" cy="0"/>
+        </a:xfrm>
+      </p:grpSpPr>
+      <p:sp>
+        <p:nvSpPr>
+          <p:cNvPr id="9218" name="Rectangle 2"/>
+          <p:cNvSpPr>
+            <a:spLocks noGrp="1" noChangeArrowheads="1"/>
+          </p:cNvSpPr>
+          <p:nvPr>
+            <p:ph type="title" idx="4294967295"/>
+          </p:nvPr>
+        </p:nvSpPr>
+        <p:spPr>
+          <a:xfrm>
+            <a:off x="838199" y="365125"/>
+            <a:ext cx="11134725" cy="1325563"/>
+          </a:xfrm>
+        </p:spPr>
+        <p:txBody>
+          <a:bodyPr>
+            <a:normAutofit/>
+          </a:bodyPr>
+          <a:lstStyle/>
+          <a:p>
+            <a:r>
+              <a:rPr lang="en-US" altLang="de-DE" sz="7200" dirty="0" err="1">
+                <a:solidFill>
+                  <a:schemeClr val="bg1">
+                    <a:lumMod val="65000"/>
+                  </a:schemeClr>
+                </a:solidFill>
+                <a:latin typeface="Century Gothic" panose="020B0502020202020204" pitchFamily="34" charset="0"/>
+                <a:ea typeface="+mn-ea"/>
+                <a:cs typeface="+mn-cs"/>
+              </a:rPr>
+              <a:t>Lebenszyklus</a:t>
+            </a:r>
+            <a:r>
+              <a:rPr lang="en-US" altLang="de-DE" sz="7200" dirty="0">
+                <a:solidFill>
+                  <a:schemeClr val="bg1">
+                    <a:lumMod val="65000"/>
+                  </a:schemeClr>
+                </a:solidFill>
+                <a:latin typeface="Century Gothic" panose="020B0502020202020204" pitchFamily="34" charset="0"/>
+                <a:ea typeface="+mn-ea"/>
+                <a:cs typeface="+mn-cs"/>
+              </a:rPr>
+              <a:t> der </a:t>
+            </a:r>
+            <a:r>
+              <a:rPr lang="en-US" altLang="de-DE" sz="7200" dirty="0" err="1">
+                <a:solidFill>
+                  <a:schemeClr val="bg1">
+                    <a:lumMod val="65000"/>
+                  </a:schemeClr>
+                </a:solidFill>
+                <a:latin typeface="Century Gothic" panose="020B0502020202020204" pitchFamily="34" charset="0"/>
+                <a:ea typeface="+mn-ea"/>
+                <a:cs typeface="+mn-cs"/>
+              </a:rPr>
+              <a:t>Seite</a:t>
+            </a:r>
+            <a:endParaRPr lang="en-US" altLang="de-DE" sz="7200" dirty="0">
+              <a:solidFill>
+                <a:schemeClr val="bg1">
+                  <a:lumMod val="65000"/>
+                </a:schemeClr>
+              </a:solidFill>
+              <a:latin typeface="Century Gothic" panose="020B0502020202020204" pitchFamily="34" charset="0"/>
+              <a:ea typeface="+mn-ea"/>
+              <a:cs typeface="+mn-cs"/>
+            </a:endParaRPr>
+          </a:p>
+        </p:txBody>
+      </p:sp>
+      <p:grpSp>
+        <p:nvGrpSpPr>
+          <p:cNvPr id="9216" name="Gruppieren 9215"/>
+          <p:cNvGrpSpPr/>
+          <p:nvPr/>
+        </p:nvGrpSpPr>
+        <p:grpSpPr>
+          <a:xfrm>
+            <a:off x="1854645" y="2506601"/>
+            <a:ext cx="8613152" cy="2749550"/>
+            <a:chOff x="1854645" y="2516126"/>
+            <a:chExt cx="8613152" cy="2749550"/>
+          </a:xfrm>
+        </p:grpSpPr>
+        <p:grpSp>
+          <p:nvGrpSpPr>
+            <p:cNvPr id="15" name="Gruppieren 14"/>
+            <p:cNvGrpSpPr/>
+            <p:nvPr/>
+          </p:nvGrpSpPr>
+          <p:grpSpPr>
+            <a:xfrm>
+              <a:off x="1854645" y="2712976"/>
+              <a:ext cx="5322264" cy="2355850"/>
+              <a:chOff x="2143373" y="2145207"/>
+              <a:chExt cx="5322264" cy="2355850"/>
+            </a:xfrm>
+          </p:grpSpPr>
+          <p:grpSp>
+            <p:nvGrpSpPr>
+              <p:cNvPr id="13" name="Gruppieren 12"/>
+              <p:cNvGrpSpPr/>
+              <p:nvPr/>
+            </p:nvGrpSpPr>
+            <p:grpSpPr>
+              <a:xfrm>
+                <a:off x="2143373" y="3142157"/>
+                <a:ext cx="2047626" cy="182896"/>
+                <a:chOff x="2143373" y="3142157"/>
+                <a:chExt cx="2047626" cy="182896"/>
+              </a:xfrm>
+            </p:grpSpPr>
+            <p:cxnSp>
+              <p:nvCxnSpPr>
+                <p:cNvPr id="23" name="Gerade Verbindung mit Pfeil 22"/>
+                <p:cNvCxnSpPr/>
+                <p:nvPr/>
+              </p:nvCxnSpPr>
+              <p:spPr>
+                <a:xfrm flipV="1">
+                  <a:off x="2143373" y="3142157"/>
+                  <a:ext cx="2028576" cy="1921"/>
+                </a:xfrm>
+                <a:prstGeom prst="straightConnector1">
+                  <a:avLst/>
+                </a:prstGeom>
+                <a:ln w="19050">
+                  <a:solidFill>
+                    <a:srgbClr val="11E9CF"/>
+                  </a:solidFill>
+                  <a:tailEnd type="arrow"/>
+                </a:ln>
+              </p:spPr>
+              <p:style>
+                <a:lnRef idx="1">
+                  <a:schemeClr val="accent1"/>
+                </a:lnRef>
+                <a:fillRef idx="0">
+                  <a:schemeClr val="accent1"/>
+                </a:fillRef>
+                <a:effectRef idx="0">
+                  <a:schemeClr val="accent1"/>
+                </a:effectRef>
+                <a:fontRef idx="minor">
+                  <a:schemeClr val="tx1"/>
+                </a:fontRef>
+              </p:style>
+            </p:cxnSp>
+            <p:cxnSp>
+              <p:nvCxnSpPr>
+                <p:cNvPr id="16" name="Gerade Verbindung mit Pfeil 15"/>
+                <p:cNvCxnSpPr/>
+                <p:nvPr/>
+              </p:nvCxnSpPr>
+              <p:spPr>
+                <a:xfrm flipH="1">
+                  <a:off x="2143373" y="3323132"/>
+                  <a:ext cx="2047626" cy="1921"/>
+                </a:xfrm>
+                <a:prstGeom prst="straightConnector1">
+                  <a:avLst/>
+                </a:prstGeom>
+                <a:ln w="19050">
+                  <a:solidFill>
+                    <a:srgbClr val="11E9CF"/>
+                  </a:solidFill>
+                  <a:tailEnd type="arrow"/>
+                </a:ln>
+              </p:spPr>
+              <p:style>
+                <a:lnRef idx="1">
+                  <a:schemeClr val="accent1"/>
+                </a:lnRef>
+                <a:fillRef idx="0">
+                  <a:schemeClr val="accent1"/>
+                </a:fillRef>
+                <a:effectRef idx="0">
+                  <a:schemeClr val="accent1"/>
+                </a:effectRef>
+                <a:fontRef idx="minor">
+                  <a:schemeClr val="tx1"/>
+                </a:fontRef>
+              </p:style>
+            </p:cxnSp>
+          </p:grpSp>
+          <p:cxnSp>
+            <p:nvCxnSpPr>
+              <p:cNvPr id="19" name="Gerade Verbindung mit Pfeil 18"/>
+              <p:cNvCxnSpPr>
+                <a:endCxn id="22" idx="1"/>
+              </p:cNvCxnSpPr>
+              <p:nvPr/>
+            </p:nvCxnSpPr>
+            <p:spPr>
+              <a:xfrm flipV="1">
+                <a:off x="5314949" y="2145207"/>
+                <a:ext cx="2133102" cy="998872"/>
+              </a:xfrm>
+              <a:prstGeom prst="straightConnector1">
+                <a:avLst/>
+              </a:prstGeom>
+              <a:ln w="19050">
+                <a:solidFill>
+                  <a:srgbClr val="11E9CF"/>
+                </a:solidFill>
+                <a:tailEnd type="arrow"/>
+              </a:ln>
+            </p:spPr>
+            <p:style>
+              <a:lnRef idx="1">
+                <a:schemeClr val="accent1"/>
+              </a:lnRef>
+              <a:fillRef idx="0">
+                <a:schemeClr val="accent1"/>
+              </a:fillRef>
+              <a:effectRef idx="0">
+                <a:schemeClr val="accent1"/>
+              </a:effectRef>
+              <a:fontRef idx="minor">
+                <a:schemeClr val="tx1"/>
+              </a:fontRef>
+            </p:style>
+          </p:cxnSp>
+          <p:cxnSp>
+            <p:nvCxnSpPr>
+              <p:cNvPr id="20" name="Gerade Verbindung mit Pfeil 19"/>
+              <p:cNvCxnSpPr>
+                <a:stCxn id="30" idx="1"/>
+              </p:cNvCxnSpPr>
+              <p:nvPr/>
+            </p:nvCxnSpPr>
+            <p:spPr>
+              <a:xfrm flipH="1" flipV="1">
+                <a:off x="5314949" y="3325053"/>
+                <a:ext cx="2150688" cy="1176004"/>
+              </a:xfrm>
+              <a:prstGeom prst="straightConnector1">
+                <a:avLst/>
+              </a:prstGeom>
+              <a:ln w="19050">
+                <a:solidFill>
+                  <a:srgbClr val="11E9CF"/>
+                </a:solidFill>
+                <a:tailEnd type="arrow"/>
+              </a:ln>
+            </p:spPr>
+            <p:style>
+              <a:lnRef idx="1">
+                <a:schemeClr val="accent1"/>
+              </a:lnRef>
+              <a:fillRef idx="0">
+                <a:schemeClr val="accent1"/>
+              </a:fillRef>
+              <a:effectRef idx="0">
+                <a:schemeClr val="accent1"/>
+              </a:effectRef>
+              <a:fontRef idx="minor">
+                <a:schemeClr val="tx1"/>
+              </a:fontRef>
+            </p:style>
+          </p:cxnSp>
+        </p:grpSp>
+        <p:grpSp>
+          <p:nvGrpSpPr>
+            <p:cNvPr id="17" name="Gruppieren 16"/>
+            <p:cNvGrpSpPr/>
+            <p:nvPr/>
+          </p:nvGrpSpPr>
+          <p:grpSpPr>
+            <a:xfrm>
+              <a:off x="7159323" y="2516126"/>
+              <a:ext cx="3308474" cy="2749550"/>
+              <a:chOff x="8112125" y="2468501"/>
+              <a:chExt cx="3308474" cy="2749550"/>
+            </a:xfrm>
+          </p:grpSpPr>
+          <p:sp>
+            <p:nvSpPr>
+              <p:cNvPr id="22" name="AutoShape 91"/>
+              <p:cNvSpPr>
+                <a:spLocks noChangeArrowheads="1"/>
+              </p:cNvSpPr>
+              <p:nvPr/>
+            </p:nvSpPr>
+            <p:spPr bwMode="auto">
+              <a:xfrm>
+                <a:off x="8112125" y="2468501"/>
+                <a:ext cx="3290888" cy="393700"/>
+              </a:xfrm>
+              <a:prstGeom prst="roundRect">
+                <a:avLst>
+                  <a:gd name="adj" fmla="val 16667"/>
+                </a:avLst>
+              </a:prstGeom>
+              <a:ln w="19050">
+                <a:solidFill>
+                  <a:schemeClr val="bg1">
+                    <a:lumMod val="50000"/>
+                  </a:schemeClr>
+                </a:solidFill>
+                <a:headEnd/>
+                <a:tailEnd/>
+              </a:ln>
+            </p:spPr>
+            <p:style>
+              <a:lnRef idx="2">
+                <a:schemeClr val="accent1"/>
+              </a:lnRef>
+              <a:fillRef idx="1">
+                <a:schemeClr val="lt1"/>
+              </a:fillRef>
+              <a:effectRef idx="0">
+                <a:schemeClr val="accent1"/>
+              </a:effectRef>
+              <a:fontRef idx="minor">
+                <a:schemeClr val="dk1"/>
+              </a:fontRef>
+            </p:style>
+            <p:txBody>
+              <a:bodyPr/>
+              <a:lstStyle>
+                <a:lvl1pPr algn="ctr" eaLnBrk="0" hangingPunct="0">
+                  <a:defRPr>
+                    <a:solidFill>
+                      <a:schemeClr val="tx1"/>
+                    </a:solidFill>
+                    <a:latin typeface="Verdana" panose="020B0604030504040204" pitchFamily="34" charset="0"/>
+                    <a:cs typeface="Arial" panose="020B0604020202020204" pitchFamily="34" charset="0"/>
+                  </a:defRPr>
+                </a:lvl1pPr>
+                <a:lvl2pPr marL="742950" indent="-285750" algn="ctr" eaLnBrk="0" hangingPunct="0">
+                  <a:defRPr>
+                    <a:solidFill>
+                      <a:schemeClr val="tx1"/>
+                    </a:solidFill>
+                    <a:latin typeface="Verdana" panose="020B0604030504040204" pitchFamily="34" charset="0"/>
+                    <a:cs typeface="Arial" panose="020B0604020202020204" pitchFamily="34" charset="0"/>
+                  </a:defRPr>
+                </a:lvl2pPr>
+                <a:lvl3pPr marL="1143000" indent="-228600" algn="ctr" eaLnBrk="0" hangingPunct="0">
+                  <a:defRPr>
+                    <a:solidFill>
+                      <a:schemeClr val="tx1"/>
+                    </a:solidFill>
+                    <a:latin typeface="Verdana" panose="020B0604030504040204" pitchFamily="34" charset="0"/>
+                    <a:cs typeface="Arial" panose="020B0604020202020204" pitchFamily="34" charset="0"/>
+                  </a:defRPr>
+                </a:lvl3pPr>
+                <a:lvl4pPr marL="1600200" indent="-228600" algn="ctr" eaLnBrk="0" hangingPunct="0">
+                  <a:defRPr>
+                    <a:solidFill>
+                      <a:schemeClr val="tx1"/>
+                    </a:solidFill>
+                    <a:latin typeface="Verdana" panose="020B0604030504040204" pitchFamily="34" charset="0"/>
+                    <a:cs typeface="Arial" panose="020B0604020202020204" pitchFamily="34" charset="0"/>
+                  </a:defRPr>
+                </a:lvl4pPr>
+                <a:lvl5pPr marL="2057400" indent="-228600" algn="ctr" eaLnBrk="0" hangingPunct="0">
+                  <a:defRPr>
+                    <a:solidFill>
+                      <a:schemeClr val="tx1"/>
+                    </a:solidFill>
+                    <a:latin typeface="Verdana" panose="020B0604030504040204" pitchFamily="34" charset="0"/>
+                    <a:cs typeface="Arial" panose="020B0604020202020204" pitchFamily="34" charset="0"/>
+                  </a:defRPr>
+                </a:lvl5pPr>
+                <a:lvl6pPr marL="2514600" indent="-228600" algn="ctr" eaLnBrk="0" fontAlgn="base" hangingPunct="0">
+                  <a:spcBef>
+                    <a:spcPct val="0"/>
+                  </a:spcBef>
+                  <a:spcAft>
+                    <a:spcPct val="0"/>
+                  </a:spcAft>
+                  <a:defRPr>
+                    <a:solidFill>
+                      <a:schemeClr val="tx1"/>
+                    </a:solidFill>
+                    <a:latin typeface="Verdana" panose="020B0604030504040204" pitchFamily="34" charset="0"/>
+                    <a:cs typeface="Arial" panose="020B0604020202020204" pitchFamily="34" charset="0"/>
+                  </a:defRPr>
+                </a:lvl6pPr>
+                <a:lvl7pPr marL="2971800" indent="-228600" algn="ctr" eaLnBrk="0" fontAlgn="base" hangingPunct="0">
+                  <a:spcBef>
+                    <a:spcPct val="0"/>
+                  </a:spcBef>
+                  <a:spcAft>
+                    <a:spcPct val="0"/>
+                  </a:spcAft>
+                  <a:defRPr>
+                    <a:solidFill>
+                      <a:schemeClr val="tx1"/>
+                    </a:solidFill>
+                    <a:latin typeface="Verdana" panose="020B0604030504040204" pitchFamily="34" charset="0"/>
+                    <a:cs typeface="Arial" panose="020B0604020202020204" pitchFamily="34" charset="0"/>
+                  </a:defRPr>
+                </a:lvl7pPr>
+                <a:lvl8pPr marL="3429000" indent="-228600" algn="ctr" eaLnBrk="0" fontAlgn="base" hangingPunct="0">
+                  <a:spcBef>
+                    <a:spcPct val="0"/>
+                  </a:spcBef>
+                  <a:spcAft>
+                    <a:spcPct val="0"/>
+                  </a:spcAft>
+                  <a:defRPr>
+                    <a:solidFill>
+                      <a:schemeClr val="tx1"/>
+                    </a:solidFill>
+                    <a:latin typeface="Verdana" panose="020B0604030504040204" pitchFamily="34" charset="0"/>
+                    <a:cs typeface="Arial" panose="020B0604020202020204" pitchFamily="34" charset="0"/>
+                  </a:defRPr>
+                </a:lvl8pPr>
+                <a:lvl9pPr marL="3886200" indent="-228600" algn="ctr" eaLnBrk="0" fontAlgn="base" hangingPunct="0">
+                  <a:spcBef>
+                    <a:spcPct val="0"/>
+                  </a:spcBef>
+                  <a:spcAft>
+                    <a:spcPct val="0"/>
+                  </a:spcAft>
+                  <a:defRPr>
+                    <a:solidFill>
+                      <a:schemeClr val="tx1"/>
+                    </a:solidFill>
+                    <a:latin typeface="Verdana" panose="020B0604030504040204" pitchFamily="34" charset="0"/>
+                    <a:cs typeface="Arial" panose="020B0604020202020204" pitchFamily="34" charset="0"/>
+                  </a:defRPr>
+                </a:lvl9pPr>
+              </a:lstStyle>
+              <a:p>
+                <a:pPr algn="l" eaLnBrk="1" hangingPunct="1"/>
+                <a:r>
+                  <a:rPr lang="en-US" altLang="de-DE" dirty="0"/>
+                  <a:t>1. Page initialization</a:t>
+                </a:r>
+              </a:p>
+            </p:txBody>
+          </p:sp>
+          <p:sp>
+            <p:nvSpPr>
+              <p:cNvPr id="24" name="AutoShape 94"/>
+              <p:cNvSpPr>
+                <a:spLocks noChangeArrowheads="1"/>
+              </p:cNvSpPr>
+              <p:nvPr/>
+            </p:nvSpPr>
+            <p:spPr bwMode="auto">
+              <a:xfrm>
+                <a:off x="8112125" y="2939671"/>
+                <a:ext cx="3290888" cy="393700"/>
+              </a:xfrm>
+              <a:prstGeom prst="roundRect">
+                <a:avLst>
+                  <a:gd name="adj" fmla="val 16667"/>
+                </a:avLst>
+              </a:prstGeom>
+              <a:ln w="19050">
+                <a:solidFill>
+                  <a:schemeClr val="bg1">
+                    <a:lumMod val="50000"/>
+                  </a:schemeClr>
+                </a:solidFill>
+                <a:headEnd/>
+                <a:tailEnd/>
+              </a:ln>
+            </p:spPr>
+            <p:style>
+              <a:lnRef idx="2">
+                <a:schemeClr val="accent1"/>
+              </a:lnRef>
+              <a:fillRef idx="1">
+                <a:schemeClr val="lt1"/>
+              </a:fillRef>
+              <a:effectRef idx="0">
+                <a:schemeClr val="accent1"/>
+              </a:effectRef>
+              <a:fontRef idx="minor">
+                <a:schemeClr val="dk1"/>
+              </a:fontRef>
+            </p:style>
+            <p:txBody>
+              <a:bodyPr/>
+              <a:lstStyle>
+                <a:lvl1pPr algn="ctr" eaLnBrk="0" hangingPunct="0">
+                  <a:defRPr>
+                    <a:solidFill>
+                      <a:schemeClr val="tx1"/>
+                    </a:solidFill>
+                    <a:latin typeface="Verdana" panose="020B0604030504040204" pitchFamily="34" charset="0"/>
+                    <a:cs typeface="Arial" panose="020B0604020202020204" pitchFamily="34" charset="0"/>
+                  </a:defRPr>
+                </a:lvl1pPr>
+                <a:lvl2pPr marL="742950" indent="-285750" algn="ctr" eaLnBrk="0" hangingPunct="0">
+                  <a:defRPr>
+                    <a:solidFill>
+                      <a:schemeClr val="tx1"/>
+                    </a:solidFill>
+                    <a:latin typeface="Verdana" panose="020B0604030504040204" pitchFamily="34" charset="0"/>
+                    <a:cs typeface="Arial" panose="020B0604020202020204" pitchFamily="34" charset="0"/>
+                  </a:defRPr>
+                </a:lvl2pPr>
+                <a:lvl3pPr marL="1143000" indent="-228600" algn="ctr" eaLnBrk="0" hangingPunct="0">
+                  <a:defRPr>
+                    <a:solidFill>
+                      <a:schemeClr val="tx1"/>
+                    </a:solidFill>
+                    <a:latin typeface="Verdana" panose="020B0604030504040204" pitchFamily="34" charset="0"/>
+                    <a:cs typeface="Arial" panose="020B0604020202020204" pitchFamily="34" charset="0"/>
+                  </a:defRPr>
+                </a:lvl3pPr>
+                <a:lvl4pPr marL="1600200" indent="-228600" algn="ctr" eaLnBrk="0" hangingPunct="0">
+                  <a:defRPr>
+                    <a:solidFill>
+                      <a:schemeClr val="tx1"/>
+                    </a:solidFill>
+                    <a:latin typeface="Verdana" panose="020B0604030504040204" pitchFamily="34" charset="0"/>
+                    <a:cs typeface="Arial" panose="020B0604020202020204" pitchFamily="34" charset="0"/>
+                  </a:defRPr>
+                </a:lvl4pPr>
+                <a:lvl5pPr marL="2057400" indent="-228600" algn="ctr" eaLnBrk="0" hangingPunct="0">
+                  <a:defRPr>
+                    <a:solidFill>
+                      <a:schemeClr val="tx1"/>
+                    </a:solidFill>
+                    <a:latin typeface="Verdana" panose="020B0604030504040204" pitchFamily="34" charset="0"/>
+                    <a:cs typeface="Arial" panose="020B0604020202020204" pitchFamily="34" charset="0"/>
+                  </a:defRPr>
+                </a:lvl5pPr>
+                <a:lvl6pPr marL="2514600" indent="-228600" algn="ctr" eaLnBrk="0" fontAlgn="base" hangingPunct="0">
+                  <a:spcBef>
+                    <a:spcPct val="0"/>
+                  </a:spcBef>
+                  <a:spcAft>
+                    <a:spcPct val="0"/>
+                  </a:spcAft>
+                  <a:defRPr>
+                    <a:solidFill>
+                      <a:schemeClr val="tx1"/>
+                    </a:solidFill>
+                    <a:latin typeface="Verdana" panose="020B0604030504040204" pitchFamily="34" charset="0"/>
+                    <a:cs typeface="Arial" panose="020B0604020202020204" pitchFamily="34" charset="0"/>
+                  </a:defRPr>
+                </a:lvl6pPr>
+                <a:lvl7pPr marL="2971800" indent="-228600" algn="ctr" eaLnBrk="0" fontAlgn="base" hangingPunct="0">
+                  <a:spcBef>
+                    <a:spcPct val="0"/>
+                  </a:spcBef>
+                  <a:spcAft>
+                    <a:spcPct val="0"/>
+                  </a:spcAft>
+                  <a:defRPr>
+                    <a:solidFill>
+                      <a:schemeClr val="tx1"/>
+                    </a:solidFill>
+                    <a:latin typeface="Verdana" panose="020B0604030504040204" pitchFamily="34" charset="0"/>
+                    <a:cs typeface="Arial" panose="020B0604020202020204" pitchFamily="34" charset="0"/>
+                  </a:defRPr>
+                </a:lvl7pPr>
+                <a:lvl8pPr marL="3429000" indent="-228600" algn="ctr" eaLnBrk="0" fontAlgn="base" hangingPunct="0">
+                  <a:spcBef>
+                    <a:spcPct val="0"/>
+                  </a:spcBef>
+                  <a:spcAft>
+                    <a:spcPct val="0"/>
+                  </a:spcAft>
+                  <a:defRPr>
+                    <a:solidFill>
+                      <a:schemeClr val="tx1"/>
+                    </a:solidFill>
+                    <a:latin typeface="Verdana" panose="020B0604030504040204" pitchFamily="34" charset="0"/>
+                    <a:cs typeface="Arial" panose="020B0604020202020204" pitchFamily="34" charset="0"/>
+                  </a:defRPr>
+                </a:lvl8pPr>
+                <a:lvl9pPr marL="3886200" indent="-228600" algn="ctr" eaLnBrk="0" fontAlgn="base" hangingPunct="0">
+                  <a:spcBef>
+                    <a:spcPct val="0"/>
+                  </a:spcBef>
+                  <a:spcAft>
+                    <a:spcPct val="0"/>
+                  </a:spcAft>
+                  <a:defRPr>
+                    <a:solidFill>
+                      <a:schemeClr val="tx1"/>
+                    </a:solidFill>
+                    <a:latin typeface="Verdana" panose="020B0604030504040204" pitchFamily="34" charset="0"/>
+                    <a:cs typeface="Arial" panose="020B0604020202020204" pitchFamily="34" charset="0"/>
+                  </a:defRPr>
+                </a:lvl9pPr>
+              </a:lstStyle>
+              <a:p>
+                <a:pPr algn="l" eaLnBrk="1" hangingPunct="1"/>
+                <a:r>
+                  <a:rPr lang="en-US" altLang="de-DE" dirty="0"/>
+                  <a:t>2. Load</a:t>
+                </a:r>
+              </a:p>
+            </p:txBody>
+          </p:sp>
+          <p:sp>
+            <p:nvSpPr>
+              <p:cNvPr id="25" name="AutoShape 95"/>
+              <p:cNvSpPr>
+                <a:spLocks noChangeArrowheads="1"/>
+              </p:cNvSpPr>
+              <p:nvPr/>
+            </p:nvSpPr>
+            <p:spPr bwMode="auto">
+              <a:xfrm>
+                <a:off x="8112125" y="3410841"/>
+                <a:ext cx="3290888" cy="393700"/>
+              </a:xfrm>
+              <a:prstGeom prst="roundRect">
+                <a:avLst>
+                  <a:gd name="adj" fmla="val 16667"/>
+                </a:avLst>
+              </a:prstGeom>
+              <a:ln w="19050">
+                <a:solidFill>
+                  <a:schemeClr val="bg1">
+                    <a:lumMod val="50000"/>
+                  </a:schemeClr>
+                </a:solidFill>
+                <a:headEnd/>
+                <a:tailEnd/>
+              </a:ln>
+            </p:spPr>
+            <p:style>
+              <a:lnRef idx="2">
+                <a:schemeClr val="accent1"/>
+              </a:lnRef>
+              <a:fillRef idx="1">
+                <a:schemeClr val="lt1"/>
+              </a:fillRef>
+              <a:effectRef idx="0">
+                <a:schemeClr val="accent1"/>
+              </a:effectRef>
+              <a:fontRef idx="minor">
+                <a:schemeClr val="dk1"/>
+              </a:fontRef>
+            </p:style>
+            <p:txBody>
+              <a:bodyPr wrap="none" anchor="ctr"/>
+              <a:lstStyle>
+                <a:lvl1pPr algn="ctr" eaLnBrk="0" hangingPunct="0">
+                  <a:defRPr>
+                    <a:solidFill>
+                      <a:schemeClr val="tx1"/>
+                    </a:solidFill>
+                    <a:latin typeface="Verdana" panose="020B0604030504040204" pitchFamily="34" charset="0"/>
+                    <a:cs typeface="Arial" panose="020B0604020202020204" pitchFamily="34" charset="0"/>
+                  </a:defRPr>
+                </a:lvl1pPr>
+                <a:lvl2pPr marL="742950" indent="-285750" algn="ctr" eaLnBrk="0" hangingPunct="0">
+                  <a:defRPr>
+                    <a:solidFill>
+                      <a:schemeClr val="tx1"/>
+                    </a:solidFill>
+                    <a:latin typeface="Verdana" panose="020B0604030504040204" pitchFamily="34" charset="0"/>
+                    <a:cs typeface="Arial" panose="020B0604020202020204" pitchFamily="34" charset="0"/>
+                  </a:defRPr>
+                </a:lvl2pPr>
+                <a:lvl3pPr marL="1143000" indent="-228600" algn="ctr" eaLnBrk="0" hangingPunct="0">
+                  <a:defRPr>
+                    <a:solidFill>
+                      <a:schemeClr val="tx1"/>
+                    </a:solidFill>
+                    <a:latin typeface="Verdana" panose="020B0604030504040204" pitchFamily="34" charset="0"/>
+                    <a:cs typeface="Arial" panose="020B0604020202020204" pitchFamily="34" charset="0"/>
+                  </a:defRPr>
+                </a:lvl3pPr>
+                <a:lvl4pPr marL="1600200" indent="-228600" algn="ctr" eaLnBrk="0" hangingPunct="0">
+                  <a:defRPr>
+                    <a:solidFill>
+                      <a:schemeClr val="tx1"/>
+                    </a:solidFill>
+                    <a:latin typeface="Verdana" panose="020B0604030504040204" pitchFamily="34" charset="0"/>
+                    <a:cs typeface="Arial" panose="020B0604020202020204" pitchFamily="34" charset="0"/>
+                  </a:defRPr>
+                </a:lvl4pPr>
+                <a:lvl5pPr marL="2057400" indent="-228600" algn="ctr" eaLnBrk="0" hangingPunct="0">
+                  <a:defRPr>
+                    <a:solidFill>
+                      <a:schemeClr val="tx1"/>
+                    </a:solidFill>
+                    <a:latin typeface="Verdana" panose="020B0604030504040204" pitchFamily="34" charset="0"/>
+                    <a:cs typeface="Arial" panose="020B0604020202020204" pitchFamily="34" charset="0"/>
+                  </a:defRPr>
+                </a:lvl5pPr>
+                <a:lvl6pPr marL="2514600" indent="-228600" algn="ctr" eaLnBrk="0" fontAlgn="base" hangingPunct="0">
+                  <a:spcBef>
+                    <a:spcPct val="0"/>
+                  </a:spcBef>
+                  <a:spcAft>
+                    <a:spcPct val="0"/>
+                  </a:spcAft>
+                  <a:defRPr>
+                    <a:solidFill>
+                      <a:schemeClr val="tx1"/>
+                    </a:solidFill>
+                    <a:latin typeface="Verdana" panose="020B0604030504040204" pitchFamily="34" charset="0"/>
+                    <a:cs typeface="Arial" panose="020B0604020202020204" pitchFamily="34" charset="0"/>
+                  </a:defRPr>
+                </a:lvl6pPr>
+                <a:lvl7pPr marL="2971800" indent="-228600" algn="ctr" eaLnBrk="0" fontAlgn="base" hangingPunct="0">
+                  <a:spcBef>
+                    <a:spcPct val="0"/>
+                  </a:spcBef>
+                  <a:spcAft>
+                    <a:spcPct val="0"/>
+                  </a:spcAft>
+                  <a:defRPr>
+                    <a:solidFill>
+                      <a:schemeClr val="tx1"/>
+                    </a:solidFill>
+                    <a:latin typeface="Verdana" panose="020B0604030504040204" pitchFamily="34" charset="0"/>
+                    <a:cs typeface="Arial" panose="020B0604020202020204" pitchFamily="34" charset="0"/>
+                  </a:defRPr>
+                </a:lvl7pPr>
+                <a:lvl8pPr marL="3429000" indent="-228600" algn="ctr" eaLnBrk="0" fontAlgn="base" hangingPunct="0">
+                  <a:spcBef>
+                    <a:spcPct val="0"/>
+                  </a:spcBef>
+                  <a:spcAft>
+                    <a:spcPct val="0"/>
+                  </a:spcAft>
+                  <a:defRPr>
+                    <a:solidFill>
+                      <a:schemeClr val="tx1"/>
+                    </a:solidFill>
+                    <a:latin typeface="Verdana" panose="020B0604030504040204" pitchFamily="34" charset="0"/>
+                    <a:cs typeface="Arial" panose="020B0604020202020204" pitchFamily="34" charset="0"/>
+                  </a:defRPr>
+                </a:lvl8pPr>
+                <a:lvl9pPr marL="3886200" indent="-228600" algn="ctr" eaLnBrk="0" fontAlgn="base" hangingPunct="0">
+                  <a:spcBef>
+                    <a:spcPct val="0"/>
+                  </a:spcBef>
+                  <a:spcAft>
+                    <a:spcPct val="0"/>
+                  </a:spcAft>
+                  <a:defRPr>
+                    <a:solidFill>
+                      <a:schemeClr val="tx1"/>
+                    </a:solidFill>
+                    <a:latin typeface="Verdana" panose="020B0604030504040204" pitchFamily="34" charset="0"/>
+                    <a:cs typeface="Arial" panose="020B0604020202020204" pitchFamily="34" charset="0"/>
+                  </a:defRPr>
+                </a:lvl9pPr>
+              </a:lstStyle>
+              <a:p>
+                <a:pPr algn="l">
+                  <a:lnSpc>
+                    <a:spcPct val="90000"/>
+                  </a:lnSpc>
+                  <a:spcBef>
+                    <a:spcPct val="40000"/>
+                  </a:spcBef>
+                </a:pPr>
+                <a:r>
+                  <a:rPr lang="en-US" altLang="de-DE" dirty="0"/>
+                  <a:t>3. Validation</a:t>
+                </a:r>
+              </a:p>
+            </p:txBody>
+          </p:sp>
+          <p:sp>
+            <p:nvSpPr>
+              <p:cNvPr id="26" name="AutoShape 96"/>
+              <p:cNvSpPr>
+                <a:spLocks noChangeArrowheads="1"/>
+              </p:cNvSpPr>
+              <p:nvPr/>
+            </p:nvSpPr>
+            <p:spPr bwMode="auto">
+              <a:xfrm>
+                <a:off x="8112125" y="3882011"/>
+                <a:ext cx="3290888" cy="393700"/>
+              </a:xfrm>
+              <a:prstGeom prst="roundRect">
+                <a:avLst>
+                  <a:gd name="adj" fmla="val 16667"/>
+                </a:avLst>
+              </a:prstGeom>
+              <a:ln w="19050">
+                <a:solidFill>
+                  <a:schemeClr val="bg1">
+                    <a:lumMod val="50000"/>
+                  </a:schemeClr>
+                </a:solidFill>
+                <a:headEnd/>
+                <a:tailEnd/>
+              </a:ln>
+            </p:spPr>
+            <p:style>
+              <a:lnRef idx="2">
+                <a:schemeClr val="accent1"/>
+              </a:lnRef>
+              <a:fillRef idx="1">
+                <a:schemeClr val="lt1"/>
+              </a:fillRef>
+              <a:effectRef idx="0">
+                <a:schemeClr val="accent1"/>
+              </a:effectRef>
+              <a:fontRef idx="minor">
+                <a:schemeClr val="dk1"/>
+              </a:fontRef>
+            </p:style>
+            <p:txBody>
+              <a:bodyPr wrap="none" anchor="ctr"/>
+              <a:lstStyle>
+                <a:lvl1pPr algn="ctr" eaLnBrk="0" hangingPunct="0">
+                  <a:defRPr>
+                    <a:solidFill>
+                      <a:schemeClr val="tx1"/>
+                    </a:solidFill>
+                    <a:latin typeface="Verdana" panose="020B0604030504040204" pitchFamily="34" charset="0"/>
+                    <a:cs typeface="Arial" panose="020B0604020202020204" pitchFamily="34" charset="0"/>
+                  </a:defRPr>
+                </a:lvl1pPr>
+                <a:lvl2pPr marL="742950" indent="-285750" algn="ctr" eaLnBrk="0" hangingPunct="0">
+                  <a:defRPr>
+                    <a:solidFill>
+                      <a:schemeClr val="tx1"/>
+                    </a:solidFill>
+                    <a:latin typeface="Verdana" panose="020B0604030504040204" pitchFamily="34" charset="0"/>
+                    <a:cs typeface="Arial" panose="020B0604020202020204" pitchFamily="34" charset="0"/>
+                  </a:defRPr>
+                </a:lvl2pPr>
+                <a:lvl3pPr marL="1143000" indent="-228600" algn="ctr" eaLnBrk="0" hangingPunct="0">
+                  <a:defRPr>
+                    <a:solidFill>
+                      <a:schemeClr val="tx1"/>
+                    </a:solidFill>
+                    <a:latin typeface="Verdana" panose="020B0604030504040204" pitchFamily="34" charset="0"/>
+                    <a:cs typeface="Arial" panose="020B0604020202020204" pitchFamily="34" charset="0"/>
+                  </a:defRPr>
+                </a:lvl3pPr>
+                <a:lvl4pPr marL="1600200" indent="-228600" algn="ctr" eaLnBrk="0" hangingPunct="0">
+                  <a:defRPr>
+                    <a:solidFill>
+                      <a:schemeClr val="tx1"/>
+                    </a:solidFill>
+                    <a:latin typeface="Verdana" panose="020B0604030504040204" pitchFamily="34" charset="0"/>
+                    <a:cs typeface="Arial" panose="020B0604020202020204" pitchFamily="34" charset="0"/>
+                  </a:defRPr>
+                </a:lvl4pPr>
+                <a:lvl5pPr marL="2057400" indent="-228600" algn="ctr" eaLnBrk="0" hangingPunct="0">
+                  <a:defRPr>
+                    <a:solidFill>
+                      <a:schemeClr val="tx1"/>
+                    </a:solidFill>
+                    <a:latin typeface="Verdana" panose="020B0604030504040204" pitchFamily="34" charset="0"/>
+                    <a:cs typeface="Arial" panose="020B0604020202020204" pitchFamily="34" charset="0"/>
+                  </a:defRPr>
+                </a:lvl5pPr>
+                <a:lvl6pPr marL="2514600" indent="-228600" algn="ctr" eaLnBrk="0" fontAlgn="base" hangingPunct="0">
+                  <a:spcBef>
+                    <a:spcPct val="0"/>
+                  </a:spcBef>
+                  <a:spcAft>
+                    <a:spcPct val="0"/>
+                  </a:spcAft>
+                  <a:defRPr>
+                    <a:solidFill>
+                      <a:schemeClr val="tx1"/>
+                    </a:solidFill>
+                    <a:latin typeface="Verdana" panose="020B0604030504040204" pitchFamily="34" charset="0"/>
+                    <a:cs typeface="Arial" panose="020B0604020202020204" pitchFamily="34" charset="0"/>
+                  </a:defRPr>
+                </a:lvl6pPr>
+                <a:lvl7pPr marL="2971800" indent="-228600" algn="ctr" eaLnBrk="0" fontAlgn="base" hangingPunct="0">
+                  <a:spcBef>
+                    <a:spcPct val="0"/>
+                  </a:spcBef>
+                  <a:spcAft>
+                    <a:spcPct val="0"/>
+                  </a:spcAft>
+                  <a:defRPr>
+                    <a:solidFill>
+                      <a:schemeClr val="tx1"/>
+                    </a:solidFill>
+                    <a:latin typeface="Verdana" panose="020B0604030504040204" pitchFamily="34" charset="0"/>
+                    <a:cs typeface="Arial" panose="020B0604020202020204" pitchFamily="34" charset="0"/>
+                  </a:defRPr>
+                </a:lvl7pPr>
+                <a:lvl8pPr marL="3429000" indent="-228600" algn="ctr" eaLnBrk="0" fontAlgn="base" hangingPunct="0">
+                  <a:spcBef>
+                    <a:spcPct val="0"/>
+                  </a:spcBef>
+                  <a:spcAft>
+                    <a:spcPct val="0"/>
+                  </a:spcAft>
+                  <a:defRPr>
+                    <a:solidFill>
+                      <a:schemeClr val="tx1"/>
+                    </a:solidFill>
+                    <a:latin typeface="Verdana" panose="020B0604030504040204" pitchFamily="34" charset="0"/>
+                    <a:cs typeface="Arial" panose="020B0604020202020204" pitchFamily="34" charset="0"/>
+                  </a:defRPr>
+                </a:lvl8pPr>
+                <a:lvl9pPr marL="3886200" indent="-228600" algn="ctr" eaLnBrk="0" fontAlgn="base" hangingPunct="0">
+                  <a:spcBef>
+                    <a:spcPct val="0"/>
+                  </a:spcBef>
+                  <a:spcAft>
+                    <a:spcPct val="0"/>
+                  </a:spcAft>
+                  <a:defRPr>
+                    <a:solidFill>
+                      <a:schemeClr val="tx1"/>
+                    </a:solidFill>
+                    <a:latin typeface="Verdana" panose="020B0604030504040204" pitchFamily="34" charset="0"/>
+                    <a:cs typeface="Arial" panose="020B0604020202020204" pitchFamily="34" charset="0"/>
+                  </a:defRPr>
+                </a:lvl9pPr>
+              </a:lstStyle>
+              <a:p>
+                <a:pPr algn="l">
+                  <a:lnSpc>
+                    <a:spcPct val="90000"/>
+                  </a:lnSpc>
+                  <a:spcBef>
+                    <a:spcPct val="40000"/>
+                  </a:spcBef>
+                </a:pPr>
+                <a:r>
+                  <a:rPr lang="en-US" altLang="de-DE" dirty="0"/>
+                  <a:t>4. </a:t>
+                </a:r>
+                <a:r>
+                  <a:rPr lang="en-US" altLang="de-DE" dirty="0" err="1"/>
+                  <a:t>Postback</a:t>
+                </a:r>
+                <a:r>
+                  <a:rPr lang="en-US" altLang="de-DE" dirty="0"/>
+                  <a:t> event handling</a:t>
+                </a:r>
+              </a:p>
+            </p:txBody>
+          </p:sp>
+          <p:sp>
+            <p:nvSpPr>
+              <p:cNvPr id="29" name="AutoShape 97"/>
+              <p:cNvSpPr>
+                <a:spLocks noChangeArrowheads="1"/>
+              </p:cNvSpPr>
+              <p:nvPr/>
+            </p:nvSpPr>
+            <p:spPr bwMode="auto">
+              <a:xfrm>
+                <a:off x="8112125" y="4353181"/>
+                <a:ext cx="3290888" cy="393700"/>
+              </a:xfrm>
+              <a:prstGeom prst="roundRect">
+                <a:avLst>
+                  <a:gd name="adj" fmla="val 16667"/>
+                </a:avLst>
+              </a:prstGeom>
+              <a:ln w="19050">
+                <a:solidFill>
+                  <a:schemeClr val="bg1">
+                    <a:lumMod val="50000"/>
+                  </a:schemeClr>
+                </a:solidFill>
+                <a:headEnd/>
+                <a:tailEnd/>
+              </a:ln>
+            </p:spPr>
+            <p:style>
+              <a:lnRef idx="2">
+                <a:schemeClr val="accent1"/>
+              </a:lnRef>
+              <a:fillRef idx="1">
+                <a:schemeClr val="lt1"/>
+              </a:fillRef>
+              <a:effectRef idx="0">
+                <a:schemeClr val="accent1"/>
+              </a:effectRef>
+              <a:fontRef idx="minor">
+                <a:schemeClr val="dk1"/>
+              </a:fontRef>
+            </p:style>
+            <p:txBody>
+              <a:bodyPr wrap="none" anchor="ctr"/>
+              <a:lstStyle>
+                <a:lvl1pPr algn="ctr" eaLnBrk="0" hangingPunct="0">
+                  <a:defRPr>
+                    <a:solidFill>
+                      <a:schemeClr val="tx1"/>
+                    </a:solidFill>
+                    <a:latin typeface="Verdana" panose="020B0604030504040204" pitchFamily="34" charset="0"/>
+                    <a:cs typeface="Arial" panose="020B0604020202020204" pitchFamily="34" charset="0"/>
+                  </a:defRPr>
+                </a:lvl1pPr>
+                <a:lvl2pPr marL="742950" indent="-285750" algn="ctr" eaLnBrk="0" hangingPunct="0">
+                  <a:defRPr>
+                    <a:solidFill>
+                      <a:schemeClr val="tx1"/>
+                    </a:solidFill>
+                    <a:latin typeface="Verdana" panose="020B0604030504040204" pitchFamily="34" charset="0"/>
+                    <a:cs typeface="Arial" panose="020B0604020202020204" pitchFamily="34" charset="0"/>
+                  </a:defRPr>
+                </a:lvl2pPr>
+                <a:lvl3pPr marL="1143000" indent="-228600" algn="ctr" eaLnBrk="0" hangingPunct="0">
+                  <a:defRPr>
+                    <a:solidFill>
+                      <a:schemeClr val="tx1"/>
+                    </a:solidFill>
+                    <a:latin typeface="Verdana" panose="020B0604030504040204" pitchFamily="34" charset="0"/>
+                    <a:cs typeface="Arial" panose="020B0604020202020204" pitchFamily="34" charset="0"/>
+                  </a:defRPr>
+                </a:lvl3pPr>
+                <a:lvl4pPr marL="1600200" indent="-228600" algn="ctr" eaLnBrk="0" hangingPunct="0">
+                  <a:defRPr>
+                    <a:solidFill>
+                      <a:schemeClr val="tx1"/>
+                    </a:solidFill>
+                    <a:latin typeface="Verdana" panose="020B0604030504040204" pitchFamily="34" charset="0"/>
+                    <a:cs typeface="Arial" panose="020B0604020202020204" pitchFamily="34" charset="0"/>
+                  </a:defRPr>
+                </a:lvl4pPr>
+                <a:lvl5pPr marL="2057400" indent="-228600" algn="ctr" eaLnBrk="0" hangingPunct="0">
+                  <a:defRPr>
+                    <a:solidFill>
+                      <a:schemeClr val="tx1"/>
+                    </a:solidFill>
+                    <a:latin typeface="Verdana" panose="020B0604030504040204" pitchFamily="34" charset="0"/>
+                    <a:cs typeface="Arial" panose="020B0604020202020204" pitchFamily="34" charset="0"/>
+                  </a:defRPr>
+                </a:lvl5pPr>
+                <a:lvl6pPr marL="2514600" indent="-228600" algn="ctr" eaLnBrk="0" fontAlgn="base" hangingPunct="0">
+                  <a:spcBef>
+                    <a:spcPct val="0"/>
+                  </a:spcBef>
+                  <a:spcAft>
+                    <a:spcPct val="0"/>
+                  </a:spcAft>
+                  <a:defRPr>
+                    <a:solidFill>
+                      <a:schemeClr val="tx1"/>
+                    </a:solidFill>
+                    <a:latin typeface="Verdana" panose="020B0604030504040204" pitchFamily="34" charset="0"/>
+                    <a:cs typeface="Arial" panose="020B0604020202020204" pitchFamily="34" charset="0"/>
+                  </a:defRPr>
+                </a:lvl6pPr>
+                <a:lvl7pPr marL="2971800" indent="-228600" algn="ctr" eaLnBrk="0" fontAlgn="base" hangingPunct="0">
+                  <a:spcBef>
+                    <a:spcPct val="0"/>
+                  </a:spcBef>
+                  <a:spcAft>
+                    <a:spcPct val="0"/>
+                  </a:spcAft>
+                  <a:defRPr>
+                    <a:solidFill>
+                      <a:schemeClr val="tx1"/>
+                    </a:solidFill>
+                    <a:latin typeface="Verdana" panose="020B0604030504040204" pitchFamily="34" charset="0"/>
+                    <a:cs typeface="Arial" panose="020B0604020202020204" pitchFamily="34" charset="0"/>
+                  </a:defRPr>
+                </a:lvl7pPr>
+                <a:lvl8pPr marL="3429000" indent="-228600" algn="ctr" eaLnBrk="0" fontAlgn="base" hangingPunct="0">
+                  <a:spcBef>
+                    <a:spcPct val="0"/>
+                  </a:spcBef>
+                  <a:spcAft>
+                    <a:spcPct val="0"/>
+                  </a:spcAft>
+                  <a:defRPr>
+                    <a:solidFill>
+                      <a:schemeClr val="tx1"/>
+                    </a:solidFill>
+                    <a:latin typeface="Verdana" panose="020B0604030504040204" pitchFamily="34" charset="0"/>
+                    <a:cs typeface="Arial" panose="020B0604020202020204" pitchFamily="34" charset="0"/>
+                  </a:defRPr>
+                </a:lvl8pPr>
+                <a:lvl9pPr marL="3886200" indent="-228600" algn="ctr" eaLnBrk="0" fontAlgn="base" hangingPunct="0">
+                  <a:spcBef>
+                    <a:spcPct val="0"/>
+                  </a:spcBef>
+                  <a:spcAft>
+                    <a:spcPct val="0"/>
+                  </a:spcAft>
+                  <a:defRPr>
+                    <a:solidFill>
+                      <a:schemeClr val="tx1"/>
+                    </a:solidFill>
+                    <a:latin typeface="Verdana" panose="020B0604030504040204" pitchFamily="34" charset="0"/>
+                    <a:cs typeface="Arial" panose="020B0604020202020204" pitchFamily="34" charset="0"/>
+                  </a:defRPr>
+                </a:lvl9pPr>
+              </a:lstStyle>
+              <a:p>
+                <a:pPr algn="l">
+                  <a:lnSpc>
+                    <a:spcPct val="90000"/>
+                  </a:lnSpc>
+                  <a:spcBef>
+                    <a:spcPct val="40000"/>
+                  </a:spcBef>
+                </a:pPr>
+                <a:r>
+                  <a:rPr lang="en-US" altLang="de-DE" dirty="0"/>
+                  <a:t>5. Rendering</a:t>
+                </a:r>
+              </a:p>
+            </p:txBody>
+          </p:sp>
+          <p:sp>
+            <p:nvSpPr>
+              <p:cNvPr id="30" name="AutoShape 105"/>
+              <p:cNvSpPr>
+                <a:spLocks noChangeArrowheads="1"/>
+              </p:cNvSpPr>
+              <p:nvPr/>
+            </p:nvSpPr>
+            <p:spPr bwMode="auto">
+              <a:xfrm>
+                <a:off x="8129711" y="4824351"/>
+                <a:ext cx="3290888" cy="393700"/>
+              </a:xfrm>
+              <a:prstGeom prst="roundRect">
+                <a:avLst>
+                  <a:gd name="adj" fmla="val 16667"/>
+                </a:avLst>
+              </a:prstGeom>
+              <a:ln w="19050">
+                <a:solidFill>
+                  <a:schemeClr val="bg1">
+                    <a:lumMod val="50000"/>
+                  </a:schemeClr>
+                </a:solidFill>
+                <a:headEnd/>
+                <a:tailEnd/>
+              </a:ln>
+            </p:spPr>
+            <p:style>
+              <a:lnRef idx="2">
+                <a:schemeClr val="accent1"/>
+              </a:lnRef>
+              <a:fillRef idx="1">
+                <a:schemeClr val="lt1"/>
+              </a:fillRef>
+              <a:effectRef idx="0">
+                <a:schemeClr val="accent1"/>
+              </a:effectRef>
+              <a:fontRef idx="minor">
+                <a:schemeClr val="dk1"/>
+              </a:fontRef>
+            </p:style>
+            <p:txBody>
+              <a:bodyPr/>
+              <a:lstStyle>
+                <a:lvl1pPr algn="ctr" eaLnBrk="0" hangingPunct="0">
+                  <a:defRPr>
+                    <a:solidFill>
+                      <a:schemeClr val="tx1"/>
+                    </a:solidFill>
+                    <a:latin typeface="Verdana" panose="020B0604030504040204" pitchFamily="34" charset="0"/>
+                    <a:cs typeface="Arial" panose="020B0604020202020204" pitchFamily="34" charset="0"/>
+                  </a:defRPr>
+                </a:lvl1pPr>
+                <a:lvl2pPr marL="742950" indent="-285750" algn="ctr" eaLnBrk="0" hangingPunct="0">
+                  <a:defRPr>
+                    <a:solidFill>
+                      <a:schemeClr val="tx1"/>
+                    </a:solidFill>
+                    <a:latin typeface="Verdana" panose="020B0604030504040204" pitchFamily="34" charset="0"/>
+                    <a:cs typeface="Arial" panose="020B0604020202020204" pitchFamily="34" charset="0"/>
+                  </a:defRPr>
+                </a:lvl2pPr>
+                <a:lvl3pPr marL="1143000" indent="-228600" algn="ctr" eaLnBrk="0" hangingPunct="0">
+                  <a:defRPr>
+                    <a:solidFill>
+                      <a:schemeClr val="tx1"/>
+                    </a:solidFill>
+                    <a:latin typeface="Verdana" panose="020B0604030504040204" pitchFamily="34" charset="0"/>
+                    <a:cs typeface="Arial" panose="020B0604020202020204" pitchFamily="34" charset="0"/>
+                  </a:defRPr>
+                </a:lvl3pPr>
+                <a:lvl4pPr marL="1600200" indent="-228600" algn="ctr" eaLnBrk="0" hangingPunct="0">
+                  <a:defRPr>
+                    <a:solidFill>
+                      <a:schemeClr val="tx1"/>
+                    </a:solidFill>
+                    <a:latin typeface="Verdana" panose="020B0604030504040204" pitchFamily="34" charset="0"/>
+                    <a:cs typeface="Arial" panose="020B0604020202020204" pitchFamily="34" charset="0"/>
+                  </a:defRPr>
+                </a:lvl4pPr>
+                <a:lvl5pPr marL="2057400" indent="-228600" algn="ctr" eaLnBrk="0" hangingPunct="0">
+                  <a:defRPr>
+                    <a:solidFill>
+                      <a:schemeClr val="tx1"/>
+                    </a:solidFill>
+                    <a:latin typeface="Verdana" panose="020B0604030504040204" pitchFamily="34" charset="0"/>
+                    <a:cs typeface="Arial" panose="020B0604020202020204" pitchFamily="34" charset="0"/>
+                  </a:defRPr>
+                </a:lvl5pPr>
+                <a:lvl6pPr marL="2514600" indent="-228600" algn="ctr" eaLnBrk="0" fontAlgn="base" hangingPunct="0">
+                  <a:spcBef>
+                    <a:spcPct val="0"/>
+                  </a:spcBef>
+                  <a:spcAft>
+                    <a:spcPct val="0"/>
+                  </a:spcAft>
+                  <a:defRPr>
+                    <a:solidFill>
+                      <a:schemeClr val="tx1"/>
+                    </a:solidFill>
+                    <a:latin typeface="Verdana" panose="020B0604030504040204" pitchFamily="34" charset="0"/>
+                    <a:cs typeface="Arial" panose="020B0604020202020204" pitchFamily="34" charset="0"/>
+                  </a:defRPr>
+                </a:lvl6pPr>
+                <a:lvl7pPr marL="2971800" indent="-228600" algn="ctr" eaLnBrk="0" fontAlgn="base" hangingPunct="0">
+                  <a:spcBef>
+                    <a:spcPct val="0"/>
+                  </a:spcBef>
+                  <a:spcAft>
+                    <a:spcPct val="0"/>
+                  </a:spcAft>
+                  <a:defRPr>
+                    <a:solidFill>
+                      <a:schemeClr val="tx1"/>
+                    </a:solidFill>
+                    <a:latin typeface="Verdana" panose="020B0604030504040204" pitchFamily="34" charset="0"/>
+                    <a:cs typeface="Arial" panose="020B0604020202020204" pitchFamily="34" charset="0"/>
+                  </a:defRPr>
+                </a:lvl7pPr>
+                <a:lvl8pPr marL="3429000" indent="-228600" algn="ctr" eaLnBrk="0" fontAlgn="base" hangingPunct="0">
+                  <a:spcBef>
+                    <a:spcPct val="0"/>
+                  </a:spcBef>
+                  <a:spcAft>
+                    <a:spcPct val="0"/>
+                  </a:spcAft>
+                  <a:defRPr>
+                    <a:solidFill>
+                      <a:schemeClr val="tx1"/>
+                    </a:solidFill>
+                    <a:latin typeface="Verdana" panose="020B0604030504040204" pitchFamily="34" charset="0"/>
+                    <a:cs typeface="Arial" panose="020B0604020202020204" pitchFamily="34" charset="0"/>
+                  </a:defRPr>
+                </a:lvl8pPr>
+                <a:lvl9pPr marL="3886200" indent="-228600" algn="ctr" eaLnBrk="0" fontAlgn="base" hangingPunct="0">
+                  <a:spcBef>
+                    <a:spcPct val="0"/>
+                  </a:spcBef>
+                  <a:spcAft>
+                    <a:spcPct val="0"/>
+                  </a:spcAft>
+                  <a:defRPr>
+                    <a:solidFill>
+                      <a:schemeClr val="tx1"/>
+                    </a:solidFill>
+                    <a:latin typeface="Verdana" panose="020B0604030504040204" pitchFamily="34" charset="0"/>
+                    <a:cs typeface="Arial" panose="020B0604020202020204" pitchFamily="34" charset="0"/>
+                  </a:defRPr>
+                </a:lvl9pPr>
+              </a:lstStyle>
+              <a:p>
+                <a:pPr algn="l" eaLnBrk="1" hangingPunct="1"/>
+                <a:r>
+                  <a:rPr lang="en-US" altLang="de-DE" dirty="0"/>
+                  <a:t>6. Page unloading</a:t>
+                </a:r>
+              </a:p>
+            </p:txBody>
+          </p:sp>
+        </p:grpSp>
+      </p:grpSp>
+      <p:grpSp>
+        <p:nvGrpSpPr>
+          <p:cNvPr id="21" name="Gruppieren 20"/>
+          <p:cNvGrpSpPr/>
+          <p:nvPr/>
+        </p:nvGrpSpPr>
+        <p:grpSpPr>
+          <a:xfrm>
+            <a:off x="508325" y="3223595"/>
+            <a:ext cx="1434775" cy="2174882"/>
+            <a:chOff x="625062" y="2862715"/>
+            <a:chExt cx="1232788" cy="1866325"/>
+          </a:xfrm>
+          <a:solidFill>
+            <a:schemeClr val="tx1"/>
+          </a:solidFill>
+        </p:grpSpPr>
+        <p:sp>
+          <p:nvSpPr>
+            <p:cNvPr id="28" name="Ellipse 27"/>
+            <p:cNvSpPr/>
+            <p:nvPr/>
+          </p:nvSpPr>
+          <p:spPr>
+            <a:xfrm>
+              <a:off x="993299" y="2862715"/>
+              <a:ext cx="480306" cy="451172"/>
+            </a:xfrm>
+            <a:prstGeom prst="ellipse">
+              <a:avLst/>
+            </a:prstGeom>
+            <a:grpFill/>
+            <a:ln>
+              <a:noFill/>
+            </a:ln>
+          </p:spPr>
+          <p:style>
+            <a:lnRef idx="2">
+              <a:schemeClr val="accent3">
+                <a:shade val="50000"/>
+              </a:schemeClr>
+            </a:lnRef>
+            <a:fillRef idx="1">
+              <a:schemeClr val="accent3"/>
+            </a:fillRef>
+            <a:effectRef idx="0">
+              <a:schemeClr val="accent3"/>
+            </a:effectRef>
+            <a:fontRef idx="minor">
+              <a:schemeClr val="lt1"/>
+            </a:fontRef>
+          </p:style>
+          <p:txBody>
+            <a:bodyPr rtlCol="0" anchor="ctr"/>
+            <a:lstStyle/>
+            <a:p>
+              <a:pPr algn="ctr"/>
+              <a:endParaRPr lang="de-DE"/>
+            </a:p>
+          </p:txBody>
+        </p:sp>
+        <p:sp>
+          <p:nvSpPr>
+            <p:cNvPr id="31" name="Sehne 30"/>
+            <p:cNvSpPr/>
+            <p:nvPr/>
+          </p:nvSpPr>
+          <p:spPr>
+            <a:xfrm rot="5400000">
+              <a:off x="547966" y="3605173"/>
+              <a:ext cx="1383077" cy="864657"/>
+            </a:xfrm>
+            <a:prstGeom prst="chord">
+              <a:avLst>
+                <a:gd name="adj1" fmla="val 6350610"/>
+                <a:gd name="adj2" fmla="val 15311491"/>
+              </a:avLst>
+            </a:prstGeom>
+            <a:grpFill/>
+            <a:ln>
+              <a:noFill/>
+            </a:ln>
+          </p:spPr>
+          <p:style>
+            <a:lnRef idx="2">
+              <a:schemeClr val="accent1">
+                <a:shade val="50000"/>
+              </a:schemeClr>
+            </a:lnRef>
+            <a:fillRef idx="1">
+              <a:schemeClr val="accent1"/>
+            </a:fillRef>
+            <a:effectRef idx="0">
+              <a:schemeClr val="accent1"/>
+            </a:effectRef>
+            <a:fontRef idx="minor">
+              <a:schemeClr val="lt1"/>
+            </a:fontRef>
+          </p:style>
+          <p:txBody>
+            <a:bodyPr rtlCol="0" anchor="ctr"/>
+            <a:lstStyle/>
+            <a:p>
+              <a:pPr algn="ctr"/>
+              <a:endParaRPr lang="de-DE" dirty="0"/>
+            </a:p>
+          </p:txBody>
+        </p:sp>
+        <p:sp>
+          <p:nvSpPr>
+            <p:cNvPr id="32" name="Sehne 31"/>
+            <p:cNvSpPr/>
+            <p:nvPr/>
+          </p:nvSpPr>
+          <p:spPr>
+            <a:xfrm rot="16200000">
+              <a:off x="733025" y="2929303"/>
+              <a:ext cx="1016862" cy="1232788"/>
+            </a:xfrm>
+            <a:prstGeom prst="chord">
+              <a:avLst>
+                <a:gd name="adj1" fmla="val 7861247"/>
+                <a:gd name="adj2" fmla="val 13851812"/>
+              </a:avLst>
+            </a:prstGeom>
+            <a:grpFill/>
+            <a:ln>
+              <a:noFill/>
+            </a:ln>
+          </p:spPr>
+          <p:style>
+            <a:lnRef idx="2">
+              <a:schemeClr val="accent1">
+                <a:shade val="50000"/>
+              </a:schemeClr>
+            </a:lnRef>
+            <a:fillRef idx="1">
+              <a:schemeClr val="accent1"/>
+            </a:fillRef>
+            <a:effectRef idx="0">
+              <a:schemeClr val="accent1"/>
+            </a:effectRef>
+            <a:fontRef idx="minor">
+              <a:schemeClr val="lt1"/>
+            </a:fontRef>
+          </p:style>
+          <p:txBody>
+            <a:bodyPr rtlCol="0" anchor="ctr"/>
+            <a:lstStyle/>
+            <a:p>
+              <a:pPr algn="ctr"/>
+              <a:endParaRPr lang="de-DE"/>
+            </a:p>
+          </p:txBody>
+        </p:sp>
+      </p:grpSp>
+      <p:grpSp>
+        <p:nvGrpSpPr>
+          <p:cNvPr id="33" name="Gruppieren 32"/>
+          <p:cNvGrpSpPr/>
+          <p:nvPr/>
+        </p:nvGrpSpPr>
+        <p:grpSpPr>
+          <a:xfrm>
+            <a:off x="3991093" y="2900302"/>
+            <a:ext cx="915015" cy="1711682"/>
+            <a:chOff x="6574832" y="5328316"/>
+            <a:chExt cx="869677" cy="1342503"/>
+          </a:xfrm>
+        </p:grpSpPr>
+        <p:sp>
+          <p:nvSpPr>
+            <p:cNvPr id="34" name="Flussdiagramm: Magnetplattenspeicher 33"/>
+            <p:cNvSpPr/>
+            <p:nvPr/>
+          </p:nvSpPr>
+          <p:spPr>
+            <a:xfrm>
+              <a:off x="6582851" y="6118324"/>
+              <a:ext cx="861658" cy="552495"/>
+            </a:xfrm>
+            <a:prstGeom prst="flowChartMagneticDisk">
+              <a:avLst/>
+            </a:prstGeom>
+            <a:solidFill>
+              <a:schemeClr val="tx1"/>
+            </a:solidFill>
+            <a:ln>
+              <a:noFill/>
+            </a:ln>
+          </p:spPr>
+          <p:style>
+            <a:lnRef idx="2">
+              <a:schemeClr val="accent1">
+                <a:shade val="50000"/>
+              </a:schemeClr>
+            </a:lnRef>
+            <a:fillRef idx="1">
+              <a:schemeClr val="accent1"/>
+            </a:fillRef>
+            <a:effectRef idx="0">
+              <a:schemeClr val="accent1"/>
+            </a:effectRef>
+            <a:fontRef idx="minor">
+              <a:schemeClr val="lt1"/>
+            </a:fontRef>
+          </p:style>
+          <p:txBody>
+            <a:bodyPr rtlCol="0" anchor="ctr"/>
+            <a:lstStyle/>
+            <a:p>
+              <a:pPr algn="ctr"/>
+              <a:endParaRPr lang="de-DE"/>
+            </a:p>
+          </p:txBody>
+        </p:sp>
+        <p:sp>
+          <p:nvSpPr>
+            <p:cNvPr id="35" name="Flussdiagramm: Magnetplattenspeicher 34"/>
+            <p:cNvSpPr/>
+            <p:nvPr/>
+          </p:nvSpPr>
+          <p:spPr>
+            <a:xfrm>
+              <a:off x="6582851" y="5928419"/>
+              <a:ext cx="861658" cy="552495"/>
+            </a:xfrm>
+            <a:prstGeom prst="flowChartMagneticDisk">
+              <a:avLst/>
+            </a:prstGeom>
+            <a:solidFill>
+              <a:schemeClr val="bg1"/>
+            </a:solidFill>
+            <a:ln>
+              <a:noFill/>
+            </a:ln>
+          </p:spPr>
+          <p:style>
+            <a:lnRef idx="2">
+              <a:schemeClr val="accent1">
+                <a:shade val="50000"/>
+              </a:schemeClr>
+            </a:lnRef>
+            <a:fillRef idx="1">
+              <a:schemeClr val="accent1"/>
+            </a:fillRef>
+            <a:effectRef idx="0">
+              <a:schemeClr val="accent1"/>
+            </a:effectRef>
+            <a:fontRef idx="minor">
+              <a:schemeClr val="lt1"/>
+            </a:fontRef>
+          </p:style>
+          <p:txBody>
+            <a:bodyPr rtlCol="0" anchor="ctr"/>
+            <a:lstStyle/>
+            <a:p>
+              <a:pPr algn="ctr"/>
+              <a:endParaRPr lang="de-DE"/>
+            </a:p>
+          </p:txBody>
+        </p:sp>
+        <p:sp>
+          <p:nvSpPr>
+            <p:cNvPr id="36" name="Flussdiagramm: Magnetplattenspeicher 35"/>
+            <p:cNvSpPr/>
+            <p:nvPr/>
+          </p:nvSpPr>
+          <p:spPr>
+            <a:xfrm>
+              <a:off x="6582851" y="5867810"/>
+              <a:ext cx="861658" cy="552495"/>
+            </a:xfrm>
+            <a:prstGeom prst="flowChartMagneticDisk">
+              <a:avLst/>
+            </a:prstGeom>
+            <a:solidFill>
+              <a:schemeClr val="tx1"/>
+            </a:solidFill>
+            <a:ln>
+              <a:noFill/>
+            </a:ln>
+          </p:spPr>
+          <p:style>
+            <a:lnRef idx="2">
+              <a:schemeClr val="accent1">
+                <a:shade val="50000"/>
+              </a:schemeClr>
+            </a:lnRef>
+            <a:fillRef idx="1">
+              <a:schemeClr val="accent1"/>
+            </a:fillRef>
+            <a:effectRef idx="0">
+              <a:schemeClr val="accent1"/>
+            </a:effectRef>
+            <a:fontRef idx="minor">
+              <a:schemeClr val="lt1"/>
+            </a:fontRef>
+          </p:style>
+          <p:txBody>
+            <a:bodyPr rtlCol="0" anchor="ctr"/>
+            <a:lstStyle/>
+            <a:p>
+              <a:pPr algn="ctr"/>
+              <a:endParaRPr lang="de-DE"/>
+            </a:p>
+          </p:txBody>
+        </p:sp>
+        <p:sp>
+          <p:nvSpPr>
+            <p:cNvPr id="37" name="Flussdiagramm: Magnetplattenspeicher 36"/>
+            <p:cNvSpPr/>
+            <p:nvPr/>
+          </p:nvSpPr>
+          <p:spPr>
+            <a:xfrm>
+              <a:off x="6582851" y="5702736"/>
+              <a:ext cx="861658" cy="552495"/>
+            </a:xfrm>
+            <a:prstGeom prst="flowChartMagneticDisk">
+              <a:avLst/>
+            </a:prstGeom>
+            <a:solidFill>
+              <a:schemeClr val="bg1"/>
+            </a:solidFill>
+            <a:ln>
+              <a:noFill/>
+            </a:ln>
+          </p:spPr>
+          <p:style>
+            <a:lnRef idx="2">
+              <a:schemeClr val="accent1">
+                <a:shade val="50000"/>
+              </a:schemeClr>
+            </a:lnRef>
+            <a:fillRef idx="1">
+              <a:schemeClr val="accent1"/>
+            </a:fillRef>
+            <a:effectRef idx="0">
+              <a:schemeClr val="accent1"/>
+            </a:effectRef>
+            <a:fontRef idx="minor">
+              <a:schemeClr val="lt1"/>
+            </a:fontRef>
+          </p:style>
+          <p:txBody>
+            <a:bodyPr rtlCol="0" anchor="ctr"/>
+            <a:lstStyle/>
+            <a:p>
+              <a:pPr algn="ctr"/>
+              <a:endParaRPr lang="de-DE"/>
+            </a:p>
+          </p:txBody>
+        </p:sp>
+        <p:sp>
+          <p:nvSpPr>
+            <p:cNvPr id="38" name="Flussdiagramm: Magnetplattenspeicher 37"/>
+            <p:cNvSpPr/>
+            <p:nvPr/>
+          </p:nvSpPr>
+          <p:spPr>
+            <a:xfrm>
+              <a:off x="6582851" y="5637553"/>
+              <a:ext cx="861658" cy="552495"/>
+            </a:xfrm>
+            <a:prstGeom prst="flowChartMagneticDisk">
+              <a:avLst/>
+            </a:prstGeom>
+            <a:solidFill>
+              <a:schemeClr val="tx1"/>
+            </a:solidFill>
+            <a:ln>
+              <a:noFill/>
+            </a:ln>
+          </p:spPr>
+          <p:style>
+            <a:lnRef idx="2">
+              <a:schemeClr val="accent1">
+                <a:shade val="50000"/>
+              </a:schemeClr>
+            </a:lnRef>
+            <a:fillRef idx="1">
+              <a:schemeClr val="accent1"/>
+            </a:fillRef>
+            <a:effectRef idx="0">
+              <a:schemeClr val="accent1"/>
+            </a:effectRef>
+            <a:fontRef idx="minor">
+              <a:schemeClr val="lt1"/>
+            </a:fontRef>
+          </p:style>
+          <p:txBody>
+            <a:bodyPr rtlCol="0" anchor="ctr"/>
+            <a:lstStyle/>
+            <a:p>
+              <a:pPr algn="ctr"/>
+              <a:endParaRPr lang="de-DE" dirty="0"/>
+            </a:p>
+          </p:txBody>
+        </p:sp>
+        <p:sp>
+          <p:nvSpPr>
+            <p:cNvPr id="39" name="Flussdiagramm: Magnetplattenspeicher 38"/>
+            <p:cNvSpPr/>
+            <p:nvPr/>
+          </p:nvSpPr>
+          <p:spPr>
+            <a:xfrm>
+              <a:off x="6582851" y="5472479"/>
+              <a:ext cx="861658" cy="552495"/>
+            </a:xfrm>
+            <a:prstGeom prst="flowChartMagneticDisk">
+              <a:avLst/>
+            </a:prstGeom>
+            <a:solidFill>
+              <a:schemeClr val="bg1"/>
+            </a:solidFill>
+            <a:ln>
+              <a:noFill/>
+            </a:ln>
+          </p:spPr>
+          <p:style>
+            <a:lnRef idx="2">
+              <a:schemeClr val="accent1">
+                <a:shade val="50000"/>
+              </a:schemeClr>
+            </a:lnRef>
+            <a:fillRef idx="1">
+              <a:schemeClr val="accent1"/>
+            </a:fillRef>
+            <a:effectRef idx="0">
+              <a:schemeClr val="accent1"/>
+            </a:effectRef>
+            <a:fontRef idx="minor">
+              <a:schemeClr val="lt1"/>
+            </a:fontRef>
+          </p:style>
+          <p:txBody>
+            <a:bodyPr rtlCol="0" anchor="ctr"/>
+            <a:lstStyle/>
+            <a:p>
+              <a:pPr algn="ctr"/>
+              <a:endParaRPr lang="de-DE"/>
+            </a:p>
+          </p:txBody>
+        </p:sp>
+        <p:sp>
+          <p:nvSpPr>
+            <p:cNvPr id="40" name="Flussdiagramm: Magnetplattenspeicher 39"/>
+            <p:cNvSpPr/>
+            <p:nvPr/>
+          </p:nvSpPr>
+          <p:spPr>
+            <a:xfrm>
+              <a:off x="6582851" y="5467096"/>
+              <a:ext cx="861658" cy="488594"/>
+            </a:xfrm>
+            <a:prstGeom prst="flowChartMagneticDisk">
+              <a:avLst/>
+            </a:prstGeom>
+            <a:solidFill>
+              <a:schemeClr val="tx1"/>
+            </a:solidFill>
+            <a:ln>
+              <a:noFill/>
+            </a:ln>
+          </p:spPr>
+          <p:style>
+            <a:lnRef idx="2">
+              <a:schemeClr val="accent1">
+                <a:shade val="50000"/>
+              </a:schemeClr>
+            </a:lnRef>
+            <a:fillRef idx="1">
+              <a:schemeClr val="accent1"/>
+            </a:fillRef>
+            <a:effectRef idx="0">
+              <a:schemeClr val="accent1"/>
+            </a:effectRef>
+            <a:fontRef idx="minor">
+              <a:schemeClr val="lt1"/>
+            </a:fontRef>
+          </p:style>
+          <p:txBody>
+            <a:bodyPr rtlCol="0" anchor="ctr"/>
+            <a:lstStyle/>
+            <a:p>
+              <a:pPr algn="ctr"/>
+              <a:endParaRPr lang="de-DE"/>
+            </a:p>
+          </p:txBody>
+        </p:sp>
+        <p:sp>
+          <p:nvSpPr>
+            <p:cNvPr id="41" name="Flussdiagramm: Gespeicherte Daten 40"/>
+            <p:cNvSpPr/>
+            <p:nvPr/>
+          </p:nvSpPr>
+          <p:spPr>
+            <a:xfrm rot="5400000">
+              <a:off x="6793223" y="5109925"/>
+              <a:ext cx="424873" cy="861656"/>
+            </a:xfrm>
+            <a:prstGeom prst="flowChartOnlineStorage">
+              <a:avLst/>
+            </a:prstGeom>
+            <a:solidFill>
+              <a:schemeClr val="bg1"/>
+            </a:solidFill>
+            <a:ln>
+              <a:solidFill>
+                <a:schemeClr val="bg1"/>
+              </a:solidFill>
+            </a:ln>
+          </p:spPr>
+          <p:style>
+            <a:lnRef idx="2">
+              <a:schemeClr val="accent1">
+                <a:shade val="50000"/>
+              </a:schemeClr>
+            </a:lnRef>
+            <a:fillRef idx="1">
+              <a:schemeClr val="accent1"/>
+            </a:fillRef>
+            <a:effectRef idx="0">
+              <a:schemeClr val="accent1"/>
+            </a:effectRef>
+            <a:fontRef idx="minor">
+              <a:schemeClr val="lt1"/>
+            </a:fontRef>
+          </p:style>
+          <p:txBody>
+            <a:bodyPr rtlCol="0" anchor="ctr"/>
+            <a:lstStyle/>
+            <a:p>
+              <a:pPr algn="ctr"/>
+              <a:endParaRPr lang="de-DE"/>
+            </a:p>
+          </p:txBody>
+        </p:sp>
+      </p:grpSp>
+    </p:spTree>
+    <p:extLst>
+      <p:ext uri="{BB962C8B-B14F-4D97-AF65-F5344CB8AC3E}">
+        <p14:creationId xmlns:p14="http://schemas.microsoft.com/office/powerpoint/2010/main" val="16963577"/>
+      </p:ext>
+    </p:extLst>
+  </p:cSld>
+  <p:clrMapOvr>
+    <a:masterClrMapping/>
+  </p:clrMapOvr>
+  <p:timing>
+    <p:tnLst>
+      <p:par>
+        <p:cTn id="1" dur="indefinite" restart="never" nodeType="tmRoot"/>
+      </p:par>
+    </p:tnLst>
+  </p:timing>
+</p:sld>
+</file>
+
+<file path=ppt/slides/slide5.xml><?xml version="1.0" encoding="utf-8"?>
 <p:sld xmlns:a="http://schemas.openxmlformats.org/drawingml/2006/main" xmlns:r="http://schemas.openxmlformats.org/officeDocument/2006/relationships" xmlns:p="http://schemas.openxmlformats.org/presentationml/2006/main">
   <p:cSld>
     <p:spTree>
@@ -15467,7 +13825,7 @@
 </p:sld>
 </file>
 
-<file path=ppt/slides/slide7.xml><?xml version="1.0" encoding="utf-8"?>
+<file path=ppt/slides/slide6.xml><?xml version="1.0" encoding="utf-8"?>
 <p:sld xmlns:a="http://schemas.openxmlformats.org/drawingml/2006/main" xmlns:r="http://schemas.openxmlformats.org/officeDocument/2006/relationships" xmlns:p="http://schemas.openxmlformats.org/presentationml/2006/main">
   <p:cSld>
     <p:spTree>
@@ -16539,7 +14897,7 @@
 </p:sld>
 </file>
 
-<file path=ppt/slides/slide8.xml><?xml version="1.0" encoding="utf-8"?>
+<file path=ppt/slides/slide7.xml><?xml version="1.0" encoding="utf-8"?>
 <p:sld xmlns:a="http://schemas.openxmlformats.org/drawingml/2006/main" xmlns:r="http://schemas.openxmlformats.org/officeDocument/2006/relationships" xmlns:p="http://schemas.openxmlformats.org/presentationml/2006/main">
   <p:cSld>
     <p:spTree>
@@ -16697,7 +15055,7 @@
 </p:sld>
 </file>
 
-<file path=ppt/slides/slide9.xml><?xml version="1.0" encoding="utf-8"?>
+<file path=ppt/slides/slide8.xml><?xml version="1.0" encoding="utf-8"?>
 <p:sld xmlns:a="http://schemas.openxmlformats.org/drawingml/2006/main" xmlns:r="http://schemas.openxmlformats.org/officeDocument/2006/relationships" xmlns:p="http://schemas.openxmlformats.org/presentationml/2006/main">
   <p:cSld>
     <p:spTree>
@@ -17037,6 +15395,149 @@
     <p:extLst>
       <p:ext uri="{BB962C8B-B14F-4D97-AF65-F5344CB8AC3E}">
         <p14:creationId xmlns:p14="http://schemas.microsoft.com/office/powerpoint/2010/main" val="1704081359"/>
+      </p:ext>
+    </p:extLst>
+  </p:cSld>
+  <p:clrMapOvr>
+    <a:masterClrMapping/>
+  </p:clrMapOvr>
+  <p:timing>
+    <p:tnLst>
+      <p:par>
+        <p:cTn id="1" dur="indefinite" restart="never" nodeType="tmRoot"/>
+      </p:par>
+    </p:tnLst>
+  </p:timing>
+</p:sld>
+</file>
+
+<file path=ppt/slides/slide9.xml><?xml version="1.0" encoding="utf-8"?>
+<p:sld xmlns:a="http://schemas.openxmlformats.org/drawingml/2006/main" xmlns:r="http://schemas.openxmlformats.org/officeDocument/2006/relationships" xmlns:p="http://schemas.openxmlformats.org/presentationml/2006/main">
+  <p:cSld>
+    <p:spTree>
+      <p:nvGrpSpPr>
+        <p:cNvPr id="1" name=""/>
+        <p:cNvGrpSpPr/>
+        <p:nvPr/>
+      </p:nvGrpSpPr>
+      <p:grpSpPr>
+        <a:xfrm>
+          <a:off x="0" y="0"/>
+          <a:ext cx="0" cy="0"/>
+          <a:chOff x="0" y="0"/>
+          <a:chExt cx="0" cy="0"/>
+        </a:xfrm>
+      </p:grpSpPr>
+      <p:sp>
+        <p:nvSpPr>
+          <p:cNvPr id="2" name="Titel 1"/>
+          <p:cNvSpPr>
+            <a:spLocks noGrp="1"/>
+          </p:cNvSpPr>
+          <p:nvPr>
+            <p:ph type="title"/>
+          </p:nvPr>
+        </p:nvSpPr>
+        <p:spPr/>
+        <p:txBody>
+          <a:bodyPr/>
+          <a:lstStyle/>
+          <a:p>
+            <a:r>
+              <a:rPr lang="de-DE" dirty="0" smtClean="0"/>
+              <a:t>Programmablauf steuern</a:t>
+            </a:r>
+            <a:endParaRPr lang="de-DE" dirty="0"/>
+          </a:p>
+        </p:txBody>
+      </p:sp>
+      <p:sp>
+        <p:nvSpPr>
+          <p:cNvPr id="3" name="Inhaltsplatzhalter 2"/>
+          <p:cNvSpPr>
+            <a:spLocks noGrp="1"/>
+          </p:cNvSpPr>
+          <p:nvPr>
+            <p:ph idx="1"/>
+          </p:nvPr>
+        </p:nvSpPr>
+        <p:spPr/>
+        <p:txBody>
+          <a:bodyPr/>
+          <a:lstStyle/>
+          <a:p>
+            <a:r>
+              <a:rPr lang="de-DE" dirty="0" smtClean="0"/>
+              <a:t>Web ist nicht Desktop</a:t>
+            </a:r>
+          </a:p>
+          <a:p>
+            <a:pPr lvl="1"/>
+            <a:r>
+              <a:rPr lang="de-DE" dirty="0" smtClean="0"/>
+              <a:t>Statuslos Server</a:t>
+            </a:r>
+          </a:p>
+          <a:p>
+            <a:pPr lvl="2"/>
+            <a:r>
+              <a:rPr lang="de-DE" dirty="0" smtClean="0"/>
+              <a:t>URI ist Status</a:t>
+            </a:r>
+          </a:p>
+          <a:p>
+            <a:pPr lvl="1"/>
+            <a:r>
+              <a:rPr lang="de-DE" dirty="0" smtClean="0"/>
+              <a:t>Globalen Variable</a:t>
+            </a:r>
+          </a:p>
+          <a:p>
+            <a:r>
+              <a:rPr lang="de-DE" dirty="0" smtClean="0"/>
+              <a:t>Events </a:t>
+            </a:r>
+          </a:p>
+          <a:p>
+            <a:pPr lvl="1"/>
+            <a:r>
+              <a:rPr lang="de-DE" dirty="0" smtClean="0"/>
+              <a:t>Button Click, </a:t>
+            </a:r>
+            <a:r>
+              <a:rPr lang="de-DE" dirty="0" err="1" smtClean="0"/>
+              <a:t>Selection</a:t>
+            </a:r>
+            <a:r>
+              <a:rPr lang="de-DE" dirty="0" smtClean="0"/>
+              <a:t> </a:t>
+            </a:r>
+            <a:r>
+              <a:rPr lang="de-DE" dirty="0" err="1" smtClean="0"/>
+              <a:t>Changed</a:t>
+            </a:r>
+            <a:endParaRPr lang="de-DE" dirty="0" smtClean="0"/>
+          </a:p>
+          <a:p>
+            <a:r>
+              <a:rPr lang="de-DE" dirty="0" smtClean="0"/>
+              <a:t>Page wird geladen</a:t>
+            </a:r>
+          </a:p>
+          <a:p>
+            <a:pPr lvl="1"/>
+            <a:r>
+              <a:rPr lang="de-DE" dirty="0" smtClean="0"/>
+              <a:t>Status </a:t>
+            </a:r>
+            <a:endParaRPr lang="de-DE" dirty="0"/>
+          </a:p>
+        </p:txBody>
+      </p:sp>
+    </p:spTree>
+    <p:extLst>
+      <p:ext uri="{BB962C8B-B14F-4D97-AF65-F5344CB8AC3E}">
+        <p14:creationId xmlns:p14="http://schemas.microsoft.com/office/powerpoint/2010/main" val="3435729037"/>
       </p:ext>
     </p:extLst>
   </p:cSld>

--- a/05AddingFunctionality.pptx
+++ b/05AddingFunctionality.pptx
@@ -7109,6 +7109,13 @@
   <p:clrMapOvr>
     <a:masterClrMapping/>
   </p:clrMapOvr>
+  <p:timing>
+    <p:tnLst>
+      <p:par>
+        <p:cTn id="1" dur="indefinite" restart="never" nodeType="tmRoot"/>
+      </p:par>
+    </p:tnLst>
+  </p:timing>
 </p:sld>
 </file>
 
@@ -7878,6 +7885,13 @@
   <p:clrMapOvr>
     <a:masterClrMapping/>
   </p:clrMapOvr>
+  <p:timing>
+    <p:tnLst>
+      <p:par>
+        <p:cTn id="1" dur="indefinite" restart="never" nodeType="tmRoot"/>
+      </p:par>
+    </p:tnLst>
+  </p:timing>
 </p:sld>
 </file>
 
@@ -9655,12 +9669,12 @@
               <a:t>Cookie ohne Zeit beim </a:t>
             </a:r>
             <a:r>
-              <a:rPr lang="de-DE" dirty="0" err="1" smtClean="0"/>
-              <a:t>Schliessen</a:t>
-            </a:r>
-            <a:r>
               <a:rPr lang="de-DE" dirty="0" smtClean="0"/>
-              <a:t> des Browsers</a:t>
+              <a:t>Schließen </a:t>
+            </a:r>
+            <a:r>
+              <a:rPr lang="de-DE" dirty="0" smtClean="0"/>
+              <a:t>des Browsers</a:t>
             </a:r>
           </a:p>
           <a:p>
@@ -9682,6 +9696,18 @@
             <a:r>
               <a:rPr lang="de-DE" dirty="0" err="1" smtClean="0"/>
               <a:t>Request.Cookies</a:t>
+            </a:r>
+            <a:endParaRPr lang="de-DE" dirty="0" smtClean="0"/>
+          </a:p>
+          <a:p>
+            <a:pPr lvl="1"/>
+            <a:r>
+              <a:rPr lang="de-DE" dirty="0" err="1" smtClean="0"/>
+              <a:t>Httpcookie</a:t>
+            </a:r>
+            <a:r>
+              <a:rPr lang="de-DE" dirty="0" smtClean="0"/>
+              <a:t> Objekt</a:t>
             </a:r>
             <a:endParaRPr lang="de-DE" dirty="0" smtClean="0"/>
           </a:p>
@@ -9903,6 +9929,13 @@
   <p:clrMapOvr>
     <a:masterClrMapping/>
   </p:clrMapOvr>
+  <p:timing>
+    <p:tnLst>
+      <p:par>
+        <p:cTn id="1" dur="indefinite" restart="never" nodeType="tmRoot"/>
+      </p:par>
+    </p:tnLst>
+  </p:timing>
 </p:sld>
 </file>
 
